--- a/Visual Data Science.pptx
+++ b/Visual Data Science.pptx
@@ -2918,7 +2918,7 @@
               </a:spcBef>
               <a:buNone/>
             </a:pPr>
-            <a:endParaRPr/>
+            <a:endParaRPr dirty="0"/>
           </a:p>
         </p:txBody>
       </p:sp>
@@ -3321,7 +3321,7 @@
         <p:spPr>
           <a:xfrm>
             <a:off x="1371600" y="1143000"/>
-            <a:ext cx="4114800" cy="3086099"/>
+            <a:ext cx="4114800" cy="3086100"/>
           </a:xfrm>
           <a:custGeom>
             <a:avLst/>
@@ -10831,7 +10831,7 @@
               <a:buNone/>
             </a:pPr>
             <a:r>
-              <a:rPr lang="en-US"/>
+              <a:rPr lang="en-US" dirty="0"/>
               <a:t>Visual Data Science</a:t>
             </a:r>
           </a:p>
@@ -12379,9 +12379,6 @@
           <a:lstStyle/>
           <a:p>
             <a:pPr marL="0" marR="0" lvl="0" indent="0" algn="ctr" rtl="0">
-              <a:lnSpc>
-                <a:spcPct val="120000"/>
-              </a:lnSpc>
               <a:spcBef>
                 <a:spcPts val="0"/>
               </a:spcBef>
@@ -12389,7 +12386,7 @@
               <a:buNone/>
             </a:pPr>
             <a:r>
-              <a:rPr lang="en-US" sz="15000">
+              <a:rPr lang="en-US" sz="12500" dirty="0" smtClean="0">
                 <a:solidFill>
                   <a:schemeClr val="lt1"/>
                 </a:solidFill>
@@ -12398,7 +12395,31 @@
                 <a:cs typeface="Cabin"/>
                 <a:sym typeface="Cabin"/>
               </a:rPr>
-              <a:t>Practical Exercise 1</a:t>
+              <a:t>“Homework”</a:t>
+            </a:r>
+            <a:r>
+              <a:rPr lang="en-US" sz="15000" dirty="0" smtClean="0">
+                <a:solidFill>
+                  <a:schemeClr val="lt1"/>
+                </a:solidFill>
+                <a:latin typeface="Cabin"/>
+                <a:ea typeface="Cabin"/>
+                <a:cs typeface="Cabin"/>
+                <a:sym typeface="Cabin"/>
+              </a:rPr>
+              <a:t> Exercise </a:t>
+            </a:r>
+            <a:r>
+              <a:rPr lang="en-US" sz="15000" dirty="0">
+                <a:solidFill>
+                  <a:schemeClr val="lt1"/>
+                </a:solidFill>
+                <a:latin typeface="Cabin"/>
+                <a:ea typeface="Cabin"/>
+                <a:cs typeface="Cabin"/>
+                <a:sym typeface="Cabin"/>
+              </a:rPr>
+              <a:t>1</a:t>
             </a:r>
           </a:p>
         </p:txBody>
@@ -12575,7 +12596,7 @@
               <a:t>Scrape.R</a:t>
             </a:r>
             <a:r>
-              <a:rPr lang="en-US" sz="2400" b="1">
+              <a:rPr lang="en-US" sz="2400" b="1" dirty="0">
                 <a:solidFill>
                   <a:srgbClr val="F3F3F3"/>
                 </a:solidFill>
@@ -12587,7 +12608,7 @@
               <a:t>" </a:t>
             </a:r>
             <a:r>
-              <a:rPr lang="en-US" sz="2400" b="1" smtClean="0">
+              <a:rPr lang="en-US" sz="2400" b="1" dirty="0" smtClean="0">
                 <a:solidFill>
                   <a:srgbClr val="F3F3F3"/>
                 </a:solidFill>
@@ -12599,19 +12620,19 @@
               <a:t>@</a:t>
             </a:r>
             <a:r>
-              <a:rPr lang="en-US" sz="2400" b="1" smtClean="0">
+              <a:rPr lang="en-US" sz="2400" b="1" dirty="0" smtClean="0">
                 <a:hlinkClick r:id="rId4"/>
               </a:rPr>
               <a:t>https</a:t>
             </a:r>
             <a:r>
-              <a:rPr lang="en-US" sz="2400" b="1">
+              <a:rPr lang="en-US" sz="2400" b="1" dirty="0">
                 <a:hlinkClick r:id="rId4"/>
               </a:rPr>
               <a:t>://goo.gl/z6OqUS</a:t>
             </a:r>
             <a:r>
-              <a:rPr lang="en-US" sz="2400" b="1" smtClean="0">
+              <a:rPr lang="en-US" sz="2400" b="1" dirty="0" smtClean="0">
                 <a:solidFill>
                   <a:srgbClr val="4A86E8"/>
                 </a:solidFill>
@@ -12639,6 +12660,13 @@
   <p:clrMapOvr>
     <a:masterClrMapping/>
   </p:clrMapOvr>
+  <p:timing>
+    <p:tnLst>
+      <p:par>
+        <p:cTn id="1" dur="indefinite" restart="never" nodeType="tmRoot"/>
+      </p:par>
+    </p:tnLst>
+  </p:timing>
 </p:sld>
 </file>
 
@@ -12747,7 +12775,7 @@
               </a:spcBef>
             </a:pPr>
             <a:r>
-              <a:rPr lang="en-US"/>
+              <a:rPr lang="en-US" dirty="0"/>
               <a:t>We've "loaded" the data from our chosen website into the </a:t>
             </a:r>
             <a:r>
@@ -12755,9 +12783,14 @@
               <a:t>R </a:t>
             </a:r>
             <a:r>
-              <a:rPr lang="en-US"/>
+              <a:rPr lang="en-US" i="1" smtClean="0"/>
+              <a:t> </a:t>
+            </a:r>
+            <a:r>
+              <a:rPr lang="en-US" smtClean="0"/>
               <a:t>environment</a:t>
             </a:r>
+            <a:endParaRPr lang="en-US" dirty="0"/>
           </a:p>
           <a:p>
             <a:pPr marL="914400" marR="0" lvl="1" indent="-228600" algn="l" rtl="0">
@@ -12769,11 +12802,11 @@
               </a:spcBef>
             </a:pPr>
             <a:r>
-              <a:rPr lang="en-US"/>
+              <a:rPr lang="en-US" dirty="0"/>
               <a:t>Not a reliable way to warehouse. Why?</a:t>
             </a:r>
             <a:r>
-              <a:rPr lang="en-US" i="1"/>
+              <a:rPr lang="en-US" i="1" dirty="0"/>
               <a:t> Low permanence</a:t>
             </a:r>
           </a:p>
@@ -12784,7 +12817,7 @@
               </a:spcBef>
             </a:pPr>
             <a:r>
-              <a:rPr lang="en-US"/>
+              <a:rPr lang="en-US" dirty="0"/>
               <a:t> Also not a great publication /  communication platform</a:t>
             </a:r>
           </a:p>
@@ -12798,7 +12831,7 @@
               </a:spcBef>
             </a:pPr>
             <a:r>
-              <a:rPr lang="en-US"/>
+              <a:rPr lang="en-US" dirty="0"/>
               <a:t>In a more complete information or business system, we would: </a:t>
             </a:r>
           </a:p>
@@ -12812,7 +12845,7 @@
               </a:spcBef>
             </a:pPr>
             <a:r>
-              <a:rPr lang="en-US"/>
+              <a:rPr lang="en-US" dirty="0"/>
               <a:t>Perform further transformations</a:t>
             </a:r>
           </a:p>
@@ -12826,15 +12859,15 @@
               </a:spcBef>
             </a:pPr>
             <a:r>
-              <a:rPr lang="en-US"/>
+              <a:rPr lang="en-US" dirty="0"/>
               <a:t>Load into database with well-defined schema (</a:t>
             </a:r>
             <a:r>
-              <a:rPr lang="en-US" i="1"/>
+              <a:rPr lang="en-US" i="1" dirty="0"/>
               <a:t>higher permanence</a:t>
             </a:r>
             <a:r>
-              <a:rPr lang="en-US"/>
+              <a:rPr lang="en-US" dirty="0"/>
               <a:t>)</a:t>
             </a:r>
           </a:p>
@@ -12848,7 +12881,7 @@
               </a:spcBef>
             </a:pPr>
             <a:r>
-              <a:rPr lang="en-US"/>
+              <a:rPr lang="en-US" dirty="0"/>
               <a:t>We're skipping that today</a:t>
             </a:r>
           </a:p>
@@ -12859,6 +12892,13 @@
   <p:clrMapOvr>
     <a:masterClrMapping/>
   </p:clrMapOvr>
+  <p:timing>
+    <p:tnLst>
+      <p:par>
+        <p:cTn id="1" dur="indefinite" restart="never" nodeType="tmRoot"/>
+      </p:par>
+    </p:tnLst>
+  </p:timing>
 </p:sld>
 </file>
 
@@ -13046,6 +13086,13 @@
   <p:clrMapOvr>
     <a:masterClrMapping/>
   </p:clrMapOvr>
+  <p:timing>
+    <p:tnLst>
+      <p:par>
+        <p:cTn id="1" dur="indefinite" restart="never" nodeType="tmRoot"/>
+      </p:par>
+    </p:tnLst>
+  </p:timing>
 </p:sld>
 </file>
 
@@ -13325,9 +13372,14 @@
               <a:buNone/>
             </a:pPr>
             <a:r>
-              <a:rPr lang="en-US"/>
-              <a:t>Our process so far</a:t>
-            </a:r>
+              <a:rPr lang="en-US" dirty="0"/>
+              <a:t>Our process so </a:t>
+            </a:r>
+            <a:r>
+              <a:rPr lang="en-US" dirty="0" smtClean="0"/>
+              <a:t>far &amp; next step</a:t>
+            </a:r>
+            <a:endParaRPr lang="en-US" dirty="0"/>
           </a:p>
         </p:txBody>
       </p:sp>
@@ -13513,7 +13565,7 @@
               <a:buNone/>
             </a:pPr>
             <a:r>
-              <a:rPr lang="en-US" sz="3000">
+              <a:rPr lang="en-US" sz="3000" dirty="0">
                 <a:solidFill>
                   <a:srgbClr val="EFEFEF"/>
                 </a:solidFill>
@@ -13529,7 +13581,7 @@
               <a:buNone/>
             </a:pPr>
             <a:r>
-              <a:rPr lang="en-US" sz="2400">
+              <a:rPr lang="en-US" sz="2400" dirty="0">
                 <a:solidFill>
                   <a:srgbClr val="EFEFEF"/>
                 </a:solidFill>
@@ -13616,9 +13668,9 @@
           <a:noFill/>
           <a:ln w="9525" cap="flat" cmpd="sng">
             <a:solidFill>
-              <a:schemeClr val="dk2"/>
+              <a:srgbClr val="FF0000"/>
             </a:solidFill>
-            <a:prstDash val="solid"/>
+            <a:prstDash val="sysDash"/>
             <a:round/>
             <a:headEnd type="none" w="lg" len="lg"/>
             <a:tailEnd type="triangle" w="lg" len="lg"/>
@@ -13676,6 +13728,13 @@
   <p:clrMapOvr>
     <a:masterClrMapping/>
   </p:clrMapOvr>
+  <p:timing>
+    <p:tnLst>
+      <p:par>
+        <p:cTn id="1" dur="indefinite" restart="never" nodeType="tmRoot"/>
+      </p:par>
+    </p:tnLst>
+  </p:timing>
 </p:sld>
 </file>
 
@@ -13751,6 +13810,13 @@
   <p:clrMapOvr>
     <a:masterClrMapping/>
   </p:clrMapOvr>
+  <p:timing>
+    <p:tnLst>
+      <p:par>
+        <p:cTn id="1" dur="indefinite" restart="never" nodeType="tmRoot"/>
+      </p:par>
+    </p:tnLst>
+  </p:timing>
 </p:sld>
 </file>
 
@@ -13780,6 +13846,17 @@
         <p:blipFill>
           <a:blip r:embed="rId3">
             <a:alphaModFix/>
+            <a:extLst>
+              <a:ext uri="{BEBA8EAE-BF5A-486C-A8C5-ECC9F3942E4B}">
+                <a14:imgProps xmlns:a14="http://schemas.microsoft.com/office/drawing/2010/main">
+                  <a14:imgLayer r:embed="rId4">
+                    <a14:imgEffect>
+                      <a14:artisticGlass/>
+                    </a14:imgEffect>
+                  </a14:imgLayer>
+                </a14:imgProps>
+              </a:ext>
+            </a:extLst>
           </a:blip>
           <a:stretch>
             <a:fillRect/>
@@ -13825,9 +13902,6 @@
           <a:lstStyle/>
           <a:p>
             <a:pPr marL="0" marR="0" lvl="0" indent="0" algn="ctr" rtl="0">
-              <a:lnSpc>
-                <a:spcPct val="120000"/>
-              </a:lnSpc>
               <a:spcBef>
                 <a:spcPts val="0"/>
               </a:spcBef>
@@ -13835,7 +13909,7 @@
               <a:buNone/>
             </a:pPr>
             <a:r>
-              <a:rPr lang="en-US" sz="15000">
+              <a:rPr lang="en-US" sz="12500" dirty="0" smtClean="0">
                 <a:solidFill>
                   <a:srgbClr val="666666"/>
                 </a:solidFill>
@@ -13844,7 +13918,31 @@
                 <a:cs typeface="Cabin"/>
                 <a:sym typeface="Cabin"/>
               </a:rPr>
-              <a:t>Practical Exercise 2</a:t>
+              <a:t>“Homework”</a:t>
+            </a:r>
+            <a:r>
+              <a:rPr lang="en-US" sz="15000" dirty="0" smtClean="0">
+                <a:solidFill>
+                  <a:srgbClr val="666666"/>
+                </a:solidFill>
+                <a:latin typeface="Cabin"/>
+                <a:ea typeface="Cabin"/>
+                <a:cs typeface="Cabin"/>
+                <a:sym typeface="Cabin"/>
+              </a:rPr>
+              <a:t> </a:t>
+            </a:r>
+            <a:r>
+              <a:rPr lang="en-US" sz="15000" dirty="0">
+                <a:solidFill>
+                  <a:srgbClr val="666666"/>
+                </a:solidFill>
+                <a:latin typeface="Cabin"/>
+                <a:ea typeface="Cabin"/>
+                <a:cs typeface="Cabin"/>
+                <a:sym typeface="Cabin"/>
+              </a:rPr>
+              <a:t>Exercise 2</a:t>
             </a:r>
           </a:p>
         </p:txBody>
@@ -13946,19 +14044,19 @@
             </a:r>
             <a:r>
               <a:rPr lang="en-US" sz="2400" b="1" dirty="0" smtClean="0">
-                <a:hlinkClick r:id="rId4"/>
+                <a:hlinkClick r:id="rId5"/>
               </a:rPr>
               <a:t>https</a:t>
             </a:r>
             <a:r>
               <a:rPr lang="en-US" sz="2400" b="1" dirty="0">
-                <a:hlinkClick r:id="rId4"/>
+                <a:hlinkClick r:id="rId5"/>
               </a:rPr>
               <a:t>://</a:t>
             </a:r>
             <a:r>
               <a:rPr lang="en-US" sz="2400" b="1" dirty="0" smtClean="0">
-                <a:hlinkClick r:id="rId4"/>
+                <a:hlinkClick r:id="rId5"/>
               </a:rPr>
               <a:t>goo.gl/z6OqUS</a:t>
             </a:r>
@@ -14221,6 +14319,13 @@
   <p:clrMapOvr>
     <a:masterClrMapping/>
   </p:clrMapOvr>
+  <p:timing>
+    <p:tnLst>
+      <p:par>
+        <p:cTn id="1" dur="indefinite" restart="never" nodeType="tmRoot"/>
+      </p:par>
+    </p:tnLst>
+  </p:timing>
 </p:sld>
 </file>
 
@@ -14270,7 +14375,7 @@
           </a:bodyPr>
           <a:lstStyle/>
           <a:p>
-            <a:pPr marL="0" marR="0" lvl="0" indent="0" algn="l" rtl="0">
+            <a:pPr marL="0" marR="0" lvl="0" indent="0" algn="ctr" rtl="0">
               <a:lnSpc>
                 <a:spcPct val="90000"/>
               </a:lnSpc>
@@ -14285,14 +14390,25 @@
               <a:buNone/>
             </a:pPr>
             <a:r>
-              <a:rPr lang="en-US" sz="4000" dirty="0"/>
+              <a:rPr lang="en-US" dirty="0"/>
               <a:t>Our </a:t>
             </a:r>
             <a:r>
-              <a:rPr lang="en-US" sz="4000" dirty="0" smtClean="0"/>
-              <a:t>finished network of processes</a:t>
-            </a:r>
-            <a:endParaRPr lang="en-US" sz="4000" dirty="0"/>
+              <a:rPr lang="en-US" dirty="0" smtClean="0"/>
+              <a:t>finished network of </a:t>
+            </a:r>
+            <a:r>
+              <a:rPr lang="en-US" dirty="0" smtClean="0"/>
+              <a:t/>
+            </a:r>
+            <a:br>
+              <a:rPr lang="en-US" dirty="0" smtClean="0"/>
+            </a:br>
+            <a:r>
+              <a:rPr lang="en-US" dirty="0" smtClean="0"/>
+              <a:t>continuous processes</a:t>
+            </a:r>
+            <a:endParaRPr lang="en-US" dirty="0"/>
           </a:p>
         </p:txBody>
       </p:sp>
@@ -14457,7 +14573,7 @@
         </p:nvSpPr>
         <p:spPr>
           <a:xfrm>
-            <a:off x="5572826" y="1996362"/>
+            <a:off x="5470212" y="1996362"/>
             <a:ext cx="1372161" cy="990576"/>
           </a:xfrm>
           <a:prstGeom prst="rect">
@@ -14602,13 +14718,13 @@
         </p:nvCxnSpPr>
         <p:spPr>
           <a:xfrm rot="16200000" flipH="1" flipV="1">
-            <a:off x="3915191" y="1911039"/>
-            <a:ext cx="188740" cy="972479"/>
+            <a:off x="3931024" y="1937962"/>
+            <a:ext cx="199829" cy="929722"/>
           </a:xfrm>
           <a:prstGeom prst="bentConnector4">
             <a:avLst>
-              <a:gd name="adj1" fmla="val -121119"/>
-              <a:gd name="adj2" fmla="val 85260"/>
+              <a:gd name="adj1" fmla="val -114398"/>
+              <a:gd name="adj2" fmla="val 86882"/>
             </a:avLst>
           </a:prstGeom>
           <a:ln>
@@ -14643,7 +14759,7 @@
         </p:nvSpPr>
         <p:spPr>
           <a:xfrm>
-            <a:off x="1865557" y="2007449"/>
+            <a:off x="1908314" y="2018538"/>
             <a:ext cx="1657764" cy="968400"/>
           </a:xfrm>
           <a:prstGeom prst="flowChartDecision">
@@ -14693,8 +14809,8 @@
         </p:nvCxnSpPr>
         <p:spPr>
           <a:xfrm rot="5400000">
-            <a:off x="1424152" y="3001104"/>
-            <a:ext cx="1295542" cy="1245033"/>
+            <a:off x="1451075" y="2985269"/>
+            <a:ext cx="1284453" cy="1287790"/>
           </a:xfrm>
           <a:prstGeom prst="bentConnector3">
             <a:avLst/>
@@ -14734,9 +14850,9 @@
           <p:nvPr/>
         </p:nvCxnSpPr>
         <p:spPr>
-          <a:xfrm flipH="1">
-            <a:off x="1663150" y="2491649"/>
-            <a:ext cx="202407" cy="1"/>
+          <a:xfrm flipH="1" flipV="1">
+            <a:off x="1663150" y="2491650"/>
+            <a:ext cx="245164" cy="11088"/>
           </a:xfrm>
           <a:prstGeom prst="straightConnector1">
             <a:avLst/>
@@ -14880,7 +14996,7 @@
             </a:pPr>
             <a:r>
               <a:rPr lang="en-US" sz="2000" dirty="0" smtClean="0"/>
-              <a:t>(JSON)</a:t>
+              <a:t>(JSON in “/data”)</a:t>
             </a:r>
             <a:endParaRPr lang="en-US" sz="2000" dirty="0"/>
           </a:p>
@@ -14999,8 +15115,8 @@
         </p:nvCxnSpPr>
         <p:spPr>
           <a:xfrm rot="5400000">
-            <a:off x="5791236" y="3132409"/>
-            <a:ext cx="613143" cy="322201"/>
+            <a:off x="5739929" y="3183716"/>
+            <a:ext cx="613143" cy="219587"/>
           </a:xfrm>
           <a:prstGeom prst="bentConnector3">
             <a:avLst>
@@ -15040,7 +15156,7 @@
         </p:nvSpPr>
         <p:spPr>
           <a:xfrm>
-            <a:off x="5572825" y="5181624"/>
+            <a:off x="5470213" y="5181626"/>
             <a:ext cx="1372161" cy="990576"/>
           </a:xfrm>
           <a:prstGeom prst="rect">
@@ -15422,19 +15538,20 @@
         <p:nvCxnSpPr>
           <p:cNvPr id="64" name="Elbow Connector 63"/>
           <p:cNvCxnSpPr>
-            <a:stCxn id="90" idx="3"/>
+            <a:stCxn id="90" idx="0"/>
             <a:endCxn id="331" idx="3"/>
           </p:cNvCxnSpPr>
           <p:nvPr/>
         </p:nvCxnSpPr>
         <p:spPr>
-          <a:xfrm flipV="1">
-            <a:off x="6944986" y="2491650"/>
-            <a:ext cx="1" cy="3185262"/>
-          </a:xfrm>
-          <a:prstGeom prst="bentConnector3">
+          <a:xfrm rot="5400000" flipH="1" flipV="1">
+            <a:off x="5154345" y="3493599"/>
+            <a:ext cx="2689976" cy="686079"/>
+          </a:xfrm>
+          <a:prstGeom prst="bentConnector4">
             <a:avLst>
-              <a:gd name="adj1" fmla="val 22860100000"/>
+              <a:gd name="adj1" fmla="val 19710"/>
+              <a:gd name="adj2" fmla="val 133320"/>
             </a:avLst>
           </a:prstGeom>
           <a:ln>
@@ -15444,7 +15561,7 @@
               </a:schemeClr>
             </a:solidFill>
             <a:headEnd type="triangle"/>
-            <a:tailEnd type="triangle"/>
+            <a:tailEnd type="none"/>
           </a:ln>
         </p:spPr>
         <p:style>
@@ -15470,7 +15587,7 @@
         </p:nvSpPr>
         <p:spPr>
           <a:xfrm>
-            <a:off x="7391397" y="4478284"/>
+            <a:off x="7543800" y="4542560"/>
             <a:ext cx="1372161" cy="990576"/>
           </a:xfrm>
           <a:prstGeom prst="rect">
@@ -15525,7 +15642,7 @@
         </p:nvSpPr>
         <p:spPr>
           <a:xfrm>
-            <a:off x="7391396" y="3157657"/>
+            <a:off x="7543800" y="3280816"/>
             <a:ext cx="1372161" cy="990576"/>
           </a:xfrm>
           <a:prstGeom prst="rect">
@@ -15576,18 +15693,21 @@
         <p:nvCxnSpPr>
           <p:cNvPr id="66" name="Elbow Connector 65"/>
           <p:cNvCxnSpPr>
-            <a:stCxn id="90" idx="0"/>
+            <a:stCxn id="90" idx="2"/>
             <a:endCxn id="110" idx="1"/>
           </p:cNvCxnSpPr>
           <p:nvPr/>
         </p:nvCxnSpPr>
         <p:spPr>
           <a:xfrm rot="5400000" flipH="1" flipV="1">
-            <a:off x="6721125" y="4511353"/>
-            <a:ext cx="208052" cy="1132491"/>
-          </a:xfrm>
-          <a:prstGeom prst="bentConnector2">
-            <a:avLst/>
+            <a:off x="6282870" y="4911272"/>
+            <a:ext cx="1134354" cy="1387506"/>
+          </a:xfrm>
+          <a:prstGeom prst="bentConnector4">
+            <a:avLst>
+              <a:gd name="adj1" fmla="val -20152"/>
+              <a:gd name="adj2" fmla="val 91407"/>
+            </a:avLst>
           </a:prstGeom>
           <a:ln>
             <a:solidFill>
@@ -15622,7 +15742,7 @@
         </p:nvSpPr>
         <p:spPr>
           <a:xfrm>
-            <a:off x="6233755" y="4665795"/>
+            <a:off x="6765164" y="6097175"/>
             <a:ext cx="702436" cy="307777"/>
           </a:xfrm>
           <a:prstGeom prst="rect">
@@ -15652,20 +15772,19 @@
         <p:nvCxnSpPr>
           <p:cNvPr id="68" name="Elbow Connector 67"/>
           <p:cNvCxnSpPr>
-            <a:stCxn id="90" idx="2"/>
-            <a:endCxn id="111" idx="3"/>
+            <a:stCxn id="90" idx="3"/>
+            <a:endCxn id="111" idx="1"/>
           </p:cNvCxnSpPr>
           <p:nvPr/>
         </p:nvCxnSpPr>
         <p:spPr>
-          <a:xfrm rot="5400000" flipH="1" flipV="1">
-            <a:off x="6251603" y="3660247"/>
-            <a:ext cx="2519255" cy="2504651"/>
-          </a:xfrm>
-          <a:prstGeom prst="bentConnector4">
+          <a:xfrm flipV="1">
+            <a:off x="6842374" y="3776104"/>
+            <a:ext cx="701426" cy="1900810"/>
+          </a:xfrm>
+          <a:prstGeom prst="bentConnector3">
             <a:avLst>
-              <a:gd name="adj1" fmla="val -9074"/>
-              <a:gd name="adj2" fmla="val 109127"/>
+              <a:gd name="adj1" fmla="val 56600"/>
             </a:avLst>
           </a:prstGeom>
           <a:ln>
@@ -15703,12 +15822,12 @@
         </p:nvCxnSpPr>
         <p:spPr>
           <a:xfrm rot="16200000" flipV="1">
-            <a:off x="6587545" y="1667725"/>
-            <a:ext cx="1161295" cy="1818570"/>
+            <a:off x="6550860" y="1601795"/>
+            <a:ext cx="1284454" cy="2073588"/>
           </a:xfrm>
           <a:prstGeom prst="bentConnector3">
             <a:avLst>
-              <a:gd name="adj1" fmla="val 119685"/>
+              <a:gd name="adj1" fmla="val 117797"/>
             </a:avLst>
           </a:prstGeom>
           <a:ln>
@@ -15746,12 +15865,12 @@
         </p:nvCxnSpPr>
         <p:spPr>
           <a:xfrm rot="10800000" flipH="1">
-            <a:off x="5572824" y="4568482"/>
-            <a:ext cx="363881" cy="1108431"/>
+            <a:off x="5470212" y="4568482"/>
+            <a:ext cx="466493" cy="1108433"/>
           </a:xfrm>
           <a:prstGeom prst="bentConnector4">
             <a:avLst>
-              <a:gd name="adj1" fmla="val -62823"/>
+              <a:gd name="adj1" fmla="val -49004"/>
               <a:gd name="adj2" fmla="val 72342"/>
             </a:avLst>
           </a:prstGeom>
@@ -15833,6 +15952,13 @@
   <p:clrMapOvr>
     <a:masterClrMapping/>
   </p:clrMapOvr>
+  <p:timing>
+    <p:tnLst>
+      <p:par>
+        <p:cTn id="1" dur="indefinite" restart="never" nodeType="tmRoot"/>
+      </p:par>
+    </p:tnLst>
+  </p:timing>
 </p:sld>
 </file>
 
@@ -15962,6 +16088,13 @@
   <p:transition spd="slow">
     <p:fade/>
   </p:transition>
+  <p:timing>
+    <p:tnLst>
+      <p:par>
+        <p:cTn id="1" dur="indefinite" restart="never" nodeType="tmRoot"/>
+      </p:par>
+    </p:tnLst>
+  </p:timing>
 </p:sld>
 </file>
 
@@ -16095,6 +16228,13 @@
   <p:clrMapOvr>
     <a:masterClrMapping/>
   </p:clrMapOvr>
+  <p:timing>
+    <p:tnLst>
+      <p:par>
+        <p:cTn id="1" dur="indefinite" restart="never" nodeType="tmRoot"/>
+      </p:par>
+    </p:tnLst>
+  </p:timing>
 </p:sld>
 </file>
 
@@ -16529,8 +16669,16 @@
               <a:buNone/>
             </a:pPr>
             <a:r>
-              <a:rPr lang="en-US"/>
-              <a:t>"Data Scientist (n.): Person who is better at statistics than any software engineer and better at software engineering than any statistician."   - Josh Wills </a:t>
+              <a:rPr lang="en-US" dirty="0"/>
+              <a:t>"Data Scientist (n.): Person who is better at statistics than any software engineer and better at software engineering than any statistician." </a:t>
+            </a:r>
+            <a:r>
+              <a:rPr lang="en-US" sz="2000" dirty="0" smtClean="0"/>
+              <a:t>- </a:t>
+            </a:r>
+            <a:r>
+              <a:rPr lang="en-US" sz="2000" dirty="0"/>
+              <a:t>Josh Wills </a:t>
             </a:r>
           </a:p>
           <a:p>
@@ -16543,7 +16691,19 @@
               </a:spcBef>
               <a:buNone/>
             </a:pPr>
-            <a:endParaRPr/>
+            <a:endParaRPr lang="en-US" dirty="0" smtClean="0"/>
+          </a:p>
+          <a:p>
+            <a:pPr marL="0" marR="0" lvl="0" indent="0" algn="l" rtl="0">
+              <a:lnSpc>
+                <a:spcPct val="90000"/>
+              </a:lnSpc>
+              <a:spcBef>
+                <a:spcPts val="0"/>
+              </a:spcBef>
+              <a:buNone/>
+            </a:pPr>
+            <a:endParaRPr dirty="0"/>
           </a:p>
           <a:p>
             <a:pPr marL="457200" marR="0" lvl="0" indent="-228600" algn="l" rtl="0">
@@ -16555,7 +16715,7 @@
               </a:spcBef>
             </a:pPr>
             <a:r>
-              <a:rPr lang="en-US"/>
+              <a:rPr lang="en-US" dirty="0"/>
               <a:t>Something of a marketing term, but careers and formal data science programs have sprung up around the concept</a:t>
             </a:r>
           </a:p>

--- a/Visual Data Science.pptx
+++ b/Visual Data Science.pptx
@@ -45,14 +45,14 @@
       <p:boldItalic r:id="rId31"/>
     </p:embeddedFont>
     <p:embeddedFont>
-      <p:font typeface="Cabin" panose="020B0604020202020204" charset="0"/>
+      <p:font typeface="Open Sans" panose="020B0604020202020204" charset="0"/>
       <p:regular r:id="rId32"/>
       <p:bold r:id="rId33"/>
       <p:italic r:id="rId34"/>
       <p:boldItalic r:id="rId35"/>
     </p:embeddedFont>
     <p:embeddedFont>
-      <p:font typeface="Open Sans" panose="020B0604020202020204" charset="0"/>
+      <p:font typeface="Cabin" panose="020B0604020202020204" charset="0"/>
       <p:regular r:id="rId36"/>
       <p:bold r:id="rId37"/>
       <p:italic r:id="rId38"/>
@@ -4272,8 +4272,8 @@
         </p:nvSpPr>
         <p:spPr>
           <a:xfrm>
-            <a:off x="1066800" y="618875"/>
-            <a:ext cx="7239000" cy="369300"/>
+            <a:off x="2286000" y="618875"/>
+            <a:ext cx="5562600" cy="369300"/>
           </a:xfrm>
           <a:prstGeom prst="rect">
             <a:avLst/>
@@ -4330,7 +4330,7 @@
                 <a:cs typeface="Cabin"/>
                 <a:sym typeface="Cabin"/>
               </a:rPr>
-              <a:t> for Bureau of Economic Analysis</a:t>
+              <a:t> for BEA</a:t>
             </a:r>
             <a:endParaRPr lang="en-US" sz="1800" b="0" i="0" u="none" strike="noStrike" cap="none" dirty="0">
               <a:solidFill>
@@ -10326,6 +10326,13 @@
     <p:sldLayoutId id="2147483654" r:id="rId7"/>
     <p:sldLayoutId id="2147483655" r:id="rId8"/>
   </p:sldLayoutIdLst>
+  <p:timing>
+    <p:tnLst>
+      <p:par>
+        <p:cTn id="1" dur="indefinite" restart="never" nodeType="tmRoot"/>
+      </p:par>
+    </p:tnLst>
+  </p:timing>
   <p:hf hdr="0" ftr="0" dt="0"/>
   <p:txStyles>
     <p:titleStyle>
@@ -14396,10 +14403,6 @@
             <a:r>
               <a:rPr lang="en-US" dirty="0" smtClean="0"/>
               <a:t>finished network of </a:t>
-            </a:r>
-            <a:r>
-              <a:rPr lang="en-US" dirty="0" smtClean="0"/>
-              <a:t/>
             </a:r>
             <a:br>
               <a:rPr lang="en-US" dirty="0" smtClean="0"/>

--- a/Visual Data Science.pptx
+++ b/Visual Data Science.pptx
@@ -5,7 +5,7 @@
     <p:sldMasterId id="2147483667" r:id="rId1"/>
   </p:sldMasterIdLst>
   <p:notesMasterIdLst>
-    <p:notesMasterId r:id="rId27"/>
+    <p:notesMasterId r:id="rId29"/>
   </p:notesMasterIdLst>
   <p:sldIdLst>
     <p:sldId id="256" r:id="rId2"/>
@@ -26,37 +26,39 @@
     <p:sldId id="278" r:id="rId17"/>
     <p:sldId id="279" r:id="rId18"/>
     <p:sldId id="280" r:id="rId19"/>
-    <p:sldId id="281" r:id="rId20"/>
-    <p:sldId id="282" r:id="rId21"/>
-    <p:sldId id="283" r:id="rId22"/>
-    <p:sldId id="284" r:id="rId23"/>
-    <p:sldId id="287" r:id="rId24"/>
-    <p:sldId id="285" r:id="rId25"/>
-    <p:sldId id="286" r:id="rId26"/>
+    <p:sldId id="288" r:id="rId20"/>
+    <p:sldId id="281" r:id="rId21"/>
+    <p:sldId id="282" r:id="rId22"/>
+    <p:sldId id="283" r:id="rId23"/>
+    <p:sldId id="284" r:id="rId24"/>
+    <p:sldId id="287" r:id="rId25"/>
+    <p:sldId id="289" r:id="rId26"/>
+    <p:sldId id="285" r:id="rId27"/>
+    <p:sldId id="286" r:id="rId28"/>
   </p:sldIdLst>
   <p:sldSz cx="9144000" cy="6858000" type="screen4x3"/>
   <p:notesSz cx="6858000" cy="9144000"/>
   <p:embeddedFontLst>
     <p:embeddedFont>
       <p:font typeface="Calibri" panose="020F0502020204030204" pitchFamily="34" charset="0"/>
-      <p:regular r:id="rId28"/>
-      <p:bold r:id="rId29"/>
-      <p:italic r:id="rId30"/>
-      <p:boldItalic r:id="rId31"/>
+      <p:regular r:id="rId30"/>
+      <p:bold r:id="rId31"/>
+      <p:italic r:id="rId32"/>
+      <p:boldItalic r:id="rId33"/>
     </p:embeddedFont>
     <p:embeddedFont>
       <p:font typeface="Open Sans" panose="020B0604020202020204" charset="0"/>
-      <p:regular r:id="rId32"/>
-      <p:bold r:id="rId33"/>
-      <p:italic r:id="rId34"/>
-      <p:boldItalic r:id="rId35"/>
+      <p:regular r:id="rId34"/>
+      <p:bold r:id="rId35"/>
+      <p:italic r:id="rId36"/>
+      <p:boldItalic r:id="rId37"/>
     </p:embeddedFont>
     <p:embeddedFont>
       <p:font typeface="Cabin" panose="020B0604020202020204" charset="0"/>
-      <p:regular r:id="rId36"/>
-      <p:bold r:id="rId37"/>
-      <p:italic r:id="rId38"/>
-      <p:boldItalic r:id="rId39"/>
+      <p:regular r:id="rId38"/>
+      <p:bold r:id="rId39"/>
+      <p:italic r:id="rId40"/>
+      <p:boldItalic r:id="rId41"/>
     </p:embeddedFont>
   </p:embeddedFontLst>
   <p:defaultTextStyle>
@@ -2269,7 +2271,7 @@
   <p:cSld>
     <p:spTree>
       <p:nvGrpSpPr>
-        <p:cNvPr id="1" name="Shape 317"/>
+        <p:cNvPr id="1" name="Shape 232"/>
         <p:cNvGrpSpPr/>
         <p:nvPr/>
       </p:nvGrpSpPr>
@@ -2283,7 +2285,7 @@
       </p:grpSpPr>
       <p:sp>
         <p:nvSpPr>
-          <p:cNvPr id="318" name="Shape 318"/>
+          <p:cNvPr id="233" name="Shape 233"/>
           <p:cNvSpPr txBox="1">
             <a:spLocks noGrp="1"/>
           </p:cNvSpPr>
@@ -2318,7 +2320,7 @@
       </p:sp>
       <p:sp>
         <p:nvSpPr>
-          <p:cNvPr id="319" name="Shape 319"/>
+          <p:cNvPr id="234" name="Shape 234"/>
           <p:cNvSpPr>
             <a:spLocks noGrp="1" noRot="1" noChangeAspect="1"/>
           </p:cNvSpPr>
@@ -2471,6 +2473,107 @@
   <p:cSld>
     <p:spTree>
       <p:nvGrpSpPr>
+        <p:cNvPr id="1" name="Shape 317"/>
+        <p:cNvGrpSpPr/>
+        <p:nvPr/>
+      </p:nvGrpSpPr>
+      <p:grpSpPr>
+        <a:xfrm>
+          <a:off x="0" y="0"/>
+          <a:ext cx="0" cy="0"/>
+          <a:chOff x="0" y="0"/>
+          <a:chExt cx="0" cy="0"/>
+        </a:xfrm>
+      </p:grpSpPr>
+      <p:sp>
+        <p:nvSpPr>
+          <p:cNvPr id="318" name="Shape 318"/>
+          <p:cNvSpPr txBox="1">
+            <a:spLocks noGrp="1"/>
+          </p:cNvSpPr>
+          <p:nvPr>
+            <p:ph type="body" idx="1"/>
+          </p:nvPr>
+        </p:nvSpPr>
+        <p:spPr>
+          <a:xfrm>
+            <a:off x="685800" y="4400550"/>
+            <a:ext cx="5486400" cy="3600600"/>
+          </a:xfrm>
+          <a:prstGeom prst="rect">
+            <a:avLst/>
+          </a:prstGeom>
+        </p:spPr>
+        <p:txBody>
+          <a:bodyPr lIns="91425" tIns="91425" rIns="91425" bIns="91425" anchor="t" anchorCtr="0">
+            <a:noAutofit/>
+          </a:bodyPr>
+          <a:lstStyle/>
+          <a:p>
+            <a:pPr lvl="0" rtl="0">
+              <a:spcBef>
+                <a:spcPts val="0"/>
+              </a:spcBef>
+              <a:buNone/>
+            </a:pPr>
+            <a:endParaRPr/>
+          </a:p>
+        </p:txBody>
+      </p:sp>
+      <p:sp>
+        <p:nvSpPr>
+          <p:cNvPr id="319" name="Shape 319"/>
+          <p:cNvSpPr>
+            <a:spLocks noGrp="1" noRot="1" noChangeAspect="1"/>
+          </p:cNvSpPr>
+          <p:nvPr>
+            <p:ph type="sldImg" idx="2"/>
+          </p:nvPr>
+        </p:nvSpPr>
+        <p:spPr>
+          <a:xfrm>
+            <a:off x="1371600" y="1143000"/>
+            <a:ext cx="4114800" cy="3086100"/>
+          </a:xfrm>
+          <a:custGeom>
+            <a:avLst/>
+            <a:gdLst/>
+            <a:ahLst/>
+            <a:cxnLst/>
+            <a:rect l="0" t="0" r="0" b="0"/>
+            <a:pathLst>
+              <a:path w="120000" h="120000" extrusionOk="0">
+                <a:moveTo>
+                  <a:pt x="0" y="0"/>
+                </a:moveTo>
+                <a:lnTo>
+                  <a:pt x="120000" y="0"/>
+                </a:lnTo>
+                <a:lnTo>
+                  <a:pt x="120000" y="120000"/>
+                </a:lnTo>
+                <a:lnTo>
+                  <a:pt x="0" y="120000"/>
+                </a:lnTo>
+                <a:close/>
+              </a:path>
+            </a:pathLst>
+          </a:custGeom>
+        </p:spPr>
+      </p:sp>
+    </p:spTree>
+  </p:cSld>
+  <p:clrMapOvr>
+    <a:masterClrMapping/>
+  </p:clrMapOvr>
+</p:notes>
+</file>
+
+<file path=ppt/notesSlides/notesSlide21.xml><?xml version="1.0" encoding="utf-8"?>
+<p:notes xmlns:a="http://schemas.openxmlformats.org/drawingml/2006/main" xmlns:r="http://schemas.openxmlformats.org/officeDocument/2006/relationships" xmlns:p="http://schemas.openxmlformats.org/presentationml/2006/main" showMasterSp="0" showMasterPhAnim="0">
+  <p:cSld>
+    <p:spTree>
+      <p:nvGrpSpPr>
         <p:cNvPr id="1" name="Shape 323"/>
         <p:cNvGrpSpPr/>
         <p:nvPr/>
@@ -2567,7 +2670,7 @@
 </p:notes>
 </file>
 
-<file path=ppt/notesSlides/notesSlide21.xml><?xml version="1.0" encoding="utf-8"?>
+<file path=ppt/notesSlides/notesSlide22.xml><?xml version="1.0" encoding="utf-8"?>
 <p:notes xmlns:a="http://schemas.openxmlformats.org/drawingml/2006/main" xmlns:r="http://schemas.openxmlformats.org/officeDocument/2006/relationships" xmlns:p="http://schemas.openxmlformats.org/presentationml/2006/main" showMasterSp="0" showMasterPhAnim="0">
   <p:cSld>
     <p:spTree>
@@ -2668,7 +2771,7 @@
 </p:notes>
 </file>
 
-<file path=ppt/notesSlides/notesSlide22.xml><?xml version="1.0" encoding="utf-8"?>
+<file path=ppt/notesSlides/notesSlide23.xml><?xml version="1.0" encoding="utf-8"?>
 <p:notes xmlns:a="http://schemas.openxmlformats.org/drawingml/2006/main" xmlns:r="http://schemas.openxmlformats.org/officeDocument/2006/relationships" xmlns:p="http://schemas.openxmlformats.org/presentationml/2006/main" showMasterSp="0" showMasterPhAnim="0">
   <p:cSld>
     <p:spTree>
@@ -2769,7 +2872,7 @@
 </p:notes>
 </file>
 
-<file path=ppt/notesSlides/notesSlide23.xml><?xml version="1.0" encoding="utf-8"?>
+<file path=ppt/notesSlides/notesSlide24.xml><?xml version="1.0" encoding="utf-8"?>
 <p:notes xmlns:a="http://schemas.openxmlformats.org/drawingml/2006/main" xmlns:r="http://schemas.openxmlformats.org/officeDocument/2006/relationships" xmlns:p="http://schemas.openxmlformats.org/presentationml/2006/main" showMasterSp="0" showMasterPhAnim="0">
   <p:cSld>
     <p:spTree>
@@ -2870,7 +2973,108 @@
 </p:notes>
 </file>
 
-<file path=ppt/notesSlides/notesSlide24.xml><?xml version="1.0" encoding="utf-8"?>
+<file path=ppt/notesSlides/notesSlide25.xml><?xml version="1.0" encoding="utf-8"?>
+<p:notes xmlns:a="http://schemas.openxmlformats.org/drawingml/2006/main" xmlns:r="http://schemas.openxmlformats.org/officeDocument/2006/relationships" xmlns:p="http://schemas.openxmlformats.org/presentationml/2006/main" showMasterSp="0" showMasterPhAnim="0">
+  <p:cSld>
+    <p:spTree>
+      <p:nvGrpSpPr>
+        <p:cNvPr id="1" name="Shape 298"/>
+        <p:cNvGrpSpPr/>
+        <p:nvPr/>
+      </p:nvGrpSpPr>
+      <p:grpSpPr>
+        <a:xfrm>
+          <a:off x="0" y="0"/>
+          <a:ext cx="0" cy="0"/>
+          <a:chOff x="0" y="0"/>
+          <a:chExt cx="0" cy="0"/>
+        </a:xfrm>
+      </p:grpSpPr>
+      <p:sp>
+        <p:nvSpPr>
+          <p:cNvPr id="299" name="Shape 299"/>
+          <p:cNvSpPr txBox="1">
+            <a:spLocks noGrp="1"/>
+          </p:cNvSpPr>
+          <p:nvPr>
+            <p:ph type="body" idx="1"/>
+          </p:nvPr>
+        </p:nvSpPr>
+        <p:spPr>
+          <a:xfrm>
+            <a:off x="685800" y="4400550"/>
+            <a:ext cx="5486400" cy="3600600"/>
+          </a:xfrm>
+          <a:prstGeom prst="rect">
+            <a:avLst/>
+          </a:prstGeom>
+        </p:spPr>
+        <p:txBody>
+          <a:bodyPr lIns="91425" tIns="91425" rIns="91425" bIns="91425" anchor="t" anchorCtr="0">
+            <a:noAutofit/>
+          </a:bodyPr>
+          <a:lstStyle/>
+          <a:p>
+            <a:pPr lvl="0" rtl="0">
+              <a:spcBef>
+                <a:spcPts val="0"/>
+              </a:spcBef>
+              <a:buNone/>
+            </a:pPr>
+            <a:endParaRPr/>
+          </a:p>
+        </p:txBody>
+      </p:sp>
+      <p:sp>
+        <p:nvSpPr>
+          <p:cNvPr id="300" name="Shape 300"/>
+          <p:cNvSpPr>
+            <a:spLocks noGrp="1" noRot="1" noChangeAspect="1"/>
+          </p:cNvSpPr>
+          <p:nvPr>
+            <p:ph type="sldImg" idx="2"/>
+          </p:nvPr>
+        </p:nvSpPr>
+        <p:spPr>
+          <a:xfrm>
+            <a:off x="1371600" y="1143000"/>
+            <a:ext cx="4114800" cy="3086100"/>
+          </a:xfrm>
+          <a:custGeom>
+            <a:avLst/>
+            <a:gdLst/>
+            <a:ahLst/>
+            <a:cxnLst/>
+            <a:rect l="0" t="0" r="0" b="0"/>
+            <a:pathLst>
+              <a:path w="120000" h="120000" extrusionOk="0">
+                <a:moveTo>
+                  <a:pt x="0" y="0"/>
+                </a:moveTo>
+                <a:lnTo>
+                  <a:pt x="120000" y="0"/>
+                </a:lnTo>
+                <a:lnTo>
+                  <a:pt x="120000" y="120000"/>
+                </a:lnTo>
+                <a:lnTo>
+                  <a:pt x="0" y="120000"/>
+                </a:lnTo>
+                <a:close/>
+              </a:path>
+            </a:pathLst>
+          </a:custGeom>
+        </p:spPr>
+      </p:sp>
+    </p:spTree>
+  </p:cSld>
+  <p:clrMapOvr>
+    <a:masterClrMapping/>
+  </p:clrMapOvr>
+</p:notes>
+</file>
+
+<file path=ppt/notesSlides/notesSlide26.xml><?xml version="1.0" encoding="utf-8"?>
 <p:notes xmlns:a="http://schemas.openxmlformats.org/drawingml/2006/main" xmlns:r="http://schemas.openxmlformats.org/officeDocument/2006/relationships" xmlns:p="http://schemas.openxmlformats.org/presentationml/2006/main" showMasterSp="0" showMasterPhAnim="0">
   <p:cSld>
     <p:spTree>
@@ -2971,7 +3175,7 @@
 </p:notes>
 </file>
 
-<file path=ppt/notesSlides/notesSlide25.xml><?xml version="1.0" encoding="utf-8"?>
+<file path=ppt/notesSlides/notesSlide27.xml><?xml version="1.0" encoding="utf-8"?>
 <p:notes xmlns:a="http://schemas.openxmlformats.org/drawingml/2006/main" xmlns:r="http://schemas.openxmlformats.org/officeDocument/2006/relationships" xmlns:p="http://schemas.openxmlformats.org/presentationml/2006/main" showMasterSp="0" showMasterPhAnim="0">
   <p:cSld>
     <p:spTree>
@@ -11143,7 +11347,7 @@
               <a:buFont typeface="Cabin"/>
             </a:pPr>
             <a:r>
-              <a:rPr lang="en-US"/>
+              <a:rPr lang="en-US" dirty="0"/>
               <a:t>Information systems: Get data from a database</a:t>
             </a:r>
           </a:p>
@@ -11157,7 +11361,7 @@
               </a:spcBef>
               <a:buNone/>
             </a:pPr>
-            <a:endParaRPr/>
+            <a:endParaRPr dirty="0"/>
           </a:p>
           <a:p>
             <a:pPr marL="457200" marR="0" lvl="0" indent="-406400" algn="l" rtl="0">
@@ -11174,7 +11378,7 @@
               <a:buFont typeface="Cabin"/>
             </a:pPr>
             <a:r>
-              <a:rPr lang="en-US"/>
+              <a:rPr lang="en-US" dirty="0"/>
               <a:t>Information studies: "Everything is data"</a:t>
             </a:r>
           </a:p>
@@ -11188,7 +11392,7 @@
               </a:spcBef>
             </a:pPr>
             <a:r>
-              <a:rPr lang="en-US"/>
+              <a:rPr lang="en-US" dirty="0"/>
               <a:t>Tables</a:t>
             </a:r>
           </a:p>
@@ -11202,7 +11406,7 @@
               </a:spcBef>
             </a:pPr>
             <a:r>
-              <a:rPr lang="en-US"/>
+              <a:rPr lang="en-US" dirty="0"/>
               <a:t>Text</a:t>
             </a:r>
           </a:p>
@@ -11213,7 +11417,7 @@
               </a:spcBef>
             </a:pPr>
             <a:r>
-              <a:rPr lang="en-US"/>
+              <a:rPr lang="en-US" dirty="0"/>
               <a:t>Images</a:t>
             </a:r>
           </a:p>
@@ -11227,7 +11431,7 @@
               </a:spcBef>
             </a:pPr>
             <a:r>
-              <a:rPr lang="en-US"/>
+              <a:rPr lang="en-US" dirty="0"/>
               <a:t>Media files (video, audio)</a:t>
             </a:r>
           </a:p>
@@ -11241,7 +11445,7 @@
               </a:spcBef>
             </a:pPr>
             <a:r>
-              <a:rPr lang="en-US"/>
+              <a:rPr lang="en-US" dirty="0"/>
               <a:t>Interviews?</a:t>
             </a:r>
           </a:p>
@@ -11252,7 +11456,7 @@
               </a:spcBef>
             </a:pPr>
             <a:r>
-              <a:rPr lang="en-US"/>
+              <a:rPr lang="en-US" dirty="0"/>
               <a:t>Artifacts??</a:t>
             </a:r>
           </a:p>
@@ -11264,7 +11468,7 @@
               <a:buFont typeface="Cabin"/>
             </a:pPr>
             <a:r>
-              <a:rPr lang="en-US"/>
+              <a:rPr lang="en-US" dirty="0"/>
               <a:t>Other examples?</a:t>
             </a:r>
           </a:p>
@@ -11278,7 +11482,7 @@
               </a:spcBef>
               <a:buNone/>
             </a:pPr>
-            <a:endParaRPr/>
+            <a:endParaRPr dirty="0"/>
           </a:p>
         </p:txBody>
       </p:sp>
@@ -12193,7 +12397,7 @@
               <a:buAutoNum type="arabicPeriod"/>
             </a:pPr>
             <a:r>
-              <a:rPr lang="en-US"/>
+              <a:rPr lang="en-US" sz="2400" dirty="0"/>
               <a:t>Scope out the problem or question</a:t>
             </a:r>
           </a:p>
@@ -12208,8 +12412,16 @@
               <a:buAutoNum type="arabicPeriod"/>
             </a:pPr>
             <a:r>
-              <a:rPr lang="en-US"/>
-              <a:t>Knowledge search: Research and sensemaking </a:t>
+              <a:rPr lang="en-US" sz="2400" dirty="0"/>
+              <a:t>Knowledge search: Research and </a:t>
+            </a:r>
+            <a:r>
+              <a:rPr lang="en-US" sz="2400" dirty="0" err="1"/>
+              <a:t>sensemaking</a:t>
+            </a:r>
+            <a:r>
+              <a:rPr lang="en-US" sz="2400" dirty="0"/>
+              <a:t> </a:t>
             </a:r>
           </a:p>
           <a:p>
@@ -12223,7 +12435,7 @@
               <a:buAutoNum type="arabicPeriod"/>
             </a:pPr>
             <a:r>
-              <a:rPr lang="en-US"/>
+              <a:rPr lang="en-US" sz="2400" dirty="0"/>
               <a:t>Data retrieval; extract, transform, load (ETL)</a:t>
             </a:r>
           </a:p>
@@ -12238,7 +12450,7 @@
               <a:buAutoNum type="arabicPeriod"/>
             </a:pPr>
             <a:r>
-              <a:rPr lang="en-US" b="1"/>
+              <a:rPr lang="en-US" sz="3200" b="1" dirty="0"/>
               <a:t>Exploratory analysis</a:t>
             </a:r>
           </a:p>
@@ -12253,7 +12465,7 @@
               <a:buAutoNum type="arabicPeriod"/>
             </a:pPr>
             <a:r>
-              <a:rPr lang="en-US" b="1"/>
+              <a:rPr lang="en-US" sz="3200" b="1" dirty="0"/>
               <a:t>Modeling </a:t>
             </a:r>
           </a:p>
@@ -12267,7 +12479,7 @@
               </a:spcBef>
             </a:pPr>
             <a:r>
-              <a:rPr lang="en-US"/>
+              <a:rPr lang="en-US" sz="2400" dirty="0"/>
               <a:t>System-building [sometimes] </a:t>
             </a:r>
           </a:p>
@@ -12281,7 +12493,7 @@
               </a:spcBef>
             </a:pPr>
             <a:r>
-              <a:rPr lang="en-US"/>
+              <a:rPr lang="en-US" sz="2400" dirty="0"/>
               <a:t>Versioning/archival</a:t>
             </a:r>
           </a:p>
@@ -12295,9 +12507,10 @@
               </a:spcBef>
             </a:pPr>
             <a:r>
-              <a:rPr lang="en-US"/>
+              <a:rPr lang="en-US" sz="2400" dirty="0"/>
               <a:t>Communication</a:t>
             </a:r>
+            <a:endParaRPr lang="en-US" dirty="0"/>
           </a:p>
         </p:txBody>
       </p:sp>
@@ -12914,7 +13127,7 @@
   <p:cSld>
     <p:spTree>
       <p:nvGrpSpPr>
-        <p:cNvPr id="1" name="Shape 320"/>
+        <p:cNvPr id="1" name="Shape 235"/>
         <p:cNvGrpSpPr/>
         <p:nvPr/>
       </p:nvGrpSpPr>
@@ -12928,7 +13141,7 @@
       </p:grpSpPr>
       <p:sp>
         <p:nvSpPr>
-          <p:cNvPr id="321" name="Shape 321"/>
+          <p:cNvPr id="236" name="Shape 236"/>
           <p:cNvSpPr txBox="1">
             <a:spLocks noGrp="1"/>
           </p:cNvSpPr>
@@ -12971,14 +13184,14 @@
             </a:pPr>
             <a:r>
               <a:rPr lang="en-US"/>
-              <a:t>Streaming Visualization</a:t>
+              <a:t>Data science competencies</a:t>
             </a:r>
           </a:p>
         </p:txBody>
       </p:sp>
       <p:sp>
         <p:nvSpPr>
-          <p:cNvPr id="322" name="Shape 322"/>
+          <p:cNvPr id="237" name="Shape 237"/>
           <p:cNvSpPr txBox="1">
             <a:spLocks noGrp="1"/>
           </p:cNvSpPr>
@@ -13005,6 +13218,127 @@
           </a:bodyPr>
           <a:lstStyle/>
           <a:p>
+            <a:pPr marL="0" lvl="0" indent="0" rtl="0">
+              <a:spcBef>
+                <a:spcPts val="0"/>
+              </a:spcBef>
+              <a:buNone/>
+            </a:pPr>
+            <a:r>
+              <a:rPr lang="en-US" dirty="0"/>
+              <a:t>Anderson et al. (2014):</a:t>
+            </a:r>
+          </a:p>
+          <a:p>
+            <a:pPr marL="457200" lvl="0" indent="-228600" rtl="0">
+              <a:spcBef>
+                <a:spcPts val="0"/>
+              </a:spcBef>
+            </a:pPr>
+            <a:r>
+              <a:rPr lang="en-US" sz="2400" dirty="0"/>
+              <a:t>Information retrieval</a:t>
+            </a:r>
+          </a:p>
+          <a:p>
+            <a:pPr marL="457200" marR="0" lvl="0" indent="-228600" algn="l" rtl="0">
+              <a:lnSpc>
+                <a:spcPct val="90000"/>
+              </a:lnSpc>
+              <a:spcBef>
+                <a:spcPts val="0"/>
+              </a:spcBef>
+            </a:pPr>
+            <a:r>
+              <a:rPr lang="en-US" sz="3200" b="1" dirty="0"/>
+              <a:t>Large or streaming data sets</a:t>
+            </a:r>
+          </a:p>
+          <a:p>
+            <a:pPr marL="457200" marR="0" lvl="0" indent="-228600" algn="l" rtl="0">
+              <a:lnSpc>
+                <a:spcPct val="90000"/>
+              </a:lnSpc>
+              <a:spcBef>
+                <a:spcPts val="0"/>
+              </a:spcBef>
+            </a:pPr>
+            <a:r>
+              <a:rPr lang="en-US" sz="2400" dirty="0"/>
+              <a:t>Databases</a:t>
+            </a:r>
+          </a:p>
+          <a:p>
+            <a:pPr marL="457200" marR="0" lvl="0" indent="-228600" algn="l" rtl="0">
+              <a:lnSpc>
+                <a:spcPct val="90000"/>
+              </a:lnSpc>
+              <a:spcBef>
+                <a:spcPts val="0"/>
+              </a:spcBef>
+            </a:pPr>
+            <a:r>
+              <a:rPr lang="en-US" sz="2400" dirty="0"/>
+              <a:t>AI and statistical techniques</a:t>
+            </a:r>
+          </a:p>
+          <a:p>
+            <a:pPr marL="457200" marR="0" lvl="0" indent="-228600" algn="l" rtl="0">
+              <a:lnSpc>
+                <a:spcPct val="90000"/>
+              </a:lnSpc>
+              <a:spcBef>
+                <a:spcPts val="0"/>
+              </a:spcBef>
+            </a:pPr>
+            <a:r>
+              <a:rPr lang="en-US" sz="2400" dirty="0"/>
+              <a:t>Software development and algorithms</a:t>
+            </a:r>
+          </a:p>
+          <a:p>
+            <a:pPr marL="457200" marR="0" lvl="0" indent="-228600" algn="l" rtl="0">
+              <a:lnSpc>
+                <a:spcPct val="90000"/>
+              </a:lnSpc>
+              <a:spcBef>
+                <a:spcPts val="0"/>
+              </a:spcBef>
+            </a:pPr>
+            <a:r>
+              <a:rPr lang="en-US" sz="2400" dirty="0"/>
+              <a:t>Mathematics</a:t>
+            </a:r>
+          </a:p>
+          <a:p>
+            <a:pPr marL="457200" marR="0" lvl="0" indent="-228600" algn="l" rtl="0">
+              <a:lnSpc>
+                <a:spcPct val="90000"/>
+              </a:lnSpc>
+              <a:spcBef>
+                <a:spcPts val="0"/>
+              </a:spcBef>
+            </a:pPr>
+            <a:r>
+              <a:rPr lang="en-US" sz="2400" dirty="0"/>
+              <a:t>Communication</a:t>
+            </a:r>
+          </a:p>
+          <a:p>
+            <a:pPr marL="457200" marR="0" lvl="0" indent="-228600" algn="l" rtl="0">
+              <a:lnSpc>
+                <a:spcPct val="90000"/>
+              </a:lnSpc>
+              <a:spcBef>
+                <a:spcPts val="0"/>
+              </a:spcBef>
+            </a:pPr>
+            <a:r>
+              <a:rPr lang="en-US" sz="2400" dirty="0"/>
+              <a:t>Social, ethical, and legal awareness </a:t>
+            </a:r>
+          </a:p>
+          <a:p>
             <a:pPr marL="0" marR="0" lvl="0" indent="0" algn="l" rtl="0">
               <a:lnSpc>
                 <a:spcPct val="90000"/>
@@ -13014,81 +13348,16 @@
               </a:spcBef>
               <a:buNone/>
             </a:pPr>
-            <a:r>
-              <a:rPr lang="en-US"/>
-              <a:t>What is "streaming?" </a:t>
-            </a:r>
-          </a:p>
-          <a:p>
-            <a:pPr marL="457200" marR="0" lvl="0" indent="-228600" algn="l" rtl="0">
-              <a:lnSpc>
-                <a:spcPct val="90000"/>
-              </a:lnSpc>
-              <a:spcBef>
-                <a:spcPts val="0"/>
-              </a:spcBef>
-            </a:pPr>
-            <a:r>
-              <a:rPr lang="en-US"/>
-              <a:t>Transfer of continuously-generated data in real time </a:t>
-            </a:r>
-          </a:p>
-          <a:p>
-            <a:pPr marL="457200" marR="0" lvl="0" indent="-228600" algn="l" rtl="0">
-              <a:lnSpc>
-                <a:spcPct val="90000"/>
-              </a:lnSpc>
-              <a:spcBef>
-                <a:spcPts val="0"/>
-              </a:spcBef>
-            </a:pPr>
-            <a:r>
-              <a:rPr lang="en-US"/>
-              <a:t>"Real-time" somewhat subjective, contextual</a:t>
-            </a:r>
-          </a:p>
-          <a:p>
-            <a:pPr marL="0" marR="0" lvl="0" indent="0" algn="l" rtl="0">
-              <a:lnSpc>
-                <a:spcPct val="90000"/>
-              </a:lnSpc>
-              <a:spcBef>
-                <a:spcPts val="0"/>
-              </a:spcBef>
-              <a:buNone/>
-            </a:pPr>
-            <a:endParaRPr/>
-          </a:p>
-          <a:p>
-            <a:pPr marL="0" marR="0" lvl="0" indent="0" algn="l" rtl="0">
-              <a:lnSpc>
-                <a:spcPct val="90000"/>
-              </a:lnSpc>
-              <a:spcBef>
-                <a:spcPts val="0"/>
-              </a:spcBef>
-              <a:buNone/>
-            </a:pPr>
-            <a:r>
-              <a:rPr lang="en-US"/>
-              <a:t>"Streaming visualization," then, is any vis that is continuously updated based on newly-generated, high frequency data</a:t>
-            </a:r>
-          </a:p>
-          <a:p>
-            <a:pPr marL="0" marR="0" lvl="0" indent="0" algn="l" rtl="0">
-              <a:lnSpc>
-                <a:spcPct val="90000"/>
-              </a:lnSpc>
-              <a:spcBef>
-                <a:spcPts val="0"/>
-              </a:spcBef>
-              <a:buNone/>
-            </a:pPr>
-            <a:endParaRPr/>
+            <a:endParaRPr dirty="0"/>
           </a:p>
         </p:txBody>
       </p:sp>
     </p:spTree>
+    <p:extLst>
+      <p:ext uri="{BB962C8B-B14F-4D97-AF65-F5344CB8AC3E}">
+        <p14:creationId xmlns:p14="http://schemas.microsoft.com/office/powerpoint/2010/main" val="2264701809"/>
+      </p:ext>
+    </p:extLst>
   </p:cSld>
   <p:clrMapOvr>
     <a:masterClrMapping/>
@@ -13323,6 +13592,200 @@
   <p:cSld>
     <p:spTree>
       <p:nvGrpSpPr>
+        <p:cNvPr id="1" name="Shape 320"/>
+        <p:cNvGrpSpPr/>
+        <p:nvPr/>
+      </p:nvGrpSpPr>
+      <p:grpSpPr>
+        <a:xfrm>
+          <a:off x="0" y="0"/>
+          <a:ext cx="0" cy="0"/>
+          <a:chOff x="0" y="0"/>
+          <a:chExt cx="0" cy="0"/>
+        </a:xfrm>
+      </p:grpSpPr>
+      <p:sp>
+        <p:nvSpPr>
+          <p:cNvPr id="321" name="Shape 321"/>
+          <p:cNvSpPr txBox="1">
+            <a:spLocks noGrp="1"/>
+          </p:cNvSpPr>
+          <p:nvPr>
+            <p:ph type="title"/>
+          </p:nvPr>
+        </p:nvSpPr>
+        <p:spPr>
+          <a:xfrm>
+            <a:off x="628650" y="365125"/>
+            <a:ext cx="7886700" cy="1325700"/>
+          </a:xfrm>
+          <a:prstGeom prst="rect">
+            <a:avLst/>
+          </a:prstGeom>
+          <a:noFill/>
+          <a:ln>
+            <a:noFill/>
+          </a:ln>
+        </p:spPr>
+        <p:txBody>
+          <a:bodyPr lIns="91425" tIns="45700" rIns="91425" bIns="45700" anchor="ctr" anchorCtr="0">
+            <a:noAutofit/>
+          </a:bodyPr>
+          <a:lstStyle/>
+          <a:p>
+            <a:pPr marL="0" marR="0" lvl="0" indent="0" algn="l" rtl="0">
+              <a:lnSpc>
+                <a:spcPct val="90000"/>
+              </a:lnSpc>
+              <a:spcBef>
+                <a:spcPts val="0"/>
+              </a:spcBef>
+              <a:buClr>
+                <a:schemeClr val="lt1"/>
+              </a:buClr>
+              <a:buSzPct val="25000"/>
+              <a:buFont typeface="Cabin"/>
+              <a:buNone/>
+            </a:pPr>
+            <a:r>
+              <a:rPr lang="en-US"/>
+              <a:t>Streaming Visualization</a:t>
+            </a:r>
+          </a:p>
+        </p:txBody>
+      </p:sp>
+      <p:sp>
+        <p:nvSpPr>
+          <p:cNvPr id="322" name="Shape 322"/>
+          <p:cNvSpPr txBox="1">
+            <a:spLocks noGrp="1"/>
+          </p:cNvSpPr>
+          <p:nvPr>
+            <p:ph type="body" idx="1"/>
+          </p:nvPr>
+        </p:nvSpPr>
+        <p:spPr>
+          <a:xfrm>
+            <a:off x="628650" y="1825625"/>
+            <a:ext cx="7886700" cy="4351200"/>
+          </a:xfrm>
+          <a:prstGeom prst="rect">
+            <a:avLst/>
+          </a:prstGeom>
+          <a:noFill/>
+          <a:ln>
+            <a:noFill/>
+          </a:ln>
+        </p:spPr>
+        <p:txBody>
+          <a:bodyPr lIns="91425" tIns="45700" rIns="91425" bIns="45700" anchor="t" anchorCtr="0">
+            <a:noAutofit/>
+          </a:bodyPr>
+          <a:lstStyle/>
+          <a:p>
+            <a:pPr marL="0" marR="0" lvl="0" indent="0" algn="l" rtl="0">
+              <a:lnSpc>
+                <a:spcPct val="90000"/>
+              </a:lnSpc>
+              <a:spcBef>
+                <a:spcPts val="0"/>
+              </a:spcBef>
+              <a:buNone/>
+            </a:pPr>
+            <a:r>
+              <a:rPr lang="en-US"/>
+              <a:t>What is "streaming?" </a:t>
+            </a:r>
+          </a:p>
+          <a:p>
+            <a:pPr marL="457200" marR="0" lvl="0" indent="-228600" algn="l" rtl="0">
+              <a:lnSpc>
+                <a:spcPct val="90000"/>
+              </a:lnSpc>
+              <a:spcBef>
+                <a:spcPts val="0"/>
+              </a:spcBef>
+            </a:pPr>
+            <a:r>
+              <a:rPr lang="en-US"/>
+              <a:t>Transfer of continuously-generated data in real time </a:t>
+            </a:r>
+          </a:p>
+          <a:p>
+            <a:pPr marL="457200" marR="0" lvl="0" indent="-228600" algn="l" rtl="0">
+              <a:lnSpc>
+                <a:spcPct val="90000"/>
+              </a:lnSpc>
+              <a:spcBef>
+                <a:spcPts val="0"/>
+              </a:spcBef>
+            </a:pPr>
+            <a:r>
+              <a:rPr lang="en-US"/>
+              <a:t>"Real-time" somewhat subjective, contextual</a:t>
+            </a:r>
+          </a:p>
+          <a:p>
+            <a:pPr marL="0" marR="0" lvl="0" indent="0" algn="l" rtl="0">
+              <a:lnSpc>
+                <a:spcPct val="90000"/>
+              </a:lnSpc>
+              <a:spcBef>
+                <a:spcPts val="0"/>
+              </a:spcBef>
+              <a:buNone/>
+            </a:pPr>
+            <a:endParaRPr/>
+          </a:p>
+          <a:p>
+            <a:pPr marL="0" marR="0" lvl="0" indent="0" algn="l" rtl="0">
+              <a:lnSpc>
+                <a:spcPct val="90000"/>
+              </a:lnSpc>
+              <a:spcBef>
+                <a:spcPts val="0"/>
+              </a:spcBef>
+              <a:buNone/>
+            </a:pPr>
+            <a:r>
+              <a:rPr lang="en-US"/>
+              <a:t>"Streaming visualization," then, is any vis that is continuously updated based on newly-generated, high frequency data</a:t>
+            </a:r>
+          </a:p>
+          <a:p>
+            <a:pPr marL="0" marR="0" lvl="0" indent="0" algn="l" rtl="0">
+              <a:lnSpc>
+                <a:spcPct val="90000"/>
+              </a:lnSpc>
+              <a:spcBef>
+                <a:spcPts val="0"/>
+              </a:spcBef>
+              <a:buNone/>
+            </a:pPr>
+            <a:endParaRPr/>
+          </a:p>
+        </p:txBody>
+      </p:sp>
+    </p:spTree>
+  </p:cSld>
+  <p:clrMapOvr>
+    <a:masterClrMapping/>
+  </p:clrMapOvr>
+  <p:timing>
+    <p:tnLst>
+      <p:par>
+        <p:cTn id="1" dur="indefinite" restart="never" nodeType="tmRoot"/>
+      </p:par>
+    </p:tnLst>
+  </p:timing>
+</p:sld>
+</file>
+
+<file path=ppt/slides/slide21.xml><?xml version="1.0" encoding="utf-8"?>
+<p:sld xmlns:a="http://schemas.openxmlformats.org/drawingml/2006/main" xmlns:r="http://schemas.openxmlformats.org/officeDocument/2006/relationships" xmlns:p="http://schemas.openxmlformats.org/presentationml/2006/main">
+  <p:cSld>
+    <p:spTree>
+      <p:nvGrpSpPr>
         <p:cNvPr id="1" name="Shape 326"/>
         <p:cNvGrpSpPr/>
         <p:nvPr/>
@@ -13745,7 +14208,7 @@
 </p:sld>
 </file>
 
-<file path=ppt/slides/slide21.xml><?xml version="1.0" encoding="utf-8"?>
+<file path=ppt/slides/slide22.xml><?xml version="1.0" encoding="utf-8"?>
 <p:sld xmlns:a="http://schemas.openxmlformats.org/drawingml/2006/main" xmlns:r="http://schemas.openxmlformats.org/officeDocument/2006/relationships" xmlns:p="http://schemas.openxmlformats.org/presentationml/2006/main">
   <p:cSld>
     <p:spTree>
@@ -13827,7 +14290,7 @@
 </p:sld>
 </file>
 
-<file path=ppt/slides/slide22.xml><?xml version="1.0" encoding="utf-8"?>
+<file path=ppt/slides/slide23.xml><?xml version="1.0" encoding="utf-8"?>
 <p:sld xmlns:a="http://schemas.openxmlformats.org/drawingml/2006/main" xmlns:r="http://schemas.openxmlformats.org/officeDocument/2006/relationships" xmlns:p="http://schemas.openxmlformats.org/presentationml/2006/main">
   <p:cSld>
     <p:spTree>
@@ -14336,7 +14799,7 @@
 </p:sld>
 </file>
 
-<file path=ppt/slides/slide23.xml><?xml version="1.0" encoding="utf-8"?>
+<file path=ppt/slides/slide24.xml><?xml version="1.0" encoding="utf-8"?>
 <p:sld xmlns:a="http://schemas.openxmlformats.org/drawingml/2006/main" xmlns:r="http://schemas.openxmlformats.org/officeDocument/2006/relationships" xmlns:p="http://schemas.openxmlformats.org/presentationml/2006/main">
   <p:cSld>
     <p:spTree>
@@ -15965,7 +16428,255 @@
 </p:sld>
 </file>
 
-<file path=ppt/slides/slide24.xml><?xml version="1.0" encoding="utf-8"?>
+<file path=ppt/slides/slide25.xml><?xml version="1.0" encoding="utf-8"?>
+<p:sld xmlns:a="http://schemas.openxmlformats.org/drawingml/2006/main" xmlns:r="http://schemas.openxmlformats.org/officeDocument/2006/relationships" xmlns:p="http://schemas.openxmlformats.org/presentationml/2006/main">
+  <p:cSld>
+    <p:spTree>
+      <p:nvGrpSpPr>
+        <p:cNvPr id="1" name="Shape 301"/>
+        <p:cNvGrpSpPr/>
+        <p:nvPr/>
+      </p:nvGrpSpPr>
+      <p:grpSpPr>
+        <a:xfrm>
+          <a:off x="0" y="0"/>
+          <a:ext cx="0" cy="0"/>
+          <a:chOff x="0" y="0"/>
+          <a:chExt cx="0" cy="0"/>
+        </a:xfrm>
+      </p:grpSpPr>
+      <p:sp>
+        <p:nvSpPr>
+          <p:cNvPr id="302" name="Shape 302"/>
+          <p:cNvSpPr txBox="1">
+            <a:spLocks noGrp="1"/>
+          </p:cNvSpPr>
+          <p:nvPr>
+            <p:ph type="title"/>
+          </p:nvPr>
+        </p:nvSpPr>
+        <p:spPr>
+          <a:xfrm>
+            <a:off x="628650" y="365125"/>
+            <a:ext cx="7886700" cy="1325700"/>
+          </a:xfrm>
+          <a:prstGeom prst="rect">
+            <a:avLst/>
+          </a:prstGeom>
+          <a:noFill/>
+          <a:ln>
+            <a:noFill/>
+          </a:ln>
+        </p:spPr>
+        <p:txBody>
+          <a:bodyPr lIns="91425" tIns="45700" rIns="91425" bIns="45700" anchor="ctr" anchorCtr="0">
+            <a:noAutofit/>
+          </a:bodyPr>
+          <a:lstStyle/>
+          <a:p>
+            <a:pPr marL="0" marR="0" lvl="0" indent="0" algn="l" rtl="0">
+              <a:lnSpc>
+                <a:spcPct val="90000"/>
+              </a:lnSpc>
+              <a:spcBef>
+                <a:spcPts val="0"/>
+              </a:spcBef>
+              <a:buClr>
+                <a:schemeClr val="lt1"/>
+              </a:buClr>
+              <a:buSzPct val="25000"/>
+              <a:buFont typeface="Cabin"/>
+              <a:buNone/>
+            </a:pPr>
+            <a:r>
+              <a:rPr lang="en-US" dirty="0"/>
+              <a:t>Data science </a:t>
+            </a:r>
+            <a:r>
+              <a:rPr lang="en-US" dirty="0" smtClean="0"/>
+              <a:t>workflow</a:t>
+            </a:r>
+            <a:endParaRPr lang="en-US" dirty="0"/>
+          </a:p>
+        </p:txBody>
+      </p:sp>
+      <p:sp>
+        <p:nvSpPr>
+          <p:cNvPr id="303" name="Shape 303"/>
+          <p:cNvSpPr txBox="1">
+            <a:spLocks noGrp="1"/>
+          </p:cNvSpPr>
+          <p:nvPr>
+            <p:ph type="body" idx="1"/>
+          </p:nvPr>
+        </p:nvSpPr>
+        <p:spPr>
+          <a:xfrm>
+            <a:off x="628650" y="1825625"/>
+            <a:ext cx="7886700" cy="4351200"/>
+          </a:xfrm>
+          <a:prstGeom prst="rect">
+            <a:avLst/>
+          </a:prstGeom>
+          <a:noFill/>
+          <a:ln>
+            <a:noFill/>
+          </a:ln>
+        </p:spPr>
+        <p:txBody>
+          <a:bodyPr lIns="91425" tIns="45700" rIns="91425" bIns="45700" anchor="t" anchorCtr="0">
+            <a:noAutofit/>
+          </a:bodyPr>
+          <a:lstStyle/>
+          <a:p>
+            <a:pPr marL="457200" marR="0" lvl="0" indent="-228600" algn="l" rtl="0">
+              <a:lnSpc>
+                <a:spcPct val="90000"/>
+              </a:lnSpc>
+              <a:spcBef>
+                <a:spcPts val="0"/>
+              </a:spcBef>
+              <a:buAutoNum type="arabicPeriod"/>
+            </a:pPr>
+            <a:r>
+              <a:rPr lang="en-US" sz="2400" dirty="0"/>
+              <a:t>Scope out the problem or question</a:t>
+            </a:r>
+          </a:p>
+          <a:p>
+            <a:pPr marL="457200" marR="0" lvl="0" indent="-228600" algn="l" rtl="0">
+              <a:lnSpc>
+                <a:spcPct val="90000"/>
+              </a:lnSpc>
+              <a:spcBef>
+                <a:spcPts val="0"/>
+              </a:spcBef>
+              <a:buAutoNum type="arabicPeriod"/>
+            </a:pPr>
+            <a:r>
+              <a:rPr lang="en-US" sz="2400" dirty="0"/>
+              <a:t>Knowledge search: Research and </a:t>
+            </a:r>
+            <a:r>
+              <a:rPr lang="en-US" sz="2400" dirty="0" err="1"/>
+              <a:t>sensemaking</a:t>
+            </a:r>
+            <a:r>
+              <a:rPr lang="en-US" sz="2400" dirty="0"/>
+              <a:t> </a:t>
+            </a:r>
+          </a:p>
+          <a:p>
+            <a:pPr marL="457200" marR="0" lvl="0" indent="-228600" algn="l" rtl="0">
+              <a:lnSpc>
+                <a:spcPct val="90000"/>
+              </a:lnSpc>
+              <a:spcBef>
+                <a:spcPts val="0"/>
+              </a:spcBef>
+              <a:buAutoNum type="arabicPeriod"/>
+            </a:pPr>
+            <a:r>
+              <a:rPr lang="en-US" sz="2400" dirty="0"/>
+              <a:t>Data retrieval; extract, transform, load (ETL)</a:t>
+            </a:r>
+          </a:p>
+          <a:p>
+            <a:pPr marL="457200" marR="0" lvl="0" indent="-228600" algn="l" rtl="0">
+              <a:lnSpc>
+                <a:spcPct val="90000"/>
+              </a:lnSpc>
+              <a:spcBef>
+                <a:spcPts val="0"/>
+              </a:spcBef>
+              <a:buAutoNum type="arabicPeriod"/>
+            </a:pPr>
+            <a:r>
+              <a:rPr lang="en-US" sz="2400" dirty="0"/>
+              <a:t>Exploratory analysis</a:t>
+            </a:r>
+          </a:p>
+          <a:p>
+            <a:pPr marL="457200" marR="0" lvl="0" indent="-228600" algn="l" rtl="0">
+              <a:lnSpc>
+                <a:spcPct val="90000"/>
+              </a:lnSpc>
+              <a:spcBef>
+                <a:spcPts val="0"/>
+              </a:spcBef>
+              <a:buAutoNum type="arabicPeriod"/>
+            </a:pPr>
+            <a:r>
+              <a:rPr lang="en-US" sz="2400" dirty="0"/>
+              <a:t>Modeling </a:t>
+            </a:r>
+          </a:p>
+          <a:p>
+            <a:pPr marL="457200" marR="0" lvl="0" indent="-228600" algn="l" rtl="0">
+              <a:lnSpc>
+                <a:spcPct val="90000"/>
+              </a:lnSpc>
+              <a:spcBef>
+                <a:spcPts val="0"/>
+              </a:spcBef>
+            </a:pPr>
+            <a:r>
+              <a:rPr lang="en-US" sz="3200" b="1" dirty="0"/>
+              <a:t>System-building [sometimes] </a:t>
+            </a:r>
+          </a:p>
+          <a:p>
+            <a:pPr marL="457200" marR="0" lvl="0" indent="-228600" algn="l" rtl="0">
+              <a:lnSpc>
+                <a:spcPct val="90000"/>
+              </a:lnSpc>
+              <a:spcBef>
+                <a:spcPts val="0"/>
+              </a:spcBef>
+            </a:pPr>
+            <a:r>
+              <a:rPr lang="en-US" sz="3200" b="1" dirty="0"/>
+              <a:t>Versioning/archival</a:t>
+            </a:r>
+          </a:p>
+          <a:p>
+            <a:pPr marL="457200" marR="0" lvl="0" indent="-228600" algn="l" rtl="0">
+              <a:lnSpc>
+                <a:spcPct val="90000"/>
+              </a:lnSpc>
+              <a:spcBef>
+                <a:spcPts val="0"/>
+              </a:spcBef>
+            </a:pPr>
+            <a:r>
+              <a:rPr lang="en-US" sz="3200" b="1" dirty="0"/>
+              <a:t>Communication</a:t>
+            </a:r>
+            <a:endParaRPr lang="en-US" sz="3600" b="1" dirty="0"/>
+          </a:p>
+        </p:txBody>
+      </p:sp>
+    </p:spTree>
+    <p:extLst>
+      <p:ext uri="{BB962C8B-B14F-4D97-AF65-F5344CB8AC3E}">
+        <p14:creationId xmlns:p14="http://schemas.microsoft.com/office/powerpoint/2010/main" val="2185848171"/>
+      </p:ext>
+    </p:extLst>
+  </p:cSld>
+  <p:clrMapOvr>
+    <a:masterClrMapping/>
+  </p:clrMapOvr>
+  <p:timing>
+    <p:tnLst>
+      <p:par>
+        <p:cTn id="1" dur="indefinite" restart="never" nodeType="tmRoot"/>
+      </p:par>
+    </p:tnLst>
+  </p:timing>
+</p:sld>
+</file>
+
+<file path=ppt/slides/slide26.xml><?xml version="1.0" encoding="utf-8"?>
 <p:sld xmlns:a="http://schemas.openxmlformats.org/drawingml/2006/main" xmlns:r="http://schemas.openxmlformats.org/officeDocument/2006/relationships" xmlns:p="http://schemas.openxmlformats.org/presentationml/2006/main">
   <p:cSld>
     <p:spTree>
@@ -16101,7 +16812,7 @@
 </p:sld>
 </file>
 
-<file path=ppt/slides/slide25.xml><?xml version="1.0" encoding="utf-8"?>
+<file path=ppt/slides/slide27.xml><?xml version="1.0" encoding="utf-8"?>
 <p:sld xmlns:a="http://schemas.openxmlformats.org/drawingml/2006/main" xmlns:r="http://schemas.openxmlformats.org/officeDocument/2006/relationships" xmlns:p="http://schemas.openxmlformats.org/presentationml/2006/main">
   <p:cSld>
     <p:bg>
@@ -16842,7 +17553,7 @@
               <a:buNone/>
             </a:pPr>
             <a:r>
-              <a:rPr lang="en-US"/>
+              <a:rPr lang="en-US" dirty="0"/>
               <a:t>Anderson et al. (2014):</a:t>
             </a:r>
           </a:p>
@@ -16853,7 +17564,7 @@
               </a:spcBef>
             </a:pPr>
             <a:r>
-              <a:rPr lang="en-US" b="1"/>
+              <a:rPr lang="en-US" sz="3200" b="1" dirty="0"/>
               <a:t>Information retrieval</a:t>
             </a:r>
           </a:p>
@@ -16867,7 +17578,7 @@
               </a:spcBef>
             </a:pPr>
             <a:r>
-              <a:rPr lang="en-US" b="1"/>
+              <a:rPr lang="en-US" sz="3200" b="1" dirty="0"/>
               <a:t>Large or streaming data sets</a:t>
             </a:r>
           </a:p>
@@ -16881,7 +17592,7 @@
               </a:spcBef>
             </a:pPr>
             <a:r>
-              <a:rPr lang="en-US" b="1"/>
+              <a:rPr lang="en-US" sz="3200" b="1" dirty="0"/>
               <a:t>Databases</a:t>
             </a:r>
           </a:p>
@@ -16895,7 +17606,7 @@
               </a:spcBef>
             </a:pPr>
             <a:r>
-              <a:rPr lang="en-US"/>
+              <a:rPr lang="en-US" sz="2400" dirty="0"/>
               <a:t>AI and statistical techniques</a:t>
             </a:r>
           </a:p>
@@ -16909,7 +17620,7 @@
               </a:spcBef>
             </a:pPr>
             <a:r>
-              <a:rPr lang="en-US"/>
+              <a:rPr lang="en-US" sz="2400" dirty="0"/>
               <a:t>Software development and algorithms</a:t>
             </a:r>
           </a:p>
@@ -16923,7 +17634,7 @@
               </a:spcBef>
             </a:pPr>
             <a:r>
-              <a:rPr lang="en-US"/>
+              <a:rPr lang="en-US" sz="2400" dirty="0"/>
               <a:t>Mathematics</a:t>
             </a:r>
           </a:p>
@@ -16937,7 +17648,7 @@
               </a:spcBef>
             </a:pPr>
             <a:r>
-              <a:rPr lang="en-US"/>
+              <a:rPr lang="en-US" sz="2400" dirty="0"/>
               <a:t>Communication</a:t>
             </a:r>
           </a:p>
@@ -16951,7 +17662,7 @@
               </a:spcBef>
             </a:pPr>
             <a:r>
-              <a:rPr lang="en-US"/>
+              <a:rPr lang="en-US" sz="2400" dirty="0"/>
               <a:t>Social, ethical, and legal awareness </a:t>
             </a:r>
           </a:p>
@@ -16965,7 +17676,7 @@
               </a:spcBef>
               <a:buNone/>
             </a:pPr>
-            <a:endParaRPr/>
+            <a:endParaRPr dirty="0"/>
           </a:p>
         </p:txBody>
       </p:sp>
@@ -17087,7 +17798,7 @@
               <a:buNone/>
             </a:pPr>
             <a:r>
-              <a:rPr lang="en-US"/>
+              <a:rPr lang="en-US" dirty="0"/>
               <a:t>Anderson et al. (2014):</a:t>
             </a:r>
           </a:p>
@@ -17098,7 +17809,7 @@
               </a:spcBef>
             </a:pPr>
             <a:r>
-              <a:rPr lang="en-US"/>
+              <a:rPr lang="en-US" sz="2400" dirty="0"/>
               <a:t>Information retrieval</a:t>
             </a:r>
           </a:p>
@@ -17112,7 +17823,7 @@
               </a:spcBef>
             </a:pPr>
             <a:r>
-              <a:rPr lang="en-US"/>
+              <a:rPr lang="en-US" sz="2400" dirty="0"/>
               <a:t>Large or streaming data sets</a:t>
             </a:r>
           </a:p>
@@ -17126,7 +17837,7 @@
               </a:spcBef>
             </a:pPr>
             <a:r>
-              <a:rPr lang="en-US"/>
+              <a:rPr lang="en-US" sz="2400" dirty="0"/>
               <a:t>Databases</a:t>
             </a:r>
           </a:p>
@@ -17140,7 +17851,7 @@
               </a:spcBef>
             </a:pPr>
             <a:r>
-              <a:rPr lang="en-US" b="1"/>
+              <a:rPr lang="en-US" sz="3200" b="1" dirty="0"/>
               <a:t>AI and statistical techniques</a:t>
             </a:r>
           </a:p>
@@ -17154,7 +17865,7 @@
               </a:spcBef>
             </a:pPr>
             <a:r>
-              <a:rPr lang="en-US" b="1"/>
+              <a:rPr lang="en-US" sz="3200" b="1" dirty="0"/>
               <a:t>Software development and algorithms</a:t>
             </a:r>
           </a:p>
@@ -17168,7 +17879,7 @@
               </a:spcBef>
             </a:pPr>
             <a:r>
-              <a:rPr lang="en-US" b="1"/>
+              <a:rPr lang="en-US" sz="3200" b="1" dirty="0"/>
               <a:t>Mathematics</a:t>
             </a:r>
           </a:p>
@@ -17182,7 +17893,7 @@
               </a:spcBef>
             </a:pPr>
             <a:r>
-              <a:rPr lang="en-US"/>
+              <a:rPr lang="en-US" sz="2400" dirty="0"/>
               <a:t>Communication</a:t>
             </a:r>
           </a:p>
@@ -17196,7 +17907,7 @@
               </a:spcBef>
             </a:pPr>
             <a:r>
-              <a:rPr lang="en-US"/>
+              <a:rPr lang="en-US" sz="2400" dirty="0"/>
               <a:t>Social, ethical, and legal awareness </a:t>
             </a:r>
           </a:p>
@@ -17210,7 +17921,7 @@
               </a:spcBef>
               <a:buNone/>
             </a:pPr>
-            <a:endParaRPr/>
+            <a:endParaRPr sz="2400" dirty="0"/>
           </a:p>
         </p:txBody>
       </p:sp>
@@ -17332,7 +18043,7 @@
               <a:buNone/>
             </a:pPr>
             <a:r>
-              <a:rPr lang="en-US"/>
+              <a:rPr lang="en-US" dirty="0"/>
               <a:t>Anderson et al. (2014):</a:t>
             </a:r>
           </a:p>
@@ -17343,7 +18054,7 @@
               </a:spcBef>
             </a:pPr>
             <a:r>
-              <a:rPr lang="en-US"/>
+              <a:rPr lang="en-US" sz="2400" dirty="0"/>
               <a:t>Information retrieval</a:t>
             </a:r>
           </a:p>
@@ -17357,7 +18068,7 @@
               </a:spcBef>
             </a:pPr>
             <a:r>
-              <a:rPr lang="en-US"/>
+              <a:rPr lang="en-US" sz="2400" dirty="0"/>
               <a:t>Large or streaming data sets</a:t>
             </a:r>
           </a:p>
@@ -17371,7 +18082,7 @@
               </a:spcBef>
             </a:pPr>
             <a:r>
-              <a:rPr lang="en-US"/>
+              <a:rPr lang="en-US" sz="2400" dirty="0"/>
               <a:t>Databases</a:t>
             </a:r>
           </a:p>
@@ -17385,7 +18096,7 @@
               </a:spcBef>
             </a:pPr>
             <a:r>
-              <a:rPr lang="en-US"/>
+              <a:rPr lang="en-US" sz="2400" dirty="0"/>
               <a:t>AI and statistical techniques</a:t>
             </a:r>
           </a:p>
@@ -17399,7 +18110,7 @@
               </a:spcBef>
             </a:pPr>
             <a:r>
-              <a:rPr lang="en-US"/>
+              <a:rPr lang="en-US" sz="2400" dirty="0"/>
               <a:t>Software development and algorithms</a:t>
             </a:r>
           </a:p>
@@ -17413,7 +18124,7 @@
               </a:spcBef>
             </a:pPr>
             <a:r>
-              <a:rPr lang="en-US"/>
+              <a:rPr lang="en-US" sz="2400" dirty="0"/>
               <a:t>Mathematics</a:t>
             </a:r>
           </a:p>
@@ -17427,7 +18138,7 @@
               </a:spcBef>
             </a:pPr>
             <a:r>
-              <a:rPr lang="en-US" b="1"/>
+              <a:rPr lang="en-US" sz="3200" b="1" dirty="0"/>
               <a:t>Communication</a:t>
             </a:r>
           </a:p>
@@ -17441,7 +18152,7 @@
               </a:spcBef>
             </a:pPr>
             <a:r>
-              <a:rPr lang="en-US" b="1"/>
+              <a:rPr lang="en-US" sz="3200" b="1" dirty="0"/>
               <a:t>Social, ethical, and legal awareness </a:t>
             </a:r>
           </a:p>
@@ -17455,7 +18166,7 @@
               </a:spcBef>
               <a:buNone/>
             </a:pPr>
-            <a:endParaRPr/>
+            <a:endParaRPr sz="3200" dirty="0"/>
           </a:p>
         </p:txBody>
       </p:sp>
@@ -17580,7 +18291,7 @@
               <a:buAutoNum type="arabicPeriod"/>
             </a:pPr>
             <a:r>
-              <a:rPr lang="en-US" b="1"/>
+              <a:rPr lang="en-US" sz="3200" b="1" dirty="0"/>
               <a:t>Scope out the problem or question</a:t>
             </a:r>
           </a:p>
@@ -17595,8 +18306,16 @@
               <a:buAutoNum type="arabicPeriod"/>
             </a:pPr>
             <a:r>
-              <a:rPr lang="en-US" b="1"/>
-              <a:t>Knowledge search: Research and sensemaking </a:t>
+              <a:rPr lang="en-US" sz="3200" b="1" dirty="0"/>
+              <a:t>Knowledge search: Research and </a:t>
+            </a:r>
+            <a:r>
+              <a:rPr lang="en-US" sz="3200" b="1" dirty="0" err="1"/>
+              <a:t>sensemaking</a:t>
+            </a:r>
+            <a:r>
+              <a:rPr lang="en-US" sz="3200" b="1" dirty="0"/>
+              <a:t> </a:t>
             </a:r>
           </a:p>
           <a:p>
@@ -17610,7 +18329,7 @@
               <a:buAutoNum type="arabicPeriod"/>
             </a:pPr>
             <a:r>
-              <a:rPr lang="en-US"/>
+              <a:rPr lang="en-US" sz="2400" dirty="0"/>
               <a:t>Data retrieval; extract, transform, load (ETL)</a:t>
             </a:r>
           </a:p>
@@ -17625,7 +18344,7 @@
               <a:buAutoNum type="arabicPeriod"/>
             </a:pPr>
             <a:r>
-              <a:rPr lang="en-US"/>
+              <a:rPr lang="en-US" sz="2400" dirty="0"/>
               <a:t>Exploratory analysis</a:t>
             </a:r>
           </a:p>
@@ -17640,7 +18359,7 @@
               <a:buAutoNum type="arabicPeriod"/>
             </a:pPr>
             <a:r>
-              <a:rPr lang="en-US"/>
+              <a:rPr lang="en-US" sz="2400" dirty="0"/>
               <a:t>Modeling </a:t>
             </a:r>
           </a:p>
@@ -17654,7 +18373,7 @@
               </a:spcBef>
             </a:pPr>
             <a:r>
-              <a:rPr lang="en-US"/>
+              <a:rPr lang="en-US" sz="2400" dirty="0"/>
               <a:t>System-building [sometimes] </a:t>
             </a:r>
           </a:p>
@@ -17668,7 +18387,7 @@
               </a:spcBef>
             </a:pPr>
             <a:r>
-              <a:rPr lang="en-US"/>
+              <a:rPr lang="en-US" sz="2400" dirty="0"/>
               <a:t>Versioning/archival</a:t>
             </a:r>
           </a:p>
@@ -17682,7 +18401,7 @@
               </a:spcBef>
             </a:pPr>
             <a:r>
-              <a:rPr lang="en-US"/>
+              <a:rPr lang="en-US" sz="2400" dirty="0"/>
               <a:t>Communication</a:t>
             </a:r>
           </a:p>
@@ -17809,7 +18528,7 @@
               <a:buAutoNum type="arabicPeriod"/>
             </a:pPr>
             <a:r>
-              <a:rPr lang="en-US"/>
+              <a:rPr lang="en-US" sz="2400" dirty="0"/>
               <a:t>Scope out the problem or question</a:t>
             </a:r>
           </a:p>
@@ -17824,8 +18543,16 @@
               <a:buAutoNum type="arabicPeriod"/>
             </a:pPr>
             <a:r>
-              <a:rPr lang="en-US"/>
-              <a:t>Knowledge search: Research and sensemaking </a:t>
+              <a:rPr lang="en-US" sz="2400" dirty="0"/>
+              <a:t>Knowledge search: Research and </a:t>
+            </a:r>
+            <a:r>
+              <a:rPr lang="en-US" sz="2400" dirty="0" err="1"/>
+              <a:t>sensemaking</a:t>
+            </a:r>
+            <a:r>
+              <a:rPr lang="en-US" sz="2400" dirty="0"/>
+              <a:t> </a:t>
             </a:r>
           </a:p>
           <a:p>
@@ -17839,7 +18566,7 @@
               <a:buAutoNum type="arabicPeriod"/>
             </a:pPr>
             <a:r>
-              <a:rPr lang="en-US" b="1"/>
+              <a:rPr lang="en-US" sz="3200" b="1" dirty="0"/>
               <a:t>Data retrieval; extract, transform, load (ETL)</a:t>
             </a:r>
           </a:p>
@@ -17854,7 +18581,7 @@
               <a:buAutoNum type="arabicPeriod"/>
             </a:pPr>
             <a:r>
-              <a:rPr lang="en-US"/>
+              <a:rPr lang="en-US" sz="2400" dirty="0"/>
               <a:t>Exploratory analysis</a:t>
             </a:r>
           </a:p>
@@ -17869,7 +18596,7 @@
               <a:buAutoNum type="arabicPeriod"/>
             </a:pPr>
             <a:r>
-              <a:rPr lang="en-US"/>
+              <a:rPr lang="en-US" sz="2400" dirty="0"/>
               <a:t>Modeling </a:t>
             </a:r>
           </a:p>
@@ -17883,7 +18610,7 @@
               </a:spcBef>
             </a:pPr>
             <a:r>
-              <a:rPr lang="en-US"/>
+              <a:rPr lang="en-US" sz="2400" dirty="0"/>
               <a:t>System-building [sometimes] </a:t>
             </a:r>
           </a:p>
@@ -17897,7 +18624,7 @@
               </a:spcBef>
             </a:pPr>
             <a:r>
-              <a:rPr lang="en-US"/>
+              <a:rPr lang="en-US" sz="2400" dirty="0"/>
               <a:t>Versioning/archival</a:t>
             </a:r>
           </a:p>
@@ -17911,7 +18638,7 @@
               </a:spcBef>
             </a:pPr>
             <a:r>
-              <a:rPr lang="en-US"/>
+              <a:rPr lang="en-US" sz="2400" dirty="0"/>
               <a:t>Communication</a:t>
             </a:r>
           </a:p>

--- a/Visual Data Science.pptx
+++ b/Visual Data Science.pptx
@@ -12,24 +12,24 @@
     <p:sldId id="264" r:id="rId3"/>
     <p:sldId id="265" r:id="rId4"/>
     <p:sldId id="266" r:id="rId5"/>
-    <p:sldId id="267" r:id="rId6"/>
-    <p:sldId id="268" r:id="rId7"/>
-    <p:sldId id="269" r:id="rId8"/>
-    <p:sldId id="270" r:id="rId9"/>
-    <p:sldId id="271" r:id="rId10"/>
-    <p:sldId id="272" r:id="rId11"/>
-    <p:sldId id="273" r:id="rId12"/>
-    <p:sldId id="274" r:id="rId13"/>
-    <p:sldId id="275" r:id="rId14"/>
-    <p:sldId id="276" r:id="rId15"/>
-    <p:sldId id="277" r:id="rId16"/>
+    <p:sldId id="291" r:id="rId6"/>
+    <p:sldId id="267" r:id="rId7"/>
+    <p:sldId id="268" r:id="rId8"/>
+    <p:sldId id="269" r:id="rId9"/>
+    <p:sldId id="270" r:id="rId10"/>
+    <p:sldId id="271" r:id="rId11"/>
+    <p:sldId id="272" r:id="rId12"/>
+    <p:sldId id="273" r:id="rId13"/>
+    <p:sldId id="274" r:id="rId14"/>
+    <p:sldId id="275" r:id="rId15"/>
+    <p:sldId id="276" r:id="rId16"/>
     <p:sldId id="278" r:id="rId17"/>
-    <p:sldId id="279" r:id="rId18"/>
-    <p:sldId id="280" r:id="rId19"/>
-    <p:sldId id="288" r:id="rId20"/>
-    <p:sldId id="281" r:id="rId21"/>
-    <p:sldId id="282" r:id="rId22"/>
-    <p:sldId id="283" r:id="rId23"/>
+    <p:sldId id="290" r:id="rId18"/>
+    <p:sldId id="279" r:id="rId19"/>
+    <p:sldId id="280" r:id="rId20"/>
+    <p:sldId id="288" r:id="rId21"/>
+    <p:sldId id="281" r:id="rId22"/>
+    <p:sldId id="282" r:id="rId23"/>
     <p:sldId id="284" r:id="rId24"/>
     <p:sldId id="287" r:id="rId25"/>
     <p:sldId id="289" r:id="rId26"/>
@@ -263,6 +263,36 @@
       </a:defRPr>
     </a:lvl9pPr>
   </p:defaultTextStyle>
+  <p:extLst>
+    <p:ext uri="{EFAFB233-063F-42B5-8137-9DF3F51BA10A}">
+      <p15:sldGuideLst xmlns:p15="http://schemas.microsoft.com/office/powerpoint/2012/main">
+        <p15:guide id="1" orient="horz" pos="2160">
+          <p15:clr>
+            <a:srgbClr val="A4A3A4"/>
+          </p15:clr>
+        </p15:guide>
+        <p15:guide id="2" pos="2880">
+          <p15:clr>
+            <a:srgbClr val="A4A3A4"/>
+          </p15:clr>
+        </p15:guide>
+      </p15:sldGuideLst>
+    </p:ext>
+    <p:ext uri="{2D200454-40CA-4A62-9FC3-DE9A4176ACB9}">
+      <p15:notesGuideLst xmlns:p15="http://schemas.microsoft.com/office/powerpoint/2012/main">
+        <p15:guide id="1" orient="horz" pos="2880">
+          <p15:clr>
+            <a:srgbClr val="A4A3A4"/>
+          </p15:clr>
+        </p15:guide>
+        <p15:guide id="2" pos="2160">
+          <p15:clr>
+            <a:srgbClr val="A4A3A4"/>
+          </p15:clr>
+        </p15:guide>
+      </p15:notesGuideLst>
+    </p:ext>
+  </p:extLst>
 </p:presentation>
 </file>
 
@@ -1350,6 +1380,11 @@
         </p:txBody>
       </p:sp>
     </p:spTree>
+    <p:extLst>
+      <p:ext uri="{BB962C8B-B14F-4D97-AF65-F5344CB8AC3E}">
+        <p14:creationId xmlns:p14="http://schemas.microsoft.com/office/powerpoint/2010/main" val="3252772057"/>
+      </p:ext>
+    </p:extLst>
   </p:cSld>
   <p:clrMapOvr>
     <a:masterClrMapping/>
@@ -1358,6 +1393,112 @@
 </file>
 
 <file path=ppt/notesSlides/notesSlide10.xml><?xml version="1.0" encoding="utf-8"?>
+<p:notes xmlns:a="http://schemas.openxmlformats.org/drawingml/2006/main" xmlns:r="http://schemas.openxmlformats.org/officeDocument/2006/relationships" xmlns:p="http://schemas.openxmlformats.org/presentationml/2006/main" showMasterSp="0" showMasterPhAnim="0">
+  <p:cSld>
+    <p:spTree>
+      <p:nvGrpSpPr>
+        <p:cNvPr id="1" name="Shape 256"/>
+        <p:cNvGrpSpPr/>
+        <p:nvPr/>
+      </p:nvGrpSpPr>
+      <p:grpSpPr>
+        <a:xfrm>
+          <a:off x="0" y="0"/>
+          <a:ext cx="0" cy="0"/>
+          <a:chOff x="0" y="0"/>
+          <a:chExt cx="0" cy="0"/>
+        </a:xfrm>
+      </p:grpSpPr>
+      <p:sp>
+        <p:nvSpPr>
+          <p:cNvPr id="257" name="Shape 257"/>
+          <p:cNvSpPr txBox="1">
+            <a:spLocks noGrp="1"/>
+          </p:cNvSpPr>
+          <p:nvPr>
+            <p:ph type="body" idx="1"/>
+          </p:nvPr>
+        </p:nvSpPr>
+        <p:spPr>
+          <a:xfrm>
+            <a:off x="685800" y="4400550"/>
+            <a:ext cx="5486400" cy="3600600"/>
+          </a:xfrm>
+          <a:prstGeom prst="rect">
+            <a:avLst/>
+          </a:prstGeom>
+        </p:spPr>
+        <p:txBody>
+          <a:bodyPr lIns="91425" tIns="91425" rIns="91425" bIns="91425" anchor="t" anchorCtr="0">
+            <a:noAutofit/>
+          </a:bodyPr>
+          <a:lstStyle/>
+          <a:p>
+            <a:pPr lvl="0" rtl="0">
+              <a:spcBef>
+                <a:spcPts val="0"/>
+              </a:spcBef>
+              <a:buNone/>
+            </a:pPr>
+            <a:endParaRPr/>
+          </a:p>
+        </p:txBody>
+      </p:sp>
+      <p:sp>
+        <p:nvSpPr>
+          <p:cNvPr id="258" name="Shape 258"/>
+          <p:cNvSpPr>
+            <a:spLocks noGrp="1" noRot="1" noChangeAspect="1"/>
+          </p:cNvSpPr>
+          <p:nvPr>
+            <p:ph type="sldImg" idx="2"/>
+          </p:nvPr>
+        </p:nvSpPr>
+        <p:spPr>
+          <a:xfrm>
+            <a:off x="1371600" y="1143000"/>
+            <a:ext cx="4114800" cy="3086100"/>
+          </a:xfrm>
+          <a:custGeom>
+            <a:avLst/>
+            <a:gdLst/>
+            <a:ahLst/>
+            <a:cxnLst/>
+            <a:rect l="0" t="0" r="0" b="0"/>
+            <a:pathLst>
+              <a:path w="120000" h="120000" extrusionOk="0">
+                <a:moveTo>
+                  <a:pt x="0" y="0"/>
+                </a:moveTo>
+                <a:lnTo>
+                  <a:pt x="120000" y="0"/>
+                </a:lnTo>
+                <a:lnTo>
+                  <a:pt x="120000" y="120000"/>
+                </a:lnTo>
+                <a:lnTo>
+                  <a:pt x="0" y="120000"/>
+                </a:lnTo>
+                <a:close/>
+              </a:path>
+            </a:pathLst>
+          </a:custGeom>
+        </p:spPr>
+      </p:sp>
+    </p:spTree>
+    <p:extLst>
+      <p:ext uri="{BB962C8B-B14F-4D97-AF65-F5344CB8AC3E}">
+        <p14:creationId xmlns:p14="http://schemas.microsoft.com/office/powerpoint/2010/main" val="2727639247"/>
+      </p:ext>
+    </p:extLst>
+  </p:cSld>
+  <p:clrMapOvr>
+    <a:masterClrMapping/>
+  </p:clrMapOvr>
+</p:notes>
+</file>
+
+<file path=ppt/notesSlides/notesSlide11.xml><?xml version="1.0" encoding="utf-8"?>
 <p:notes xmlns:a="http://schemas.openxmlformats.org/drawingml/2006/main" xmlns:r="http://schemas.openxmlformats.org/officeDocument/2006/relationships" xmlns:p="http://schemas.openxmlformats.org/presentationml/2006/main" showMasterSp="0" showMasterPhAnim="0">
   <p:cSld>
     <p:spTree>
@@ -1451,6 +1592,11 @@
         </p:spPr>
       </p:sp>
     </p:spTree>
+    <p:extLst>
+      <p:ext uri="{BB962C8B-B14F-4D97-AF65-F5344CB8AC3E}">
+        <p14:creationId xmlns:p14="http://schemas.microsoft.com/office/powerpoint/2010/main" val="2465474704"/>
+      </p:ext>
+    </p:extLst>
   </p:cSld>
   <p:clrMapOvr>
     <a:masterClrMapping/>
@@ -1458,7 +1604,7 @@
 </p:notes>
 </file>
 
-<file path=ppt/notesSlides/notesSlide11.xml><?xml version="1.0" encoding="utf-8"?>
+<file path=ppt/notesSlides/notesSlide12.xml><?xml version="1.0" encoding="utf-8"?>
 <p:notes xmlns:a="http://schemas.openxmlformats.org/drawingml/2006/main" xmlns:r="http://schemas.openxmlformats.org/officeDocument/2006/relationships" xmlns:p="http://schemas.openxmlformats.org/presentationml/2006/main" showMasterSp="0" showMasterPhAnim="0">
   <p:cSld>
     <p:spTree>
@@ -1552,6 +1698,11 @@
         </p:spPr>
       </p:sp>
     </p:spTree>
+    <p:extLst>
+      <p:ext uri="{BB962C8B-B14F-4D97-AF65-F5344CB8AC3E}">
+        <p14:creationId xmlns:p14="http://schemas.microsoft.com/office/powerpoint/2010/main" val="718060712"/>
+      </p:ext>
+    </p:extLst>
   </p:cSld>
   <p:clrMapOvr>
     <a:masterClrMapping/>
@@ -1559,7 +1710,7 @@
 </p:notes>
 </file>
 
-<file path=ppt/notesSlides/notesSlide12.xml><?xml version="1.0" encoding="utf-8"?>
+<file path=ppt/notesSlides/notesSlide13.xml><?xml version="1.0" encoding="utf-8"?>
 <p:notes xmlns:a="http://schemas.openxmlformats.org/drawingml/2006/main" xmlns:r="http://schemas.openxmlformats.org/officeDocument/2006/relationships" xmlns:p="http://schemas.openxmlformats.org/presentationml/2006/main" showMasterSp="0" showMasterPhAnim="0">
   <p:cSld>
     <p:spTree>
@@ -1653,6 +1804,11 @@
         </p:spPr>
       </p:sp>
     </p:spTree>
+    <p:extLst>
+      <p:ext uri="{BB962C8B-B14F-4D97-AF65-F5344CB8AC3E}">
+        <p14:creationId xmlns:p14="http://schemas.microsoft.com/office/powerpoint/2010/main" val="2172594994"/>
+      </p:ext>
+    </p:extLst>
   </p:cSld>
   <p:clrMapOvr>
     <a:masterClrMapping/>
@@ -1660,7 +1816,7 @@
 </p:notes>
 </file>
 
-<file path=ppt/notesSlides/notesSlide13.xml><?xml version="1.0" encoding="utf-8"?>
+<file path=ppt/notesSlides/notesSlide14.xml><?xml version="1.0" encoding="utf-8"?>
 <p:notes xmlns:a="http://schemas.openxmlformats.org/drawingml/2006/main" xmlns:r="http://schemas.openxmlformats.org/officeDocument/2006/relationships" xmlns:p="http://schemas.openxmlformats.org/presentationml/2006/main" showMasterSp="0" showMasterPhAnim="0">
   <p:cSld>
     <p:spTree>
@@ -1754,6 +1910,11 @@
         </p:spPr>
       </p:sp>
     </p:spTree>
+    <p:extLst>
+      <p:ext uri="{BB962C8B-B14F-4D97-AF65-F5344CB8AC3E}">
+        <p14:creationId xmlns:p14="http://schemas.microsoft.com/office/powerpoint/2010/main" val="1291891339"/>
+      </p:ext>
+    </p:extLst>
   </p:cSld>
   <p:clrMapOvr>
     <a:masterClrMapping/>
@@ -1761,7 +1922,7 @@
 </p:notes>
 </file>
 
-<file path=ppt/notesSlides/notesSlide14.xml><?xml version="1.0" encoding="utf-8"?>
+<file path=ppt/notesSlides/notesSlide15.xml><?xml version="1.0" encoding="utf-8"?>
 <p:notes xmlns:a="http://schemas.openxmlformats.org/drawingml/2006/main" xmlns:r="http://schemas.openxmlformats.org/officeDocument/2006/relationships" xmlns:p="http://schemas.openxmlformats.org/presentationml/2006/main" showMasterSp="0" showMasterPhAnim="0">
   <p:cSld>
     <p:spTree>
@@ -1855,107 +2016,11 @@
         </p:spPr>
       </p:sp>
     </p:spTree>
-  </p:cSld>
-  <p:clrMapOvr>
-    <a:masterClrMapping/>
-  </p:clrMapOvr>
-</p:notes>
-</file>
-
-<file path=ppt/notesSlides/notesSlide15.xml><?xml version="1.0" encoding="utf-8"?>
-<p:notes xmlns:a="http://schemas.openxmlformats.org/drawingml/2006/main" xmlns:r="http://schemas.openxmlformats.org/officeDocument/2006/relationships" xmlns:p="http://schemas.openxmlformats.org/presentationml/2006/main" showMasterSp="0" showMasterPhAnim="0">
-  <p:cSld>
-    <p:spTree>
-      <p:nvGrpSpPr>
-        <p:cNvPr id="1" name="Shape 293"/>
-        <p:cNvGrpSpPr/>
-        <p:nvPr/>
-      </p:nvGrpSpPr>
-      <p:grpSpPr>
-        <a:xfrm>
-          <a:off x="0" y="0"/>
-          <a:ext cx="0" cy="0"/>
-          <a:chOff x="0" y="0"/>
-          <a:chExt cx="0" cy="0"/>
-        </a:xfrm>
-      </p:grpSpPr>
-      <p:sp>
-        <p:nvSpPr>
-          <p:cNvPr id="294" name="Shape 294"/>
-          <p:cNvSpPr txBox="1">
-            <a:spLocks noGrp="1"/>
-          </p:cNvSpPr>
-          <p:nvPr>
-            <p:ph type="body" idx="1"/>
-          </p:nvPr>
-        </p:nvSpPr>
-        <p:spPr>
-          <a:xfrm>
-            <a:off x="685800" y="4400550"/>
-            <a:ext cx="5486400" cy="3600600"/>
-          </a:xfrm>
-          <a:prstGeom prst="rect">
-            <a:avLst/>
-          </a:prstGeom>
-        </p:spPr>
-        <p:txBody>
-          <a:bodyPr lIns="91425" tIns="91425" rIns="91425" bIns="91425" anchor="t" anchorCtr="0">
-            <a:noAutofit/>
-          </a:bodyPr>
-          <a:lstStyle/>
-          <a:p>
-            <a:pPr lvl="0" rtl="0">
-              <a:spcBef>
-                <a:spcPts val="0"/>
-              </a:spcBef>
-              <a:buNone/>
-            </a:pPr>
-            <a:endParaRPr/>
-          </a:p>
-        </p:txBody>
-      </p:sp>
-      <p:sp>
-        <p:nvSpPr>
-          <p:cNvPr id="295" name="Shape 295"/>
-          <p:cNvSpPr>
-            <a:spLocks noGrp="1" noRot="1" noChangeAspect="1"/>
-          </p:cNvSpPr>
-          <p:nvPr>
-            <p:ph type="sldImg" idx="2"/>
-          </p:nvPr>
-        </p:nvSpPr>
-        <p:spPr>
-          <a:xfrm>
-            <a:off x="1371600" y="1143000"/>
-            <a:ext cx="4114800" cy="3086100"/>
-          </a:xfrm>
-          <a:custGeom>
-            <a:avLst/>
-            <a:gdLst/>
-            <a:ahLst/>
-            <a:cxnLst/>
-            <a:rect l="0" t="0" r="0" b="0"/>
-            <a:pathLst>
-              <a:path w="120000" h="120000" extrusionOk="0">
-                <a:moveTo>
-                  <a:pt x="0" y="0"/>
-                </a:moveTo>
-                <a:lnTo>
-                  <a:pt x="120000" y="0"/>
-                </a:lnTo>
-                <a:lnTo>
-                  <a:pt x="120000" y="120000"/>
-                </a:lnTo>
-                <a:lnTo>
-                  <a:pt x="0" y="120000"/>
-                </a:lnTo>
-                <a:close/>
-              </a:path>
-            </a:pathLst>
-          </a:custGeom>
-        </p:spPr>
-      </p:sp>
-    </p:spTree>
+    <p:extLst>
+      <p:ext uri="{BB962C8B-B14F-4D97-AF65-F5344CB8AC3E}">
+        <p14:creationId xmlns:p14="http://schemas.microsoft.com/office/powerpoint/2010/main" val="1416706389"/>
+      </p:ext>
+    </p:extLst>
   </p:cSld>
   <p:clrMapOvr>
     <a:masterClrMapping/>
@@ -2057,6 +2122,11 @@
         </p:spPr>
       </p:sp>
     </p:spTree>
+    <p:extLst>
+      <p:ext uri="{BB962C8B-B14F-4D97-AF65-F5344CB8AC3E}">
+        <p14:creationId xmlns:p14="http://schemas.microsoft.com/office/powerpoint/2010/main" val="577811013"/>
+      </p:ext>
+    </p:extLst>
   </p:cSld>
   <p:clrMapOvr>
     <a:masterClrMapping/>
@@ -2065,6 +2135,112 @@
 </file>
 
 <file path=ppt/notesSlides/notesSlide17.xml><?xml version="1.0" encoding="utf-8"?>
+<p:notes xmlns:a="http://schemas.openxmlformats.org/drawingml/2006/main" xmlns:r="http://schemas.openxmlformats.org/officeDocument/2006/relationships" xmlns:p="http://schemas.openxmlformats.org/presentationml/2006/main" showMasterSp="0" showMasterPhAnim="0">
+  <p:cSld>
+    <p:spTree>
+      <p:nvGrpSpPr>
+        <p:cNvPr id="1" name="Shape 212"/>
+        <p:cNvGrpSpPr/>
+        <p:nvPr/>
+      </p:nvGrpSpPr>
+      <p:grpSpPr>
+        <a:xfrm>
+          <a:off x="0" y="0"/>
+          <a:ext cx="0" cy="0"/>
+          <a:chOff x="0" y="0"/>
+          <a:chExt cx="0" cy="0"/>
+        </a:xfrm>
+      </p:grpSpPr>
+      <p:sp>
+        <p:nvSpPr>
+          <p:cNvPr id="213" name="Shape 213"/>
+          <p:cNvSpPr txBox="1">
+            <a:spLocks noGrp="1"/>
+          </p:cNvSpPr>
+          <p:nvPr>
+            <p:ph type="body" idx="1"/>
+          </p:nvPr>
+        </p:nvSpPr>
+        <p:spPr>
+          <a:xfrm>
+            <a:off x="685800" y="4400550"/>
+            <a:ext cx="5486399" cy="3600450"/>
+          </a:xfrm>
+          <a:prstGeom prst="rect">
+            <a:avLst/>
+          </a:prstGeom>
+        </p:spPr>
+        <p:txBody>
+          <a:bodyPr lIns="91425" tIns="91425" rIns="91425" bIns="91425" anchor="t" anchorCtr="0">
+            <a:noAutofit/>
+          </a:bodyPr>
+          <a:lstStyle/>
+          <a:p>
+            <a:pPr lvl="0">
+              <a:spcBef>
+                <a:spcPts val="0"/>
+              </a:spcBef>
+              <a:buNone/>
+            </a:pPr>
+            <a:endParaRPr/>
+          </a:p>
+        </p:txBody>
+      </p:sp>
+      <p:sp>
+        <p:nvSpPr>
+          <p:cNvPr id="214" name="Shape 214"/>
+          <p:cNvSpPr>
+            <a:spLocks noGrp="1" noRot="1" noChangeAspect="1"/>
+          </p:cNvSpPr>
+          <p:nvPr>
+            <p:ph type="sldImg" idx="2"/>
+          </p:nvPr>
+        </p:nvSpPr>
+        <p:spPr>
+          <a:xfrm>
+            <a:off x="1371600" y="1143000"/>
+            <a:ext cx="4114800" cy="3086100"/>
+          </a:xfrm>
+          <a:custGeom>
+            <a:avLst/>
+            <a:gdLst/>
+            <a:ahLst/>
+            <a:cxnLst/>
+            <a:rect l="0" t="0" r="0" b="0"/>
+            <a:pathLst>
+              <a:path w="120000" h="120000" extrusionOk="0">
+                <a:moveTo>
+                  <a:pt x="0" y="0"/>
+                </a:moveTo>
+                <a:lnTo>
+                  <a:pt x="120000" y="0"/>
+                </a:lnTo>
+                <a:lnTo>
+                  <a:pt x="120000" y="120000"/>
+                </a:lnTo>
+                <a:lnTo>
+                  <a:pt x="0" y="120000"/>
+                </a:lnTo>
+                <a:close/>
+              </a:path>
+            </a:pathLst>
+          </a:custGeom>
+        </p:spPr>
+      </p:sp>
+    </p:spTree>
+    <p:extLst>
+      <p:ext uri="{BB962C8B-B14F-4D97-AF65-F5344CB8AC3E}">
+        <p14:creationId xmlns:p14="http://schemas.microsoft.com/office/powerpoint/2010/main" val="2267619642"/>
+      </p:ext>
+    </p:extLst>
+  </p:cSld>
+  <p:clrMapOvr>
+    <a:masterClrMapping/>
+  </p:clrMapOvr>
+</p:notes>
+</file>
+
+<file path=ppt/notesSlides/notesSlide18.xml><?xml version="1.0" encoding="utf-8"?>
 <p:notes xmlns:a="http://schemas.openxmlformats.org/drawingml/2006/main" xmlns:r="http://schemas.openxmlformats.org/officeDocument/2006/relationships" xmlns:p="http://schemas.openxmlformats.org/presentationml/2006/main" showMasterSp="0" showMasterPhAnim="0">
   <p:cSld>
     <p:spTree>
@@ -2158,6 +2334,11 @@
         </p:spPr>
       </p:sp>
     </p:spTree>
+    <p:extLst>
+      <p:ext uri="{BB962C8B-B14F-4D97-AF65-F5344CB8AC3E}">
+        <p14:creationId xmlns:p14="http://schemas.microsoft.com/office/powerpoint/2010/main" val="724805582"/>
+      </p:ext>
+    </p:extLst>
   </p:cSld>
   <p:clrMapOvr>
     <a:masterClrMapping/>
@@ -2165,7 +2346,7 @@
 </p:notes>
 </file>
 
-<file path=ppt/notesSlides/notesSlide18.xml><?xml version="1.0" encoding="utf-8"?>
+<file path=ppt/notesSlides/notesSlide19.xml><?xml version="1.0" encoding="utf-8"?>
 <p:notes xmlns:a="http://schemas.openxmlformats.org/drawingml/2006/main" xmlns:r="http://schemas.openxmlformats.org/officeDocument/2006/relationships" xmlns:p="http://schemas.openxmlformats.org/presentationml/2006/main" showMasterSp="0" showMasterPhAnim="0">
   <p:cSld>
     <p:spTree>
@@ -2259,107 +2440,11 @@
         </p:spPr>
       </p:sp>
     </p:spTree>
-  </p:cSld>
-  <p:clrMapOvr>
-    <a:masterClrMapping/>
-  </p:clrMapOvr>
-</p:notes>
-</file>
-
-<file path=ppt/notesSlides/notesSlide19.xml><?xml version="1.0" encoding="utf-8"?>
-<p:notes xmlns:a="http://schemas.openxmlformats.org/drawingml/2006/main" xmlns:r="http://schemas.openxmlformats.org/officeDocument/2006/relationships" xmlns:p="http://schemas.openxmlformats.org/presentationml/2006/main" showMasterSp="0" showMasterPhAnim="0">
-  <p:cSld>
-    <p:spTree>
-      <p:nvGrpSpPr>
-        <p:cNvPr id="1" name="Shape 232"/>
-        <p:cNvGrpSpPr/>
-        <p:nvPr/>
-      </p:nvGrpSpPr>
-      <p:grpSpPr>
-        <a:xfrm>
-          <a:off x="0" y="0"/>
-          <a:ext cx="0" cy="0"/>
-          <a:chOff x="0" y="0"/>
-          <a:chExt cx="0" cy="0"/>
-        </a:xfrm>
-      </p:grpSpPr>
-      <p:sp>
-        <p:nvSpPr>
-          <p:cNvPr id="233" name="Shape 233"/>
-          <p:cNvSpPr txBox="1">
-            <a:spLocks noGrp="1"/>
-          </p:cNvSpPr>
-          <p:nvPr>
-            <p:ph type="body" idx="1"/>
-          </p:nvPr>
-        </p:nvSpPr>
-        <p:spPr>
-          <a:xfrm>
-            <a:off x="685800" y="4400550"/>
-            <a:ext cx="5486400" cy="3600600"/>
-          </a:xfrm>
-          <a:prstGeom prst="rect">
-            <a:avLst/>
-          </a:prstGeom>
-        </p:spPr>
-        <p:txBody>
-          <a:bodyPr lIns="91425" tIns="91425" rIns="91425" bIns="91425" anchor="t" anchorCtr="0">
-            <a:noAutofit/>
-          </a:bodyPr>
-          <a:lstStyle/>
-          <a:p>
-            <a:pPr lvl="0" rtl="0">
-              <a:spcBef>
-                <a:spcPts val="0"/>
-              </a:spcBef>
-              <a:buNone/>
-            </a:pPr>
-            <a:endParaRPr/>
-          </a:p>
-        </p:txBody>
-      </p:sp>
-      <p:sp>
-        <p:nvSpPr>
-          <p:cNvPr id="234" name="Shape 234"/>
-          <p:cNvSpPr>
-            <a:spLocks noGrp="1" noRot="1" noChangeAspect="1"/>
-          </p:cNvSpPr>
-          <p:nvPr>
-            <p:ph type="sldImg" idx="2"/>
-          </p:nvPr>
-        </p:nvSpPr>
-        <p:spPr>
-          <a:xfrm>
-            <a:off x="1371600" y="1143000"/>
-            <a:ext cx="4114800" cy="3086100"/>
-          </a:xfrm>
-          <a:custGeom>
-            <a:avLst/>
-            <a:gdLst/>
-            <a:ahLst/>
-            <a:cxnLst/>
-            <a:rect l="0" t="0" r="0" b="0"/>
-            <a:pathLst>
-              <a:path w="120000" h="120000" extrusionOk="0">
-                <a:moveTo>
-                  <a:pt x="0" y="0"/>
-                </a:moveTo>
-                <a:lnTo>
-                  <a:pt x="120000" y="0"/>
-                </a:lnTo>
-                <a:lnTo>
-                  <a:pt x="120000" y="120000"/>
-                </a:lnTo>
-                <a:lnTo>
-                  <a:pt x="0" y="120000"/>
-                </a:lnTo>
-                <a:close/>
-              </a:path>
-            </a:pathLst>
-          </a:custGeom>
-        </p:spPr>
-      </p:sp>
-    </p:spTree>
+    <p:extLst>
+      <p:ext uri="{BB962C8B-B14F-4D97-AF65-F5344CB8AC3E}">
+        <p14:creationId xmlns:p14="http://schemas.microsoft.com/office/powerpoint/2010/main" val="3036926208"/>
+      </p:ext>
+    </p:extLst>
   </p:cSld>
   <p:clrMapOvr>
     <a:masterClrMapping/>
@@ -2461,6 +2546,11 @@
         </p:spPr>
       </p:sp>
     </p:spTree>
+    <p:extLst>
+      <p:ext uri="{BB962C8B-B14F-4D97-AF65-F5344CB8AC3E}">
+        <p14:creationId xmlns:p14="http://schemas.microsoft.com/office/powerpoint/2010/main" val="3770757321"/>
+      </p:ext>
+    </p:extLst>
   </p:cSld>
   <p:clrMapOvr>
     <a:masterClrMapping/>
@@ -2469,6 +2559,112 @@
 </file>
 
 <file path=ppt/notesSlides/notesSlide20.xml><?xml version="1.0" encoding="utf-8"?>
+<p:notes xmlns:a="http://schemas.openxmlformats.org/drawingml/2006/main" xmlns:r="http://schemas.openxmlformats.org/officeDocument/2006/relationships" xmlns:p="http://schemas.openxmlformats.org/presentationml/2006/main" showMasterSp="0" showMasterPhAnim="0">
+  <p:cSld>
+    <p:spTree>
+      <p:nvGrpSpPr>
+        <p:cNvPr id="1" name="Shape 232"/>
+        <p:cNvGrpSpPr/>
+        <p:nvPr/>
+      </p:nvGrpSpPr>
+      <p:grpSpPr>
+        <a:xfrm>
+          <a:off x="0" y="0"/>
+          <a:ext cx="0" cy="0"/>
+          <a:chOff x="0" y="0"/>
+          <a:chExt cx="0" cy="0"/>
+        </a:xfrm>
+      </p:grpSpPr>
+      <p:sp>
+        <p:nvSpPr>
+          <p:cNvPr id="233" name="Shape 233"/>
+          <p:cNvSpPr txBox="1">
+            <a:spLocks noGrp="1"/>
+          </p:cNvSpPr>
+          <p:nvPr>
+            <p:ph type="body" idx="1"/>
+          </p:nvPr>
+        </p:nvSpPr>
+        <p:spPr>
+          <a:xfrm>
+            <a:off x="685800" y="4400550"/>
+            <a:ext cx="5486400" cy="3600600"/>
+          </a:xfrm>
+          <a:prstGeom prst="rect">
+            <a:avLst/>
+          </a:prstGeom>
+        </p:spPr>
+        <p:txBody>
+          <a:bodyPr lIns="91425" tIns="91425" rIns="91425" bIns="91425" anchor="t" anchorCtr="0">
+            <a:noAutofit/>
+          </a:bodyPr>
+          <a:lstStyle/>
+          <a:p>
+            <a:pPr lvl="0" rtl="0">
+              <a:spcBef>
+                <a:spcPts val="0"/>
+              </a:spcBef>
+              <a:buNone/>
+            </a:pPr>
+            <a:endParaRPr/>
+          </a:p>
+        </p:txBody>
+      </p:sp>
+      <p:sp>
+        <p:nvSpPr>
+          <p:cNvPr id="234" name="Shape 234"/>
+          <p:cNvSpPr>
+            <a:spLocks noGrp="1" noRot="1" noChangeAspect="1"/>
+          </p:cNvSpPr>
+          <p:nvPr>
+            <p:ph type="sldImg" idx="2"/>
+          </p:nvPr>
+        </p:nvSpPr>
+        <p:spPr>
+          <a:xfrm>
+            <a:off x="1371600" y="1143000"/>
+            <a:ext cx="4114800" cy="3086100"/>
+          </a:xfrm>
+          <a:custGeom>
+            <a:avLst/>
+            <a:gdLst/>
+            <a:ahLst/>
+            <a:cxnLst/>
+            <a:rect l="0" t="0" r="0" b="0"/>
+            <a:pathLst>
+              <a:path w="120000" h="120000" extrusionOk="0">
+                <a:moveTo>
+                  <a:pt x="0" y="0"/>
+                </a:moveTo>
+                <a:lnTo>
+                  <a:pt x="120000" y="0"/>
+                </a:lnTo>
+                <a:lnTo>
+                  <a:pt x="120000" y="120000"/>
+                </a:lnTo>
+                <a:lnTo>
+                  <a:pt x="0" y="120000"/>
+                </a:lnTo>
+                <a:close/>
+              </a:path>
+            </a:pathLst>
+          </a:custGeom>
+        </p:spPr>
+      </p:sp>
+    </p:spTree>
+    <p:extLst>
+      <p:ext uri="{BB962C8B-B14F-4D97-AF65-F5344CB8AC3E}">
+        <p14:creationId xmlns:p14="http://schemas.microsoft.com/office/powerpoint/2010/main" val="4293943620"/>
+      </p:ext>
+    </p:extLst>
+  </p:cSld>
+  <p:clrMapOvr>
+    <a:masterClrMapping/>
+  </p:clrMapOvr>
+</p:notes>
+</file>
+
+<file path=ppt/notesSlides/notesSlide21.xml><?xml version="1.0" encoding="utf-8"?>
 <p:notes xmlns:a="http://schemas.openxmlformats.org/drawingml/2006/main" xmlns:r="http://schemas.openxmlformats.org/officeDocument/2006/relationships" xmlns:p="http://schemas.openxmlformats.org/presentationml/2006/main" showMasterSp="0" showMasterPhAnim="0">
   <p:cSld>
     <p:spTree>
@@ -2562,6 +2758,11 @@
         </p:spPr>
       </p:sp>
     </p:spTree>
+    <p:extLst>
+      <p:ext uri="{BB962C8B-B14F-4D97-AF65-F5344CB8AC3E}">
+        <p14:creationId xmlns:p14="http://schemas.microsoft.com/office/powerpoint/2010/main" val="3733843949"/>
+      </p:ext>
+    </p:extLst>
   </p:cSld>
   <p:clrMapOvr>
     <a:masterClrMapping/>
@@ -2569,7 +2770,7 @@
 </p:notes>
 </file>
 
-<file path=ppt/notesSlides/notesSlide21.xml><?xml version="1.0" encoding="utf-8"?>
+<file path=ppt/notesSlides/notesSlide22.xml><?xml version="1.0" encoding="utf-8"?>
 <p:notes xmlns:a="http://schemas.openxmlformats.org/drawingml/2006/main" xmlns:r="http://schemas.openxmlformats.org/officeDocument/2006/relationships" xmlns:p="http://schemas.openxmlformats.org/presentationml/2006/main" showMasterSp="0" showMasterPhAnim="0">
   <p:cSld>
     <p:spTree>
@@ -2663,107 +2864,11 @@
         </p:spPr>
       </p:sp>
     </p:spTree>
-  </p:cSld>
-  <p:clrMapOvr>
-    <a:masterClrMapping/>
-  </p:clrMapOvr>
-</p:notes>
-</file>
-
-<file path=ppt/notesSlides/notesSlide22.xml><?xml version="1.0" encoding="utf-8"?>
-<p:notes xmlns:a="http://schemas.openxmlformats.org/drawingml/2006/main" xmlns:r="http://schemas.openxmlformats.org/officeDocument/2006/relationships" xmlns:p="http://schemas.openxmlformats.org/presentationml/2006/main" showMasterSp="0" showMasterPhAnim="0">
-  <p:cSld>
-    <p:spTree>
-      <p:nvGrpSpPr>
-        <p:cNvPr id="1" name="Shape 336"/>
-        <p:cNvGrpSpPr/>
-        <p:nvPr/>
-      </p:nvGrpSpPr>
-      <p:grpSpPr>
-        <a:xfrm>
-          <a:off x="0" y="0"/>
-          <a:ext cx="0" cy="0"/>
-          <a:chOff x="0" y="0"/>
-          <a:chExt cx="0" cy="0"/>
-        </a:xfrm>
-      </p:grpSpPr>
-      <p:sp>
-        <p:nvSpPr>
-          <p:cNvPr id="337" name="Shape 337"/>
-          <p:cNvSpPr txBox="1">
-            <a:spLocks noGrp="1"/>
-          </p:cNvSpPr>
-          <p:nvPr>
-            <p:ph type="body" idx="1"/>
-          </p:nvPr>
-        </p:nvSpPr>
-        <p:spPr>
-          <a:xfrm>
-            <a:off x="685800" y="4400550"/>
-            <a:ext cx="5486400" cy="3600600"/>
-          </a:xfrm>
-          <a:prstGeom prst="rect">
-            <a:avLst/>
-          </a:prstGeom>
-        </p:spPr>
-        <p:txBody>
-          <a:bodyPr lIns="91425" tIns="91425" rIns="91425" bIns="91425" anchor="t" anchorCtr="0">
-            <a:noAutofit/>
-          </a:bodyPr>
-          <a:lstStyle/>
-          <a:p>
-            <a:pPr lvl="0" rtl="0">
-              <a:spcBef>
-                <a:spcPts val="0"/>
-              </a:spcBef>
-              <a:buNone/>
-            </a:pPr>
-            <a:endParaRPr/>
-          </a:p>
-        </p:txBody>
-      </p:sp>
-      <p:sp>
-        <p:nvSpPr>
-          <p:cNvPr id="338" name="Shape 338"/>
-          <p:cNvSpPr>
-            <a:spLocks noGrp="1" noRot="1" noChangeAspect="1"/>
-          </p:cNvSpPr>
-          <p:nvPr>
-            <p:ph type="sldImg" idx="2"/>
-          </p:nvPr>
-        </p:nvSpPr>
-        <p:spPr>
-          <a:xfrm>
-            <a:off x="1371600" y="1143000"/>
-            <a:ext cx="4114800" cy="3086100"/>
-          </a:xfrm>
-          <a:custGeom>
-            <a:avLst/>
-            <a:gdLst/>
-            <a:ahLst/>
-            <a:cxnLst/>
-            <a:rect l="0" t="0" r="0" b="0"/>
-            <a:pathLst>
-              <a:path w="120000" h="120000" extrusionOk="0">
-                <a:moveTo>
-                  <a:pt x="0" y="0"/>
-                </a:moveTo>
-                <a:lnTo>
-                  <a:pt x="120000" y="0"/>
-                </a:lnTo>
-                <a:lnTo>
-                  <a:pt x="120000" y="120000"/>
-                </a:lnTo>
-                <a:lnTo>
-                  <a:pt x="0" y="120000"/>
-                </a:lnTo>
-                <a:close/>
-              </a:path>
-            </a:pathLst>
-          </a:custGeom>
-        </p:spPr>
-      </p:sp>
-    </p:spTree>
+    <p:extLst>
+      <p:ext uri="{BB962C8B-B14F-4D97-AF65-F5344CB8AC3E}">
+        <p14:creationId xmlns:p14="http://schemas.microsoft.com/office/powerpoint/2010/main" val="396029046"/>
+      </p:ext>
+    </p:extLst>
   </p:cSld>
   <p:clrMapOvr>
     <a:masterClrMapping/>
@@ -2865,6 +2970,11 @@
         </p:spPr>
       </p:sp>
     </p:spTree>
+    <p:extLst>
+      <p:ext uri="{BB962C8B-B14F-4D97-AF65-F5344CB8AC3E}">
+        <p14:creationId xmlns:p14="http://schemas.microsoft.com/office/powerpoint/2010/main" val="2134469983"/>
+      </p:ext>
+    </p:extLst>
   </p:cSld>
   <p:clrMapOvr>
     <a:masterClrMapping/>
@@ -2966,6 +3076,11 @@
         </p:spPr>
       </p:sp>
     </p:spTree>
+    <p:extLst>
+      <p:ext uri="{BB962C8B-B14F-4D97-AF65-F5344CB8AC3E}">
+        <p14:creationId xmlns:p14="http://schemas.microsoft.com/office/powerpoint/2010/main" val="1741409730"/>
+      </p:ext>
+    </p:extLst>
   </p:cSld>
   <p:clrMapOvr>
     <a:masterClrMapping/>
@@ -3067,6 +3182,11 @@
         </p:spPr>
       </p:sp>
     </p:spTree>
+    <p:extLst>
+      <p:ext uri="{BB962C8B-B14F-4D97-AF65-F5344CB8AC3E}">
+        <p14:creationId xmlns:p14="http://schemas.microsoft.com/office/powerpoint/2010/main" val="3312544570"/>
+      </p:ext>
+    </p:extLst>
   </p:cSld>
   <p:clrMapOvr>
     <a:masterClrMapping/>
@@ -3168,6 +3288,11 @@
         </p:spPr>
       </p:sp>
     </p:spTree>
+    <p:extLst>
+      <p:ext uri="{BB962C8B-B14F-4D97-AF65-F5344CB8AC3E}">
+        <p14:creationId xmlns:p14="http://schemas.microsoft.com/office/powerpoint/2010/main" val="4172718302"/>
+      </p:ext>
+    </p:extLst>
   </p:cSld>
   <p:clrMapOvr>
     <a:masterClrMapping/>
@@ -3269,6 +3394,11 @@
         </p:spPr>
       </p:sp>
     </p:spTree>
+    <p:extLst>
+      <p:ext uri="{BB962C8B-B14F-4D97-AF65-F5344CB8AC3E}">
+        <p14:creationId xmlns:p14="http://schemas.microsoft.com/office/powerpoint/2010/main" val="2189324032"/>
+      </p:ext>
+    </p:extLst>
   </p:cSld>
   <p:clrMapOvr>
     <a:masterClrMapping/>
@@ -3453,6 +3583,11 @@
         </p:txBody>
       </p:sp>
     </p:spTree>
+    <p:extLst>
+      <p:ext uri="{BB962C8B-B14F-4D97-AF65-F5344CB8AC3E}">
+        <p14:creationId xmlns:p14="http://schemas.microsoft.com/office/powerpoint/2010/main" val="386470973"/>
+      </p:ext>
+    </p:extLst>
   </p:cSld>
   <p:clrMapOvr>
     <a:masterClrMapping/>
@@ -3554,6 +3689,11 @@
         </p:spPr>
       </p:sp>
     </p:spTree>
+    <p:extLst>
+      <p:ext uri="{BB962C8B-B14F-4D97-AF65-F5344CB8AC3E}">
+        <p14:creationId xmlns:p14="http://schemas.microsoft.com/office/powerpoint/2010/main" val="1210859286"/>
+      </p:ext>
+    </p:extLst>
   </p:cSld>
   <p:clrMapOvr>
     <a:masterClrMapping/>
@@ -3562,6 +3702,195 @@
 </file>
 
 <file path=ppt/notesSlides/notesSlide5.xml><?xml version="1.0" encoding="utf-8"?>
+<p:notes xmlns:a="http://schemas.openxmlformats.org/drawingml/2006/main" xmlns:r="http://schemas.openxmlformats.org/officeDocument/2006/relationships" xmlns:p="http://schemas.openxmlformats.org/presentationml/2006/main" showMasterSp="0" showMasterPhAnim="0">
+  <p:cSld>
+    <p:spTree>
+      <p:nvGrpSpPr>
+        <p:cNvPr id="1" name="Shape 218"/>
+        <p:cNvGrpSpPr/>
+        <p:nvPr/>
+      </p:nvGrpSpPr>
+      <p:grpSpPr>
+        <a:xfrm>
+          <a:off x="0" y="0"/>
+          <a:ext cx="0" cy="0"/>
+          <a:chOff x="0" y="0"/>
+          <a:chExt cx="0" cy="0"/>
+        </a:xfrm>
+      </p:grpSpPr>
+      <p:sp>
+        <p:nvSpPr>
+          <p:cNvPr id="219" name="Shape 219"/>
+          <p:cNvSpPr>
+            <a:spLocks noGrp="1" noRot="1" noChangeAspect="1"/>
+          </p:cNvSpPr>
+          <p:nvPr>
+            <p:ph type="sldImg" idx="2"/>
+          </p:nvPr>
+        </p:nvSpPr>
+        <p:spPr>
+          <a:xfrm>
+            <a:off x="1371600" y="1143000"/>
+            <a:ext cx="4114800" cy="3086100"/>
+          </a:xfrm>
+          <a:custGeom>
+            <a:avLst/>
+            <a:gdLst/>
+            <a:ahLst/>
+            <a:cxnLst/>
+            <a:rect l="0" t="0" r="0" b="0"/>
+            <a:pathLst>
+              <a:path w="120000" h="120000" extrusionOk="0">
+                <a:moveTo>
+                  <a:pt x="0" y="0"/>
+                </a:moveTo>
+                <a:lnTo>
+                  <a:pt x="120000" y="0"/>
+                </a:lnTo>
+                <a:lnTo>
+                  <a:pt x="120000" y="120000"/>
+                </a:lnTo>
+                <a:lnTo>
+                  <a:pt x="0" y="120000"/>
+                </a:lnTo>
+                <a:close/>
+              </a:path>
+            </a:pathLst>
+          </a:custGeom>
+          <a:noFill/>
+          <a:ln w="12700" cap="flat" cmpd="sng">
+            <a:solidFill>
+              <a:srgbClr val="000000"/>
+            </a:solidFill>
+            <a:prstDash val="solid"/>
+            <a:round/>
+            <a:headEnd type="none" w="med" len="med"/>
+            <a:tailEnd type="none" w="med" len="med"/>
+          </a:ln>
+        </p:spPr>
+      </p:sp>
+      <p:sp>
+        <p:nvSpPr>
+          <p:cNvPr id="220" name="Shape 220"/>
+          <p:cNvSpPr txBox="1">
+            <a:spLocks noGrp="1"/>
+          </p:cNvSpPr>
+          <p:nvPr>
+            <p:ph type="body" idx="1"/>
+          </p:nvPr>
+        </p:nvSpPr>
+        <p:spPr>
+          <a:xfrm>
+            <a:off x="685800" y="4400550"/>
+            <a:ext cx="5486399" cy="3600450"/>
+          </a:xfrm>
+          <a:prstGeom prst="rect">
+            <a:avLst/>
+          </a:prstGeom>
+          <a:noFill/>
+          <a:ln>
+            <a:noFill/>
+          </a:ln>
+        </p:spPr>
+        <p:txBody>
+          <a:bodyPr lIns="91425" tIns="45700" rIns="91425" bIns="45700" anchor="t" anchorCtr="0">
+            <a:noAutofit/>
+          </a:bodyPr>
+          <a:lstStyle/>
+          <a:p>
+            <a:pPr marL="0" marR="0" lvl="0" indent="0" algn="l" rtl="0">
+              <a:spcBef>
+                <a:spcPts val="0"/>
+              </a:spcBef>
+              <a:buSzPct val="25000"/>
+              <a:buNone/>
+            </a:pPr>
+            <a:endParaRPr sz="1200" b="0" i="0" u="none" strike="noStrike" cap="none">
+              <a:solidFill>
+                <a:schemeClr val="dk1"/>
+              </a:solidFill>
+              <a:latin typeface="Calibri"/>
+              <a:ea typeface="Calibri"/>
+              <a:cs typeface="Calibri"/>
+              <a:sym typeface="Calibri"/>
+            </a:endParaRPr>
+          </a:p>
+        </p:txBody>
+      </p:sp>
+      <p:sp>
+        <p:nvSpPr>
+          <p:cNvPr id="221" name="Shape 221"/>
+          <p:cNvSpPr txBox="1">
+            <a:spLocks noGrp="1"/>
+          </p:cNvSpPr>
+          <p:nvPr>
+            <p:ph type="sldNum" idx="12"/>
+          </p:nvPr>
+        </p:nvSpPr>
+        <p:spPr>
+          <a:xfrm>
+            <a:off x="3884612" y="8685213"/>
+            <a:ext cx="2971799" cy="458786"/>
+          </a:xfrm>
+          <a:prstGeom prst="rect">
+            <a:avLst/>
+          </a:prstGeom>
+          <a:noFill/>
+          <a:ln>
+            <a:noFill/>
+          </a:ln>
+        </p:spPr>
+        <p:txBody>
+          <a:bodyPr lIns="91425" tIns="45700" rIns="91425" bIns="45700" anchor="b" anchorCtr="0">
+            <a:noAutofit/>
+          </a:bodyPr>
+          <a:lstStyle/>
+          <a:p>
+            <a:pPr marL="0" marR="0" lvl="0" indent="0" algn="r" rtl="0">
+              <a:spcBef>
+                <a:spcPts val="0"/>
+              </a:spcBef>
+              <a:buSzPct val="25000"/>
+              <a:buNone/>
+            </a:pPr>
+            <a:fld id="{00000000-1234-1234-1234-123412341234}" type="slidenum">
+              <a:rPr lang="en-US" sz="1200">
+                <a:solidFill>
+                  <a:schemeClr val="dk1"/>
+                </a:solidFill>
+                <a:latin typeface="Calibri"/>
+                <a:ea typeface="Calibri"/>
+                <a:cs typeface="Calibri"/>
+                <a:sym typeface="Calibri"/>
+              </a:rPr>
+              <a:t>5</a:t>
+            </a:fld>
+            <a:endParaRPr lang="en-US" sz="1200">
+              <a:solidFill>
+                <a:schemeClr val="dk1"/>
+              </a:solidFill>
+              <a:latin typeface="Calibri"/>
+              <a:ea typeface="Calibri"/>
+              <a:cs typeface="Calibri"/>
+              <a:sym typeface="Calibri"/>
+            </a:endParaRPr>
+          </a:p>
+        </p:txBody>
+      </p:sp>
+    </p:spTree>
+    <p:extLst>
+      <p:ext uri="{BB962C8B-B14F-4D97-AF65-F5344CB8AC3E}">
+        <p14:creationId xmlns:p14="http://schemas.microsoft.com/office/powerpoint/2010/main" val="687485396"/>
+      </p:ext>
+    </p:extLst>
+  </p:cSld>
+  <p:clrMapOvr>
+    <a:masterClrMapping/>
+  </p:clrMapOvr>
+</p:notes>
+</file>
+
+<file path=ppt/notesSlides/notesSlide6.xml><?xml version="1.0" encoding="utf-8"?>
 <p:notes xmlns:a="http://schemas.openxmlformats.org/drawingml/2006/main" xmlns:r="http://schemas.openxmlformats.org/officeDocument/2006/relationships" xmlns:p="http://schemas.openxmlformats.org/presentationml/2006/main" showMasterSp="0" showMasterPhAnim="0">
   <p:cSld>
     <p:spTree>
@@ -3655,6 +3984,11 @@
         </p:spPr>
       </p:sp>
     </p:spTree>
+    <p:extLst>
+      <p:ext uri="{BB962C8B-B14F-4D97-AF65-F5344CB8AC3E}">
+        <p14:creationId xmlns:p14="http://schemas.microsoft.com/office/powerpoint/2010/main" val="1226532463"/>
+      </p:ext>
+    </p:extLst>
   </p:cSld>
   <p:clrMapOvr>
     <a:masterClrMapping/>
@@ -3662,7 +3996,7 @@
 </p:notes>
 </file>
 
-<file path=ppt/notesSlides/notesSlide6.xml><?xml version="1.0" encoding="utf-8"?>
+<file path=ppt/notesSlides/notesSlide7.xml><?xml version="1.0" encoding="utf-8"?>
 <p:notes xmlns:a="http://schemas.openxmlformats.org/drawingml/2006/main" xmlns:r="http://schemas.openxmlformats.org/officeDocument/2006/relationships" xmlns:p="http://schemas.openxmlformats.org/presentationml/2006/main" showMasterSp="0" showMasterPhAnim="0">
   <p:cSld>
     <p:spTree>
@@ -3756,6 +4090,11 @@
         </p:spPr>
       </p:sp>
     </p:spTree>
+    <p:extLst>
+      <p:ext uri="{BB962C8B-B14F-4D97-AF65-F5344CB8AC3E}">
+        <p14:creationId xmlns:p14="http://schemas.microsoft.com/office/powerpoint/2010/main" val="3358519354"/>
+      </p:ext>
+    </p:extLst>
   </p:cSld>
   <p:clrMapOvr>
     <a:masterClrMapping/>
@@ -3763,7 +4102,7 @@
 </p:notes>
 </file>
 
-<file path=ppt/notesSlides/notesSlide7.xml><?xml version="1.0" encoding="utf-8"?>
+<file path=ppt/notesSlides/notesSlide8.xml><?xml version="1.0" encoding="utf-8"?>
 <p:notes xmlns:a="http://schemas.openxmlformats.org/drawingml/2006/main" xmlns:r="http://schemas.openxmlformats.org/officeDocument/2006/relationships" xmlns:p="http://schemas.openxmlformats.org/presentationml/2006/main" showMasterSp="0" showMasterPhAnim="0">
   <p:cSld>
     <p:spTree>
@@ -3857,6 +4196,11 @@
         </p:spPr>
       </p:sp>
     </p:spTree>
+    <p:extLst>
+      <p:ext uri="{BB962C8B-B14F-4D97-AF65-F5344CB8AC3E}">
+        <p14:creationId xmlns:p14="http://schemas.microsoft.com/office/powerpoint/2010/main" val="1311165153"/>
+      </p:ext>
+    </p:extLst>
   </p:cSld>
   <p:clrMapOvr>
     <a:masterClrMapping/>
@@ -3864,7 +4208,7 @@
 </p:notes>
 </file>
 
-<file path=ppt/notesSlides/notesSlide8.xml><?xml version="1.0" encoding="utf-8"?>
+<file path=ppt/notesSlides/notesSlide9.xml><?xml version="1.0" encoding="utf-8"?>
 <p:notes xmlns:a="http://schemas.openxmlformats.org/drawingml/2006/main" xmlns:r="http://schemas.openxmlformats.org/officeDocument/2006/relationships" xmlns:p="http://schemas.openxmlformats.org/presentationml/2006/main" showMasterSp="0" showMasterPhAnim="0">
   <p:cSld>
     <p:spTree>
@@ -3958,107 +4302,11 @@
         </p:spPr>
       </p:sp>
     </p:spTree>
-  </p:cSld>
-  <p:clrMapOvr>
-    <a:masterClrMapping/>
-  </p:clrMapOvr>
-</p:notes>
-</file>
-
-<file path=ppt/notesSlides/notesSlide9.xml><?xml version="1.0" encoding="utf-8"?>
-<p:notes xmlns:a="http://schemas.openxmlformats.org/drawingml/2006/main" xmlns:r="http://schemas.openxmlformats.org/officeDocument/2006/relationships" xmlns:p="http://schemas.openxmlformats.org/presentationml/2006/main" showMasterSp="0" showMasterPhAnim="0">
-  <p:cSld>
-    <p:spTree>
-      <p:nvGrpSpPr>
-        <p:cNvPr id="1" name="Shape 256"/>
-        <p:cNvGrpSpPr/>
-        <p:nvPr/>
-      </p:nvGrpSpPr>
-      <p:grpSpPr>
-        <a:xfrm>
-          <a:off x="0" y="0"/>
-          <a:ext cx="0" cy="0"/>
-          <a:chOff x="0" y="0"/>
-          <a:chExt cx="0" cy="0"/>
-        </a:xfrm>
-      </p:grpSpPr>
-      <p:sp>
-        <p:nvSpPr>
-          <p:cNvPr id="257" name="Shape 257"/>
-          <p:cNvSpPr txBox="1">
-            <a:spLocks noGrp="1"/>
-          </p:cNvSpPr>
-          <p:nvPr>
-            <p:ph type="body" idx="1"/>
-          </p:nvPr>
-        </p:nvSpPr>
-        <p:spPr>
-          <a:xfrm>
-            <a:off x="685800" y="4400550"/>
-            <a:ext cx="5486400" cy="3600600"/>
-          </a:xfrm>
-          <a:prstGeom prst="rect">
-            <a:avLst/>
-          </a:prstGeom>
-        </p:spPr>
-        <p:txBody>
-          <a:bodyPr lIns="91425" tIns="91425" rIns="91425" bIns="91425" anchor="t" anchorCtr="0">
-            <a:noAutofit/>
-          </a:bodyPr>
-          <a:lstStyle/>
-          <a:p>
-            <a:pPr lvl="0" rtl="0">
-              <a:spcBef>
-                <a:spcPts val="0"/>
-              </a:spcBef>
-              <a:buNone/>
-            </a:pPr>
-            <a:endParaRPr/>
-          </a:p>
-        </p:txBody>
-      </p:sp>
-      <p:sp>
-        <p:nvSpPr>
-          <p:cNvPr id="258" name="Shape 258"/>
-          <p:cNvSpPr>
-            <a:spLocks noGrp="1" noRot="1" noChangeAspect="1"/>
-          </p:cNvSpPr>
-          <p:nvPr>
-            <p:ph type="sldImg" idx="2"/>
-          </p:nvPr>
-        </p:nvSpPr>
-        <p:spPr>
-          <a:xfrm>
-            <a:off x="1371600" y="1143000"/>
-            <a:ext cx="4114800" cy="3086100"/>
-          </a:xfrm>
-          <a:custGeom>
-            <a:avLst/>
-            <a:gdLst/>
-            <a:ahLst/>
-            <a:cxnLst/>
-            <a:rect l="0" t="0" r="0" b="0"/>
-            <a:pathLst>
-              <a:path w="120000" h="120000" extrusionOk="0">
-                <a:moveTo>
-                  <a:pt x="0" y="0"/>
-                </a:moveTo>
-                <a:lnTo>
-                  <a:pt x="120000" y="0"/>
-                </a:lnTo>
-                <a:lnTo>
-                  <a:pt x="120000" y="120000"/>
-                </a:lnTo>
-                <a:lnTo>
-                  <a:pt x="0" y="120000"/>
-                </a:lnTo>
-                <a:close/>
-              </a:path>
-            </a:pathLst>
-          </a:custGeom>
-        </p:spPr>
-      </p:sp>
-    </p:spTree>
+    <p:extLst>
+      <p:ext uri="{BB962C8B-B14F-4D97-AF65-F5344CB8AC3E}">
+        <p14:creationId xmlns:p14="http://schemas.microsoft.com/office/powerpoint/2010/main" val="1460550592"/>
+      </p:ext>
+    </p:extLst>
   </p:cSld>
   <p:clrMapOvr>
     <a:masterClrMapping/>
@@ -4476,8 +4724,8 @@
         </p:nvSpPr>
         <p:spPr>
           <a:xfrm>
-            <a:off x="2286000" y="618875"/>
-            <a:ext cx="5562600" cy="369300"/>
+            <a:off x="3048000" y="685799"/>
+            <a:ext cx="4800600" cy="302375"/>
           </a:xfrm>
           <a:prstGeom prst="rect">
             <a:avLst/>
@@ -4510,7 +4758,7 @@
                 <a:cs typeface="Cabin"/>
                 <a:sym typeface="Cabin"/>
               </a:rPr>
-              <a:t>INST 728Q – Visual </a:t>
+              <a:t>INST </a:t>
             </a:r>
             <a:r>
               <a:rPr lang="en-US" sz="1800" b="0" i="0" u="none" strike="noStrike" cap="none" dirty="0" smtClean="0">
@@ -4522,10 +4770,10 @@
                 <a:cs typeface="Cabin"/>
                 <a:sym typeface="Cabin"/>
               </a:rPr>
-              <a:t>Analytics | Modified</a:t>
-            </a:r>
-            <a:r>
-              <a:rPr lang="en-US" sz="1800" b="0" i="0" u="none" strike="noStrike" cap="none" baseline="0" dirty="0" smtClean="0">
+              <a:t>760 </a:t>
+            </a:r>
+            <a:r>
+              <a:rPr lang="en-US" sz="1800" b="0" i="0" u="none" strike="noStrike" cap="none" dirty="0">
                 <a:solidFill>
                   <a:schemeClr val="dk1"/>
                 </a:solidFill>
@@ -4534,7 +4782,19 @@
                 <a:cs typeface="Cabin"/>
                 <a:sym typeface="Cabin"/>
               </a:rPr>
-              <a:t> for BEA</a:t>
+              <a:t>– </a:t>
+            </a:r>
+            <a:r>
+              <a:rPr lang="en-US" sz="1800" b="0" i="0" u="none" strike="noStrike" cap="none" dirty="0" smtClean="0">
+                <a:solidFill>
+                  <a:schemeClr val="dk1"/>
+                </a:solidFill>
+                <a:latin typeface="Cabin"/>
+                <a:ea typeface="Cabin"/>
+                <a:cs typeface="Cabin"/>
+                <a:sym typeface="Cabin"/>
+              </a:rPr>
+              <a:t>Data Visualization</a:t>
             </a:r>
             <a:endParaRPr lang="en-US" sz="1800" b="0" i="0" u="none" strike="noStrike" cap="none" dirty="0">
               <a:solidFill>
@@ -11242,6 +11502,243 @@
   <p:cSld>
     <p:spTree>
       <p:nvGrpSpPr>
+        <p:cNvPr id="1" name="Shape 259"/>
+        <p:cNvGrpSpPr/>
+        <p:nvPr/>
+      </p:nvGrpSpPr>
+      <p:grpSpPr>
+        <a:xfrm>
+          <a:off x="0" y="0"/>
+          <a:ext cx="0" cy="0"/>
+          <a:chOff x="0" y="0"/>
+          <a:chExt cx="0" cy="0"/>
+        </a:xfrm>
+      </p:grpSpPr>
+      <p:sp>
+        <p:nvSpPr>
+          <p:cNvPr id="260" name="Shape 260"/>
+          <p:cNvSpPr txBox="1">
+            <a:spLocks noGrp="1"/>
+          </p:cNvSpPr>
+          <p:nvPr>
+            <p:ph type="title"/>
+          </p:nvPr>
+        </p:nvSpPr>
+        <p:spPr>
+          <a:xfrm>
+            <a:off x="628650" y="365125"/>
+            <a:ext cx="7886700" cy="1325700"/>
+          </a:xfrm>
+          <a:prstGeom prst="rect">
+            <a:avLst/>
+          </a:prstGeom>
+          <a:noFill/>
+          <a:ln>
+            <a:noFill/>
+          </a:ln>
+        </p:spPr>
+        <p:txBody>
+          <a:bodyPr lIns="91425" tIns="45700" rIns="91425" bIns="45700" anchor="ctr" anchorCtr="0">
+            <a:noAutofit/>
+          </a:bodyPr>
+          <a:lstStyle/>
+          <a:p>
+            <a:pPr marL="0" marR="0" lvl="0" indent="0" algn="l" rtl="0">
+              <a:lnSpc>
+                <a:spcPct val="90000"/>
+              </a:lnSpc>
+              <a:spcBef>
+                <a:spcPts val="0"/>
+              </a:spcBef>
+              <a:buClr>
+                <a:schemeClr val="lt1"/>
+              </a:buClr>
+              <a:buSzPct val="25000"/>
+              <a:buFont typeface="Cabin"/>
+              <a:buNone/>
+            </a:pPr>
+            <a:r>
+              <a:rPr lang="en-US"/>
+              <a:t>Data science workflow</a:t>
+            </a:r>
+          </a:p>
+        </p:txBody>
+      </p:sp>
+      <p:sp>
+        <p:nvSpPr>
+          <p:cNvPr id="261" name="Shape 261"/>
+          <p:cNvSpPr txBox="1">
+            <a:spLocks noGrp="1"/>
+          </p:cNvSpPr>
+          <p:nvPr>
+            <p:ph type="body" idx="1"/>
+          </p:nvPr>
+        </p:nvSpPr>
+        <p:spPr>
+          <a:xfrm>
+            <a:off x="628650" y="1825625"/>
+            <a:ext cx="7886700" cy="4351200"/>
+          </a:xfrm>
+          <a:prstGeom prst="rect">
+            <a:avLst/>
+          </a:prstGeom>
+          <a:noFill/>
+          <a:ln>
+            <a:noFill/>
+          </a:ln>
+        </p:spPr>
+        <p:txBody>
+          <a:bodyPr lIns="91425" tIns="45700" rIns="91425" bIns="45700" anchor="t" anchorCtr="0">
+            <a:noAutofit/>
+          </a:bodyPr>
+          <a:lstStyle/>
+          <a:p>
+            <a:pPr marL="457200" marR="0" lvl="0" indent="-228600" algn="l" rtl="0">
+              <a:lnSpc>
+                <a:spcPct val="90000"/>
+              </a:lnSpc>
+              <a:spcBef>
+                <a:spcPts val="0"/>
+              </a:spcBef>
+              <a:buAutoNum type="arabicPeriod"/>
+            </a:pPr>
+            <a:r>
+              <a:rPr lang="en-US" sz="2400" dirty="0"/>
+              <a:t>Scope out the problem or question</a:t>
+            </a:r>
+          </a:p>
+          <a:p>
+            <a:pPr marL="457200" marR="0" lvl="0" indent="-228600" algn="l" rtl="0">
+              <a:lnSpc>
+                <a:spcPct val="90000"/>
+              </a:lnSpc>
+              <a:spcBef>
+                <a:spcPts val="0"/>
+              </a:spcBef>
+              <a:buAutoNum type="arabicPeriod"/>
+            </a:pPr>
+            <a:r>
+              <a:rPr lang="en-US" sz="2400" dirty="0"/>
+              <a:t>Knowledge search: Research and </a:t>
+            </a:r>
+            <a:r>
+              <a:rPr lang="en-US" sz="2400" dirty="0" err="1"/>
+              <a:t>sensemaking</a:t>
+            </a:r>
+            <a:r>
+              <a:rPr lang="en-US" sz="2400" dirty="0"/>
+              <a:t> </a:t>
+            </a:r>
+          </a:p>
+          <a:p>
+            <a:pPr marL="457200" marR="0" lvl="0" indent="-228600" algn="l" rtl="0">
+              <a:lnSpc>
+                <a:spcPct val="90000"/>
+              </a:lnSpc>
+              <a:spcBef>
+                <a:spcPts val="0"/>
+              </a:spcBef>
+              <a:buAutoNum type="arabicPeriod"/>
+            </a:pPr>
+            <a:r>
+              <a:rPr lang="en-US" sz="3200" b="1" dirty="0"/>
+              <a:t>Data retrieval; extract, transform, load (ETL)</a:t>
+            </a:r>
+          </a:p>
+          <a:p>
+            <a:pPr marL="457200" marR="0" lvl="0" indent="-228600" algn="l" rtl="0">
+              <a:lnSpc>
+                <a:spcPct val="90000"/>
+              </a:lnSpc>
+              <a:spcBef>
+                <a:spcPts val="0"/>
+              </a:spcBef>
+              <a:buAutoNum type="arabicPeriod"/>
+            </a:pPr>
+            <a:r>
+              <a:rPr lang="en-US" sz="2400" dirty="0"/>
+              <a:t>Exploratory analysis</a:t>
+            </a:r>
+          </a:p>
+          <a:p>
+            <a:pPr marL="457200" marR="0" lvl="0" indent="-228600" algn="l" rtl="0">
+              <a:lnSpc>
+                <a:spcPct val="90000"/>
+              </a:lnSpc>
+              <a:spcBef>
+                <a:spcPts val="0"/>
+              </a:spcBef>
+              <a:buAutoNum type="arabicPeriod"/>
+            </a:pPr>
+            <a:r>
+              <a:rPr lang="en-US" sz="2400" dirty="0"/>
+              <a:t>Modeling </a:t>
+            </a:r>
+          </a:p>
+          <a:p>
+            <a:pPr marL="457200" marR="0" lvl="0" indent="-228600" algn="l" rtl="0">
+              <a:lnSpc>
+                <a:spcPct val="90000"/>
+              </a:lnSpc>
+              <a:spcBef>
+                <a:spcPts val="0"/>
+              </a:spcBef>
+            </a:pPr>
+            <a:r>
+              <a:rPr lang="en-US" sz="2400" dirty="0"/>
+              <a:t>System-building [sometimes] </a:t>
+            </a:r>
+          </a:p>
+          <a:p>
+            <a:pPr marL="457200" marR="0" lvl="0" indent="-228600" algn="l" rtl="0">
+              <a:lnSpc>
+                <a:spcPct val="90000"/>
+              </a:lnSpc>
+              <a:spcBef>
+                <a:spcPts val="0"/>
+              </a:spcBef>
+            </a:pPr>
+            <a:r>
+              <a:rPr lang="en-US" sz="2400" dirty="0"/>
+              <a:t>Versioning/archival</a:t>
+            </a:r>
+          </a:p>
+          <a:p>
+            <a:pPr marL="457200" marR="0" lvl="0" indent="-228600" algn="l" rtl="0">
+              <a:lnSpc>
+                <a:spcPct val="90000"/>
+              </a:lnSpc>
+              <a:spcBef>
+                <a:spcPts val="0"/>
+              </a:spcBef>
+            </a:pPr>
+            <a:r>
+              <a:rPr lang="en-US" sz="2400" dirty="0"/>
+              <a:t>Communication</a:t>
+            </a:r>
+          </a:p>
+        </p:txBody>
+      </p:sp>
+    </p:spTree>
+  </p:cSld>
+  <p:clrMapOvr>
+    <a:masterClrMapping/>
+  </p:clrMapOvr>
+  <p:timing>
+    <p:tnLst>
+      <p:par>
+        <p:cTn id="1" dur="indefinite" restart="never" nodeType="tmRoot"/>
+      </p:par>
+    </p:tnLst>
+  </p:timing>
+</p:sld>
+</file>
+
+<file path=ppt/slides/slide11.xml><?xml version="1.0" encoding="utf-8"?>
+<p:sld xmlns:a="http://schemas.openxmlformats.org/drawingml/2006/main" xmlns:r="http://schemas.openxmlformats.org/officeDocument/2006/relationships" xmlns:p="http://schemas.openxmlformats.org/presentationml/2006/main">
+  <p:cSld>
+    <p:spTree>
+      <p:nvGrpSpPr>
         <p:cNvPr id="1" name="Shape 265"/>
         <p:cNvGrpSpPr/>
         <p:nvPr/>
@@ -11501,7 +11998,7 @@
 </p:sld>
 </file>
 
-<file path=ppt/slides/slide11.xml><?xml version="1.0" encoding="utf-8"?>
+<file path=ppt/slides/slide12.xml><?xml version="1.0" encoding="utf-8"?>
 <p:sld xmlns:a="http://schemas.openxmlformats.org/drawingml/2006/main" xmlns:r="http://schemas.openxmlformats.org/officeDocument/2006/relationships" xmlns:p="http://schemas.openxmlformats.org/presentationml/2006/main">
   <p:cSld>
     <p:spTree>
@@ -11661,7 +12158,7 @@
 </p:sld>
 </file>
 
-<file path=ppt/slides/slide12.xml><?xml version="1.0" encoding="utf-8"?>
+<file path=ppt/slides/slide13.xml><?xml version="1.0" encoding="utf-8"?>
 <p:sld xmlns:a="http://schemas.openxmlformats.org/drawingml/2006/main" xmlns:r="http://schemas.openxmlformats.org/officeDocument/2006/relationships" xmlns:p="http://schemas.openxmlformats.org/presentationml/2006/main">
   <p:cSld>
     <p:spTree>
@@ -11884,7 +12381,7 @@
 </p:sld>
 </file>
 
-<file path=ppt/slides/slide13.xml><?xml version="1.0" encoding="utf-8"?>
+<file path=ppt/slides/slide14.xml><?xml version="1.0" encoding="utf-8"?>
 <p:sld xmlns:a="http://schemas.openxmlformats.org/drawingml/2006/main" xmlns:r="http://schemas.openxmlformats.org/officeDocument/2006/relationships" xmlns:p="http://schemas.openxmlformats.org/presentationml/2006/main">
   <p:cSld>
     <p:spTree>
@@ -12085,7 +12582,7 @@
 </p:sld>
 </file>
 
-<file path=ppt/slides/slide14.xml><?xml version="1.0" encoding="utf-8"?>
+<file path=ppt/slides/slide15.xml><?xml version="1.0" encoding="utf-8"?>
 <p:sld xmlns:a="http://schemas.openxmlformats.org/drawingml/2006/main" xmlns:r="http://schemas.openxmlformats.org/officeDocument/2006/relationships" xmlns:p="http://schemas.openxmlformats.org/presentationml/2006/main">
   <p:cSld>
     <p:spTree>
@@ -12190,88 +12687,6 @@
             <a:r>
               <a:rPr lang="en-US" sz="8800" dirty="0"/>
               <a:t>Why not both?</a:t>
-            </a:r>
-          </a:p>
-        </p:txBody>
-      </p:sp>
-    </p:spTree>
-  </p:cSld>
-  <p:clrMapOvr>
-    <a:masterClrMapping/>
-  </p:clrMapOvr>
-  <p:timing>
-    <p:tnLst>
-      <p:par>
-        <p:cTn id="1" dur="indefinite" restart="never" nodeType="tmRoot"/>
-      </p:par>
-    </p:tnLst>
-  </p:timing>
-</p:sld>
-</file>
-
-<file path=ppt/slides/slide15.xml><?xml version="1.0" encoding="utf-8"?>
-<p:sld xmlns:a="http://schemas.openxmlformats.org/drawingml/2006/main" xmlns:r="http://schemas.openxmlformats.org/officeDocument/2006/relationships" xmlns:p="http://schemas.openxmlformats.org/presentationml/2006/main">
-  <p:cSld>
-    <p:spTree>
-      <p:nvGrpSpPr>
-        <p:cNvPr id="1" name="Shape 296"/>
-        <p:cNvGrpSpPr/>
-        <p:nvPr/>
-      </p:nvGrpSpPr>
-      <p:grpSpPr>
-        <a:xfrm>
-          <a:off x="0" y="0"/>
-          <a:ext cx="0" cy="0"/>
-          <a:chOff x="0" y="0"/>
-          <a:chExt cx="0" cy="0"/>
-        </a:xfrm>
-      </p:grpSpPr>
-      <p:sp>
-        <p:nvSpPr>
-          <p:cNvPr id="297" name="Shape 297"/>
-          <p:cNvSpPr txBox="1">
-            <a:spLocks noGrp="1"/>
-          </p:cNvSpPr>
-          <p:nvPr>
-            <p:ph type="title"/>
-          </p:nvPr>
-        </p:nvSpPr>
-        <p:spPr>
-          <a:xfrm>
-            <a:off x="628650" y="1543434"/>
-            <a:ext cx="7886700" cy="4259100"/>
-          </a:xfrm>
-          <a:prstGeom prst="rect">
-            <a:avLst/>
-          </a:prstGeom>
-          <a:noFill/>
-          <a:ln>
-            <a:noFill/>
-          </a:ln>
-        </p:spPr>
-        <p:txBody>
-          <a:bodyPr lIns="91425" tIns="45700" rIns="91425" bIns="45700" anchor="ctr" anchorCtr="0">
-            <a:noAutofit/>
-          </a:bodyPr>
-          <a:lstStyle/>
-          <a:p>
-            <a:pPr marL="0" marR="0" lvl="0" indent="0" algn="ctr" rtl="0">
-              <a:lnSpc>
-                <a:spcPct val="90000"/>
-              </a:lnSpc>
-              <a:spcBef>
-                <a:spcPts val="0"/>
-              </a:spcBef>
-              <a:buClr>
-                <a:schemeClr val="lt1"/>
-              </a:buClr>
-              <a:buSzPct val="25000"/>
-              <a:buFont typeface="Cabin"/>
-              <a:buNone/>
-            </a:pPr>
-            <a:r>
-              <a:rPr lang="en-US" sz="6000" b="1"/>
-              <a:t>[Scrape.R Demo]</a:t>
             </a:r>
           </a:p>
         </p:txBody>
@@ -12534,6 +12949,98 @@
   <p:cSld>
     <p:spTree>
       <p:nvGrpSpPr>
+        <p:cNvPr id="1" name="Shape 215"/>
+        <p:cNvGrpSpPr/>
+        <p:nvPr/>
+      </p:nvGrpSpPr>
+      <p:grpSpPr>
+        <a:xfrm>
+          <a:off x="0" y="0"/>
+          <a:ext cx="0" cy="0"/>
+          <a:chOff x="0" y="0"/>
+          <a:chExt cx="0" cy="0"/>
+        </a:xfrm>
+      </p:grpSpPr>
+      <p:sp>
+        <p:nvSpPr>
+          <p:cNvPr id="217" name="Shape 217"/>
+          <p:cNvSpPr txBox="1">
+            <a:spLocks noGrp="1"/>
+          </p:cNvSpPr>
+          <p:nvPr>
+            <p:ph type="title"/>
+          </p:nvPr>
+        </p:nvSpPr>
+        <p:spPr>
+          <a:xfrm>
+            <a:off x="628650" y="1772034"/>
+            <a:ext cx="7886700" cy="4259100"/>
+          </a:xfrm>
+          <a:prstGeom prst="rect">
+            <a:avLst/>
+          </a:prstGeom>
+          <a:noFill/>
+          <a:ln>
+            <a:noFill/>
+          </a:ln>
+        </p:spPr>
+        <p:txBody>
+          <a:bodyPr lIns="91425" tIns="45700" rIns="91425" bIns="45700" anchor="ctr" anchorCtr="0">
+            <a:noAutofit/>
+          </a:bodyPr>
+          <a:lstStyle/>
+          <a:p>
+            <a:pPr marL="0" marR="0" lvl="0" indent="0" algn="ctr" rtl="0">
+              <a:lnSpc>
+                <a:spcPct val="90000"/>
+              </a:lnSpc>
+              <a:spcBef>
+                <a:spcPts val="0"/>
+              </a:spcBef>
+              <a:buClr>
+                <a:schemeClr val="lt1"/>
+              </a:buClr>
+              <a:buSzPct val="25000"/>
+              <a:buFont typeface="Cabin"/>
+              <a:buNone/>
+            </a:pPr>
+            <a:r>
+              <a:rPr lang="en-US" sz="4400" b="0" i="0" u="none" cap="none" dirty="0" smtClean="0">
+                <a:solidFill>
+                  <a:schemeClr val="lt1"/>
+                </a:solidFill>
+                <a:sym typeface="Cabin"/>
+              </a:rPr>
+              <a:t>[demonstration]</a:t>
+            </a:r>
+          </a:p>
+        </p:txBody>
+      </p:sp>
+    </p:spTree>
+    <p:extLst>
+      <p:ext uri="{BB962C8B-B14F-4D97-AF65-F5344CB8AC3E}">
+        <p14:creationId xmlns:p14="http://schemas.microsoft.com/office/powerpoint/2010/main" val="2982517147"/>
+      </p:ext>
+    </p:extLst>
+  </p:cSld>
+  <p:clrMapOvr>
+    <a:masterClrMapping/>
+  </p:clrMapOvr>
+  <p:timing>
+    <p:tnLst>
+      <p:par>
+        <p:cTn id="1" dur="indefinite" restart="never" nodeType="tmRoot"/>
+      </p:par>
+    </p:tnLst>
+  </p:timing>
+</p:sld>
+</file>
+
+<file path=ppt/slides/slide18.xml><?xml version="1.0" encoding="utf-8"?>
+<p:sld xmlns:a="http://schemas.openxmlformats.org/drawingml/2006/main" xmlns:r="http://schemas.openxmlformats.org/officeDocument/2006/relationships" xmlns:p="http://schemas.openxmlformats.org/presentationml/2006/main">
+  <p:cSld>
+    <p:spTree>
+      <p:nvGrpSpPr>
         <p:cNvPr id="1" name="Shape 307"/>
         <p:cNvGrpSpPr/>
         <p:nvPr/>
@@ -12606,7 +13113,7 @@
               <a:buNone/>
             </a:pPr>
             <a:r>
-              <a:rPr lang="en-US" sz="12500" dirty="0" smtClean="0">
+              <a:rPr lang="en-US" sz="12500" smtClean="0">
                 <a:solidFill>
                   <a:schemeClr val="lt1"/>
                 </a:solidFill>
@@ -12615,7 +13122,19 @@
                 <a:cs typeface="Cabin"/>
                 <a:sym typeface="Cabin"/>
               </a:rPr>
-              <a:t>“Homework”</a:t>
+              <a:t>In-Class</a:t>
+            </a:r>
+            <a:r>
+              <a:rPr lang="en-US" sz="15000" smtClean="0">
+                <a:solidFill>
+                  <a:schemeClr val="lt1"/>
+                </a:solidFill>
+                <a:latin typeface="Cabin"/>
+                <a:ea typeface="Cabin"/>
+                <a:cs typeface="Cabin"/>
+                <a:sym typeface="Cabin"/>
+              </a:rPr>
+              <a:t> </a:t>
             </a:r>
             <a:r>
               <a:rPr lang="en-US" sz="15000" dirty="0" smtClean="0">
@@ -12627,7 +13146,7 @@
                 <a:cs typeface="Cabin"/>
                 <a:sym typeface="Cabin"/>
               </a:rPr>
-              <a:t> Exercise </a:t>
+              <a:t>Exercise </a:t>
             </a:r>
             <a:r>
               <a:rPr lang="en-US" sz="15000" dirty="0">
@@ -12890,7 +13409,7 @@
 </p:sld>
 </file>
 
-<file path=ppt/slides/slide18.xml><?xml version="1.0" encoding="utf-8"?>
+<file path=ppt/slides/slide19.xml><?xml version="1.0" encoding="utf-8"?>
 <p:sld xmlns:a="http://schemas.openxmlformats.org/drawingml/2006/main" xmlns:r="http://schemas.openxmlformats.org/officeDocument/2006/relationships" xmlns:p="http://schemas.openxmlformats.org/presentationml/2006/main">
   <p:cSld>
     <p:spTree>
@@ -13108,256 +13627,6 @@
         </p:txBody>
       </p:sp>
     </p:spTree>
-  </p:cSld>
-  <p:clrMapOvr>
-    <a:masterClrMapping/>
-  </p:clrMapOvr>
-  <p:timing>
-    <p:tnLst>
-      <p:par>
-        <p:cTn id="1" dur="indefinite" restart="never" nodeType="tmRoot"/>
-      </p:par>
-    </p:tnLst>
-  </p:timing>
-</p:sld>
-</file>
-
-<file path=ppt/slides/slide19.xml><?xml version="1.0" encoding="utf-8"?>
-<p:sld xmlns:a="http://schemas.openxmlformats.org/drawingml/2006/main" xmlns:r="http://schemas.openxmlformats.org/officeDocument/2006/relationships" xmlns:p="http://schemas.openxmlformats.org/presentationml/2006/main">
-  <p:cSld>
-    <p:spTree>
-      <p:nvGrpSpPr>
-        <p:cNvPr id="1" name="Shape 235"/>
-        <p:cNvGrpSpPr/>
-        <p:nvPr/>
-      </p:nvGrpSpPr>
-      <p:grpSpPr>
-        <a:xfrm>
-          <a:off x="0" y="0"/>
-          <a:ext cx="0" cy="0"/>
-          <a:chOff x="0" y="0"/>
-          <a:chExt cx="0" cy="0"/>
-        </a:xfrm>
-      </p:grpSpPr>
-      <p:sp>
-        <p:nvSpPr>
-          <p:cNvPr id="236" name="Shape 236"/>
-          <p:cNvSpPr txBox="1">
-            <a:spLocks noGrp="1"/>
-          </p:cNvSpPr>
-          <p:nvPr>
-            <p:ph type="title"/>
-          </p:nvPr>
-        </p:nvSpPr>
-        <p:spPr>
-          <a:xfrm>
-            <a:off x="628650" y="365125"/>
-            <a:ext cx="7886700" cy="1325700"/>
-          </a:xfrm>
-          <a:prstGeom prst="rect">
-            <a:avLst/>
-          </a:prstGeom>
-          <a:noFill/>
-          <a:ln>
-            <a:noFill/>
-          </a:ln>
-        </p:spPr>
-        <p:txBody>
-          <a:bodyPr lIns="91425" tIns="45700" rIns="91425" bIns="45700" anchor="ctr" anchorCtr="0">
-            <a:noAutofit/>
-          </a:bodyPr>
-          <a:lstStyle/>
-          <a:p>
-            <a:pPr marL="0" marR="0" lvl="0" indent="0" algn="l" rtl="0">
-              <a:lnSpc>
-                <a:spcPct val="90000"/>
-              </a:lnSpc>
-              <a:spcBef>
-                <a:spcPts val="0"/>
-              </a:spcBef>
-              <a:buClr>
-                <a:schemeClr val="lt1"/>
-              </a:buClr>
-              <a:buSzPct val="25000"/>
-              <a:buFont typeface="Cabin"/>
-              <a:buNone/>
-            </a:pPr>
-            <a:r>
-              <a:rPr lang="en-US"/>
-              <a:t>Data science competencies</a:t>
-            </a:r>
-          </a:p>
-        </p:txBody>
-      </p:sp>
-      <p:sp>
-        <p:nvSpPr>
-          <p:cNvPr id="237" name="Shape 237"/>
-          <p:cNvSpPr txBox="1">
-            <a:spLocks noGrp="1"/>
-          </p:cNvSpPr>
-          <p:nvPr>
-            <p:ph type="body" idx="1"/>
-          </p:nvPr>
-        </p:nvSpPr>
-        <p:spPr>
-          <a:xfrm>
-            <a:off x="628650" y="1825625"/>
-            <a:ext cx="7886700" cy="4351200"/>
-          </a:xfrm>
-          <a:prstGeom prst="rect">
-            <a:avLst/>
-          </a:prstGeom>
-          <a:noFill/>
-          <a:ln>
-            <a:noFill/>
-          </a:ln>
-        </p:spPr>
-        <p:txBody>
-          <a:bodyPr lIns="91425" tIns="45700" rIns="91425" bIns="45700" anchor="t" anchorCtr="0">
-            <a:noAutofit/>
-          </a:bodyPr>
-          <a:lstStyle/>
-          <a:p>
-            <a:pPr marL="0" lvl="0" indent="0" rtl="0">
-              <a:spcBef>
-                <a:spcPts val="0"/>
-              </a:spcBef>
-              <a:buNone/>
-            </a:pPr>
-            <a:r>
-              <a:rPr lang="en-US" dirty="0"/>
-              <a:t>Anderson et al. (2014):</a:t>
-            </a:r>
-          </a:p>
-          <a:p>
-            <a:pPr marL="457200" lvl="0" indent="-228600" rtl="0">
-              <a:spcBef>
-                <a:spcPts val="0"/>
-              </a:spcBef>
-            </a:pPr>
-            <a:r>
-              <a:rPr lang="en-US" sz="2400" dirty="0"/>
-              <a:t>Information retrieval</a:t>
-            </a:r>
-          </a:p>
-          <a:p>
-            <a:pPr marL="457200" marR="0" lvl="0" indent="-228600" algn="l" rtl="0">
-              <a:lnSpc>
-                <a:spcPct val="90000"/>
-              </a:lnSpc>
-              <a:spcBef>
-                <a:spcPts val="0"/>
-              </a:spcBef>
-            </a:pPr>
-            <a:r>
-              <a:rPr lang="en-US" sz="3200" b="1" dirty="0"/>
-              <a:t>Large or streaming data sets</a:t>
-            </a:r>
-          </a:p>
-          <a:p>
-            <a:pPr marL="457200" marR="0" lvl="0" indent="-228600" algn="l" rtl="0">
-              <a:lnSpc>
-                <a:spcPct val="90000"/>
-              </a:lnSpc>
-              <a:spcBef>
-                <a:spcPts val="0"/>
-              </a:spcBef>
-            </a:pPr>
-            <a:r>
-              <a:rPr lang="en-US" sz="2400" dirty="0"/>
-              <a:t>Databases</a:t>
-            </a:r>
-          </a:p>
-          <a:p>
-            <a:pPr marL="457200" marR="0" lvl="0" indent="-228600" algn="l" rtl="0">
-              <a:lnSpc>
-                <a:spcPct val="90000"/>
-              </a:lnSpc>
-              <a:spcBef>
-                <a:spcPts val="0"/>
-              </a:spcBef>
-            </a:pPr>
-            <a:r>
-              <a:rPr lang="en-US" sz="2400" dirty="0"/>
-              <a:t>AI and statistical techniques</a:t>
-            </a:r>
-          </a:p>
-          <a:p>
-            <a:pPr marL="457200" marR="0" lvl="0" indent="-228600" algn="l" rtl="0">
-              <a:lnSpc>
-                <a:spcPct val="90000"/>
-              </a:lnSpc>
-              <a:spcBef>
-                <a:spcPts val="0"/>
-              </a:spcBef>
-            </a:pPr>
-            <a:r>
-              <a:rPr lang="en-US" sz="2400" dirty="0"/>
-              <a:t>Software development and algorithms</a:t>
-            </a:r>
-          </a:p>
-          <a:p>
-            <a:pPr marL="457200" marR="0" lvl="0" indent="-228600" algn="l" rtl="0">
-              <a:lnSpc>
-                <a:spcPct val="90000"/>
-              </a:lnSpc>
-              <a:spcBef>
-                <a:spcPts val="0"/>
-              </a:spcBef>
-            </a:pPr>
-            <a:r>
-              <a:rPr lang="en-US" sz="2400" dirty="0"/>
-              <a:t>Mathematics</a:t>
-            </a:r>
-          </a:p>
-          <a:p>
-            <a:pPr marL="457200" marR="0" lvl="0" indent="-228600" algn="l" rtl="0">
-              <a:lnSpc>
-                <a:spcPct val="90000"/>
-              </a:lnSpc>
-              <a:spcBef>
-                <a:spcPts val="0"/>
-              </a:spcBef>
-            </a:pPr>
-            <a:r>
-              <a:rPr lang="en-US" sz="2400" dirty="0"/>
-              <a:t>Communication</a:t>
-            </a:r>
-          </a:p>
-          <a:p>
-            <a:pPr marL="457200" marR="0" lvl="0" indent="-228600" algn="l" rtl="0">
-              <a:lnSpc>
-                <a:spcPct val="90000"/>
-              </a:lnSpc>
-              <a:spcBef>
-                <a:spcPts val="0"/>
-              </a:spcBef>
-            </a:pPr>
-            <a:r>
-              <a:rPr lang="en-US" sz="2400" dirty="0"/>
-              <a:t>Social, ethical, and legal awareness </a:t>
-            </a:r>
-          </a:p>
-          <a:p>
-            <a:pPr marL="0" marR="0" lvl="0" indent="0" algn="l" rtl="0">
-              <a:lnSpc>
-                <a:spcPct val="90000"/>
-              </a:lnSpc>
-              <a:spcBef>
-                <a:spcPts val="0"/>
-              </a:spcBef>
-              <a:buNone/>
-            </a:pPr>
-            <a:endParaRPr dirty="0"/>
-          </a:p>
-        </p:txBody>
-      </p:sp>
-    </p:spTree>
-    <p:extLst>
-      <p:ext uri="{BB962C8B-B14F-4D97-AF65-F5344CB8AC3E}">
-        <p14:creationId xmlns:p14="http://schemas.microsoft.com/office/powerpoint/2010/main" val="2264701809"/>
-      </p:ext>
-    </p:extLst>
   </p:cSld>
   <p:clrMapOvr>
     <a:masterClrMapping/>
@@ -13469,30 +13738,22 @@
                 <a:cs typeface="Cabin"/>
                 <a:sym typeface="Cabin"/>
               </a:rPr>
-              <a:t>MOTIVATING QUESTIONS:</a:t>
-            </a:r>
-          </a:p>
-          <a:p>
-            <a:pPr marL="0" marR="0" lvl="0" indent="0" algn="ctr" rtl="0">
-              <a:lnSpc>
-                <a:spcPct val="90000"/>
-              </a:lnSpc>
-              <a:spcBef>
-                <a:spcPts val="0"/>
-              </a:spcBef>
-              <a:buClr>
-                <a:schemeClr val="lt1"/>
-              </a:buClr>
-              <a:buSzPct val="25000"/>
-              <a:buFont typeface="Cabin"/>
-              <a:buNone/>
-            </a:pPr>
-            <a:r>
-              <a:rPr lang="en-US" dirty="0"/>
-              <a:t>What is data science, really?</a:t>
-            </a:r>
-            <a:r>
-              <a:rPr lang="en-US" sz="4400" b="0" i="0" u="none" strike="noStrike" cap="none" dirty="0">
+              <a:t>MOTIVATING QUESTIONS</a:t>
+            </a:r>
+            <a:r>
+              <a:rPr lang="en-US" sz="4400" b="1" i="0" u="none" strike="noStrike" cap="none" dirty="0" smtClean="0">
+                <a:solidFill>
+                  <a:schemeClr val="lt1"/>
+                </a:solidFill>
+                <a:latin typeface="Cabin"/>
+                <a:ea typeface="Cabin"/>
+                <a:cs typeface="Cabin"/>
+                <a:sym typeface="Cabin"/>
+              </a:rPr>
+              <a:t>:</a:t>
+            </a:r>
+            <a:r>
+              <a:rPr lang="en-US" sz="4400" b="0" i="0" u="none" strike="noStrike" cap="none" dirty="0" smtClean="0">
                 <a:solidFill>
                   <a:schemeClr val="lt1"/>
                 </a:solidFill>
@@ -13504,7 +13765,7 @@
               <a:t/>
             </a:r>
             <a:br>
-              <a:rPr lang="en-US" sz="4400" b="0" i="0" u="none" strike="noStrike" cap="none" dirty="0">
+              <a:rPr lang="en-US" sz="4400" b="0" i="0" u="none" strike="noStrike" cap="none" dirty="0" smtClean="0">
                 <a:solidFill>
                   <a:schemeClr val="lt1"/>
                 </a:solidFill>
@@ -13514,61 +13775,12 @@
                 <a:sym typeface="Cabin"/>
               </a:rPr>
             </a:br>
-            <a:r>
-              <a:rPr lang="en-US" sz="4400" b="0" i="0" u="none" strike="sngStrike" cap="none" dirty="0">
-                <a:solidFill>
-                  <a:schemeClr val="lt1"/>
-                </a:solidFill>
-                <a:sym typeface="Cabin"/>
-              </a:rPr>
-              <a:t>Ho</a:t>
-            </a:r>
-            <a:r>
-              <a:rPr lang="en-US" strike="sngStrike" dirty="0"/>
-              <a:t>w do I get</a:t>
-            </a:r>
-            <a:r>
-              <a:rPr lang="en-US" sz="4400" b="0" i="0" u="none" strike="sngStrike" cap="none" dirty="0">
-                <a:solidFill>
-                  <a:schemeClr val="lt1"/>
-                </a:solidFill>
-                <a:sym typeface="Cabin"/>
-              </a:rPr>
-              <a:t> </a:t>
-            </a:r>
-            <a:r>
-              <a:rPr lang="en-US" strike="sngStrike" dirty="0"/>
-              <a:t>answers </a:t>
-            </a:r>
-            <a:r>
-              <a:rPr lang="en-US" sz="4400" b="0" i="0" u="none" strike="sngStrike" cap="none" dirty="0">
-                <a:solidFill>
-                  <a:schemeClr val="lt1"/>
-                </a:solidFill>
-                <a:sym typeface="Cabin"/>
-              </a:rPr>
-              <a:t>from data?</a:t>
-            </a:r>
-          </a:p>
-          <a:p>
-            <a:pPr marL="0" marR="0" lvl="0" indent="0" algn="ctr" rtl="0">
-              <a:lnSpc>
-                <a:spcPct val="90000"/>
-              </a:lnSpc>
-              <a:spcBef>
-                <a:spcPts val="0"/>
-              </a:spcBef>
-              <a:buClr>
+            <a:endParaRPr lang="en-US" sz="4400" b="0" i="0" u="none" cap="none" dirty="0" smtClean="0">
+              <a:solidFill>
                 <a:schemeClr val="lt1"/>
-              </a:buClr>
-              <a:buSzPct val="25000"/>
-              <a:buFont typeface="Cabin"/>
-              <a:buNone/>
-            </a:pPr>
-            <a:r>
-              <a:rPr lang="en-US" dirty="0"/>
-              <a:t>How does visual analytics fit in?</a:t>
-            </a:r>
+              </a:solidFill>
+              <a:sym typeface="Cabin"/>
+            </a:endParaRPr>
           </a:p>
         </p:txBody>
       </p:sp>
@@ -13588,6 +13800,256 @@
 </file>
 
 <file path=ppt/slides/slide20.xml><?xml version="1.0" encoding="utf-8"?>
+<p:sld xmlns:a="http://schemas.openxmlformats.org/drawingml/2006/main" xmlns:r="http://schemas.openxmlformats.org/officeDocument/2006/relationships" xmlns:p="http://schemas.openxmlformats.org/presentationml/2006/main">
+  <p:cSld>
+    <p:spTree>
+      <p:nvGrpSpPr>
+        <p:cNvPr id="1" name="Shape 235"/>
+        <p:cNvGrpSpPr/>
+        <p:nvPr/>
+      </p:nvGrpSpPr>
+      <p:grpSpPr>
+        <a:xfrm>
+          <a:off x="0" y="0"/>
+          <a:ext cx="0" cy="0"/>
+          <a:chOff x="0" y="0"/>
+          <a:chExt cx="0" cy="0"/>
+        </a:xfrm>
+      </p:grpSpPr>
+      <p:sp>
+        <p:nvSpPr>
+          <p:cNvPr id="236" name="Shape 236"/>
+          <p:cNvSpPr txBox="1">
+            <a:spLocks noGrp="1"/>
+          </p:cNvSpPr>
+          <p:nvPr>
+            <p:ph type="title"/>
+          </p:nvPr>
+        </p:nvSpPr>
+        <p:spPr>
+          <a:xfrm>
+            <a:off x="628650" y="365125"/>
+            <a:ext cx="7886700" cy="1325700"/>
+          </a:xfrm>
+          <a:prstGeom prst="rect">
+            <a:avLst/>
+          </a:prstGeom>
+          <a:noFill/>
+          <a:ln>
+            <a:noFill/>
+          </a:ln>
+        </p:spPr>
+        <p:txBody>
+          <a:bodyPr lIns="91425" tIns="45700" rIns="91425" bIns="45700" anchor="ctr" anchorCtr="0">
+            <a:noAutofit/>
+          </a:bodyPr>
+          <a:lstStyle/>
+          <a:p>
+            <a:pPr marL="0" marR="0" lvl="0" indent="0" algn="l" rtl="0">
+              <a:lnSpc>
+                <a:spcPct val="90000"/>
+              </a:lnSpc>
+              <a:spcBef>
+                <a:spcPts val="0"/>
+              </a:spcBef>
+              <a:buClr>
+                <a:schemeClr val="lt1"/>
+              </a:buClr>
+              <a:buSzPct val="25000"/>
+              <a:buFont typeface="Cabin"/>
+              <a:buNone/>
+            </a:pPr>
+            <a:r>
+              <a:rPr lang="en-US"/>
+              <a:t>Data science competencies</a:t>
+            </a:r>
+          </a:p>
+        </p:txBody>
+      </p:sp>
+      <p:sp>
+        <p:nvSpPr>
+          <p:cNvPr id="237" name="Shape 237"/>
+          <p:cNvSpPr txBox="1">
+            <a:spLocks noGrp="1"/>
+          </p:cNvSpPr>
+          <p:nvPr>
+            <p:ph type="body" idx="1"/>
+          </p:nvPr>
+        </p:nvSpPr>
+        <p:spPr>
+          <a:xfrm>
+            <a:off x="628650" y="1825625"/>
+            <a:ext cx="7886700" cy="4351200"/>
+          </a:xfrm>
+          <a:prstGeom prst="rect">
+            <a:avLst/>
+          </a:prstGeom>
+          <a:noFill/>
+          <a:ln>
+            <a:noFill/>
+          </a:ln>
+        </p:spPr>
+        <p:txBody>
+          <a:bodyPr lIns="91425" tIns="45700" rIns="91425" bIns="45700" anchor="t" anchorCtr="0">
+            <a:noAutofit/>
+          </a:bodyPr>
+          <a:lstStyle/>
+          <a:p>
+            <a:pPr marL="0" lvl="0" indent="0" rtl="0">
+              <a:spcBef>
+                <a:spcPts val="0"/>
+              </a:spcBef>
+              <a:buNone/>
+            </a:pPr>
+            <a:r>
+              <a:rPr lang="en-US" dirty="0"/>
+              <a:t>Anderson et al. (2014):</a:t>
+            </a:r>
+          </a:p>
+          <a:p>
+            <a:pPr marL="457200" lvl="0" indent="-228600" rtl="0">
+              <a:spcBef>
+                <a:spcPts val="0"/>
+              </a:spcBef>
+            </a:pPr>
+            <a:r>
+              <a:rPr lang="en-US" sz="2400" dirty="0"/>
+              <a:t>Information retrieval</a:t>
+            </a:r>
+          </a:p>
+          <a:p>
+            <a:pPr marL="457200" marR="0" lvl="0" indent="-228600" algn="l" rtl="0">
+              <a:lnSpc>
+                <a:spcPct val="90000"/>
+              </a:lnSpc>
+              <a:spcBef>
+                <a:spcPts val="0"/>
+              </a:spcBef>
+            </a:pPr>
+            <a:r>
+              <a:rPr lang="en-US" sz="3200" b="1" dirty="0"/>
+              <a:t>Large or streaming data sets</a:t>
+            </a:r>
+          </a:p>
+          <a:p>
+            <a:pPr marL="457200" marR="0" lvl="0" indent="-228600" algn="l" rtl="0">
+              <a:lnSpc>
+                <a:spcPct val="90000"/>
+              </a:lnSpc>
+              <a:spcBef>
+                <a:spcPts val="0"/>
+              </a:spcBef>
+            </a:pPr>
+            <a:r>
+              <a:rPr lang="en-US" sz="2400" dirty="0"/>
+              <a:t>Databases</a:t>
+            </a:r>
+          </a:p>
+          <a:p>
+            <a:pPr marL="457200" marR="0" lvl="0" indent="-228600" algn="l" rtl="0">
+              <a:lnSpc>
+                <a:spcPct val="90000"/>
+              </a:lnSpc>
+              <a:spcBef>
+                <a:spcPts val="0"/>
+              </a:spcBef>
+            </a:pPr>
+            <a:r>
+              <a:rPr lang="en-US" sz="2400" dirty="0"/>
+              <a:t>AI and statistical techniques</a:t>
+            </a:r>
+          </a:p>
+          <a:p>
+            <a:pPr marL="457200" marR="0" lvl="0" indent="-228600" algn="l" rtl="0">
+              <a:lnSpc>
+                <a:spcPct val="90000"/>
+              </a:lnSpc>
+              <a:spcBef>
+                <a:spcPts val="0"/>
+              </a:spcBef>
+            </a:pPr>
+            <a:r>
+              <a:rPr lang="en-US" sz="2400" dirty="0"/>
+              <a:t>Software development and algorithms</a:t>
+            </a:r>
+          </a:p>
+          <a:p>
+            <a:pPr marL="457200" marR="0" lvl="0" indent="-228600" algn="l" rtl="0">
+              <a:lnSpc>
+                <a:spcPct val="90000"/>
+              </a:lnSpc>
+              <a:spcBef>
+                <a:spcPts val="0"/>
+              </a:spcBef>
+            </a:pPr>
+            <a:r>
+              <a:rPr lang="en-US" sz="2400" dirty="0"/>
+              <a:t>Mathematics</a:t>
+            </a:r>
+          </a:p>
+          <a:p>
+            <a:pPr marL="457200" marR="0" lvl="0" indent="-228600" algn="l" rtl="0">
+              <a:lnSpc>
+                <a:spcPct val="90000"/>
+              </a:lnSpc>
+              <a:spcBef>
+                <a:spcPts val="0"/>
+              </a:spcBef>
+            </a:pPr>
+            <a:r>
+              <a:rPr lang="en-US" sz="2400" dirty="0"/>
+              <a:t>Communication</a:t>
+            </a:r>
+          </a:p>
+          <a:p>
+            <a:pPr marL="457200" marR="0" lvl="0" indent="-228600" algn="l" rtl="0">
+              <a:lnSpc>
+                <a:spcPct val="90000"/>
+              </a:lnSpc>
+              <a:spcBef>
+                <a:spcPts val="0"/>
+              </a:spcBef>
+            </a:pPr>
+            <a:r>
+              <a:rPr lang="en-US" sz="2400" dirty="0"/>
+              <a:t>Social, ethical, and legal awareness </a:t>
+            </a:r>
+          </a:p>
+          <a:p>
+            <a:pPr marL="0" marR="0" lvl="0" indent="0" algn="l" rtl="0">
+              <a:lnSpc>
+                <a:spcPct val="90000"/>
+              </a:lnSpc>
+              <a:spcBef>
+                <a:spcPts val="0"/>
+              </a:spcBef>
+              <a:buNone/>
+            </a:pPr>
+            <a:endParaRPr dirty="0"/>
+          </a:p>
+        </p:txBody>
+      </p:sp>
+    </p:spTree>
+    <p:extLst>
+      <p:ext uri="{BB962C8B-B14F-4D97-AF65-F5344CB8AC3E}">
+        <p14:creationId xmlns:p14="http://schemas.microsoft.com/office/powerpoint/2010/main" val="2264701809"/>
+      </p:ext>
+    </p:extLst>
+  </p:cSld>
+  <p:clrMapOvr>
+    <a:masterClrMapping/>
+  </p:clrMapOvr>
+  <p:timing>
+    <p:tnLst>
+      <p:par>
+        <p:cTn id="1" dur="indefinite" restart="never" nodeType="tmRoot"/>
+      </p:par>
+    </p:tnLst>
+  </p:timing>
+</p:sld>
+</file>
+
+<file path=ppt/slides/slide21.xml><?xml version="1.0" encoding="utf-8"?>
 <p:sld xmlns:a="http://schemas.openxmlformats.org/drawingml/2006/main" xmlns:r="http://schemas.openxmlformats.org/officeDocument/2006/relationships" xmlns:p="http://schemas.openxmlformats.org/presentationml/2006/main">
   <p:cSld>
     <p:spTree>
@@ -13781,7 +14243,7 @@
 </p:sld>
 </file>
 
-<file path=ppt/slides/slide21.xml><?xml version="1.0" encoding="utf-8"?>
+<file path=ppt/slides/slide22.xml><?xml version="1.0" encoding="utf-8"?>
 <p:sld xmlns:a="http://schemas.openxmlformats.org/drawingml/2006/main" xmlns:r="http://schemas.openxmlformats.org/officeDocument/2006/relationships" xmlns:p="http://schemas.openxmlformats.org/presentationml/2006/main">
   <p:cSld>
     <p:spTree>
@@ -14189,88 +14651,6 @@
             <a:r>
               <a:rPr lang="en-US" sz="1300"/>
               <a:t>Extract</a:t>
-            </a:r>
-          </a:p>
-        </p:txBody>
-      </p:sp>
-    </p:spTree>
-  </p:cSld>
-  <p:clrMapOvr>
-    <a:masterClrMapping/>
-  </p:clrMapOvr>
-  <p:timing>
-    <p:tnLst>
-      <p:par>
-        <p:cTn id="1" dur="indefinite" restart="never" nodeType="tmRoot"/>
-      </p:par>
-    </p:tnLst>
-  </p:timing>
-</p:sld>
-</file>
-
-<file path=ppt/slides/slide22.xml><?xml version="1.0" encoding="utf-8"?>
-<p:sld xmlns:a="http://schemas.openxmlformats.org/drawingml/2006/main" xmlns:r="http://schemas.openxmlformats.org/officeDocument/2006/relationships" xmlns:p="http://schemas.openxmlformats.org/presentationml/2006/main">
-  <p:cSld>
-    <p:spTree>
-      <p:nvGrpSpPr>
-        <p:cNvPr id="1" name="Shape 339"/>
-        <p:cNvGrpSpPr/>
-        <p:nvPr/>
-      </p:nvGrpSpPr>
-      <p:grpSpPr>
-        <a:xfrm>
-          <a:off x="0" y="0"/>
-          <a:ext cx="0" cy="0"/>
-          <a:chOff x="0" y="0"/>
-          <a:chExt cx="0" cy="0"/>
-        </a:xfrm>
-      </p:grpSpPr>
-      <p:sp>
-        <p:nvSpPr>
-          <p:cNvPr id="340" name="Shape 340"/>
-          <p:cNvSpPr txBox="1">
-            <a:spLocks noGrp="1"/>
-          </p:cNvSpPr>
-          <p:nvPr>
-            <p:ph type="title"/>
-          </p:nvPr>
-        </p:nvSpPr>
-        <p:spPr>
-          <a:xfrm>
-            <a:off x="628650" y="1543434"/>
-            <a:ext cx="7886700" cy="4259100"/>
-          </a:xfrm>
-          <a:prstGeom prst="rect">
-            <a:avLst/>
-          </a:prstGeom>
-          <a:noFill/>
-          <a:ln>
-            <a:noFill/>
-          </a:ln>
-        </p:spPr>
-        <p:txBody>
-          <a:bodyPr lIns="91425" tIns="45700" rIns="91425" bIns="45700" anchor="ctr" anchorCtr="0">
-            <a:noAutofit/>
-          </a:bodyPr>
-          <a:lstStyle/>
-          <a:p>
-            <a:pPr marL="0" marR="0" lvl="0" indent="0" algn="ctr" rtl="0">
-              <a:lnSpc>
-                <a:spcPct val="90000"/>
-              </a:lnSpc>
-              <a:spcBef>
-                <a:spcPts val="0"/>
-              </a:spcBef>
-              <a:buClr>
-                <a:schemeClr val="lt1"/>
-              </a:buClr>
-              <a:buSzPct val="25000"/>
-              <a:buFont typeface="Cabin"/>
-              <a:buNone/>
-            </a:pPr>
-            <a:r>
-              <a:rPr lang="en-US" sz="6000" b="1"/>
-              <a:t>[Streaming Vis Demo]</a:t>
             </a:r>
           </a:p>
         </p:txBody>
@@ -14379,7 +14759,7 @@
               <a:buNone/>
             </a:pPr>
             <a:r>
-              <a:rPr lang="en-US" sz="12500" dirty="0" smtClean="0">
+              <a:rPr lang="en-US" sz="12500" smtClean="0">
                 <a:solidFill>
                   <a:srgbClr val="666666"/>
                 </a:solidFill>
@@ -14388,10 +14768,10 @@
                 <a:cs typeface="Cabin"/>
                 <a:sym typeface="Cabin"/>
               </a:rPr>
-              <a:t>“Homework”</a:t>
-            </a:r>
-            <a:r>
-              <a:rPr lang="en-US" sz="15000" dirty="0" smtClean="0">
+              <a:t>In-Class</a:t>
+            </a:r>
+            <a:r>
+              <a:rPr lang="en-US" sz="15000" smtClean="0">
                 <a:solidFill>
                   <a:srgbClr val="666666"/>
                 </a:solidFill>
@@ -17455,6 +17835,1049 @@
   <p:cSld>
     <p:spTree>
       <p:nvGrpSpPr>
+        <p:cNvPr id="1" name="Shape 222"/>
+        <p:cNvGrpSpPr/>
+        <p:nvPr/>
+      </p:nvGrpSpPr>
+      <p:grpSpPr>
+        <a:xfrm>
+          <a:off x="0" y="0"/>
+          <a:ext cx="0" cy="0"/>
+          <a:chOff x="0" y="0"/>
+          <a:chExt cx="0" cy="0"/>
+        </a:xfrm>
+      </p:grpSpPr>
+      <p:sp>
+        <p:nvSpPr>
+          <p:cNvPr id="223" name="Shape 223"/>
+          <p:cNvSpPr txBox="1">
+            <a:spLocks noGrp="1"/>
+          </p:cNvSpPr>
+          <p:nvPr>
+            <p:ph type="title"/>
+          </p:nvPr>
+        </p:nvSpPr>
+        <p:spPr>
+          <a:xfrm>
+            <a:off x="628650" y="365126"/>
+            <a:ext cx="7886700" cy="1325562"/>
+          </a:xfrm>
+          <a:prstGeom prst="rect">
+            <a:avLst/>
+          </a:prstGeom>
+          <a:noFill/>
+          <a:ln>
+            <a:noFill/>
+          </a:ln>
+        </p:spPr>
+        <p:txBody>
+          <a:bodyPr lIns="91425" tIns="45700" rIns="91425" bIns="45700" anchor="ctr" anchorCtr="0">
+            <a:noAutofit/>
+          </a:bodyPr>
+          <a:lstStyle/>
+          <a:p>
+            <a:pPr lvl="0">
+              <a:buSzPct val="25000"/>
+            </a:pPr>
+            <a:r>
+              <a:rPr lang="en-US" dirty="0" smtClean="0"/>
+              <a:t>Exploratory </a:t>
+            </a:r>
+            <a:r>
+              <a:rPr lang="en-US" dirty="0"/>
+              <a:t>Data Analysis (EDA)</a:t>
+            </a:r>
+            <a:endParaRPr lang="en-US" dirty="0"/>
+          </a:p>
+        </p:txBody>
+      </p:sp>
+      <p:sp>
+        <p:nvSpPr>
+          <p:cNvPr id="225" name="Shape 225"/>
+          <p:cNvSpPr txBox="1">
+            <a:spLocks noGrp="1"/>
+          </p:cNvSpPr>
+          <p:nvPr>
+            <p:ph type="sldNum" idx="12"/>
+          </p:nvPr>
+        </p:nvSpPr>
+        <p:spPr>
+          <a:xfrm>
+            <a:off x="6457950" y="6356351"/>
+            <a:ext cx="1682277" cy="365125"/>
+          </a:xfrm>
+          <a:prstGeom prst="rect">
+            <a:avLst/>
+          </a:prstGeom>
+          <a:noFill/>
+          <a:ln>
+            <a:noFill/>
+          </a:ln>
+        </p:spPr>
+        <p:txBody>
+          <a:bodyPr lIns="91425" tIns="45700" rIns="91425" bIns="45700" anchor="ctr" anchorCtr="0">
+            <a:noAutofit/>
+          </a:bodyPr>
+          <a:lstStyle/>
+          <a:p>
+            <a:pPr marL="0" marR="0" lvl="0" indent="0" algn="r" rtl="0">
+              <a:spcBef>
+                <a:spcPts val="0"/>
+              </a:spcBef>
+              <a:buSzPct val="25000"/>
+              <a:buNone/>
+            </a:pPr>
+            <a:fld id="{00000000-1234-1234-1234-123412341234}" type="slidenum">
+              <a:rPr lang="en-US" sz="1200">
+                <a:solidFill>
+                  <a:srgbClr val="888888"/>
+                </a:solidFill>
+                <a:latin typeface="Cabin"/>
+                <a:ea typeface="Cabin"/>
+                <a:cs typeface="Cabin"/>
+                <a:sym typeface="Cabin"/>
+              </a:rPr>
+              <a:t>5</a:t>
+            </a:fld>
+            <a:endParaRPr lang="en-US" sz="1200">
+              <a:solidFill>
+                <a:srgbClr val="888888"/>
+              </a:solidFill>
+              <a:latin typeface="Cabin"/>
+              <a:ea typeface="Cabin"/>
+              <a:cs typeface="Cabin"/>
+              <a:sym typeface="Cabin"/>
+            </a:endParaRPr>
+          </a:p>
+        </p:txBody>
+      </p:sp>
+      <p:sp>
+        <p:nvSpPr>
+          <p:cNvPr id="6" name="Content Placeholder 2"/>
+          <p:cNvSpPr txBox="1">
+            <a:spLocks/>
+          </p:cNvSpPr>
+          <p:nvPr/>
+        </p:nvSpPr>
+        <p:spPr>
+          <a:xfrm>
+            <a:off x="1634280" y="2206388"/>
+            <a:ext cx="8541607" cy="6188927"/>
+          </a:xfrm>
+          <a:prstGeom prst="rect">
+            <a:avLst/>
+          </a:prstGeom>
+          <a:noFill/>
+          <a:ln>
+            <a:noFill/>
+          </a:ln>
+        </p:spPr>
+        <p:txBody>
+          <a:bodyPr lIns="91425" tIns="91425" rIns="91425" bIns="91425" anchor="t" anchorCtr="0">
+            <a:normAutofit/>
+          </a:bodyPr>
+          <a:lstStyle>
+            <a:defPPr marR="0" lvl="0" algn="l" rtl="0">
+              <a:lnSpc>
+                <a:spcPct val="100000"/>
+              </a:lnSpc>
+              <a:spcBef>
+                <a:spcPts val="0"/>
+              </a:spcBef>
+              <a:spcAft>
+                <a:spcPts val="0"/>
+              </a:spcAft>
+            </a:defPPr>
+            <a:lvl1pPr marL="228600" marR="0" lvl="0" indent="-50800" algn="l" rtl="0">
+              <a:lnSpc>
+                <a:spcPct val="90000"/>
+              </a:lnSpc>
+              <a:spcBef>
+                <a:spcPts val="1000"/>
+              </a:spcBef>
+              <a:spcAft>
+                <a:spcPts val="0"/>
+              </a:spcAft>
+              <a:buClr>
+                <a:schemeClr val="dk1"/>
+              </a:buClr>
+              <a:buSzPct val="100000"/>
+              <a:buFont typeface="Noto Sans Symbols"/>
+              <a:buChar char="▪"/>
+              <a:defRPr sz="2800" b="0" i="0" u="none" strike="noStrike" cap="none">
+                <a:solidFill>
+                  <a:schemeClr val="dk1"/>
+                </a:solidFill>
+                <a:latin typeface="Cabin"/>
+                <a:ea typeface="Cabin"/>
+                <a:cs typeface="Cabin"/>
+                <a:sym typeface="Cabin"/>
+              </a:defRPr>
+            </a:lvl1pPr>
+            <a:lvl2pPr marL="685800" marR="0" lvl="1" indent="-76200" algn="l" rtl="0">
+              <a:lnSpc>
+                <a:spcPct val="90000"/>
+              </a:lnSpc>
+              <a:spcBef>
+                <a:spcPts val="500"/>
+              </a:spcBef>
+              <a:spcAft>
+                <a:spcPts val="0"/>
+              </a:spcAft>
+              <a:buClr>
+                <a:schemeClr val="dk1"/>
+              </a:buClr>
+              <a:buSzPct val="100000"/>
+              <a:buFont typeface="Noto Sans Symbols"/>
+              <a:buChar char="▪"/>
+              <a:defRPr sz="2400" b="0" i="0" u="none" strike="noStrike" cap="none">
+                <a:solidFill>
+                  <a:schemeClr val="dk1"/>
+                </a:solidFill>
+                <a:latin typeface="Cabin"/>
+                <a:ea typeface="Cabin"/>
+                <a:cs typeface="Cabin"/>
+                <a:sym typeface="Cabin"/>
+              </a:defRPr>
+            </a:lvl2pPr>
+            <a:lvl3pPr marL="1143000" marR="0" lvl="2" indent="-101600" algn="l" rtl="0">
+              <a:lnSpc>
+                <a:spcPct val="90000"/>
+              </a:lnSpc>
+              <a:spcBef>
+                <a:spcPts val="500"/>
+              </a:spcBef>
+              <a:spcAft>
+                <a:spcPts val="0"/>
+              </a:spcAft>
+              <a:buClr>
+                <a:schemeClr val="dk1"/>
+              </a:buClr>
+              <a:buSzPct val="100000"/>
+              <a:buFont typeface="Noto Sans Symbols"/>
+              <a:buChar char="▪"/>
+              <a:defRPr sz="2000" b="0" i="0" u="none" strike="noStrike" cap="none">
+                <a:solidFill>
+                  <a:schemeClr val="dk1"/>
+                </a:solidFill>
+                <a:latin typeface="Cabin"/>
+                <a:ea typeface="Cabin"/>
+                <a:cs typeface="Cabin"/>
+                <a:sym typeface="Cabin"/>
+              </a:defRPr>
+            </a:lvl3pPr>
+            <a:lvl4pPr marL="1600200" marR="0" lvl="3" indent="-114300" algn="l" rtl="0">
+              <a:lnSpc>
+                <a:spcPct val="90000"/>
+              </a:lnSpc>
+              <a:spcBef>
+                <a:spcPts val="500"/>
+              </a:spcBef>
+              <a:spcAft>
+                <a:spcPts val="0"/>
+              </a:spcAft>
+              <a:buClr>
+                <a:schemeClr val="dk1"/>
+              </a:buClr>
+              <a:buSzPct val="100000"/>
+              <a:buFont typeface="Noto Sans Symbols"/>
+              <a:buChar char="▪"/>
+              <a:defRPr sz="1800" b="0" i="0" u="none" strike="noStrike" cap="none">
+                <a:solidFill>
+                  <a:schemeClr val="dk1"/>
+                </a:solidFill>
+                <a:latin typeface="Cabin"/>
+                <a:ea typeface="Cabin"/>
+                <a:cs typeface="Cabin"/>
+                <a:sym typeface="Cabin"/>
+              </a:defRPr>
+            </a:lvl4pPr>
+            <a:lvl5pPr marL="2057400" marR="0" lvl="4" indent="-114300" algn="l" rtl="0">
+              <a:lnSpc>
+                <a:spcPct val="90000"/>
+              </a:lnSpc>
+              <a:spcBef>
+                <a:spcPts val="500"/>
+              </a:spcBef>
+              <a:spcAft>
+                <a:spcPts val="0"/>
+              </a:spcAft>
+              <a:buClr>
+                <a:schemeClr val="dk1"/>
+              </a:buClr>
+              <a:buSzPct val="100000"/>
+              <a:buFont typeface="Noto Sans Symbols"/>
+              <a:buChar char="▪"/>
+              <a:defRPr sz="1800" b="0" i="0" u="none" strike="noStrike" cap="none">
+                <a:solidFill>
+                  <a:schemeClr val="dk1"/>
+                </a:solidFill>
+                <a:latin typeface="Cabin"/>
+                <a:ea typeface="Cabin"/>
+                <a:cs typeface="Cabin"/>
+                <a:sym typeface="Cabin"/>
+              </a:defRPr>
+            </a:lvl5pPr>
+            <a:lvl6pPr marL="2514600" marR="0" lvl="5" indent="-114300" algn="l" rtl="0">
+              <a:lnSpc>
+                <a:spcPct val="90000"/>
+              </a:lnSpc>
+              <a:spcBef>
+                <a:spcPts val="500"/>
+              </a:spcBef>
+              <a:spcAft>
+                <a:spcPts val="0"/>
+              </a:spcAft>
+              <a:buClr>
+                <a:schemeClr val="dk1"/>
+              </a:buClr>
+              <a:buSzPct val="100000"/>
+              <a:buFont typeface="Arial"/>
+              <a:buChar char="•"/>
+              <a:defRPr sz="1800" b="0" i="0" u="none" strike="noStrike" cap="none">
+                <a:solidFill>
+                  <a:schemeClr val="dk1"/>
+                </a:solidFill>
+                <a:latin typeface="Cabin"/>
+                <a:ea typeface="Cabin"/>
+                <a:cs typeface="Cabin"/>
+                <a:sym typeface="Cabin"/>
+              </a:defRPr>
+            </a:lvl6pPr>
+            <a:lvl7pPr marL="2971800" marR="0" lvl="6" indent="-114300" algn="l" rtl="0">
+              <a:lnSpc>
+                <a:spcPct val="90000"/>
+              </a:lnSpc>
+              <a:spcBef>
+                <a:spcPts val="500"/>
+              </a:spcBef>
+              <a:spcAft>
+                <a:spcPts val="0"/>
+              </a:spcAft>
+              <a:buClr>
+                <a:schemeClr val="dk1"/>
+              </a:buClr>
+              <a:buSzPct val="100000"/>
+              <a:buFont typeface="Arial"/>
+              <a:buChar char="•"/>
+              <a:defRPr sz="1800" b="0" i="0" u="none" strike="noStrike" cap="none">
+                <a:solidFill>
+                  <a:schemeClr val="dk1"/>
+                </a:solidFill>
+                <a:latin typeface="Cabin"/>
+                <a:ea typeface="Cabin"/>
+                <a:cs typeface="Cabin"/>
+                <a:sym typeface="Cabin"/>
+              </a:defRPr>
+            </a:lvl7pPr>
+            <a:lvl8pPr marL="3429000" marR="0" lvl="7" indent="-114300" algn="l" rtl="0">
+              <a:lnSpc>
+                <a:spcPct val="90000"/>
+              </a:lnSpc>
+              <a:spcBef>
+                <a:spcPts val="500"/>
+              </a:spcBef>
+              <a:spcAft>
+                <a:spcPts val="0"/>
+              </a:spcAft>
+              <a:buClr>
+                <a:schemeClr val="dk1"/>
+              </a:buClr>
+              <a:buSzPct val="100000"/>
+              <a:buFont typeface="Arial"/>
+              <a:buChar char="•"/>
+              <a:defRPr sz="1800" b="0" i="0" u="none" strike="noStrike" cap="none">
+                <a:solidFill>
+                  <a:schemeClr val="dk1"/>
+                </a:solidFill>
+                <a:latin typeface="Cabin"/>
+                <a:ea typeface="Cabin"/>
+                <a:cs typeface="Cabin"/>
+                <a:sym typeface="Cabin"/>
+              </a:defRPr>
+            </a:lvl8pPr>
+            <a:lvl9pPr marL="3886200" marR="0" lvl="8" indent="-114300" algn="l" rtl="0">
+              <a:lnSpc>
+                <a:spcPct val="90000"/>
+              </a:lnSpc>
+              <a:spcBef>
+                <a:spcPts val="500"/>
+              </a:spcBef>
+              <a:spcAft>
+                <a:spcPts val="0"/>
+              </a:spcAft>
+              <a:buClr>
+                <a:schemeClr val="dk1"/>
+              </a:buClr>
+              <a:buSzPct val="100000"/>
+              <a:buFont typeface="Arial"/>
+              <a:buChar char="•"/>
+              <a:defRPr sz="1800" b="0" i="0" u="none" strike="noStrike" cap="none">
+                <a:solidFill>
+                  <a:schemeClr val="dk1"/>
+                </a:solidFill>
+                <a:latin typeface="Cabin"/>
+                <a:ea typeface="Cabin"/>
+                <a:cs typeface="Cabin"/>
+                <a:sym typeface="Cabin"/>
+              </a:defRPr>
+            </a:lvl9pPr>
+          </a:lstStyle>
+          <a:p>
+            <a:pPr marL="0" indent="0">
+              <a:buFont typeface="Noto Sans Symbols"/>
+              <a:buNone/>
+            </a:pPr>
+            <a:endParaRPr lang="en-US" sz="2000" dirty="0" smtClean="0"/>
+          </a:p>
+          <a:p>
+            <a:pPr marL="0" indent="0">
+              <a:buFont typeface="Noto Sans Symbols"/>
+              <a:buNone/>
+            </a:pPr>
+            <a:endParaRPr lang="en-US" sz="2000" dirty="0" smtClean="0"/>
+          </a:p>
+          <a:p>
+            <a:pPr marL="0" indent="0">
+              <a:buFont typeface="Noto Sans Symbols"/>
+              <a:buNone/>
+            </a:pPr>
+            <a:endParaRPr lang="en-US" sz="2000" dirty="0" smtClean="0"/>
+          </a:p>
+          <a:p>
+            <a:pPr marL="0" indent="0">
+              <a:buFont typeface="Noto Sans Symbols"/>
+              <a:buNone/>
+            </a:pPr>
+            <a:endParaRPr lang="en-US" sz="2000" dirty="0" smtClean="0"/>
+          </a:p>
+          <a:p>
+            <a:pPr marL="0" indent="0">
+              <a:buFont typeface="Noto Sans Symbols"/>
+              <a:buNone/>
+            </a:pPr>
+            <a:endParaRPr lang="en-US" sz="2000" dirty="0" smtClean="0"/>
+          </a:p>
+          <a:p>
+            <a:pPr marL="0" indent="0">
+              <a:buFont typeface="Noto Sans Symbols"/>
+              <a:buNone/>
+            </a:pPr>
+            <a:endParaRPr lang="en-US" sz="2000" dirty="0" smtClean="0"/>
+          </a:p>
+          <a:p>
+            <a:pPr marL="0" indent="0">
+              <a:buFont typeface="Noto Sans Symbols"/>
+              <a:buNone/>
+            </a:pPr>
+            <a:endParaRPr lang="en-US" sz="2000" dirty="0" smtClean="0"/>
+          </a:p>
+          <a:p>
+            <a:pPr marL="0" indent="0">
+              <a:buFont typeface="Noto Sans Symbols"/>
+              <a:buNone/>
+            </a:pPr>
+            <a:endParaRPr lang="en-US" sz="2000" dirty="0" smtClean="0"/>
+          </a:p>
+          <a:p>
+            <a:pPr marL="0" indent="0">
+              <a:buFont typeface="Noto Sans Symbols"/>
+              <a:buNone/>
+            </a:pPr>
+            <a:r>
+              <a:rPr lang="en-US" sz="2000" dirty="0" smtClean="0"/>
+              <a:t>Based on </a:t>
+            </a:r>
+            <a:r>
+              <a:rPr lang="en-US" sz="2000" dirty="0" err="1" smtClean="0"/>
+              <a:t>Tukey</a:t>
+            </a:r>
+            <a:r>
+              <a:rPr lang="en-US" sz="2000" dirty="0" smtClean="0"/>
+              <a:t>, J.W. </a:t>
+            </a:r>
+            <a:r>
+              <a:rPr lang="en-US" sz="2000" i="1" dirty="0" smtClean="0"/>
+              <a:t>The Future of Data Analysis</a:t>
+            </a:r>
+            <a:r>
+              <a:rPr lang="en-US" sz="2000" dirty="0" smtClean="0"/>
+              <a:t>. 1962. 				   </a:t>
+            </a:r>
+            <a:r>
+              <a:rPr lang="en-US" sz="2000" i="1" dirty="0" smtClean="0"/>
+              <a:t>and</a:t>
+            </a:r>
+            <a:r>
+              <a:rPr lang="en-US" sz="2000" dirty="0" smtClean="0"/>
+              <a:t> Exploratory data analysis. 1977. </a:t>
+            </a:r>
+            <a:endParaRPr lang="en-US" sz="2000" dirty="0"/>
+          </a:p>
+        </p:txBody>
+      </p:sp>
+      <p:sp>
+        <p:nvSpPr>
+          <p:cNvPr id="13" name="TextBox 12"/>
+          <p:cNvSpPr txBox="1"/>
+          <p:nvPr/>
+        </p:nvSpPr>
+        <p:spPr>
+          <a:xfrm>
+            <a:off x="-198104" y="3454032"/>
+            <a:ext cx="1491766" cy="338554"/>
+          </a:xfrm>
+          <a:prstGeom prst="rect">
+            <a:avLst/>
+          </a:prstGeom>
+          <a:noFill/>
+        </p:spPr>
+        <p:txBody>
+          <a:bodyPr wrap="square" rtlCol="0">
+            <a:spAutoFit/>
+          </a:bodyPr>
+          <a:lstStyle/>
+          <a:p>
+            <a:pPr algn="ctr"/>
+            <a:r>
+              <a:rPr lang="en-US" sz="1600" dirty="0" smtClean="0"/>
+              <a:t>Acquisition</a:t>
+            </a:r>
+            <a:endParaRPr lang="en-US" sz="1600" dirty="0"/>
+          </a:p>
+        </p:txBody>
+      </p:sp>
+      <p:cxnSp>
+        <p:nvCxnSpPr>
+          <p:cNvPr id="14" name="Straight Arrow Connector 13"/>
+          <p:cNvCxnSpPr/>
+          <p:nvPr/>
+        </p:nvCxnSpPr>
+        <p:spPr>
+          <a:xfrm>
+            <a:off x="1084339" y="3635647"/>
+            <a:ext cx="351825" cy="655"/>
+          </a:xfrm>
+          <a:prstGeom prst="straightConnector1">
+            <a:avLst/>
+          </a:prstGeom>
+          <a:ln w="38100">
+            <a:solidFill>
+              <a:schemeClr val="tx1"/>
+            </a:solidFill>
+            <a:tailEnd type="triangle" w="lg" len="lg"/>
+          </a:ln>
+        </p:spPr>
+        <p:style>
+          <a:lnRef idx="1">
+            <a:schemeClr val="accent1"/>
+          </a:lnRef>
+          <a:fillRef idx="0">
+            <a:schemeClr val="accent1"/>
+          </a:fillRef>
+          <a:effectRef idx="0">
+            <a:schemeClr val="accent1"/>
+          </a:effectRef>
+          <a:fontRef idx="minor">
+            <a:schemeClr val="tx1"/>
+          </a:fontRef>
+        </p:style>
+      </p:cxnSp>
+      <p:sp>
+        <p:nvSpPr>
+          <p:cNvPr id="15" name="TextBox 14"/>
+          <p:cNvSpPr txBox="1"/>
+          <p:nvPr/>
+        </p:nvSpPr>
+        <p:spPr>
+          <a:xfrm>
+            <a:off x="7545982" y="3454032"/>
+            <a:ext cx="1910871" cy="338554"/>
+          </a:xfrm>
+          <a:prstGeom prst="rect">
+            <a:avLst/>
+          </a:prstGeom>
+          <a:noFill/>
+        </p:spPr>
+        <p:txBody>
+          <a:bodyPr wrap="square" rtlCol="0">
+            <a:spAutoFit/>
+          </a:bodyPr>
+          <a:lstStyle/>
+          <a:p>
+            <a:pPr algn="ctr"/>
+            <a:r>
+              <a:rPr lang="en-US" sz="1600" dirty="0" smtClean="0"/>
+              <a:t>Hypotheses</a:t>
+            </a:r>
+            <a:endParaRPr lang="en-US" sz="1600" dirty="0"/>
+          </a:p>
+        </p:txBody>
+      </p:sp>
+      <p:cxnSp>
+        <p:nvCxnSpPr>
+          <p:cNvPr id="16" name="Straight Arrow Connector 15"/>
+          <p:cNvCxnSpPr/>
+          <p:nvPr/>
+        </p:nvCxnSpPr>
+        <p:spPr>
+          <a:xfrm>
+            <a:off x="7618147" y="3623309"/>
+            <a:ext cx="306653" cy="655"/>
+          </a:xfrm>
+          <a:prstGeom prst="straightConnector1">
+            <a:avLst/>
+          </a:prstGeom>
+          <a:ln w="38100">
+            <a:solidFill>
+              <a:schemeClr val="tx1"/>
+            </a:solidFill>
+            <a:tailEnd type="triangle" w="lg" len="lg"/>
+          </a:ln>
+        </p:spPr>
+        <p:style>
+          <a:lnRef idx="1">
+            <a:schemeClr val="accent1"/>
+          </a:lnRef>
+          <a:fillRef idx="0">
+            <a:schemeClr val="accent1"/>
+          </a:fillRef>
+          <a:effectRef idx="0">
+            <a:schemeClr val="accent1"/>
+          </a:effectRef>
+          <a:fontRef idx="minor">
+            <a:schemeClr val="tx1"/>
+          </a:fontRef>
+        </p:style>
+      </p:cxnSp>
+      <p:grpSp>
+        <p:nvGrpSpPr>
+          <p:cNvPr id="232" name="Group 231"/>
+          <p:cNvGrpSpPr/>
+          <p:nvPr/>
+        </p:nvGrpSpPr>
+        <p:grpSpPr>
+          <a:xfrm>
+            <a:off x="1522249" y="1752600"/>
+            <a:ext cx="6021551" cy="3705727"/>
+            <a:chOff x="1446049" y="1752600"/>
+            <a:chExt cx="6021551" cy="3705727"/>
+          </a:xfrm>
+        </p:grpSpPr>
+        <p:sp>
+          <p:nvSpPr>
+            <p:cNvPr id="7" name="Oval 6"/>
+            <p:cNvSpPr/>
+            <p:nvPr/>
+          </p:nvSpPr>
+          <p:spPr>
+            <a:xfrm>
+              <a:off x="1446049" y="1752600"/>
+              <a:ext cx="6021551" cy="3705727"/>
+            </a:xfrm>
+            <a:prstGeom prst="ellipse">
+              <a:avLst/>
+            </a:prstGeom>
+            <a:ln w="38100"/>
+          </p:spPr>
+          <p:style>
+            <a:lnRef idx="2">
+              <a:schemeClr val="accent6"/>
+            </a:lnRef>
+            <a:fillRef idx="1">
+              <a:schemeClr val="lt1"/>
+            </a:fillRef>
+            <a:effectRef idx="0">
+              <a:schemeClr val="accent6"/>
+            </a:effectRef>
+            <a:fontRef idx="minor">
+              <a:schemeClr val="dk1"/>
+            </a:fontRef>
+          </p:style>
+          <p:txBody>
+            <a:bodyPr rtlCol="0" anchor="ctr"/>
+            <a:lstStyle/>
+            <a:p>
+              <a:pPr algn="ctr"/>
+              <a:endParaRPr lang="en-US" sz="1100"/>
+            </a:p>
+          </p:txBody>
+        </p:sp>
+        <p:sp>
+          <p:nvSpPr>
+            <p:cNvPr id="8" name="TextBox 7"/>
+            <p:cNvSpPr txBox="1"/>
+            <p:nvPr/>
+          </p:nvSpPr>
+          <p:spPr>
+            <a:xfrm>
+              <a:off x="1670736" y="3115478"/>
+              <a:ext cx="1758264" cy="1015663"/>
+            </a:xfrm>
+            <a:prstGeom prst="rect">
+              <a:avLst/>
+            </a:prstGeom>
+            <a:noFill/>
+            <a:ln>
+              <a:solidFill>
+                <a:schemeClr val="tx1"/>
+              </a:solidFill>
+            </a:ln>
+          </p:spPr>
+          <p:txBody>
+            <a:bodyPr wrap="square" rtlCol="0" anchor="ctr">
+              <a:spAutoFit/>
+            </a:bodyPr>
+            <a:lstStyle/>
+            <a:p>
+              <a:pPr algn="ctr"/>
+              <a:endParaRPr lang="en-US" sz="2000" dirty="0" smtClean="0"/>
+            </a:p>
+            <a:p>
+              <a:pPr algn="ctr"/>
+              <a:r>
+                <a:rPr lang="en-US" sz="2000" dirty="0" smtClean="0"/>
+                <a:t>Summarize</a:t>
+              </a:r>
+            </a:p>
+            <a:p>
+              <a:pPr algn="ctr"/>
+              <a:endParaRPr lang="en-US" sz="2000" dirty="0"/>
+            </a:p>
+          </p:txBody>
+        </p:sp>
+        <p:sp>
+          <p:nvSpPr>
+            <p:cNvPr id="9" name="TextBox 8"/>
+            <p:cNvSpPr txBox="1"/>
+            <p:nvPr/>
+          </p:nvSpPr>
+          <p:spPr>
+            <a:xfrm>
+              <a:off x="5562600" y="3115478"/>
+              <a:ext cx="1658410" cy="1015663"/>
+            </a:xfrm>
+            <a:prstGeom prst="rect">
+              <a:avLst/>
+            </a:prstGeom>
+            <a:noFill/>
+            <a:ln>
+              <a:solidFill>
+                <a:schemeClr val="tx1"/>
+              </a:solidFill>
+            </a:ln>
+          </p:spPr>
+          <p:txBody>
+            <a:bodyPr wrap="square" rtlCol="0" anchor="ctr">
+              <a:spAutoFit/>
+            </a:bodyPr>
+            <a:lstStyle/>
+            <a:p>
+              <a:pPr algn="ctr"/>
+              <a:endParaRPr lang="en-US" sz="2000" dirty="0" smtClean="0"/>
+            </a:p>
+            <a:p>
+              <a:pPr algn="ctr"/>
+              <a:r>
+                <a:rPr lang="en-US" sz="2000" dirty="0" smtClean="0"/>
+                <a:t>Tabulate</a:t>
+              </a:r>
+            </a:p>
+            <a:p>
+              <a:pPr algn="ctr"/>
+              <a:endParaRPr lang="en-US" sz="2000" dirty="0"/>
+            </a:p>
+          </p:txBody>
+        </p:sp>
+        <p:sp>
+          <p:nvSpPr>
+            <p:cNvPr id="10" name="TextBox 9"/>
+            <p:cNvSpPr txBox="1"/>
+            <p:nvPr/>
+          </p:nvSpPr>
+          <p:spPr>
+            <a:xfrm>
+              <a:off x="3707175" y="2133600"/>
+              <a:ext cx="1550651" cy="1015663"/>
+            </a:xfrm>
+            <a:prstGeom prst="rect">
+              <a:avLst/>
+            </a:prstGeom>
+            <a:noFill/>
+            <a:ln>
+              <a:solidFill>
+                <a:schemeClr val="tx1"/>
+              </a:solidFill>
+            </a:ln>
+          </p:spPr>
+          <p:txBody>
+            <a:bodyPr wrap="square" rtlCol="0" anchor="ctr">
+              <a:spAutoFit/>
+            </a:bodyPr>
+            <a:lstStyle/>
+            <a:p>
+              <a:pPr algn="ctr"/>
+              <a:endParaRPr lang="en-US" sz="2000" dirty="0" smtClean="0"/>
+            </a:p>
+            <a:p>
+              <a:pPr algn="ctr"/>
+              <a:r>
+                <a:rPr lang="en-US" sz="2000" dirty="0" smtClean="0"/>
+                <a:t>Model</a:t>
+              </a:r>
+            </a:p>
+            <a:p>
+              <a:pPr algn="ctr"/>
+              <a:endParaRPr lang="en-US" sz="2000" dirty="0"/>
+            </a:p>
+          </p:txBody>
+        </p:sp>
+        <p:sp>
+          <p:nvSpPr>
+            <p:cNvPr id="11" name="TextBox 10"/>
+            <p:cNvSpPr txBox="1"/>
+            <p:nvPr/>
+          </p:nvSpPr>
+          <p:spPr>
+            <a:xfrm>
+              <a:off x="3708494" y="4072539"/>
+              <a:ext cx="1556353" cy="1015663"/>
+            </a:xfrm>
+            <a:prstGeom prst="rect">
+              <a:avLst/>
+            </a:prstGeom>
+            <a:noFill/>
+            <a:ln>
+              <a:solidFill>
+                <a:schemeClr val="tx1"/>
+              </a:solidFill>
+            </a:ln>
+          </p:spPr>
+          <p:txBody>
+            <a:bodyPr wrap="square" rtlCol="0" anchor="ctr">
+              <a:spAutoFit/>
+            </a:bodyPr>
+            <a:lstStyle/>
+            <a:p>
+              <a:pPr algn="ctr"/>
+              <a:endParaRPr lang="en-US" sz="2000" dirty="0" smtClean="0"/>
+            </a:p>
+            <a:p>
+              <a:pPr algn="ctr"/>
+              <a:r>
+                <a:rPr lang="en-US" sz="2000" dirty="0" smtClean="0"/>
+                <a:t>Graph</a:t>
+              </a:r>
+            </a:p>
+            <a:p>
+              <a:pPr algn="ctr"/>
+              <a:endParaRPr lang="en-US" sz="2000" dirty="0"/>
+            </a:p>
+          </p:txBody>
+        </p:sp>
+        <p:sp>
+          <p:nvSpPr>
+            <p:cNvPr id="12" name="TextBox 11"/>
+            <p:cNvSpPr txBox="1"/>
+            <p:nvPr/>
+          </p:nvSpPr>
+          <p:spPr>
+            <a:xfrm>
+              <a:off x="4065829" y="3352800"/>
+              <a:ext cx="853692" cy="461665"/>
+            </a:xfrm>
+            <a:prstGeom prst="rect">
+              <a:avLst/>
+            </a:prstGeom>
+            <a:noFill/>
+          </p:spPr>
+          <p:txBody>
+            <a:bodyPr wrap="square" rtlCol="0">
+              <a:spAutoFit/>
+            </a:bodyPr>
+            <a:lstStyle/>
+            <a:p>
+              <a:r>
+                <a:rPr lang="en-US" sz="2400" b="1" dirty="0" smtClean="0"/>
+                <a:t>EDA</a:t>
+              </a:r>
+              <a:endParaRPr lang="en-US" sz="2400" b="1" dirty="0"/>
+            </a:p>
+          </p:txBody>
+        </p:sp>
+        <p:cxnSp>
+          <p:nvCxnSpPr>
+            <p:cNvPr id="18" name="Straight Arrow Connector 17"/>
+            <p:cNvCxnSpPr/>
+            <p:nvPr/>
+          </p:nvCxnSpPr>
+          <p:spPr>
+            <a:xfrm flipH="1" flipV="1">
+              <a:off x="6477000" y="2209800"/>
+              <a:ext cx="192506" cy="106352"/>
+            </a:xfrm>
+            <a:prstGeom prst="straightConnector1">
+              <a:avLst/>
+            </a:prstGeom>
+            <a:ln w="38100">
+              <a:solidFill>
+                <a:schemeClr val="accent6"/>
+              </a:solidFill>
+              <a:tailEnd type="triangle" w="lg" len="lg"/>
+            </a:ln>
+          </p:spPr>
+          <p:style>
+            <a:lnRef idx="1">
+              <a:schemeClr val="accent1"/>
+            </a:lnRef>
+            <a:fillRef idx="0">
+              <a:schemeClr val="accent1"/>
+            </a:fillRef>
+            <a:effectRef idx="0">
+              <a:schemeClr val="accent1"/>
+            </a:effectRef>
+            <a:fontRef idx="minor">
+              <a:schemeClr val="tx1"/>
+            </a:fontRef>
+          </p:style>
+        </p:cxnSp>
+        <p:cxnSp>
+          <p:nvCxnSpPr>
+            <p:cNvPr id="19" name="Straight Arrow Connector 18"/>
+            <p:cNvCxnSpPr/>
+            <p:nvPr/>
+          </p:nvCxnSpPr>
+          <p:spPr>
+            <a:xfrm flipV="1">
+              <a:off x="6400800" y="4928452"/>
+              <a:ext cx="231203" cy="100748"/>
+            </a:xfrm>
+            <a:prstGeom prst="straightConnector1">
+              <a:avLst/>
+            </a:prstGeom>
+            <a:ln w="38100">
+              <a:solidFill>
+                <a:schemeClr val="accent6"/>
+              </a:solidFill>
+              <a:tailEnd type="triangle" w="lg" len="lg"/>
+            </a:ln>
+          </p:spPr>
+          <p:style>
+            <a:lnRef idx="1">
+              <a:schemeClr val="accent1"/>
+            </a:lnRef>
+            <a:fillRef idx="0">
+              <a:schemeClr val="accent1"/>
+            </a:fillRef>
+            <a:effectRef idx="0">
+              <a:schemeClr val="accent1"/>
+            </a:effectRef>
+            <a:fontRef idx="minor">
+              <a:schemeClr val="tx1"/>
+            </a:fontRef>
+          </p:style>
+        </p:cxnSp>
+        <p:cxnSp>
+          <p:nvCxnSpPr>
+            <p:cNvPr id="21" name="Straight Arrow Connector 20"/>
+            <p:cNvCxnSpPr/>
+            <p:nvPr/>
+          </p:nvCxnSpPr>
+          <p:spPr>
+            <a:xfrm>
+              <a:off x="2057400" y="4724400"/>
+              <a:ext cx="207738" cy="117720"/>
+            </a:xfrm>
+            <a:prstGeom prst="straightConnector1">
+              <a:avLst/>
+            </a:prstGeom>
+            <a:ln w="38100">
+              <a:solidFill>
+                <a:schemeClr val="accent6"/>
+              </a:solidFill>
+              <a:tailEnd type="triangle" w="lg" len="lg"/>
+            </a:ln>
+          </p:spPr>
+          <p:style>
+            <a:lnRef idx="1">
+              <a:schemeClr val="accent1"/>
+            </a:lnRef>
+            <a:fillRef idx="0">
+              <a:schemeClr val="accent1"/>
+            </a:fillRef>
+            <a:effectRef idx="0">
+              <a:schemeClr val="accent1"/>
+            </a:effectRef>
+            <a:fontRef idx="minor">
+              <a:schemeClr val="tx1"/>
+            </a:fontRef>
+          </p:style>
+        </p:cxnSp>
+        <p:cxnSp>
+          <p:nvCxnSpPr>
+            <p:cNvPr id="22" name="Straight Arrow Connector 21"/>
+            <p:cNvCxnSpPr/>
+            <p:nvPr/>
+          </p:nvCxnSpPr>
+          <p:spPr>
+            <a:xfrm flipH="1">
+              <a:off x="2209800" y="2209800"/>
+              <a:ext cx="254197" cy="158341"/>
+            </a:xfrm>
+            <a:prstGeom prst="straightConnector1">
+              <a:avLst/>
+            </a:prstGeom>
+            <a:ln w="38100">
+              <a:solidFill>
+                <a:schemeClr val="accent6"/>
+              </a:solidFill>
+              <a:tailEnd type="triangle" w="lg" len="lg"/>
+            </a:ln>
+          </p:spPr>
+          <p:style>
+            <a:lnRef idx="1">
+              <a:schemeClr val="accent1"/>
+            </a:lnRef>
+            <a:fillRef idx="0">
+              <a:schemeClr val="accent1"/>
+            </a:fillRef>
+            <a:effectRef idx="0">
+              <a:schemeClr val="accent1"/>
+            </a:effectRef>
+            <a:fontRef idx="minor">
+              <a:schemeClr val="tx1"/>
+            </a:fontRef>
+          </p:style>
+        </p:cxnSp>
+      </p:grpSp>
+    </p:spTree>
+    <p:extLst>
+      <p:ext uri="{BB962C8B-B14F-4D97-AF65-F5344CB8AC3E}">
+        <p14:creationId xmlns:p14="http://schemas.microsoft.com/office/powerpoint/2010/main" val="1132496578"/>
+      </p:ext>
+    </p:extLst>
+  </p:cSld>
+  <p:clrMapOvr>
+    <a:masterClrMapping/>
+  </p:clrMapOvr>
+  <p:transition spd="slow">
+    <p:fade/>
+  </p:transition>
+  <p:timing>
+    <p:tnLst>
+      <p:par>
+        <p:cTn id="1" dur="indefinite" restart="never" nodeType="tmRoot"/>
+      </p:par>
+    </p:tnLst>
+  </p:timing>
+</p:sld>
+</file>
+
+<file path=ppt/slides/slide6.xml><?xml version="1.0" encoding="utf-8"?>
+<p:sld xmlns:a="http://schemas.openxmlformats.org/drawingml/2006/main" xmlns:r="http://schemas.openxmlformats.org/officeDocument/2006/relationships" xmlns:p="http://schemas.openxmlformats.org/presentationml/2006/main">
+  <p:cSld>
+    <p:spTree>
+      <p:nvGrpSpPr>
         <p:cNvPr id="1" name="Shape 235"/>
         <p:cNvGrpSpPr/>
         <p:nvPr/>
@@ -17695,7 +19118,7 @@
 </p:sld>
 </file>
 
-<file path=ppt/slides/slide6.xml><?xml version="1.0" encoding="utf-8"?>
+<file path=ppt/slides/slide7.xml><?xml version="1.0" encoding="utf-8"?>
 <p:sld xmlns:a="http://schemas.openxmlformats.org/drawingml/2006/main" xmlns:r="http://schemas.openxmlformats.org/officeDocument/2006/relationships" xmlns:p="http://schemas.openxmlformats.org/presentationml/2006/main">
   <p:cSld>
     <p:spTree>
@@ -17940,7 +19363,7 @@
 </p:sld>
 </file>
 
-<file path=ppt/slides/slide7.xml><?xml version="1.0" encoding="utf-8"?>
+<file path=ppt/slides/slide8.xml><?xml version="1.0" encoding="utf-8"?>
 <p:sld xmlns:a="http://schemas.openxmlformats.org/drawingml/2006/main" xmlns:r="http://schemas.openxmlformats.org/officeDocument/2006/relationships" xmlns:p="http://schemas.openxmlformats.org/presentationml/2006/main">
   <p:cSld>
     <p:spTree>
@@ -18185,7 +19608,7 @@
 </p:sld>
 </file>
 
-<file path=ppt/slides/slide8.xml><?xml version="1.0" encoding="utf-8"?>
+<file path=ppt/slides/slide9.xml><?xml version="1.0" encoding="utf-8"?>
 <p:sld xmlns:a="http://schemas.openxmlformats.org/drawingml/2006/main" xmlns:r="http://schemas.openxmlformats.org/officeDocument/2006/relationships" xmlns:p="http://schemas.openxmlformats.org/presentationml/2006/main">
   <p:cSld>
     <p:spTree>
@@ -18330,243 +19753,6 @@
             </a:pPr>
             <a:r>
               <a:rPr lang="en-US" sz="2400" dirty="0"/>
-              <a:t>Data retrieval; extract, transform, load (ETL)</a:t>
-            </a:r>
-          </a:p>
-          <a:p>
-            <a:pPr marL="457200" marR="0" lvl="0" indent="-228600" algn="l" rtl="0">
-              <a:lnSpc>
-                <a:spcPct val="90000"/>
-              </a:lnSpc>
-              <a:spcBef>
-                <a:spcPts val="0"/>
-              </a:spcBef>
-              <a:buAutoNum type="arabicPeriod"/>
-            </a:pPr>
-            <a:r>
-              <a:rPr lang="en-US" sz="2400" dirty="0"/>
-              <a:t>Exploratory analysis</a:t>
-            </a:r>
-          </a:p>
-          <a:p>
-            <a:pPr marL="457200" marR="0" lvl="0" indent="-228600" algn="l" rtl="0">
-              <a:lnSpc>
-                <a:spcPct val="90000"/>
-              </a:lnSpc>
-              <a:spcBef>
-                <a:spcPts val="0"/>
-              </a:spcBef>
-              <a:buAutoNum type="arabicPeriod"/>
-            </a:pPr>
-            <a:r>
-              <a:rPr lang="en-US" sz="2400" dirty="0"/>
-              <a:t>Modeling </a:t>
-            </a:r>
-          </a:p>
-          <a:p>
-            <a:pPr marL="457200" marR="0" lvl="0" indent="-228600" algn="l" rtl="0">
-              <a:lnSpc>
-                <a:spcPct val="90000"/>
-              </a:lnSpc>
-              <a:spcBef>
-                <a:spcPts val="0"/>
-              </a:spcBef>
-            </a:pPr>
-            <a:r>
-              <a:rPr lang="en-US" sz="2400" dirty="0"/>
-              <a:t>System-building [sometimes] </a:t>
-            </a:r>
-          </a:p>
-          <a:p>
-            <a:pPr marL="457200" marR="0" lvl="0" indent="-228600" algn="l" rtl="0">
-              <a:lnSpc>
-                <a:spcPct val="90000"/>
-              </a:lnSpc>
-              <a:spcBef>
-                <a:spcPts val="0"/>
-              </a:spcBef>
-            </a:pPr>
-            <a:r>
-              <a:rPr lang="en-US" sz="2400" dirty="0"/>
-              <a:t>Versioning/archival</a:t>
-            </a:r>
-          </a:p>
-          <a:p>
-            <a:pPr marL="457200" marR="0" lvl="0" indent="-228600" algn="l" rtl="0">
-              <a:lnSpc>
-                <a:spcPct val="90000"/>
-              </a:lnSpc>
-              <a:spcBef>
-                <a:spcPts val="0"/>
-              </a:spcBef>
-            </a:pPr>
-            <a:r>
-              <a:rPr lang="en-US" sz="2400" dirty="0"/>
-              <a:t>Communication</a:t>
-            </a:r>
-          </a:p>
-        </p:txBody>
-      </p:sp>
-    </p:spTree>
-  </p:cSld>
-  <p:clrMapOvr>
-    <a:masterClrMapping/>
-  </p:clrMapOvr>
-  <p:timing>
-    <p:tnLst>
-      <p:par>
-        <p:cTn id="1" dur="indefinite" restart="never" nodeType="tmRoot"/>
-      </p:par>
-    </p:tnLst>
-  </p:timing>
-</p:sld>
-</file>
-
-<file path=ppt/slides/slide9.xml><?xml version="1.0" encoding="utf-8"?>
-<p:sld xmlns:a="http://schemas.openxmlformats.org/drawingml/2006/main" xmlns:r="http://schemas.openxmlformats.org/officeDocument/2006/relationships" xmlns:p="http://schemas.openxmlformats.org/presentationml/2006/main">
-  <p:cSld>
-    <p:spTree>
-      <p:nvGrpSpPr>
-        <p:cNvPr id="1" name="Shape 259"/>
-        <p:cNvGrpSpPr/>
-        <p:nvPr/>
-      </p:nvGrpSpPr>
-      <p:grpSpPr>
-        <a:xfrm>
-          <a:off x="0" y="0"/>
-          <a:ext cx="0" cy="0"/>
-          <a:chOff x="0" y="0"/>
-          <a:chExt cx="0" cy="0"/>
-        </a:xfrm>
-      </p:grpSpPr>
-      <p:sp>
-        <p:nvSpPr>
-          <p:cNvPr id="260" name="Shape 260"/>
-          <p:cNvSpPr txBox="1">
-            <a:spLocks noGrp="1"/>
-          </p:cNvSpPr>
-          <p:nvPr>
-            <p:ph type="title"/>
-          </p:nvPr>
-        </p:nvSpPr>
-        <p:spPr>
-          <a:xfrm>
-            <a:off x="628650" y="365125"/>
-            <a:ext cx="7886700" cy="1325700"/>
-          </a:xfrm>
-          <a:prstGeom prst="rect">
-            <a:avLst/>
-          </a:prstGeom>
-          <a:noFill/>
-          <a:ln>
-            <a:noFill/>
-          </a:ln>
-        </p:spPr>
-        <p:txBody>
-          <a:bodyPr lIns="91425" tIns="45700" rIns="91425" bIns="45700" anchor="ctr" anchorCtr="0">
-            <a:noAutofit/>
-          </a:bodyPr>
-          <a:lstStyle/>
-          <a:p>
-            <a:pPr marL="0" marR="0" lvl="0" indent="0" algn="l" rtl="0">
-              <a:lnSpc>
-                <a:spcPct val="90000"/>
-              </a:lnSpc>
-              <a:spcBef>
-                <a:spcPts val="0"/>
-              </a:spcBef>
-              <a:buClr>
-                <a:schemeClr val="lt1"/>
-              </a:buClr>
-              <a:buSzPct val="25000"/>
-              <a:buFont typeface="Cabin"/>
-              <a:buNone/>
-            </a:pPr>
-            <a:r>
-              <a:rPr lang="en-US"/>
-              <a:t>Data science workflow</a:t>
-            </a:r>
-          </a:p>
-        </p:txBody>
-      </p:sp>
-      <p:sp>
-        <p:nvSpPr>
-          <p:cNvPr id="261" name="Shape 261"/>
-          <p:cNvSpPr txBox="1">
-            <a:spLocks noGrp="1"/>
-          </p:cNvSpPr>
-          <p:nvPr>
-            <p:ph type="body" idx="1"/>
-          </p:nvPr>
-        </p:nvSpPr>
-        <p:spPr>
-          <a:xfrm>
-            <a:off x="628650" y="1825625"/>
-            <a:ext cx="7886700" cy="4351200"/>
-          </a:xfrm>
-          <a:prstGeom prst="rect">
-            <a:avLst/>
-          </a:prstGeom>
-          <a:noFill/>
-          <a:ln>
-            <a:noFill/>
-          </a:ln>
-        </p:spPr>
-        <p:txBody>
-          <a:bodyPr lIns="91425" tIns="45700" rIns="91425" bIns="45700" anchor="t" anchorCtr="0">
-            <a:noAutofit/>
-          </a:bodyPr>
-          <a:lstStyle/>
-          <a:p>
-            <a:pPr marL="457200" marR="0" lvl="0" indent="-228600" algn="l" rtl="0">
-              <a:lnSpc>
-                <a:spcPct val="90000"/>
-              </a:lnSpc>
-              <a:spcBef>
-                <a:spcPts val="0"/>
-              </a:spcBef>
-              <a:buAutoNum type="arabicPeriod"/>
-            </a:pPr>
-            <a:r>
-              <a:rPr lang="en-US" sz="2400" dirty="0"/>
-              <a:t>Scope out the problem or question</a:t>
-            </a:r>
-          </a:p>
-          <a:p>
-            <a:pPr marL="457200" marR="0" lvl="0" indent="-228600" algn="l" rtl="0">
-              <a:lnSpc>
-                <a:spcPct val="90000"/>
-              </a:lnSpc>
-              <a:spcBef>
-                <a:spcPts val="0"/>
-              </a:spcBef>
-              <a:buAutoNum type="arabicPeriod"/>
-            </a:pPr>
-            <a:r>
-              <a:rPr lang="en-US" sz="2400" dirty="0"/>
-              <a:t>Knowledge search: Research and </a:t>
-            </a:r>
-            <a:r>
-              <a:rPr lang="en-US" sz="2400" dirty="0" err="1"/>
-              <a:t>sensemaking</a:t>
-            </a:r>
-            <a:r>
-              <a:rPr lang="en-US" sz="2400" dirty="0"/>
-              <a:t> </a:t>
-            </a:r>
-          </a:p>
-          <a:p>
-            <a:pPr marL="457200" marR="0" lvl="0" indent="-228600" algn="l" rtl="0">
-              <a:lnSpc>
-                <a:spcPct val="90000"/>
-              </a:lnSpc>
-              <a:spcBef>
-                <a:spcPts val="0"/>
-              </a:spcBef>
-              <a:buAutoNum type="arabicPeriod"/>
-            </a:pPr>
-            <a:r>
-              <a:rPr lang="en-US" sz="3200" b="1" dirty="0"/>
               <a:t>Data retrieval; extract, transform, load (ETL)</a:t>
             </a:r>
           </a:p>

--- a/Visual Data Science.pptx
+++ b/Visual Data Science.pptx
@@ -47,14 +47,14 @@
       <p:boldItalic r:id="rId33"/>
     </p:embeddedFont>
     <p:embeddedFont>
-      <p:font typeface="Open Sans" panose="020B0604020202020204" charset="0"/>
+      <p:font typeface="Cabin" panose="020B0604020202020204" charset="0"/>
       <p:regular r:id="rId34"/>
       <p:bold r:id="rId35"/>
       <p:italic r:id="rId36"/>
       <p:boldItalic r:id="rId37"/>
     </p:embeddedFont>
     <p:embeddedFont>
-      <p:font typeface="Cabin" panose="020B0604020202020204" charset="0"/>
+      <p:font typeface="Open Sans" panose="020B0604020202020204" charset="0"/>
       <p:regular r:id="rId38"/>
       <p:bold r:id="rId39"/>
       <p:italic r:id="rId40"/>
@@ -13816,23 +13816,8 @@
                 </a:solidFill>
                 <a:sym typeface="Cabin"/>
               </a:rPr>
-              <a:t>[</a:t>
-            </a:r>
-            <a:r>
-              <a:rPr lang="en-US" sz="4400" b="0" i="0" u="none" cap="none" dirty="0" smtClean="0">
-                <a:solidFill>
-                  <a:schemeClr val="lt1"/>
-                </a:solidFill>
-                <a:sym typeface="Cabin"/>
-              </a:rPr>
-              <a:t>demonstration]</a:t>
-            </a:r>
-            <a:endParaRPr lang="en-US" sz="4400" b="0" i="0" u="none" cap="none" dirty="0" smtClean="0">
-              <a:solidFill>
-                <a:schemeClr val="lt1"/>
-              </a:solidFill>
-              <a:sym typeface="Cabin"/>
-            </a:endParaRPr>
+              <a:t>[demonstration]</a:t>
+            </a:r>
           </a:p>
         </p:txBody>
       </p:sp>
@@ -14040,19 +14025,7 @@
                 <a:cs typeface="Open Sans"/>
                 <a:sym typeface="Open Sans"/>
               </a:rPr>
-              <a:t> clone/</a:t>
-            </a:r>
-            <a:r>
-              <a:rPr lang="en-US" sz="2400" b="1" dirty="0" smtClean="0">
-                <a:solidFill>
-                  <a:srgbClr val="4A86E8"/>
-                </a:solidFill>
-                <a:latin typeface="Open Sans"/>
-                <a:ea typeface="Open Sans"/>
-                <a:cs typeface="Open Sans"/>
-                <a:sym typeface="Open Sans"/>
-              </a:rPr>
-              <a:t>DL </a:t>
+              <a:t> clone/DL </a:t>
             </a:r>
             <a:r>
               <a:rPr lang="en-US" sz="2400" b="1" dirty="0" err="1" smtClean="0">
@@ -14188,6 +14161,30 @@
                 <a:sym typeface="Open Sans"/>
               </a:rPr>
               <a:t>Bind.R</a:t>
+            </a:r>
+            <a:r>
+              <a:rPr lang="en-US" sz="2400" b="1" dirty="0" smtClean="0">
+                <a:solidFill>
+                  <a:srgbClr val="4A86E8"/>
+                </a:solidFill>
+                <a:latin typeface="Open Sans"/>
+                <a:ea typeface="Open Sans"/>
+                <a:cs typeface="Open Sans"/>
+                <a:sym typeface="Open Sans"/>
+              </a:rPr>
+              <a:t> and </a:t>
+            </a:r>
+            <a:r>
+              <a:rPr lang="en-US" sz="2400" b="1" dirty="0" err="1" smtClean="0">
+                <a:solidFill>
+                  <a:srgbClr val="4A86E8"/>
+                </a:solidFill>
+                <a:latin typeface="Open Sans"/>
+                <a:ea typeface="Open Sans"/>
+                <a:cs typeface="Open Sans"/>
+                <a:sym typeface="Open Sans"/>
+              </a:rPr>
+              <a:t>serv.R</a:t>
             </a:r>
             <a:endParaRPr lang="en-US" sz="2400" b="1" dirty="0" smtClean="0">
               <a:solidFill>

--- a/Visual Data Science.pptx
+++ b/Visual Data Science.pptx
@@ -5,7 +5,7 @@
     <p:sldMasterId id="2147483667" r:id="rId1"/>
   </p:sldMasterIdLst>
   <p:notesMasterIdLst>
-    <p:notesMasterId r:id="rId29"/>
+    <p:notesMasterId r:id="rId32"/>
   </p:notesMasterIdLst>
   <p:sldIdLst>
     <p:sldId id="256" r:id="rId2"/>
@@ -33,32 +33,35 @@
     <p:sldId id="287" r:id="rId24"/>
     <p:sldId id="284" r:id="rId25"/>
     <p:sldId id="289" r:id="rId26"/>
-    <p:sldId id="285" r:id="rId27"/>
-    <p:sldId id="286" r:id="rId28"/>
+    <p:sldId id="292" r:id="rId27"/>
+    <p:sldId id="294" r:id="rId28"/>
+    <p:sldId id="293" r:id="rId29"/>
+    <p:sldId id="285" r:id="rId30"/>
+    <p:sldId id="286" r:id="rId31"/>
   </p:sldIdLst>
   <p:sldSz cx="9144000" cy="6858000" type="screen4x3"/>
   <p:notesSz cx="6858000" cy="9144000"/>
   <p:embeddedFontLst>
     <p:embeddedFont>
       <p:font typeface="Calibri" panose="020F0502020204030204" pitchFamily="34" charset="0"/>
-      <p:regular r:id="rId30"/>
-      <p:bold r:id="rId31"/>
-      <p:italic r:id="rId32"/>
-      <p:boldItalic r:id="rId33"/>
+      <p:regular r:id="rId33"/>
+      <p:bold r:id="rId34"/>
+      <p:italic r:id="rId35"/>
+      <p:boldItalic r:id="rId36"/>
     </p:embeddedFont>
     <p:embeddedFont>
       <p:font typeface="Cabin" panose="020B0604020202020204" charset="0"/>
-      <p:regular r:id="rId34"/>
-      <p:bold r:id="rId35"/>
-      <p:italic r:id="rId36"/>
-      <p:boldItalic r:id="rId37"/>
+      <p:regular r:id="rId37"/>
+      <p:bold r:id="rId38"/>
+      <p:italic r:id="rId39"/>
+      <p:boldItalic r:id="rId40"/>
     </p:embeddedFont>
     <p:embeddedFont>
       <p:font typeface="Open Sans" panose="020B0604020202020204" charset="0"/>
-      <p:regular r:id="rId38"/>
-      <p:bold r:id="rId39"/>
-      <p:italic r:id="rId40"/>
-      <p:boldItalic r:id="rId41"/>
+      <p:regular r:id="rId41"/>
+      <p:bold r:id="rId42"/>
+      <p:italic r:id="rId43"/>
+      <p:boldItalic r:id="rId44"/>
     </p:embeddedFont>
   </p:embeddedFontLst>
   <p:defaultTextStyle>
@@ -3282,6 +3285,195 @@
   <p:cSld>
     <p:spTree>
       <p:nvGrpSpPr>
+        <p:cNvPr id="1" name="Shape 218"/>
+        <p:cNvGrpSpPr/>
+        <p:nvPr/>
+      </p:nvGrpSpPr>
+      <p:grpSpPr>
+        <a:xfrm>
+          <a:off x="0" y="0"/>
+          <a:ext cx="0" cy="0"/>
+          <a:chOff x="0" y="0"/>
+          <a:chExt cx="0" cy="0"/>
+        </a:xfrm>
+      </p:grpSpPr>
+      <p:sp>
+        <p:nvSpPr>
+          <p:cNvPr id="219" name="Shape 219"/>
+          <p:cNvSpPr>
+            <a:spLocks noGrp="1" noRot="1" noChangeAspect="1"/>
+          </p:cNvSpPr>
+          <p:nvPr>
+            <p:ph type="sldImg" idx="2"/>
+          </p:nvPr>
+        </p:nvSpPr>
+        <p:spPr>
+          <a:xfrm>
+            <a:off x="1371600" y="1143000"/>
+            <a:ext cx="4114800" cy="3086100"/>
+          </a:xfrm>
+          <a:custGeom>
+            <a:avLst/>
+            <a:gdLst/>
+            <a:ahLst/>
+            <a:cxnLst/>
+            <a:rect l="0" t="0" r="0" b="0"/>
+            <a:pathLst>
+              <a:path w="120000" h="120000" extrusionOk="0">
+                <a:moveTo>
+                  <a:pt x="0" y="0"/>
+                </a:moveTo>
+                <a:lnTo>
+                  <a:pt x="120000" y="0"/>
+                </a:lnTo>
+                <a:lnTo>
+                  <a:pt x="120000" y="120000"/>
+                </a:lnTo>
+                <a:lnTo>
+                  <a:pt x="0" y="120000"/>
+                </a:lnTo>
+                <a:close/>
+              </a:path>
+            </a:pathLst>
+          </a:custGeom>
+          <a:noFill/>
+          <a:ln w="12700" cap="flat" cmpd="sng">
+            <a:solidFill>
+              <a:srgbClr val="000000"/>
+            </a:solidFill>
+            <a:prstDash val="solid"/>
+            <a:round/>
+            <a:headEnd type="none" w="med" len="med"/>
+            <a:tailEnd type="none" w="med" len="med"/>
+          </a:ln>
+        </p:spPr>
+      </p:sp>
+      <p:sp>
+        <p:nvSpPr>
+          <p:cNvPr id="220" name="Shape 220"/>
+          <p:cNvSpPr txBox="1">
+            <a:spLocks noGrp="1"/>
+          </p:cNvSpPr>
+          <p:nvPr>
+            <p:ph type="body" idx="1"/>
+          </p:nvPr>
+        </p:nvSpPr>
+        <p:spPr>
+          <a:xfrm>
+            <a:off x="685800" y="4400550"/>
+            <a:ext cx="5486399" cy="3600450"/>
+          </a:xfrm>
+          <a:prstGeom prst="rect">
+            <a:avLst/>
+          </a:prstGeom>
+          <a:noFill/>
+          <a:ln>
+            <a:noFill/>
+          </a:ln>
+        </p:spPr>
+        <p:txBody>
+          <a:bodyPr lIns="91425" tIns="45700" rIns="91425" bIns="45700" anchor="t" anchorCtr="0">
+            <a:noAutofit/>
+          </a:bodyPr>
+          <a:lstStyle/>
+          <a:p>
+            <a:pPr marL="0" marR="0" lvl="0" indent="0" algn="l" rtl="0">
+              <a:spcBef>
+                <a:spcPts val="0"/>
+              </a:spcBef>
+              <a:buSzPct val="25000"/>
+              <a:buNone/>
+            </a:pPr>
+            <a:endParaRPr sz="1200" b="0" i="0" u="none" strike="noStrike" cap="none">
+              <a:solidFill>
+                <a:schemeClr val="dk1"/>
+              </a:solidFill>
+              <a:latin typeface="Calibri"/>
+              <a:ea typeface="Calibri"/>
+              <a:cs typeface="Calibri"/>
+              <a:sym typeface="Calibri"/>
+            </a:endParaRPr>
+          </a:p>
+        </p:txBody>
+      </p:sp>
+      <p:sp>
+        <p:nvSpPr>
+          <p:cNvPr id="221" name="Shape 221"/>
+          <p:cNvSpPr txBox="1">
+            <a:spLocks noGrp="1"/>
+          </p:cNvSpPr>
+          <p:nvPr>
+            <p:ph type="sldNum" idx="12"/>
+          </p:nvPr>
+        </p:nvSpPr>
+        <p:spPr>
+          <a:xfrm>
+            <a:off x="3884612" y="8685213"/>
+            <a:ext cx="2971799" cy="458786"/>
+          </a:xfrm>
+          <a:prstGeom prst="rect">
+            <a:avLst/>
+          </a:prstGeom>
+          <a:noFill/>
+          <a:ln>
+            <a:noFill/>
+          </a:ln>
+        </p:spPr>
+        <p:txBody>
+          <a:bodyPr lIns="91425" tIns="45700" rIns="91425" bIns="45700" anchor="b" anchorCtr="0">
+            <a:noAutofit/>
+          </a:bodyPr>
+          <a:lstStyle/>
+          <a:p>
+            <a:pPr marL="0" marR="0" lvl="0" indent="0" algn="r" rtl="0">
+              <a:spcBef>
+                <a:spcPts val="0"/>
+              </a:spcBef>
+              <a:buSzPct val="25000"/>
+              <a:buNone/>
+            </a:pPr>
+            <a:fld id="{00000000-1234-1234-1234-123412341234}" type="slidenum">
+              <a:rPr lang="en-US" sz="1200">
+                <a:solidFill>
+                  <a:schemeClr val="dk1"/>
+                </a:solidFill>
+                <a:latin typeface="Calibri"/>
+                <a:ea typeface="Calibri"/>
+                <a:cs typeface="Calibri"/>
+                <a:sym typeface="Calibri"/>
+              </a:rPr>
+              <a:t>27</a:t>
+            </a:fld>
+            <a:endParaRPr lang="en-US" sz="1200">
+              <a:solidFill>
+                <a:schemeClr val="dk1"/>
+              </a:solidFill>
+              <a:latin typeface="Calibri"/>
+              <a:ea typeface="Calibri"/>
+              <a:cs typeface="Calibri"/>
+              <a:sym typeface="Calibri"/>
+            </a:endParaRPr>
+          </a:p>
+        </p:txBody>
+      </p:sp>
+    </p:spTree>
+    <p:extLst>
+      <p:ext uri="{BB962C8B-B14F-4D97-AF65-F5344CB8AC3E}">
+        <p14:creationId xmlns:p14="http://schemas.microsoft.com/office/powerpoint/2010/main" val="377630465"/>
+      </p:ext>
+    </p:extLst>
+  </p:cSld>
+  <p:clrMapOvr>
+    <a:masterClrMapping/>
+  </p:clrMapOvr>
+</p:notes>
+</file>
+
+<file path=ppt/notesSlides/notesSlide27.xml><?xml version="1.0" encoding="utf-8"?>
+<p:notes xmlns:a="http://schemas.openxmlformats.org/drawingml/2006/main" xmlns:r="http://schemas.openxmlformats.org/officeDocument/2006/relationships" xmlns:p="http://schemas.openxmlformats.org/presentationml/2006/main" showMasterSp="0" showMasterPhAnim="0">
+  <p:cSld>
+    <p:spTree>
+      <p:nvGrpSpPr>
         <p:cNvPr id="1" name="Shape 348"/>
         <p:cNvGrpSpPr/>
         <p:nvPr/>
@@ -3383,7 +3575,7 @@
 </p:notes>
 </file>
 
-<file path=ppt/notesSlides/notesSlide27.xml><?xml version="1.0" encoding="utf-8"?>
+<file path=ppt/notesSlides/notesSlide28.xml><?xml version="1.0" encoding="utf-8"?>
 <p:notes xmlns:a="http://schemas.openxmlformats.org/drawingml/2006/main" xmlns:r="http://schemas.openxmlformats.org/officeDocument/2006/relationships" xmlns:p="http://schemas.openxmlformats.org/presentationml/2006/main" showMasterSp="0" showMasterPhAnim="0">
   <p:cSld>
     <p:spTree>
@@ -4770,31 +4962,7 @@
                 <a:cs typeface="Cabin"/>
                 <a:sym typeface="Cabin"/>
               </a:rPr>
-              <a:t>760 </a:t>
-            </a:r>
-            <a:r>
-              <a:rPr lang="en-US" sz="1800" b="0" i="0" u="none" strike="noStrike" cap="none" dirty="0">
-                <a:solidFill>
-                  <a:schemeClr val="dk1"/>
-                </a:solidFill>
-                <a:latin typeface="Cabin"/>
-                <a:ea typeface="Cabin"/>
-                <a:cs typeface="Cabin"/>
-                <a:sym typeface="Cabin"/>
-              </a:rPr>
-              <a:t>– </a:t>
-            </a:r>
-            <a:r>
-              <a:rPr lang="en-US" sz="1800" b="0" i="0" u="none" strike="noStrike" cap="none" dirty="0" smtClean="0">
-                <a:solidFill>
-                  <a:schemeClr val="dk1"/>
-                </a:solidFill>
-                <a:latin typeface="Cabin"/>
-                <a:ea typeface="Cabin"/>
-                <a:cs typeface="Cabin"/>
-                <a:sym typeface="Cabin"/>
-              </a:rPr>
-              <a:t>Data Visualization</a:t>
+              <a:t>762 –Visual Analytics</a:t>
             </a:r>
             <a:endParaRPr lang="en-US" sz="1800" b="0" i="0" u="none" strike="noStrike" cap="none" dirty="0">
               <a:solidFill>
@@ -12027,7 +12195,7 @@
               <a:buNone/>
             </a:pPr>
             <a:r>
-              <a:rPr lang="en-US"/>
+              <a:rPr lang="en-US" dirty="0"/>
               <a:t>Reshaping and restructuring data for the target database</a:t>
             </a:r>
           </a:p>
@@ -12041,7 +12209,7 @@
               </a:spcBef>
             </a:pPr>
             <a:r>
-              <a:rPr lang="en-US"/>
+              <a:rPr lang="en-US" dirty="0"/>
               <a:t>Clean</a:t>
             </a:r>
           </a:p>
@@ -12055,7 +12223,7 @@
               </a:spcBef>
             </a:pPr>
             <a:r>
-              <a:rPr lang="en-US"/>
+              <a:rPr lang="en-US" dirty="0"/>
               <a:t>Filter</a:t>
             </a:r>
           </a:p>
@@ -12069,7 +12237,7 @@
               </a:spcBef>
             </a:pPr>
             <a:r>
-              <a:rPr lang="en-US"/>
+              <a:rPr lang="en-US" dirty="0"/>
               <a:t>Apply models</a:t>
             </a:r>
           </a:p>
@@ -12083,7 +12251,7 @@
               </a:spcBef>
             </a:pPr>
             <a:r>
-              <a:rPr lang="en-US"/>
+              <a:rPr lang="en-US" dirty="0"/>
               <a:t>Business rules</a:t>
             </a:r>
           </a:p>
@@ -12097,7 +12265,7 @@
               </a:spcBef>
             </a:pPr>
             <a:r>
-              <a:rPr lang="en-US"/>
+              <a:rPr lang="en-US" dirty="0"/>
               <a:t>Aggregate</a:t>
             </a:r>
           </a:p>
@@ -12111,9 +12279,10 @@
               </a:spcBef>
             </a:pPr>
             <a:r>
-              <a:rPr lang="en-US"/>
-              <a:t>Et cetera</a:t>
-            </a:r>
+              <a:rPr lang="en-US" smtClean="0"/>
+              <a:t>Etc.</a:t>
+            </a:r>
+            <a:endParaRPr lang="en-US" dirty="0"/>
           </a:p>
           <a:p>
             <a:pPr marL="0" marR="0" lvl="0" indent="0" algn="l" rtl="0">
@@ -12125,7 +12294,7 @@
               </a:spcBef>
               <a:buNone/>
             </a:pPr>
-            <a:endParaRPr/>
+            <a:endParaRPr dirty="0"/>
           </a:p>
         </p:txBody>
       </p:sp>
@@ -12657,9 +12826,10 @@
               </a:spcBef>
             </a:pPr>
             <a:r>
-              <a:rPr lang="en-US" sz="2400" dirty="0"/>
-              <a:t>System-building [sometimes] </a:t>
-            </a:r>
+              <a:rPr lang="en-US" sz="2400" dirty="0" smtClean="0"/>
+              <a:t>System-building</a:t>
+            </a:r>
+            <a:endParaRPr lang="en-US" sz="2400" dirty="0"/>
           </a:p>
           <a:p>
             <a:pPr marL="457200" marR="0" lvl="0" indent="-228600" algn="l" rtl="0">
@@ -14614,6 +14784,17 @@
               <a:rPr lang="en-US" dirty="0" smtClean="0"/>
               <a:t>How do I go from nothing to my hypothesis? </a:t>
             </a:r>
+            <a:r>
+              <a:rPr lang="en-US" dirty="0" smtClean="0"/>
+              <a:t/>
+            </a:r>
+            <a:br>
+              <a:rPr lang="en-US" dirty="0" smtClean="0"/>
+            </a:br>
+            <a:r>
+              <a:rPr lang="en-US" dirty="0" smtClean="0"/>
+              <a:t/>
+            </a:r>
             <a:br>
               <a:rPr lang="en-US" dirty="0" smtClean="0"/>
             </a:br>
@@ -17551,9 +17732,10 @@
               </a:spcBef>
             </a:pPr>
             <a:r>
-              <a:rPr lang="en-US" sz="3200" b="1" dirty="0"/>
-              <a:t>System-building [sometimes] </a:t>
-            </a:r>
+              <a:rPr lang="en-US" sz="3200" b="1" dirty="0" smtClean="0"/>
+              <a:t>System-building</a:t>
+            </a:r>
+            <a:endParaRPr lang="en-US" sz="3200" b="1" dirty="0"/>
           </a:p>
           <a:p>
             <a:pPr marL="457200" marR="0" lvl="0" indent="-228600" algn="l" rtl="0">
@@ -17607,6 +17789,3488 @@
 </file>
 
 <file path=ppt/slides/slide26.xml><?xml version="1.0" encoding="utf-8"?>
+<p:sld xmlns:a="http://schemas.openxmlformats.org/drawingml/2006/main" xmlns:r="http://schemas.openxmlformats.org/officeDocument/2006/relationships" xmlns:p="http://schemas.openxmlformats.org/presentationml/2006/main">
+  <p:cSld>
+    <p:spTree>
+      <p:nvGrpSpPr>
+        <p:cNvPr id="1" name=""/>
+        <p:cNvGrpSpPr/>
+        <p:nvPr/>
+      </p:nvGrpSpPr>
+      <p:grpSpPr>
+        <a:xfrm>
+          <a:off x="0" y="0"/>
+          <a:ext cx="0" cy="0"/>
+          <a:chOff x="0" y="0"/>
+          <a:chExt cx="0" cy="0"/>
+        </a:xfrm>
+      </p:grpSpPr>
+      <p:sp>
+        <p:nvSpPr>
+          <p:cNvPr id="2" name="Title 1"/>
+          <p:cNvSpPr>
+            <a:spLocks noGrp="1"/>
+          </p:cNvSpPr>
+          <p:nvPr>
+            <p:ph type="title"/>
+          </p:nvPr>
+        </p:nvSpPr>
+        <p:spPr/>
+        <p:txBody>
+          <a:bodyPr/>
+          <a:lstStyle/>
+          <a:p>
+            <a:r>
+              <a:rPr lang="en-US" dirty="0" smtClean="0"/>
+              <a:t>The Visualization Pipeline</a:t>
+            </a:r>
+            <a:endParaRPr lang="en-US" dirty="0"/>
+          </a:p>
+        </p:txBody>
+      </p:sp>
+      <p:sp>
+        <p:nvSpPr>
+          <p:cNvPr id="5" name="Flowchart: Data 4"/>
+          <p:cNvSpPr/>
+          <p:nvPr/>
+        </p:nvSpPr>
+        <p:spPr>
+          <a:xfrm>
+            <a:off x="4210050" y="1981200"/>
+            <a:ext cx="4648200" cy="1920240"/>
+          </a:xfrm>
+          <a:prstGeom prst="flowChartInputOutput">
+            <a:avLst/>
+          </a:prstGeom>
+          <a:solidFill>
+            <a:schemeClr val="accent6">
+              <a:lumMod val="20000"/>
+              <a:lumOff val="80000"/>
+            </a:schemeClr>
+          </a:solidFill>
+          <a:ln>
+            <a:noFill/>
+          </a:ln>
+        </p:spPr>
+        <p:style>
+          <a:lnRef idx="2">
+            <a:schemeClr val="accent6">
+              <a:shade val="50000"/>
+            </a:schemeClr>
+          </a:lnRef>
+          <a:fillRef idx="1">
+            <a:schemeClr val="accent6"/>
+          </a:fillRef>
+          <a:effectRef idx="0">
+            <a:schemeClr val="accent6"/>
+          </a:effectRef>
+          <a:fontRef idx="minor">
+            <a:schemeClr val="lt1"/>
+          </a:fontRef>
+        </p:style>
+        <p:txBody>
+          <a:bodyPr rtlCol="0" anchor="t"/>
+          <a:lstStyle/>
+          <a:p>
+            <a:pPr algn="ctr"/>
+            <a:r>
+              <a:rPr lang="en-US" dirty="0" smtClean="0">
+                <a:solidFill>
+                  <a:schemeClr val="accent6">
+                    <a:lumMod val="10000"/>
+                  </a:schemeClr>
+                </a:solidFill>
+              </a:rPr>
+              <a:t>Visual Form</a:t>
+            </a:r>
+            <a:endParaRPr lang="en-US" dirty="0">
+              <a:solidFill>
+                <a:schemeClr val="accent6">
+                  <a:lumMod val="10000"/>
+                </a:schemeClr>
+              </a:solidFill>
+            </a:endParaRPr>
+          </a:p>
+        </p:txBody>
+      </p:sp>
+      <p:sp>
+        <p:nvSpPr>
+          <p:cNvPr id="6" name="Flowchart: Data 5"/>
+          <p:cNvSpPr/>
+          <p:nvPr/>
+        </p:nvSpPr>
+        <p:spPr>
+          <a:xfrm>
+            <a:off x="76200" y="1981200"/>
+            <a:ext cx="4648200" cy="1920240"/>
+          </a:xfrm>
+          <a:prstGeom prst="flowChartInputOutput">
+            <a:avLst/>
+          </a:prstGeom>
+          <a:solidFill>
+            <a:schemeClr val="accent2">
+              <a:lumMod val="40000"/>
+              <a:lumOff val="60000"/>
+            </a:schemeClr>
+          </a:solidFill>
+          <a:ln>
+            <a:noFill/>
+          </a:ln>
+        </p:spPr>
+        <p:style>
+          <a:lnRef idx="2">
+            <a:schemeClr val="accent2">
+              <a:shade val="50000"/>
+            </a:schemeClr>
+          </a:lnRef>
+          <a:fillRef idx="1">
+            <a:schemeClr val="accent2"/>
+          </a:fillRef>
+          <a:effectRef idx="0">
+            <a:schemeClr val="accent2"/>
+          </a:effectRef>
+          <a:fontRef idx="minor">
+            <a:schemeClr val="lt1"/>
+          </a:fontRef>
+        </p:style>
+        <p:txBody>
+          <a:bodyPr rtlCol="0" anchor="t"/>
+          <a:lstStyle/>
+          <a:p>
+            <a:pPr algn="ctr"/>
+            <a:r>
+              <a:rPr lang="en-US" dirty="0" smtClean="0">
+                <a:solidFill>
+                  <a:schemeClr val="accent6">
+                    <a:lumMod val="10000"/>
+                  </a:schemeClr>
+                </a:solidFill>
+              </a:rPr>
+              <a:t>Data</a:t>
+            </a:r>
+            <a:endParaRPr lang="en-US" dirty="0">
+              <a:solidFill>
+                <a:schemeClr val="accent6">
+                  <a:lumMod val="10000"/>
+                </a:schemeClr>
+              </a:solidFill>
+            </a:endParaRPr>
+          </a:p>
+        </p:txBody>
+      </p:sp>
+      <p:sp>
+        <p:nvSpPr>
+          <p:cNvPr id="9" name="Content Placeholder 2"/>
+          <p:cNvSpPr txBox="1">
+            <a:spLocks/>
+          </p:cNvSpPr>
+          <p:nvPr/>
+        </p:nvSpPr>
+        <p:spPr>
+          <a:xfrm>
+            <a:off x="457200" y="1600200"/>
+            <a:ext cx="8229600" cy="4678363"/>
+          </a:xfrm>
+          <a:prstGeom prst="rect">
+            <a:avLst/>
+          </a:prstGeom>
+        </p:spPr>
+        <p:txBody>
+          <a:bodyPr vert="horz" lIns="91440" tIns="45720" rIns="91440" bIns="45720" rtlCol="0">
+            <a:normAutofit/>
+          </a:bodyPr>
+          <a:lstStyle>
+            <a:lvl1pPr marL="172641" indent="-166688" algn="l" defTabSz="685800" rtl="0" eaLnBrk="1" latinLnBrk="0" hangingPunct="1">
+              <a:spcBef>
+                <a:spcPts val="225"/>
+              </a:spcBef>
+              <a:spcAft>
+                <a:spcPts val="450"/>
+              </a:spcAft>
+              <a:buFont typeface="Arial" panose="020B0604020202020204" pitchFamily="34" charset="0"/>
+              <a:buChar char="•"/>
+              <a:tabLst/>
+              <a:defRPr sz="2400" kern="1200">
+                <a:solidFill>
+                  <a:schemeClr val="tx1"/>
+                </a:solidFill>
+                <a:latin typeface="+mn-lt"/>
+                <a:ea typeface="+mn-ea"/>
+                <a:cs typeface="+mn-cs"/>
+              </a:defRPr>
+            </a:lvl1pPr>
+            <a:lvl2pPr marL="514350" indent="-215504" algn="l" defTabSz="685800" rtl="0" eaLnBrk="1" latinLnBrk="0" hangingPunct="1">
+              <a:spcBef>
+                <a:spcPts val="225"/>
+              </a:spcBef>
+              <a:spcAft>
+                <a:spcPts val="450"/>
+              </a:spcAft>
+              <a:buFont typeface="Arial" panose="020B0604020202020204" pitchFamily="34" charset="0"/>
+              <a:buChar char="–"/>
+              <a:tabLst/>
+              <a:defRPr sz="2100" kern="1200">
+                <a:solidFill>
+                  <a:schemeClr val="tx1"/>
+                </a:solidFill>
+                <a:latin typeface="+mn-lt"/>
+                <a:ea typeface="+mn-ea"/>
+                <a:cs typeface="+mn-cs"/>
+              </a:defRPr>
+            </a:lvl2pPr>
+            <a:lvl3pPr marL="857250" indent="-171450" algn="l" defTabSz="685800" rtl="0" eaLnBrk="1" latinLnBrk="0" hangingPunct="1">
+              <a:spcBef>
+                <a:spcPts val="225"/>
+              </a:spcBef>
+              <a:spcAft>
+                <a:spcPts val="450"/>
+              </a:spcAft>
+              <a:buFont typeface="Arial" panose="020B0604020202020204" pitchFamily="34" charset="0"/>
+              <a:buChar char="•"/>
+              <a:defRPr sz="1800" kern="1200">
+                <a:solidFill>
+                  <a:schemeClr val="tx1"/>
+                </a:solidFill>
+                <a:latin typeface="+mn-lt"/>
+                <a:ea typeface="+mn-ea"/>
+                <a:cs typeface="+mn-cs"/>
+              </a:defRPr>
+            </a:lvl3pPr>
+            <a:lvl4pPr marL="1200150" indent="-171450" algn="l" defTabSz="685800" rtl="0" eaLnBrk="1" latinLnBrk="0" hangingPunct="1">
+              <a:spcBef>
+                <a:spcPts val="225"/>
+              </a:spcBef>
+              <a:spcAft>
+                <a:spcPts val="450"/>
+              </a:spcAft>
+              <a:buFont typeface="Arial" panose="020B0604020202020204" pitchFamily="34" charset="0"/>
+              <a:buChar char="–"/>
+              <a:defRPr sz="1500" kern="1200">
+                <a:solidFill>
+                  <a:schemeClr val="tx1"/>
+                </a:solidFill>
+                <a:latin typeface="+mn-lt"/>
+                <a:ea typeface="+mn-ea"/>
+                <a:cs typeface="+mn-cs"/>
+              </a:defRPr>
+            </a:lvl4pPr>
+            <a:lvl5pPr marL="1543050" indent="-171450" algn="l" defTabSz="685800" rtl="0" eaLnBrk="1" latinLnBrk="0" hangingPunct="1">
+              <a:spcBef>
+                <a:spcPts val="225"/>
+              </a:spcBef>
+              <a:spcAft>
+                <a:spcPts val="450"/>
+              </a:spcAft>
+              <a:buFont typeface="Arial" panose="020B0604020202020204" pitchFamily="34" charset="0"/>
+              <a:buChar char="»"/>
+              <a:defRPr sz="1500" kern="1200">
+                <a:solidFill>
+                  <a:schemeClr val="tx1"/>
+                </a:solidFill>
+                <a:latin typeface="+mn-lt"/>
+                <a:ea typeface="+mn-ea"/>
+                <a:cs typeface="+mn-cs"/>
+              </a:defRPr>
+            </a:lvl5pPr>
+            <a:lvl6pPr marL="1885950" indent="-171450" algn="l" defTabSz="685800" rtl="0" eaLnBrk="1" latinLnBrk="0" hangingPunct="1">
+              <a:spcBef>
+                <a:spcPct val="20000"/>
+              </a:spcBef>
+              <a:buFont typeface="Arial" panose="020B0604020202020204" pitchFamily="34" charset="0"/>
+              <a:buChar char="•"/>
+              <a:defRPr sz="1500" kern="1200">
+                <a:solidFill>
+                  <a:schemeClr val="tx1"/>
+                </a:solidFill>
+                <a:latin typeface="+mn-lt"/>
+                <a:ea typeface="+mn-ea"/>
+                <a:cs typeface="+mn-cs"/>
+              </a:defRPr>
+            </a:lvl6pPr>
+            <a:lvl7pPr marL="2228850" indent="-171450" algn="l" defTabSz="685800" rtl="0" eaLnBrk="1" latinLnBrk="0" hangingPunct="1">
+              <a:spcBef>
+                <a:spcPct val="20000"/>
+              </a:spcBef>
+              <a:buFont typeface="Arial" panose="020B0604020202020204" pitchFamily="34" charset="0"/>
+              <a:buChar char="•"/>
+              <a:defRPr sz="1500" kern="1200">
+                <a:solidFill>
+                  <a:schemeClr val="tx1"/>
+                </a:solidFill>
+                <a:latin typeface="+mn-lt"/>
+                <a:ea typeface="+mn-ea"/>
+                <a:cs typeface="+mn-cs"/>
+              </a:defRPr>
+            </a:lvl7pPr>
+            <a:lvl8pPr marL="2571750" indent="-171450" algn="l" defTabSz="685800" rtl="0" eaLnBrk="1" latinLnBrk="0" hangingPunct="1">
+              <a:spcBef>
+                <a:spcPct val="20000"/>
+              </a:spcBef>
+              <a:buFont typeface="Arial" panose="020B0604020202020204" pitchFamily="34" charset="0"/>
+              <a:buChar char="•"/>
+              <a:defRPr sz="1500" kern="1200">
+                <a:solidFill>
+                  <a:schemeClr val="tx1"/>
+                </a:solidFill>
+                <a:latin typeface="+mn-lt"/>
+                <a:ea typeface="+mn-ea"/>
+                <a:cs typeface="+mn-cs"/>
+              </a:defRPr>
+            </a:lvl8pPr>
+            <a:lvl9pPr marL="2914650" indent="-171450" algn="l" defTabSz="685800" rtl="0" eaLnBrk="1" latinLnBrk="0" hangingPunct="1">
+              <a:spcBef>
+                <a:spcPct val="20000"/>
+              </a:spcBef>
+              <a:buFont typeface="Arial" panose="020B0604020202020204" pitchFamily="34" charset="0"/>
+              <a:buChar char="•"/>
+              <a:defRPr sz="1500" kern="1200">
+                <a:solidFill>
+                  <a:schemeClr val="tx1"/>
+                </a:solidFill>
+                <a:latin typeface="+mn-lt"/>
+                <a:ea typeface="+mn-ea"/>
+                <a:cs typeface="+mn-cs"/>
+              </a:defRPr>
+            </a:lvl9pPr>
+          </a:lstStyle>
+          <a:p>
+            <a:pPr>
+              <a:buFont typeface="Arial" charset="0"/>
+              <a:buChar char="•"/>
+            </a:pPr>
+            <a:endParaRPr lang="en-US" dirty="0" smtClean="0"/>
+          </a:p>
+        </p:txBody>
+      </p:sp>
+      <p:sp>
+        <p:nvSpPr>
+          <p:cNvPr id="10" name="Rectangle 9"/>
+          <p:cNvSpPr/>
+          <p:nvPr/>
+        </p:nvSpPr>
+        <p:spPr>
+          <a:xfrm>
+            <a:off x="1143000" y="5906869"/>
+            <a:ext cx="7010400" cy="523220"/>
+          </a:xfrm>
+          <a:prstGeom prst="rect">
+            <a:avLst/>
+          </a:prstGeom>
+        </p:spPr>
+        <p:txBody>
+          <a:bodyPr wrap="square">
+            <a:spAutoFit/>
+          </a:bodyPr>
+          <a:lstStyle/>
+          <a:p>
+            <a:r>
+              <a:rPr lang="en-US" dirty="0"/>
+              <a:t>S.K</a:t>
+            </a:r>
+            <a:r>
+              <a:rPr lang="en-US" dirty="0" smtClean="0"/>
+              <a:t>. Card, </a:t>
+            </a:r>
+            <a:r>
+              <a:rPr lang="en-US" dirty="0"/>
+              <a:t>J.D. </a:t>
+            </a:r>
+            <a:r>
+              <a:rPr lang="en-US" dirty="0" err="1" smtClean="0"/>
+              <a:t>Mackinlay</a:t>
+            </a:r>
+            <a:r>
+              <a:rPr lang="en-US" dirty="0"/>
+              <a:t>, </a:t>
+            </a:r>
+            <a:r>
+              <a:rPr lang="en-US" dirty="0" smtClean="0"/>
+              <a:t>and </a:t>
+            </a:r>
+            <a:r>
+              <a:rPr lang="en-US" dirty="0"/>
+              <a:t>B. </a:t>
+            </a:r>
+            <a:r>
+              <a:rPr lang="en-US" dirty="0" err="1" smtClean="0"/>
+              <a:t>Shneiderman</a:t>
+            </a:r>
+            <a:r>
+              <a:rPr lang="en-US" dirty="0" smtClean="0"/>
+              <a:t> [eds.], “Readings </a:t>
+            </a:r>
+            <a:r>
+              <a:rPr lang="en-US" dirty="0"/>
+              <a:t>in information visualization: using vision to think</a:t>
+            </a:r>
+            <a:r>
+              <a:rPr lang="en-US" dirty="0" smtClean="0"/>
+              <a:t>.” </a:t>
+            </a:r>
+            <a:r>
+              <a:rPr lang="en-US" i="1" dirty="0"/>
+              <a:t>Morgan </a:t>
+            </a:r>
+            <a:r>
+              <a:rPr lang="en-US" i="1" dirty="0" smtClean="0"/>
+              <a:t>Kaufmann</a:t>
+            </a:r>
+            <a:r>
+              <a:rPr lang="en-US" i="1" dirty="0"/>
+              <a:t>,</a:t>
+            </a:r>
+            <a:r>
+              <a:rPr lang="en-US" dirty="0" smtClean="0"/>
+              <a:t> 1999.</a:t>
+            </a:r>
+            <a:endParaRPr lang="en-US" i="1" dirty="0"/>
+          </a:p>
+        </p:txBody>
+      </p:sp>
+      <p:sp>
+        <p:nvSpPr>
+          <p:cNvPr id="11" name="Flowchart: Data 10"/>
+          <p:cNvSpPr/>
+          <p:nvPr/>
+        </p:nvSpPr>
+        <p:spPr>
+          <a:xfrm>
+            <a:off x="438150" y="2705100"/>
+            <a:ext cx="1920240" cy="838200"/>
+          </a:xfrm>
+          <a:prstGeom prst="flowChartInputOutput">
+            <a:avLst/>
+          </a:prstGeom>
+          <a:ln>
+            <a:noFill/>
+          </a:ln>
+        </p:spPr>
+        <p:style>
+          <a:lnRef idx="2">
+            <a:schemeClr val="accent1">
+              <a:shade val="50000"/>
+            </a:schemeClr>
+          </a:lnRef>
+          <a:fillRef idx="1">
+            <a:schemeClr val="accent1"/>
+          </a:fillRef>
+          <a:effectRef idx="0">
+            <a:schemeClr val="accent1"/>
+          </a:effectRef>
+          <a:fontRef idx="minor">
+            <a:schemeClr val="lt1"/>
+          </a:fontRef>
+        </p:style>
+        <p:txBody>
+          <a:bodyPr rtlCol="0" anchor="ctr"/>
+          <a:lstStyle/>
+          <a:p>
+            <a:pPr algn="ctr"/>
+            <a:r>
+              <a:rPr lang="en-US" dirty="0" smtClean="0"/>
+              <a:t>Raw Data</a:t>
+            </a:r>
+            <a:endParaRPr lang="en-US" dirty="0"/>
+          </a:p>
+        </p:txBody>
+      </p:sp>
+      <p:sp>
+        <p:nvSpPr>
+          <p:cNvPr id="12" name="Flowchart: Data 11"/>
+          <p:cNvSpPr/>
+          <p:nvPr/>
+        </p:nvSpPr>
+        <p:spPr>
+          <a:xfrm>
+            <a:off x="2266950" y="2705100"/>
+            <a:ext cx="1920240" cy="838200"/>
+          </a:xfrm>
+          <a:prstGeom prst="flowChartInputOutput">
+            <a:avLst/>
+          </a:prstGeom>
+          <a:ln>
+            <a:noFill/>
+          </a:ln>
+        </p:spPr>
+        <p:style>
+          <a:lnRef idx="2">
+            <a:schemeClr val="accent1">
+              <a:shade val="50000"/>
+            </a:schemeClr>
+          </a:lnRef>
+          <a:fillRef idx="1">
+            <a:schemeClr val="accent1"/>
+          </a:fillRef>
+          <a:effectRef idx="0">
+            <a:schemeClr val="accent1"/>
+          </a:effectRef>
+          <a:fontRef idx="minor">
+            <a:schemeClr val="lt1"/>
+          </a:fontRef>
+        </p:style>
+        <p:txBody>
+          <a:bodyPr rtlCol="0" anchor="ctr"/>
+          <a:lstStyle/>
+          <a:p>
+            <a:pPr algn="ctr"/>
+            <a:r>
+              <a:rPr lang="en-US" dirty="0" smtClean="0"/>
+              <a:t>Data Tables</a:t>
+            </a:r>
+            <a:endParaRPr lang="en-US" dirty="0"/>
+          </a:p>
+        </p:txBody>
+      </p:sp>
+      <p:sp>
+        <p:nvSpPr>
+          <p:cNvPr id="13" name="Flowchart: Data 12"/>
+          <p:cNvSpPr/>
+          <p:nvPr/>
+        </p:nvSpPr>
+        <p:spPr>
+          <a:xfrm>
+            <a:off x="4552950" y="2705100"/>
+            <a:ext cx="1920240" cy="838200"/>
+          </a:xfrm>
+          <a:prstGeom prst="flowChartInputOutput">
+            <a:avLst/>
+          </a:prstGeom>
+          <a:ln>
+            <a:noFill/>
+          </a:ln>
+        </p:spPr>
+        <p:style>
+          <a:lnRef idx="2">
+            <a:schemeClr val="accent3">
+              <a:shade val="50000"/>
+            </a:schemeClr>
+          </a:lnRef>
+          <a:fillRef idx="1">
+            <a:schemeClr val="accent3"/>
+          </a:fillRef>
+          <a:effectRef idx="0">
+            <a:schemeClr val="accent3"/>
+          </a:effectRef>
+          <a:fontRef idx="minor">
+            <a:schemeClr val="lt1"/>
+          </a:fontRef>
+        </p:style>
+        <p:txBody>
+          <a:bodyPr rtlCol="0" anchor="ctr"/>
+          <a:lstStyle/>
+          <a:p>
+            <a:pPr algn="ctr"/>
+            <a:r>
+              <a:rPr lang="en-US" dirty="0" smtClean="0"/>
+              <a:t>Visual Structures</a:t>
+            </a:r>
+            <a:endParaRPr lang="en-US" dirty="0"/>
+          </a:p>
+        </p:txBody>
+      </p:sp>
+      <p:sp>
+        <p:nvSpPr>
+          <p:cNvPr id="14" name="Flowchart: Data 13"/>
+          <p:cNvSpPr/>
+          <p:nvPr/>
+        </p:nvSpPr>
+        <p:spPr>
+          <a:xfrm>
+            <a:off x="6381750" y="2705100"/>
+            <a:ext cx="1920240" cy="838200"/>
+          </a:xfrm>
+          <a:prstGeom prst="flowChartInputOutput">
+            <a:avLst/>
+          </a:prstGeom>
+          <a:ln>
+            <a:noFill/>
+          </a:ln>
+        </p:spPr>
+        <p:style>
+          <a:lnRef idx="2">
+            <a:schemeClr val="accent3">
+              <a:shade val="50000"/>
+            </a:schemeClr>
+          </a:lnRef>
+          <a:fillRef idx="1">
+            <a:schemeClr val="accent3"/>
+          </a:fillRef>
+          <a:effectRef idx="0">
+            <a:schemeClr val="accent3"/>
+          </a:effectRef>
+          <a:fontRef idx="minor">
+            <a:schemeClr val="lt1"/>
+          </a:fontRef>
+        </p:style>
+        <p:txBody>
+          <a:bodyPr rtlCol="0" anchor="ctr"/>
+          <a:lstStyle/>
+          <a:p>
+            <a:pPr algn="ctr"/>
+            <a:r>
+              <a:rPr lang="en-US" dirty="0" smtClean="0"/>
+              <a:t>Views</a:t>
+            </a:r>
+            <a:endParaRPr lang="en-US" dirty="0"/>
+          </a:p>
+        </p:txBody>
+      </p:sp>
+      <p:sp>
+        <p:nvSpPr>
+          <p:cNvPr id="16" name="Flowchart: Process 15"/>
+          <p:cNvSpPr/>
+          <p:nvPr/>
+        </p:nvSpPr>
+        <p:spPr>
+          <a:xfrm>
+            <a:off x="3505200" y="4876800"/>
+            <a:ext cx="1295400" cy="914400"/>
+          </a:xfrm>
+          <a:prstGeom prst="flowChartProcess">
+            <a:avLst/>
+          </a:prstGeom>
+          <a:ln>
+            <a:noFill/>
+          </a:ln>
+        </p:spPr>
+        <p:style>
+          <a:lnRef idx="2">
+            <a:schemeClr val="accent4">
+              <a:shade val="50000"/>
+            </a:schemeClr>
+          </a:lnRef>
+          <a:fillRef idx="1">
+            <a:schemeClr val="accent4"/>
+          </a:fillRef>
+          <a:effectRef idx="0">
+            <a:schemeClr val="accent4"/>
+          </a:effectRef>
+          <a:fontRef idx="minor">
+            <a:schemeClr val="lt1"/>
+          </a:fontRef>
+        </p:style>
+        <p:txBody>
+          <a:bodyPr rtlCol="0" anchor="ctr"/>
+          <a:lstStyle/>
+          <a:p>
+            <a:pPr algn="ctr"/>
+            <a:r>
+              <a:rPr lang="en-US" dirty="0" smtClean="0">
+                <a:solidFill>
+                  <a:schemeClr val="accent6">
+                    <a:lumMod val="10000"/>
+                  </a:schemeClr>
+                </a:solidFill>
+              </a:rPr>
+              <a:t>Human Interaction</a:t>
+            </a:r>
+            <a:endParaRPr lang="en-US" dirty="0">
+              <a:solidFill>
+                <a:schemeClr val="accent6">
+                  <a:lumMod val="10000"/>
+                </a:schemeClr>
+              </a:solidFill>
+            </a:endParaRPr>
+          </a:p>
+        </p:txBody>
+      </p:sp>
+      <p:cxnSp>
+        <p:nvCxnSpPr>
+          <p:cNvPr id="17" name="Straight Arrow Connector 16"/>
+          <p:cNvCxnSpPr>
+            <a:stCxn id="11" idx="5"/>
+            <a:endCxn id="12" idx="2"/>
+          </p:cNvCxnSpPr>
+          <p:nvPr/>
+        </p:nvCxnSpPr>
+        <p:spPr>
+          <a:xfrm>
+            <a:off x="2166366" y="3124200"/>
+            <a:ext cx="292608" cy="0"/>
+          </a:xfrm>
+          <a:prstGeom prst="straightConnector1">
+            <a:avLst/>
+          </a:prstGeom>
+          <a:ln w="60325">
+            <a:tailEnd type="triangle"/>
+          </a:ln>
+        </p:spPr>
+        <p:style>
+          <a:lnRef idx="1">
+            <a:schemeClr val="dk1"/>
+          </a:lnRef>
+          <a:fillRef idx="0">
+            <a:schemeClr val="dk1"/>
+          </a:fillRef>
+          <a:effectRef idx="0">
+            <a:schemeClr val="dk1"/>
+          </a:effectRef>
+          <a:fontRef idx="minor">
+            <a:schemeClr val="tx1"/>
+          </a:fontRef>
+        </p:style>
+      </p:cxnSp>
+      <p:cxnSp>
+        <p:nvCxnSpPr>
+          <p:cNvPr id="18" name="Straight Arrow Connector 17"/>
+          <p:cNvCxnSpPr>
+            <a:stCxn id="12" idx="5"/>
+            <a:endCxn id="13" idx="2"/>
+          </p:cNvCxnSpPr>
+          <p:nvPr/>
+        </p:nvCxnSpPr>
+        <p:spPr>
+          <a:xfrm>
+            <a:off x="3995166" y="3124200"/>
+            <a:ext cx="749808" cy="0"/>
+          </a:xfrm>
+          <a:prstGeom prst="straightConnector1">
+            <a:avLst/>
+          </a:prstGeom>
+          <a:ln w="60325">
+            <a:tailEnd type="triangle"/>
+          </a:ln>
+        </p:spPr>
+        <p:style>
+          <a:lnRef idx="1">
+            <a:schemeClr val="dk1"/>
+          </a:lnRef>
+          <a:fillRef idx="0">
+            <a:schemeClr val="dk1"/>
+          </a:fillRef>
+          <a:effectRef idx="0">
+            <a:schemeClr val="dk1"/>
+          </a:effectRef>
+          <a:fontRef idx="minor">
+            <a:schemeClr val="tx1"/>
+          </a:fontRef>
+        </p:style>
+      </p:cxnSp>
+      <p:cxnSp>
+        <p:nvCxnSpPr>
+          <p:cNvPr id="19" name="Straight Arrow Connector 18"/>
+          <p:cNvCxnSpPr>
+            <a:stCxn id="13" idx="5"/>
+            <a:endCxn id="14" idx="2"/>
+          </p:cNvCxnSpPr>
+          <p:nvPr/>
+        </p:nvCxnSpPr>
+        <p:spPr>
+          <a:xfrm>
+            <a:off x="6281166" y="3124200"/>
+            <a:ext cx="292608" cy="0"/>
+          </a:xfrm>
+          <a:prstGeom prst="straightConnector1">
+            <a:avLst/>
+          </a:prstGeom>
+          <a:ln w="60325">
+            <a:tailEnd type="triangle"/>
+          </a:ln>
+        </p:spPr>
+        <p:style>
+          <a:lnRef idx="1">
+            <a:schemeClr val="dk1"/>
+          </a:lnRef>
+          <a:fillRef idx="0">
+            <a:schemeClr val="dk1"/>
+          </a:fillRef>
+          <a:effectRef idx="0">
+            <a:schemeClr val="dk1"/>
+          </a:effectRef>
+          <a:fontRef idx="minor">
+            <a:schemeClr val="tx1"/>
+          </a:fontRef>
+        </p:style>
+      </p:cxnSp>
+      <p:cxnSp>
+        <p:nvCxnSpPr>
+          <p:cNvPr id="20" name="Elbow Connector 19"/>
+          <p:cNvCxnSpPr/>
+          <p:nvPr/>
+        </p:nvCxnSpPr>
+        <p:spPr>
+          <a:xfrm rot="16200000" flipV="1">
+            <a:off x="2941320" y="3665220"/>
+            <a:ext cx="670560" cy="1752600"/>
+          </a:xfrm>
+          <a:prstGeom prst="bentConnector3">
+            <a:avLst/>
+          </a:prstGeom>
+          <a:ln w="60325">
+            <a:tailEnd type="triangle"/>
+          </a:ln>
+        </p:spPr>
+        <p:style>
+          <a:lnRef idx="1">
+            <a:schemeClr val="dk1"/>
+          </a:lnRef>
+          <a:fillRef idx="0">
+            <a:schemeClr val="dk1"/>
+          </a:fillRef>
+          <a:effectRef idx="0">
+            <a:schemeClr val="dk1"/>
+          </a:effectRef>
+          <a:fontRef idx="minor">
+            <a:schemeClr val="tx1"/>
+          </a:fontRef>
+        </p:style>
+      </p:cxnSp>
+      <p:cxnSp>
+        <p:nvCxnSpPr>
+          <p:cNvPr id="21" name="Elbow Connector 20"/>
+          <p:cNvCxnSpPr/>
+          <p:nvPr/>
+        </p:nvCxnSpPr>
+        <p:spPr>
+          <a:xfrm rot="5400000" flipH="1" flipV="1">
+            <a:off x="4775835" y="3583305"/>
+            <a:ext cx="670560" cy="1916430"/>
+          </a:xfrm>
+          <a:prstGeom prst="bentConnector3">
+            <a:avLst>
+              <a:gd name="adj1" fmla="val 50000"/>
+            </a:avLst>
+          </a:prstGeom>
+          <a:ln w="60325">
+            <a:tailEnd type="triangle"/>
+          </a:ln>
+        </p:spPr>
+        <p:style>
+          <a:lnRef idx="1">
+            <a:schemeClr val="dk1"/>
+          </a:lnRef>
+          <a:fillRef idx="0">
+            <a:schemeClr val="dk1"/>
+          </a:fillRef>
+          <a:effectRef idx="0">
+            <a:schemeClr val="dk1"/>
+          </a:effectRef>
+          <a:fontRef idx="minor">
+            <a:schemeClr val="tx1"/>
+          </a:fontRef>
+        </p:style>
+      </p:cxnSp>
+      <p:cxnSp>
+        <p:nvCxnSpPr>
+          <p:cNvPr id="22" name="Straight Arrow Connector 21"/>
+          <p:cNvCxnSpPr/>
+          <p:nvPr/>
+        </p:nvCxnSpPr>
+        <p:spPr>
+          <a:xfrm flipV="1">
+            <a:off x="4152900" y="4206240"/>
+            <a:ext cx="0" cy="670560"/>
+          </a:xfrm>
+          <a:prstGeom prst="straightConnector1">
+            <a:avLst/>
+          </a:prstGeom>
+          <a:ln w="60325">
+            <a:tailEnd type="triangle"/>
+          </a:ln>
+        </p:spPr>
+        <p:style>
+          <a:lnRef idx="1">
+            <a:schemeClr val="dk1"/>
+          </a:lnRef>
+          <a:fillRef idx="0">
+            <a:schemeClr val="dk1"/>
+          </a:fillRef>
+          <a:effectRef idx="0">
+            <a:schemeClr val="dk1"/>
+          </a:effectRef>
+          <a:fontRef idx="minor">
+            <a:schemeClr val="tx1"/>
+          </a:fontRef>
+        </p:style>
+      </p:cxnSp>
+      <p:sp>
+        <p:nvSpPr>
+          <p:cNvPr id="23" name="Rectangle 22"/>
+          <p:cNvSpPr/>
+          <p:nvPr/>
+        </p:nvSpPr>
+        <p:spPr>
+          <a:xfrm>
+            <a:off x="1835273" y="3848100"/>
+            <a:ext cx="1130053" cy="369332"/>
+          </a:xfrm>
+          <a:prstGeom prst="rect">
+            <a:avLst/>
+          </a:prstGeom>
+        </p:spPr>
+        <p:txBody>
+          <a:bodyPr wrap="none">
+            <a:spAutoFit/>
+          </a:bodyPr>
+          <a:lstStyle/>
+          <a:p>
+            <a:r>
+              <a:rPr lang="en-US" dirty="0" smtClean="0"/>
+              <a:t>Transform</a:t>
+            </a:r>
+            <a:endParaRPr lang="en-US" dirty="0"/>
+          </a:p>
+        </p:txBody>
+      </p:sp>
+      <p:sp>
+        <p:nvSpPr>
+          <p:cNvPr id="24" name="Rectangle 23"/>
+          <p:cNvSpPr/>
+          <p:nvPr/>
+        </p:nvSpPr>
+        <p:spPr>
+          <a:xfrm>
+            <a:off x="3810000" y="3848100"/>
+            <a:ext cx="614271" cy="369332"/>
+          </a:xfrm>
+          <a:prstGeom prst="rect">
+            <a:avLst/>
+          </a:prstGeom>
+        </p:spPr>
+        <p:txBody>
+          <a:bodyPr wrap="none">
+            <a:spAutoFit/>
+          </a:bodyPr>
+          <a:lstStyle/>
+          <a:p>
+            <a:r>
+              <a:rPr lang="en-US" dirty="0" smtClean="0"/>
+              <a:t>Map</a:t>
+            </a:r>
+            <a:endParaRPr lang="en-US" dirty="0"/>
+          </a:p>
+        </p:txBody>
+      </p:sp>
+      <p:sp>
+        <p:nvSpPr>
+          <p:cNvPr id="25" name="Rectangle 24"/>
+          <p:cNvSpPr/>
+          <p:nvPr/>
+        </p:nvSpPr>
+        <p:spPr>
+          <a:xfrm>
+            <a:off x="5541645" y="3848100"/>
+            <a:ext cx="1130053" cy="369332"/>
+          </a:xfrm>
+          <a:prstGeom prst="rect">
+            <a:avLst/>
+          </a:prstGeom>
+        </p:spPr>
+        <p:txBody>
+          <a:bodyPr wrap="none">
+            <a:spAutoFit/>
+          </a:bodyPr>
+          <a:lstStyle/>
+          <a:p>
+            <a:r>
+              <a:rPr lang="en-US" dirty="0" smtClean="0"/>
+              <a:t>Transform</a:t>
+            </a:r>
+            <a:endParaRPr lang="en-US" dirty="0"/>
+          </a:p>
+        </p:txBody>
+      </p:sp>
+    </p:spTree>
+    <p:extLst>
+      <p:ext uri="{BB962C8B-B14F-4D97-AF65-F5344CB8AC3E}">
+        <p14:creationId xmlns:p14="http://schemas.microsoft.com/office/powerpoint/2010/main" val="2555043127"/>
+      </p:ext>
+    </p:extLst>
+  </p:cSld>
+  <p:clrMapOvr>
+    <a:masterClrMapping/>
+  </p:clrMapOvr>
+</p:sld>
+</file>
+
+<file path=ppt/slides/slide27.xml><?xml version="1.0" encoding="utf-8"?>
+<p:sld xmlns:a="http://schemas.openxmlformats.org/drawingml/2006/main" xmlns:r="http://schemas.openxmlformats.org/officeDocument/2006/relationships" xmlns:p="http://schemas.openxmlformats.org/presentationml/2006/main">
+  <p:cSld>
+    <p:spTree>
+      <p:nvGrpSpPr>
+        <p:cNvPr id="1" name="Shape 222"/>
+        <p:cNvGrpSpPr/>
+        <p:nvPr/>
+      </p:nvGrpSpPr>
+      <p:grpSpPr>
+        <a:xfrm>
+          <a:off x="0" y="0"/>
+          <a:ext cx="0" cy="0"/>
+          <a:chOff x="0" y="0"/>
+          <a:chExt cx="0" cy="0"/>
+        </a:xfrm>
+      </p:grpSpPr>
+      <p:sp>
+        <p:nvSpPr>
+          <p:cNvPr id="223" name="Shape 223"/>
+          <p:cNvSpPr txBox="1">
+            <a:spLocks noGrp="1"/>
+          </p:cNvSpPr>
+          <p:nvPr>
+            <p:ph type="title"/>
+          </p:nvPr>
+        </p:nvSpPr>
+        <p:spPr>
+          <a:xfrm>
+            <a:off x="628650" y="365126"/>
+            <a:ext cx="7886700" cy="1325562"/>
+          </a:xfrm>
+          <a:prstGeom prst="rect">
+            <a:avLst/>
+          </a:prstGeom>
+          <a:noFill/>
+          <a:ln>
+            <a:noFill/>
+          </a:ln>
+        </p:spPr>
+        <p:txBody>
+          <a:bodyPr lIns="91425" tIns="45700" rIns="91425" bIns="45700" anchor="ctr" anchorCtr="0">
+            <a:noAutofit/>
+          </a:bodyPr>
+          <a:lstStyle/>
+          <a:p>
+            <a:pPr lvl="0">
+              <a:buSzPct val="25000"/>
+            </a:pPr>
+            <a:r>
+              <a:rPr lang="en-US" dirty="0" smtClean="0"/>
+              <a:t>Exploratory </a:t>
+            </a:r>
+            <a:r>
+              <a:rPr lang="en-US" dirty="0"/>
+              <a:t>Data Analysis (EDA)</a:t>
+            </a:r>
+          </a:p>
+        </p:txBody>
+      </p:sp>
+      <p:sp>
+        <p:nvSpPr>
+          <p:cNvPr id="225" name="Shape 225"/>
+          <p:cNvSpPr txBox="1">
+            <a:spLocks noGrp="1"/>
+          </p:cNvSpPr>
+          <p:nvPr>
+            <p:ph type="sldNum" idx="12"/>
+          </p:nvPr>
+        </p:nvSpPr>
+        <p:spPr>
+          <a:xfrm>
+            <a:off x="6457950" y="6356351"/>
+            <a:ext cx="1682277" cy="365125"/>
+          </a:xfrm>
+          <a:prstGeom prst="rect">
+            <a:avLst/>
+          </a:prstGeom>
+          <a:noFill/>
+          <a:ln>
+            <a:noFill/>
+          </a:ln>
+        </p:spPr>
+        <p:txBody>
+          <a:bodyPr lIns="91425" tIns="45700" rIns="91425" bIns="45700" anchor="ctr" anchorCtr="0">
+            <a:noAutofit/>
+          </a:bodyPr>
+          <a:lstStyle/>
+          <a:p>
+            <a:pPr marL="0" marR="0" lvl="0" indent="0" algn="r" rtl="0">
+              <a:spcBef>
+                <a:spcPts val="0"/>
+              </a:spcBef>
+              <a:buSzPct val="25000"/>
+              <a:buNone/>
+            </a:pPr>
+            <a:fld id="{00000000-1234-1234-1234-123412341234}" type="slidenum">
+              <a:rPr lang="en-US" sz="1200">
+                <a:solidFill>
+                  <a:srgbClr val="888888"/>
+                </a:solidFill>
+                <a:latin typeface="Cabin"/>
+                <a:ea typeface="Cabin"/>
+                <a:cs typeface="Cabin"/>
+                <a:sym typeface="Cabin"/>
+              </a:rPr>
+              <a:t>27</a:t>
+            </a:fld>
+            <a:endParaRPr lang="en-US" sz="1200">
+              <a:solidFill>
+                <a:srgbClr val="888888"/>
+              </a:solidFill>
+              <a:latin typeface="Cabin"/>
+              <a:ea typeface="Cabin"/>
+              <a:cs typeface="Cabin"/>
+              <a:sym typeface="Cabin"/>
+            </a:endParaRPr>
+          </a:p>
+        </p:txBody>
+      </p:sp>
+      <p:sp>
+        <p:nvSpPr>
+          <p:cNvPr id="6" name="Content Placeholder 2"/>
+          <p:cNvSpPr txBox="1">
+            <a:spLocks/>
+          </p:cNvSpPr>
+          <p:nvPr/>
+        </p:nvSpPr>
+        <p:spPr>
+          <a:xfrm>
+            <a:off x="1634280" y="2206388"/>
+            <a:ext cx="8541607" cy="6188927"/>
+          </a:xfrm>
+          <a:prstGeom prst="rect">
+            <a:avLst/>
+          </a:prstGeom>
+          <a:noFill/>
+          <a:ln>
+            <a:noFill/>
+          </a:ln>
+        </p:spPr>
+        <p:txBody>
+          <a:bodyPr lIns="91425" tIns="91425" rIns="91425" bIns="91425" anchor="t" anchorCtr="0">
+            <a:normAutofit/>
+          </a:bodyPr>
+          <a:lstStyle>
+            <a:defPPr marR="0" lvl="0" algn="l" rtl="0">
+              <a:lnSpc>
+                <a:spcPct val="100000"/>
+              </a:lnSpc>
+              <a:spcBef>
+                <a:spcPts val="0"/>
+              </a:spcBef>
+              <a:spcAft>
+                <a:spcPts val="0"/>
+              </a:spcAft>
+            </a:defPPr>
+            <a:lvl1pPr marL="228600" marR="0" lvl="0" indent="-50800" algn="l" rtl="0">
+              <a:lnSpc>
+                <a:spcPct val="90000"/>
+              </a:lnSpc>
+              <a:spcBef>
+                <a:spcPts val="1000"/>
+              </a:spcBef>
+              <a:spcAft>
+                <a:spcPts val="0"/>
+              </a:spcAft>
+              <a:buClr>
+                <a:schemeClr val="dk1"/>
+              </a:buClr>
+              <a:buSzPct val="100000"/>
+              <a:buFont typeface="Noto Sans Symbols"/>
+              <a:buChar char="▪"/>
+              <a:defRPr sz="2800" b="0" i="0" u="none" strike="noStrike" cap="none">
+                <a:solidFill>
+                  <a:schemeClr val="dk1"/>
+                </a:solidFill>
+                <a:latin typeface="Cabin"/>
+                <a:ea typeface="Cabin"/>
+                <a:cs typeface="Cabin"/>
+                <a:sym typeface="Cabin"/>
+              </a:defRPr>
+            </a:lvl1pPr>
+            <a:lvl2pPr marL="685800" marR="0" lvl="1" indent="-76200" algn="l" rtl="0">
+              <a:lnSpc>
+                <a:spcPct val="90000"/>
+              </a:lnSpc>
+              <a:spcBef>
+                <a:spcPts val="500"/>
+              </a:spcBef>
+              <a:spcAft>
+                <a:spcPts val="0"/>
+              </a:spcAft>
+              <a:buClr>
+                <a:schemeClr val="dk1"/>
+              </a:buClr>
+              <a:buSzPct val="100000"/>
+              <a:buFont typeface="Noto Sans Symbols"/>
+              <a:buChar char="▪"/>
+              <a:defRPr sz="2400" b="0" i="0" u="none" strike="noStrike" cap="none">
+                <a:solidFill>
+                  <a:schemeClr val="dk1"/>
+                </a:solidFill>
+                <a:latin typeface="Cabin"/>
+                <a:ea typeface="Cabin"/>
+                <a:cs typeface="Cabin"/>
+                <a:sym typeface="Cabin"/>
+              </a:defRPr>
+            </a:lvl2pPr>
+            <a:lvl3pPr marL="1143000" marR="0" lvl="2" indent="-101600" algn="l" rtl="0">
+              <a:lnSpc>
+                <a:spcPct val="90000"/>
+              </a:lnSpc>
+              <a:spcBef>
+                <a:spcPts val="500"/>
+              </a:spcBef>
+              <a:spcAft>
+                <a:spcPts val="0"/>
+              </a:spcAft>
+              <a:buClr>
+                <a:schemeClr val="dk1"/>
+              </a:buClr>
+              <a:buSzPct val="100000"/>
+              <a:buFont typeface="Noto Sans Symbols"/>
+              <a:buChar char="▪"/>
+              <a:defRPr sz="2000" b="0" i="0" u="none" strike="noStrike" cap="none">
+                <a:solidFill>
+                  <a:schemeClr val="dk1"/>
+                </a:solidFill>
+                <a:latin typeface="Cabin"/>
+                <a:ea typeface="Cabin"/>
+                <a:cs typeface="Cabin"/>
+                <a:sym typeface="Cabin"/>
+              </a:defRPr>
+            </a:lvl3pPr>
+            <a:lvl4pPr marL="1600200" marR="0" lvl="3" indent="-114300" algn="l" rtl="0">
+              <a:lnSpc>
+                <a:spcPct val="90000"/>
+              </a:lnSpc>
+              <a:spcBef>
+                <a:spcPts val="500"/>
+              </a:spcBef>
+              <a:spcAft>
+                <a:spcPts val="0"/>
+              </a:spcAft>
+              <a:buClr>
+                <a:schemeClr val="dk1"/>
+              </a:buClr>
+              <a:buSzPct val="100000"/>
+              <a:buFont typeface="Noto Sans Symbols"/>
+              <a:buChar char="▪"/>
+              <a:defRPr sz="1800" b="0" i="0" u="none" strike="noStrike" cap="none">
+                <a:solidFill>
+                  <a:schemeClr val="dk1"/>
+                </a:solidFill>
+                <a:latin typeface="Cabin"/>
+                <a:ea typeface="Cabin"/>
+                <a:cs typeface="Cabin"/>
+                <a:sym typeface="Cabin"/>
+              </a:defRPr>
+            </a:lvl4pPr>
+            <a:lvl5pPr marL="2057400" marR="0" lvl="4" indent="-114300" algn="l" rtl="0">
+              <a:lnSpc>
+                <a:spcPct val="90000"/>
+              </a:lnSpc>
+              <a:spcBef>
+                <a:spcPts val="500"/>
+              </a:spcBef>
+              <a:spcAft>
+                <a:spcPts val="0"/>
+              </a:spcAft>
+              <a:buClr>
+                <a:schemeClr val="dk1"/>
+              </a:buClr>
+              <a:buSzPct val="100000"/>
+              <a:buFont typeface="Noto Sans Symbols"/>
+              <a:buChar char="▪"/>
+              <a:defRPr sz="1800" b="0" i="0" u="none" strike="noStrike" cap="none">
+                <a:solidFill>
+                  <a:schemeClr val="dk1"/>
+                </a:solidFill>
+                <a:latin typeface="Cabin"/>
+                <a:ea typeface="Cabin"/>
+                <a:cs typeface="Cabin"/>
+                <a:sym typeface="Cabin"/>
+              </a:defRPr>
+            </a:lvl5pPr>
+            <a:lvl6pPr marL="2514600" marR="0" lvl="5" indent="-114300" algn="l" rtl="0">
+              <a:lnSpc>
+                <a:spcPct val="90000"/>
+              </a:lnSpc>
+              <a:spcBef>
+                <a:spcPts val="500"/>
+              </a:spcBef>
+              <a:spcAft>
+                <a:spcPts val="0"/>
+              </a:spcAft>
+              <a:buClr>
+                <a:schemeClr val="dk1"/>
+              </a:buClr>
+              <a:buSzPct val="100000"/>
+              <a:buFont typeface="Arial"/>
+              <a:buChar char="•"/>
+              <a:defRPr sz="1800" b="0" i="0" u="none" strike="noStrike" cap="none">
+                <a:solidFill>
+                  <a:schemeClr val="dk1"/>
+                </a:solidFill>
+                <a:latin typeface="Cabin"/>
+                <a:ea typeface="Cabin"/>
+                <a:cs typeface="Cabin"/>
+                <a:sym typeface="Cabin"/>
+              </a:defRPr>
+            </a:lvl6pPr>
+            <a:lvl7pPr marL="2971800" marR="0" lvl="6" indent="-114300" algn="l" rtl="0">
+              <a:lnSpc>
+                <a:spcPct val="90000"/>
+              </a:lnSpc>
+              <a:spcBef>
+                <a:spcPts val="500"/>
+              </a:spcBef>
+              <a:spcAft>
+                <a:spcPts val="0"/>
+              </a:spcAft>
+              <a:buClr>
+                <a:schemeClr val="dk1"/>
+              </a:buClr>
+              <a:buSzPct val="100000"/>
+              <a:buFont typeface="Arial"/>
+              <a:buChar char="•"/>
+              <a:defRPr sz="1800" b="0" i="0" u="none" strike="noStrike" cap="none">
+                <a:solidFill>
+                  <a:schemeClr val="dk1"/>
+                </a:solidFill>
+                <a:latin typeface="Cabin"/>
+                <a:ea typeface="Cabin"/>
+                <a:cs typeface="Cabin"/>
+                <a:sym typeface="Cabin"/>
+              </a:defRPr>
+            </a:lvl7pPr>
+            <a:lvl8pPr marL="3429000" marR="0" lvl="7" indent="-114300" algn="l" rtl="0">
+              <a:lnSpc>
+                <a:spcPct val="90000"/>
+              </a:lnSpc>
+              <a:spcBef>
+                <a:spcPts val="500"/>
+              </a:spcBef>
+              <a:spcAft>
+                <a:spcPts val="0"/>
+              </a:spcAft>
+              <a:buClr>
+                <a:schemeClr val="dk1"/>
+              </a:buClr>
+              <a:buSzPct val="100000"/>
+              <a:buFont typeface="Arial"/>
+              <a:buChar char="•"/>
+              <a:defRPr sz="1800" b="0" i="0" u="none" strike="noStrike" cap="none">
+                <a:solidFill>
+                  <a:schemeClr val="dk1"/>
+                </a:solidFill>
+                <a:latin typeface="Cabin"/>
+                <a:ea typeface="Cabin"/>
+                <a:cs typeface="Cabin"/>
+                <a:sym typeface="Cabin"/>
+              </a:defRPr>
+            </a:lvl8pPr>
+            <a:lvl9pPr marL="3886200" marR="0" lvl="8" indent="-114300" algn="l" rtl="0">
+              <a:lnSpc>
+                <a:spcPct val="90000"/>
+              </a:lnSpc>
+              <a:spcBef>
+                <a:spcPts val="500"/>
+              </a:spcBef>
+              <a:spcAft>
+                <a:spcPts val="0"/>
+              </a:spcAft>
+              <a:buClr>
+                <a:schemeClr val="dk1"/>
+              </a:buClr>
+              <a:buSzPct val="100000"/>
+              <a:buFont typeface="Arial"/>
+              <a:buChar char="•"/>
+              <a:defRPr sz="1800" b="0" i="0" u="none" strike="noStrike" cap="none">
+                <a:solidFill>
+                  <a:schemeClr val="dk1"/>
+                </a:solidFill>
+                <a:latin typeface="Cabin"/>
+                <a:ea typeface="Cabin"/>
+                <a:cs typeface="Cabin"/>
+                <a:sym typeface="Cabin"/>
+              </a:defRPr>
+            </a:lvl9pPr>
+          </a:lstStyle>
+          <a:p>
+            <a:pPr marL="0" indent="0">
+              <a:buFont typeface="Noto Sans Symbols"/>
+              <a:buNone/>
+            </a:pPr>
+            <a:endParaRPr lang="en-US" sz="2000" dirty="0" smtClean="0"/>
+          </a:p>
+          <a:p>
+            <a:pPr marL="0" indent="0">
+              <a:buFont typeface="Noto Sans Symbols"/>
+              <a:buNone/>
+            </a:pPr>
+            <a:endParaRPr lang="en-US" sz="2000" dirty="0" smtClean="0"/>
+          </a:p>
+          <a:p>
+            <a:pPr marL="0" indent="0">
+              <a:buFont typeface="Noto Sans Symbols"/>
+              <a:buNone/>
+            </a:pPr>
+            <a:endParaRPr lang="en-US" sz="2000" dirty="0" smtClean="0"/>
+          </a:p>
+          <a:p>
+            <a:pPr marL="0" indent="0">
+              <a:buFont typeface="Noto Sans Symbols"/>
+              <a:buNone/>
+            </a:pPr>
+            <a:endParaRPr lang="en-US" sz="2000" dirty="0" smtClean="0"/>
+          </a:p>
+          <a:p>
+            <a:pPr marL="0" indent="0">
+              <a:buFont typeface="Noto Sans Symbols"/>
+              <a:buNone/>
+            </a:pPr>
+            <a:endParaRPr lang="en-US" sz="2000" dirty="0" smtClean="0"/>
+          </a:p>
+          <a:p>
+            <a:pPr marL="0" indent="0">
+              <a:buFont typeface="Noto Sans Symbols"/>
+              <a:buNone/>
+            </a:pPr>
+            <a:endParaRPr lang="en-US" sz="2000" dirty="0" smtClean="0"/>
+          </a:p>
+          <a:p>
+            <a:pPr marL="0" indent="0">
+              <a:buFont typeface="Noto Sans Symbols"/>
+              <a:buNone/>
+            </a:pPr>
+            <a:endParaRPr lang="en-US" sz="2000" dirty="0" smtClean="0"/>
+          </a:p>
+          <a:p>
+            <a:pPr marL="0" indent="0">
+              <a:buFont typeface="Noto Sans Symbols"/>
+              <a:buNone/>
+            </a:pPr>
+            <a:endParaRPr lang="en-US" sz="2000" dirty="0" smtClean="0"/>
+          </a:p>
+          <a:p>
+            <a:pPr marL="0" indent="0">
+              <a:buFont typeface="Noto Sans Symbols"/>
+              <a:buNone/>
+            </a:pPr>
+            <a:r>
+              <a:rPr lang="en-US" sz="2000" dirty="0" smtClean="0"/>
+              <a:t>Based on </a:t>
+            </a:r>
+            <a:r>
+              <a:rPr lang="en-US" sz="2000" dirty="0" err="1" smtClean="0"/>
+              <a:t>Tukey</a:t>
+            </a:r>
+            <a:r>
+              <a:rPr lang="en-US" sz="2000" dirty="0" smtClean="0"/>
+              <a:t>, J.W. </a:t>
+            </a:r>
+            <a:r>
+              <a:rPr lang="en-US" sz="2000" i="1" dirty="0" smtClean="0"/>
+              <a:t>The Future of Data Analysis</a:t>
+            </a:r>
+            <a:r>
+              <a:rPr lang="en-US" sz="2000" dirty="0" smtClean="0"/>
+              <a:t>. 1962. 				   </a:t>
+            </a:r>
+            <a:r>
+              <a:rPr lang="en-US" sz="2000" i="1" dirty="0" smtClean="0"/>
+              <a:t>and</a:t>
+            </a:r>
+            <a:r>
+              <a:rPr lang="en-US" sz="2000" dirty="0" smtClean="0"/>
+              <a:t> Exploratory data analysis. 1977. </a:t>
+            </a:r>
+            <a:endParaRPr lang="en-US" sz="2000" dirty="0"/>
+          </a:p>
+        </p:txBody>
+      </p:sp>
+      <p:sp>
+        <p:nvSpPr>
+          <p:cNvPr id="13" name="TextBox 12"/>
+          <p:cNvSpPr txBox="1"/>
+          <p:nvPr/>
+        </p:nvSpPr>
+        <p:spPr>
+          <a:xfrm>
+            <a:off x="-198104" y="3454032"/>
+            <a:ext cx="1491766" cy="338554"/>
+          </a:xfrm>
+          <a:prstGeom prst="rect">
+            <a:avLst/>
+          </a:prstGeom>
+          <a:noFill/>
+        </p:spPr>
+        <p:txBody>
+          <a:bodyPr wrap="square" rtlCol="0">
+            <a:spAutoFit/>
+          </a:bodyPr>
+          <a:lstStyle/>
+          <a:p>
+            <a:pPr algn="ctr"/>
+            <a:r>
+              <a:rPr lang="en-US" sz="1600" dirty="0" smtClean="0"/>
+              <a:t>Acquisition</a:t>
+            </a:r>
+            <a:endParaRPr lang="en-US" sz="1600" dirty="0"/>
+          </a:p>
+        </p:txBody>
+      </p:sp>
+      <p:cxnSp>
+        <p:nvCxnSpPr>
+          <p:cNvPr id="14" name="Straight Arrow Connector 13"/>
+          <p:cNvCxnSpPr/>
+          <p:nvPr/>
+        </p:nvCxnSpPr>
+        <p:spPr>
+          <a:xfrm>
+            <a:off x="1084339" y="3635647"/>
+            <a:ext cx="351825" cy="655"/>
+          </a:xfrm>
+          <a:prstGeom prst="straightConnector1">
+            <a:avLst/>
+          </a:prstGeom>
+          <a:ln w="38100">
+            <a:solidFill>
+              <a:schemeClr val="tx1"/>
+            </a:solidFill>
+            <a:tailEnd type="triangle" w="lg" len="lg"/>
+          </a:ln>
+        </p:spPr>
+        <p:style>
+          <a:lnRef idx="1">
+            <a:schemeClr val="accent1"/>
+          </a:lnRef>
+          <a:fillRef idx="0">
+            <a:schemeClr val="accent1"/>
+          </a:fillRef>
+          <a:effectRef idx="0">
+            <a:schemeClr val="accent1"/>
+          </a:effectRef>
+          <a:fontRef idx="minor">
+            <a:schemeClr val="tx1"/>
+          </a:fontRef>
+        </p:style>
+      </p:cxnSp>
+      <p:sp>
+        <p:nvSpPr>
+          <p:cNvPr id="15" name="TextBox 14"/>
+          <p:cNvSpPr txBox="1"/>
+          <p:nvPr/>
+        </p:nvSpPr>
+        <p:spPr>
+          <a:xfrm>
+            <a:off x="7545982" y="3454032"/>
+            <a:ext cx="1910871" cy="338554"/>
+          </a:xfrm>
+          <a:prstGeom prst="rect">
+            <a:avLst/>
+          </a:prstGeom>
+          <a:noFill/>
+        </p:spPr>
+        <p:txBody>
+          <a:bodyPr wrap="square" rtlCol="0">
+            <a:spAutoFit/>
+          </a:bodyPr>
+          <a:lstStyle/>
+          <a:p>
+            <a:pPr algn="ctr"/>
+            <a:r>
+              <a:rPr lang="en-US" sz="1600" dirty="0" smtClean="0"/>
+              <a:t>Hypotheses</a:t>
+            </a:r>
+            <a:endParaRPr lang="en-US" sz="1600" dirty="0"/>
+          </a:p>
+        </p:txBody>
+      </p:sp>
+      <p:cxnSp>
+        <p:nvCxnSpPr>
+          <p:cNvPr id="16" name="Straight Arrow Connector 15"/>
+          <p:cNvCxnSpPr/>
+          <p:nvPr/>
+        </p:nvCxnSpPr>
+        <p:spPr>
+          <a:xfrm>
+            <a:off x="7618147" y="3623309"/>
+            <a:ext cx="306653" cy="655"/>
+          </a:xfrm>
+          <a:prstGeom prst="straightConnector1">
+            <a:avLst/>
+          </a:prstGeom>
+          <a:ln w="38100">
+            <a:solidFill>
+              <a:schemeClr val="tx1"/>
+            </a:solidFill>
+            <a:tailEnd type="triangle" w="lg" len="lg"/>
+          </a:ln>
+        </p:spPr>
+        <p:style>
+          <a:lnRef idx="1">
+            <a:schemeClr val="accent1"/>
+          </a:lnRef>
+          <a:fillRef idx="0">
+            <a:schemeClr val="accent1"/>
+          </a:fillRef>
+          <a:effectRef idx="0">
+            <a:schemeClr val="accent1"/>
+          </a:effectRef>
+          <a:fontRef idx="minor">
+            <a:schemeClr val="tx1"/>
+          </a:fontRef>
+        </p:style>
+      </p:cxnSp>
+      <p:grpSp>
+        <p:nvGrpSpPr>
+          <p:cNvPr id="232" name="Group 231"/>
+          <p:cNvGrpSpPr/>
+          <p:nvPr/>
+        </p:nvGrpSpPr>
+        <p:grpSpPr>
+          <a:xfrm>
+            <a:off x="1522249" y="1752600"/>
+            <a:ext cx="6021551" cy="3705727"/>
+            <a:chOff x="1446049" y="1752600"/>
+            <a:chExt cx="6021551" cy="3705727"/>
+          </a:xfrm>
+        </p:grpSpPr>
+        <p:sp>
+          <p:nvSpPr>
+            <p:cNvPr id="7" name="Oval 6"/>
+            <p:cNvSpPr/>
+            <p:nvPr/>
+          </p:nvSpPr>
+          <p:spPr>
+            <a:xfrm>
+              <a:off x="1446049" y="1752600"/>
+              <a:ext cx="6021551" cy="3705727"/>
+            </a:xfrm>
+            <a:prstGeom prst="ellipse">
+              <a:avLst/>
+            </a:prstGeom>
+            <a:ln w="38100"/>
+          </p:spPr>
+          <p:style>
+            <a:lnRef idx="2">
+              <a:schemeClr val="accent6"/>
+            </a:lnRef>
+            <a:fillRef idx="1">
+              <a:schemeClr val="lt1"/>
+            </a:fillRef>
+            <a:effectRef idx="0">
+              <a:schemeClr val="accent6"/>
+            </a:effectRef>
+            <a:fontRef idx="minor">
+              <a:schemeClr val="dk1"/>
+            </a:fontRef>
+          </p:style>
+          <p:txBody>
+            <a:bodyPr rtlCol="0" anchor="ctr"/>
+            <a:lstStyle/>
+            <a:p>
+              <a:pPr algn="ctr"/>
+              <a:endParaRPr lang="en-US" sz="1100"/>
+            </a:p>
+          </p:txBody>
+        </p:sp>
+        <p:sp>
+          <p:nvSpPr>
+            <p:cNvPr id="8" name="TextBox 7"/>
+            <p:cNvSpPr txBox="1"/>
+            <p:nvPr/>
+          </p:nvSpPr>
+          <p:spPr>
+            <a:xfrm>
+              <a:off x="1670736" y="3115478"/>
+              <a:ext cx="1758264" cy="1015663"/>
+            </a:xfrm>
+            <a:prstGeom prst="rect">
+              <a:avLst/>
+            </a:prstGeom>
+            <a:noFill/>
+            <a:ln>
+              <a:solidFill>
+                <a:schemeClr val="tx1"/>
+              </a:solidFill>
+            </a:ln>
+          </p:spPr>
+          <p:txBody>
+            <a:bodyPr wrap="square" rtlCol="0" anchor="ctr">
+              <a:spAutoFit/>
+            </a:bodyPr>
+            <a:lstStyle/>
+            <a:p>
+              <a:pPr algn="ctr"/>
+              <a:endParaRPr lang="en-US" sz="2000" dirty="0" smtClean="0"/>
+            </a:p>
+            <a:p>
+              <a:pPr algn="ctr"/>
+              <a:r>
+                <a:rPr lang="en-US" sz="2000" dirty="0" smtClean="0"/>
+                <a:t>Summarize</a:t>
+              </a:r>
+            </a:p>
+            <a:p>
+              <a:pPr algn="ctr"/>
+              <a:endParaRPr lang="en-US" sz="2000" dirty="0"/>
+            </a:p>
+          </p:txBody>
+        </p:sp>
+        <p:sp>
+          <p:nvSpPr>
+            <p:cNvPr id="9" name="TextBox 8"/>
+            <p:cNvSpPr txBox="1"/>
+            <p:nvPr/>
+          </p:nvSpPr>
+          <p:spPr>
+            <a:xfrm>
+              <a:off x="5562600" y="3115478"/>
+              <a:ext cx="1658410" cy="1015663"/>
+            </a:xfrm>
+            <a:prstGeom prst="rect">
+              <a:avLst/>
+            </a:prstGeom>
+            <a:noFill/>
+            <a:ln>
+              <a:solidFill>
+                <a:schemeClr val="tx1"/>
+              </a:solidFill>
+            </a:ln>
+          </p:spPr>
+          <p:txBody>
+            <a:bodyPr wrap="square" rtlCol="0" anchor="ctr">
+              <a:spAutoFit/>
+            </a:bodyPr>
+            <a:lstStyle/>
+            <a:p>
+              <a:pPr algn="ctr"/>
+              <a:endParaRPr lang="en-US" sz="2000" dirty="0" smtClean="0"/>
+            </a:p>
+            <a:p>
+              <a:pPr algn="ctr"/>
+              <a:r>
+                <a:rPr lang="en-US" sz="2000" dirty="0" smtClean="0"/>
+                <a:t>Tabulate</a:t>
+              </a:r>
+            </a:p>
+            <a:p>
+              <a:pPr algn="ctr"/>
+              <a:endParaRPr lang="en-US" sz="2000" dirty="0"/>
+            </a:p>
+          </p:txBody>
+        </p:sp>
+        <p:sp>
+          <p:nvSpPr>
+            <p:cNvPr id="10" name="TextBox 9"/>
+            <p:cNvSpPr txBox="1"/>
+            <p:nvPr/>
+          </p:nvSpPr>
+          <p:spPr>
+            <a:xfrm>
+              <a:off x="3707175" y="2133600"/>
+              <a:ext cx="1550651" cy="1015663"/>
+            </a:xfrm>
+            <a:prstGeom prst="rect">
+              <a:avLst/>
+            </a:prstGeom>
+            <a:noFill/>
+            <a:ln>
+              <a:solidFill>
+                <a:schemeClr val="tx1"/>
+              </a:solidFill>
+            </a:ln>
+          </p:spPr>
+          <p:txBody>
+            <a:bodyPr wrap="square" rtlCol="0" anchor="ctr">
+              <a:spAutoFit/>
+            </a:bodyPr>
+            <a:lstStyle/>
+            <a:p>
+              <a:pPr algn="ctr"/>
+              <a:endParaRPr lang="en-US" sz="2000" dirty="0" smtClean="0"/>
+            </a:p>
+            <a:p>
+              <a:pPr algn="ctr"/>
+              <a:r>
+                <a:rPr lang="en-US" sz="2000" dirty="0" smtClean="0"/>
+                <a:t>Model</a:t>
+              </a:r>
+            </a:p>
+            <a:p>
+              <a:pPr algn="ctr"/>
+              <a:endParaRPr lang="en-US" sz="2000" dirty="0"/>
+            </a:p>
+          </p:txBody>
+        </p:sp>
+        <p:sp>
+          <p:nvSpPr>
+            <p:cNvPr id="11" name="TextBox 10"/>
+            <p:cNvSpPr txBox="1"/>
+            <p:nvPr/>
+          </p:nvSpPr>
+          <p:spPr>
+            <a:xfrm>
+              <a:off x="3708494" y="4072539"/>
+              <a:ext cx="1556353" cy="1015663"/>
+            </a:xfrm>
+            <a:prstGeom prst="rect">
+              <a:avLst/>
+            </a:prstGeom>
+            <a:noFill/>
+            <a:ln>
+              <a:solidFill>
+                <a:schemeClr val="tx1"/>
+              </a:solidFill>
+            </a:ln>
+          </p:spPr>
+          <p:txBody>
+            <a:bodyPr wrap="square" rtlCol="0" anchor="ctr">
+              <a:spAutoFit/>
+            </a:bodyPr>
+            <a:lstStyle/>
+            <a:p>
+              <a:pPr algn="ctr"/>
+              <a:endParaRPr lang="en-US" sz="2000" dirty="0" smtClean="0"/>
+            </a:p>
+            <a:p>
+              <a:pPr algn="ctr"/>
+              <a:r>
+                <a:rPr lang="en-US" sz="2000" dirty="0" smtClean="0"/>
+                <a:t>Graph</a:t>
+              </a:r>
+            </a:p>
+            <a:p>
+              <a:pPr algn="ctr"/>
+              <a:endParaRPr lang="en-US" sz="2000" dirty="0"/>
+            </a:p>
+          </p:txBody>
+        </p:sp>
+        <p:sp>
+          <p:nvSpPr>
+            <p:cNvPr id="12" name="TextBox 11"/>
+            <p:cNvSpPr txBox="1"/>
+            <p:nvPr/>
+          </p:nvSpPr>
+          <p:spPr>
+            <a:xfrm>
+              <a:off x="4065829" y="3352800"/>
+              <a:ext cx="853692" cy="461665"/>
+            </a:xfrm>
+            <a:prstGeom prst="rect">
+              <a:avLst/>
+            </a:prstGeom>
+            <a:noFill/>
+          </p:spPr>
+          <p:txBody>
+            <a:bodyPr wrap="square" rtlCol="0">
+              <a:spAutoFit/>
+            </a:bodyPr>
+            <a:lstStyle/>
+            <a:p>
+              <a:r>
+                <a:rPr lang="en-US" sz="2400" b="1" dirty="0" smtClean="0"/>
+                <a:t>EDA</a:t>
+              </a:r>
+              <a:endParaRPr lang="en-US" sz="2400" b="1" dirty="0"/>
+            </a:p>
+          </p:txBody>
+        </p:sp>
+        <p:cxnSp>
+          <p:nvCxnSpPr>
+            <p:cNvPr id="18" name="Straight Arrow Connector 17"/>
+            <p:cNvCxnSpPr/>
+            <p:nvPr/>
+          </p:nvCxnSpPr>
+          <p:spPr>
+            <a:xfrm flipH="1" flipV="1">
+              <a:off x="6477000" y="2209800"/>
+              <a:ext cx="192506" cy="106352"/>
+            </a:xfrm>
+            <a:prstGeom prst="straightConnector1">
+              <a:avLst/>
+            </a:prstGeom>
+            <a:ln w="38100">
+              <a:solidFill>
+                <a:schemeClr val="accent6"/>
+              </a:solidFill>
+              <a:tailEnd type="triangle" w="lg" len="lg"/>
+            </a:ln>
+          </p:spPr>
+          <p:style>
+            <a:lnRef idx="1">
+              <a:schemeClr val="accent1"/>
+            </a:lnRef>
+            <a:fillRef idx="0">
+              <a:schemeClr val="accent1"/>
+            </a:fillRef>
+            <a:effectRef idx="0">
+              <a:schemeClr val="accent1"/>
+            </a:effectRef>
+            <a:fontRef idx="minor">
+              <a:schemeClr val="tx1"/>
+            </a:fontRef>
+          </p:style>
+        </p:cxnSp>
+        <p:cxnSp>
+          <p:nvCxnSpPr>
+            <p:cNvPr id="19" name="Straight Arrow Connector 18"/>
+            <p:cNvCxnSpPr/>
+            <p:nvPr/>
+          </p:nvCxnSpPr>
+          <p:spPr>
+            <a:xfrm flipV="1">
+              <a:off x="6400800" y="4928452"/>
+              <a:ext cx="231203" cy="100748"/>
+            </a:xfrm>
+            <a:prstGeom prst="straightConnector1">
+              <a:avLst/>
+            </a:prstGeom>
+            <a:ln w="38100">
+              <a:solidFill>
+                <a:schemeClr val="accent6"/>
+              </a:solidFill>
+              <a:tailEnd type="triangle" w="lg" len="lg"/>
+            </a:ln>
+          </p:spPr>
+          <p:style>
+            <a:lnRef idx="1">
+              <a:schemeClr val="accent1"/>
+            </a:lnRef>
+            <a:fillRef idx="0">
+              <a:schemeClr val="accent1"/>
+            </a:fillRef>
+            <a:effectRef idx="0">
+              <a:schemeClr val="accent1"/>
+            </a:effectRef>
+            <a:fontRef idx="minor">
+              <a:schemeClr val="tx1"/>
+            </a:fontRef>
+          </p:style>
+        </p:cxnSp>
+        <p:cxnSp>
+          <p:nvCxnSpPr>
+            <p:cNvPr id="21" name="Straight Arrow Connector 20"/>
+            <p:cNvCxnSpPr/>
+            <p:nvPr/>
+          </p:nvCxnSpPr>
+          <p:spPr>
+            <a:xfrm>
+              <a:off x="2057400" y="4724400"/>
+              <a:ext cx="207738" cy="117720"/>
+            </a:xfrm>
+            <a:prstGeom prst="straightConnector1">
+              <a:avLst/>
+            </a:prstGeom>
+            <a:ln w="38100">
+              <a:solidFill>
+                <a:schemeClr val="accent6"/>
+              </a:solidFill>
+              <a:tailEnd type="triangle" w="lg" len="lg"/>
+            </a:ln>
+          </p:spPr>
+          <p:style>
+            <a:lnRef idx="1">
+              <a:schemeClr val="accent1"/>
+            </a:lnRef>
+            <a:fillRef idx="0">
+              <a:schemeClr val="accent1"/>
+            </a:fillRef>
+            <a:effectRef idx="0">
+              <a:schemeClr val="accent1"/>
+            </a:effectRef>
+            <a:fontRef idx="minor">
+              <a:schemeClr val="tx1"/>
+            </a:fontRef>
+          </p:style>
+        </p:cxnSp>
+        <p:cxnSp>
+          <p:nvCxnSpPr>
+            <p:cNvPr id="22" name="Straight Arrow Connector 21"/>
+            <p:cNvCxnSpPr/>
+            <p:nvPr/>
+          </p:nvCxnSpPr>
+          <p:spPr>
+            <a:xfrm flipH="1">
+              <a:off x="2209800" y="2209800"/>
+              <a:ext cx="254197" cy="158341"/>
+            </a:xfrm>
+            <a:prstGeom prst="straightConnector1">
+              <a:avLst/>
+            </a:prstGeom>
+            <a:ln w="38100">
+              <a:solidFill>
+                <a:schemeClr val="accent6"/>
+              </a:solidFill>
+              <a:tailEnd type="triangle" w="lg" len="lg"/>
+            </a:ln>
+          </p:spPr>
+          <p:style>
+            <a:lnRef idx="1">
+              <a:schemeClr val="accent1"/>
+            </a:lnRef>
+            <a:fillRef idx="0">
+              <a:schemeClr val="accent1"/>
+            </a:fillRef>
+            <a:effectRef idx="0">
+              <a:schemeClr val="accent1"/>
+            </a:effectRef>
+            <a:fontRef idx="minor">
+              <a:schemeClr val="tx1"/>
+            </a:fontRef>
+          </p:style>
+        </p:cxnSp>
+      </p:grpSp>
+    </p:spTree>
+    <p:extLst>
+      <p:ext uri="{BB962C8B-B14F-4D97-AF65-F5344CB8AC3E}">
+        <p14:creationId xmlns:p14="http://schemas.microsoft.com/office/powerpoint/2010/main" val="3150738438"/>
+      </p:ext>
+    </p:extLst>
+  </p:cSld>
+  <p:clrMapOvr>
+    <a:masterClrMapping/>
+  </p:clrMapOvr>
+  <p:transition spd="slow">
+    <p:fade/>
+  </p:transition>
+  <p:timing>
+    <p:tnLst>
+      <p:par>
+        <p:cTn id="1" dur="indefinite" restart="never" nodeType="tmRoot"/>
+      </p:par>
+    </p:tnLst>
+  </p:timing>
+</p:sld>
+</file>
+
+<file path=ppt/slides/slide28.xml><?xml version="1.0" encoding="utf-8"?>
+<p:sld xmlns:a="http://schemas.openxmlformats.org/drawingml/2006/main" xmlns:r="http://schemas.openxmlformats.org/officeDocument/2006/relationships" xmlns:p="http://schemas.openxmlformats.org/presentationml/2006/main">
+  <p:cSld>
+    <p:spTree>
+      <p:nvGrpSpPr>
+        <p:cNvPr id="1" name=""/>
+        <p:cNvGrpSpPr/>
+        <p:nvPr/>
+      </p:nvGrpSpPr>
+      <p:grpSpPr>
+        <a:xfrm>
+          <a:off x="0" y="0"/>
+          <a:ext cx="0" cy="0"/>
+          <a:chOff x="0" y="0"/>
+          <a:chExt cx="0" cy="0"/>
+        </a:xfrm>
+      </p:grpSpPr>
+      <p:sp>
+        <p:nvSpPr>
+          <p:cNvPr id="5" name="Flowchart: Data 4"/>
+          <p:cNvSpPr/>
+          <p:nvPr/>
+        </p:nvSpPr>
+        <p:spPr>
+          <a:xfrm>
+            <a:off x="4210050" y="1981200"/>
+            <a:ext cx="4648200" cy="1920240"/>
+          </a:xfrm>
+          <a:prstGeom prst="flowChartInputOutput">
+            <a:avLst/>
+          </a:prstGeom>
+          <a:solidFill>
+            <a:schemeClr val="accent6">
+              <a:lumMod val="20000"/>
+              <a:lumOff val="80000"/>
+            </a:schemeClr>
+          </a:solidFill>
+          <a:ln>
+            <a:noFill/>
+          </a:ln>
+        </p:spPr>
+        <p:style>
+          <a:lnRef idx="2">
+            <a:schemeClr val="accent6">
+              <a:shade val="50000"/>
+            </a:schemeClr>
+          </a:lnRef>
+          <a:fillRef idx="1">
+            <a:schemeClr val="accent6"/>
+          </a:fillRef>
+          <a:effectRef idx="0">
+            <a:schemeClr val="accent6"/>
+          </a:effectRef>
+          <a:fontRef idx="minor">
+            <a:schemeClr val="lt1"/>
+          </a:fontRef>
+        </p:style>
+        <p:txBody>
+          <a:bodyPr rtlCol="0" anchor="t"/>
+          <a:lstStyle/>
+          <a:p>
+            <a:pPr algn="ctr"/>
+            <a:r>
+              <a:rPr lang="en-US" dirty="0" smtClean="0">
+                <a:solidFill>
+                  <a:schemeClr val="accent6">
+                    <a:lumMod val="10000"/>
+                  </a:schemeClr>
+                </a:solidFill>
+              </a:rPr>
+              <a:t>Visual Form</a:t>
+            </a:r>
+            <a:endParaRPr lang="en-US" dirty="0">
+              <a:solidFill>
+                <a:schemeClr val="accent6">
+                  <a:lumMod val="10000"/>
+                </a:schemeClr>
+              </a:solidFill>
+            </a:endParaRPr>
+          </a:p>
+        </p:txBody>
+      </p:sp>
+      <p:sp>
+        <p:nvSpPr>
+          <p:cNvPr id="6" name="Flowchart: Data 5"/>
+          <p:cNvSpPr/>
+          <p:nvPr/>
+        </p:nvSpPr>
+        <p:spPr>
+          <a:xfrm>
+            <a:off x="76200" y="1981200"/>
+            <a:ext cx="4648200" cy="1920240"/>
+          </a:xfrm>
+          <a:prstGeom prst="flowChartInputOutput">
+            <a:avLst/>
+          </a:prstGeom>
+          <a:solidFill>
+            <a:schemeClr val="accent2">
+              <a:lumMod val="40000"/>
+              <a:lumOff val="60000"/>
+            </a:schemeClr>
+          </a:solidFill>
+          <a:ln>
+            <a:noFill/>
+          </a:ln>
+        </p:spPr>
+        <p:style>
+          <a:lnRef idx="2">
+            <a:schemeClr val="accent2">
+              <a:shade val="50000"/>
+            </a:schemeClr>
+          </a:lnRef>
+          <a:fillRef idx="1">
+            <a:schemeClr val="accent2"/>
+          </a:fillRef>
+          <a:effectRef idx="0">
+            <a:schemeClr val="accent2"/>
+          </a:effectRef>
+          <a:fontRef idx="minor">
+            <a:schemeClr val="lt1"/>
+          </a:fontRef>
+        </p:style>
+        <p:txBody>
+          <a:bodyPr rtlCol="0" anchor="t"/>
+          <a:lstStyle/>
+          <a:p>
+            <a:pPr algn="ctr"/>
+            <a:r>
+              <a:rPr lang="en-US" dirty="0" smtClean="0">
+                <a:solidFill>
+                  <a:schemeClr val="accent6">
+                    <a:lumMod val="10000"/>
+                  </a:schemeClr>
+                </a:solidFill>
+              </a:rPr>
+              <a:t>Data</a:t>
+            </a:r>
+            <a:endParaRPr lang="en-US" dirty="0">
+              <a:solidFill>
+                <a:schemeClr val="accent6">
+                  <a:lumMod val="10000"/>
+                </a:schemeClr>
+              </a:solidFill>
+            </a:endParaRPr>
+          </a:p>
+        </p:txBody>
+      </p:sp>
+      <p:sp>
+        <p:nvSpPr>
+          <p:cNvPr id="9" name="Content Placeholder 2"/>
+          <p:cNvSpPr txBox="1">
+            <a:spLocks/>
+          </p:cNvSpPr>
+          <p:nvPr/>
+        </p:nvSpPr>
+        <p:spPr>
+          <a:xfrm>
+            <a:off x="457200" y="1600200"/>
+            <a:ext cx="8229600" cy="4678363"/>
+          </a:xfrm>
+          <a:prstGeom prst="rect">
+            <a:avLst/>
+          </a:prstGeom>
+        </p:spPr>
+        <p:txBody>
+          <a:bodyPr vert="horz" lIns="91440" tIns="45720" rIns="91440" bIns="45720" rtlCol="0">
+            <a:normAutofit/>
+          </a:bodyPr>
+          <a:lstStyle>
+            <a:lvl1pPr marL="172641" indent="-166688" algn="l" defTabSz="685800" rtl="0" eaLnBrk="1" latinLnBrk="0" hangingPunct="1">
+              <a:spcBef>
+                <a:spcPts val="225"/>
+              </a:spcBef>
+              <a:spcAft>
+                <a:spcPts val="450"/>
+              </a:spcAft>
+              <a:buFont typeface="Arial" panose="020B0604020202020204" pitchFamily="34" charset="0"/>
+              <a:buChar char="•"/>
+              <a:tabLst/>
+              <a:defRPr sz="2400" kern="1200">
+                <a:solidFill>
+                  <a:schemeClr val="tx1"/>
+                </a:solidFill>
+                <a:latin typeface="+mn-lt"/>
+                <a:ea typeface="+mn-ea"/>
+                <a:cs typeface="+mn-cs"/>
+              </a:defRPr>
+            </a:lvl1pPr>
+            <a:lvl2pPr marL="514350" indent="-215504" algn="l" defTabSz="685800" rtl="0" eaLnBrk="1" latinLnBrk="0" hangingPunct="1">
+              <a:spcBef>
+                <a:spcPts val="225"/>
+              </a:spcBef>
+              <a:spcAft>
+                <a:spcPts val="450"/>
+              </a:spcAft>
+              <a:buFont typeface="Arial" panose="020B0604020202020204" pitchFamily="34" charset="0"/>
+              <a:buChar char="–"/>
+              <a:tabLst/>
+              <a:defRPr sz="2100" kern="1200">
+                <a:solidFill>
+                  <a:schemeClr val="tx1"/>
+                </a:solidFill>
+                <a:latin typeface="+mn-lt"/>
+                <a:ea typeface="+mn-ea"/>
+                <a:cs typeface="+mn-cs"/>
+              </a:defRPr>
+            </a:lvl2pPr>
+            <a:lvl3pPr marL="857250" indent="-171450" algn="l" defTabSz="685800" rtl="0" eaLnBrk="1" latinLnBrk="0" hangingPunct="1">
+              <a:spcBef>
+                <a:spcPts val="225"/>
+              </a:spcBef>
+              <a:spcAft>
+                <a:spcPts val="450"/>
+              </a:spcAft>
+              <a:buFont typeface="Arial" panose="020B0604020202020204" pitchFamily="34" charset="0"/>
+              <a:buChar char="•"/>
+              <a:defRPr sz="1800" kern="1200">
+                <a:solidFill>
+                  <a:schemeClr val="tx1"/>
+                </a:solidFill>
+                <a:latin typeface="+mn-lt"/>
+                <a:ea typeface="+mn-ea"/>
+                <a:cs typeface="+mn-cs"/>
+              </a:defRPr>
+            </a:lvl3pPr>
+            <a:lvl4pPr marL="1200150" indent="-171450" algn="l" defTabSz="685800" rtl="0" eaLnBrk="1" latinLnBrk="0" hangingPunct="1">
+              <a:spcBef>
+                <a:spcPts val="225"/>
+              </a:spcBef>
+              <a:spcAft>
+                <a:spcPts val="450"/>
+              </a:spcAft>
+              <a:buFont typeface="Arial" panose="020B0604020202020204" pitchFamily="34" charset="0"/>
+              <a:buChar char="–"/>
+              <a:defRPr sz="1500" kern="1200">
+                <a:solidFill>
+                  <a:schemeClr val="tx1"/>
+                </a:solidFill>
+                <a:latin typeface="+mn-lt"/>
+                <a:ea typeface="+mn-ea"/>
+                <a:cs typeface="+mn-cs"/>
+              </a:defRPr>
+            </a:lvl4pPr>
+            <a:lvl5pPr marL="1543050" indent="-171450" algn="l" defTabSz="685800" rtl="0" eaLnBrk="1" latinLnBrk="0" hangingPunct="1">
+              <a:spcBef>
+                <a:spcPts val="225"/>
+              </a:spcBef>
+              <a:spcAft>
+                <a:spcPts val="450"/>
+              </a:spcAft>
+              <a:buFont typeface="Arial" panose="020B0604020202020204" pitchFamily="34" charset="0"/>
+              <a:buChar char="»"/>
+              <a:defRPr sz="1500" kern="1200">
+                <a:solidFill>
+                  <a:schemeClr val="tx1"/>
+                </a:solidFill>
+                <a:latin typeface="+mn-lt"/>
+                <a:ea typeface="+mn-ea"/>
+                <a:cs typeface="+mn-cs"/>
+              </a:defRPr>
+            </a:lvl5pPr>
+            <a:lvl6pPr marL="1885950" indent="-171450" algn="l" defTabSz="685800" rtl="0" eaLnBrk="1" latinLnBrk="0" hangingPunct="1">
+              <a:spcBef>
+                <a:spcPct val="20000"/>
+              </a:spcBef>
+              <a:buFont typeface="Arial" panose="020B0604020202020204" pitchFamily="34" charset="0"/>
+              <a:buChar char="•"/>
+              <a:defRPr sz="1500" kern="1200">
+                <a:solidFill>
+                  <a:schemeClr val="tx1"/>
+                </a:solidFill>
+                <a:latin typeface="+mn-lt"/>
+                <a:ea typeface="+mn-ea"/>
+                <a:cs typeface="+mn-cs"/>
+              </a:defRPr>
+            </a:lvl6pPr>
+            <a:lvl7pPr marL="2228850" indent="-171450" algn="l" defTabSz="685800" rtl="0" eaLnBrk="1" latinLnBrk="0" hangingPunct="1">
+              <a:spcBef>
+                <a:spcPct val="20000"/>
+              </a:spcBef>
+              <a:buFont typeface="Arial" panose="020B0604020202020204" pitchFamily="34" charset="0"/>
+              <a:buChar char="•"/>
+              <a:defRPr sz="1500" kern="1200">
+                <a:solidFill>
+                  <a:schemeClr val="tx1"/>
+                </a:solidFill>
+                <a:latin typeface="+mn-lt"/>
+                <a:ea typeface="+mn-ea"/>
+                <a:cs typeface="+mn-cs"/>
+              </a:defRPr>
+            </a:lvl7pPr>
+            <a:lvl8pPr marL="2571750" indent="-171450" algn="l" defTabSz="685800" rtl="0" eaLnBrk="1" latinLnBrk="0" hangingPunct="1">
+              <a:spcBef>
+                <a:spcPct val="20000"/>
+              </a:spcBef>
+              <a:buFont typeface="Arial" panose="020B0604020202020204" pitchFamily="34" charset="0"/>
+              <a:buChar char="•"/>
+              <a:defRPr sz="1500" kern="1200">
+                <a:solidFill>
+                  <a:schemeClr val="tx1"/>
+                </a:solidFill>
+                <a:latin typeface="+mn-lt"/>
+                <a:ea typeface="+mn-ea"/>
+                <a:cs typeface="+mn-cs"/>
+              </a:defRPr>
+            </a:lvl8pPr>
+            <a:lvl9pPr marL="2914650" indent="-171450" algn="l" defTabSz="685800" rtl="0" eaLnBrk="1" latinLnBrk="0" hangingPunct="1">
+              <a:spcBef>
+                <a:spcPct val="20000"/>
+              </a:spcBef>
+              <a:buFont typeface="Arial" panose="020B0604020202020204" pitchFamily="34" charset="0"/>
+              <a:buChar char="•"/>
+              <a:defRPr sz="1500" kern="1200">
+                <a:solidFill>
+                  <a:schemeClr val="tx1"/>
+                </a:solidFill>
+                <a:latin typeface="+mn-lt"/>
+                <a:ea typeface="+mn-ea"/>
+                <a:cs typeface="+mn-cs"/>
+              </a:defRPr>
+            </a:lvl9pPr>
+          </a:lstStyle>
+          <a:p>
+            <a:pPr>
+              <a:buFont typeface="Arial" charset="0"/>
+              <a:buChar char="•"/>
+            </a:pPr>
+            <a:endParaRPr lang="en-US" dirty="0" smtClean="0"/>
+          </a:p>
+        </p:txBody>
+      </p:sp>
+      <p:sp>
+        <p:nvSpPr>
+          <p:cNvPr id="11" name="Flowchart: Data 10"/>
+          <p:cNvSpPr/>
+          <p:nvPr/>
+        </p:nvSpPr>
+        <p:spPr>
+          <a:xfrm>
+            <a:off x="438150" y="2705100"/>
+            <a:ext cx="1920240" cy="838200"/>
+          </a:xfrm>
+          <a:prstGeom prst="flowChartInputOutput">
+            <a:avLst/>
+          </a:prstGeom>
+          <a:ln>
+            <a:noFill/>
+          </a:ln>
+        </p:spPr>
+        <p:style>
+          <a:lnRef idx="2">
+            <a:schemeClr val="accent1">
+              <a:shade val="50000"/>
+            </a:schemeClr>
+          </a:lnRef>
+          <a:fillRef idx="1">
+            <a:schemeClr val="accent1"/>
+          </a:fillRef>
+          <a:effectRef idx="0">
+            <a:schemeClr val="accent1"/>
+          </a:effectRef>
+          <a:fontRef idx="minor">
+            <a:schemeClr val="lt1"/>
+          </a:fontRef>
+        </p:style>
+        <p:txBody>
+          <a:bodyPr rtlCol="0" anchor="ctr"/>
+          <a:lstStyle/>
+          <a:p>
+            <a:pPr algn="ctr"/>
+            <a:r>
+              <a:rPr lang="en-US" dirty="0" smtClean="0"/>
+              <a:t>Raw Data</a:t>
+            </a:r>
+            <a:endParaRPr lang="en-US" dirty="0"/>
+          </a:p>
+        </p:txBody>
+      </p:sp>
+      <p:sp>
+        <p:nvSpPr>
+          <p:cNvPr id="12" name="Flowchart: Data 11"/>
+          <p:cNvSpPr/>
+          <p:nvPr/>
+        </p:nvSpPr>
+        <p:spPr>
+          <a:xfrm>
+            <a:off x="2266950" y="2705100"/>
+            <a:ext cx="1920240" cy="838200"/>
+          </a:xfrm>
+          <a:prstGeom prst="flowChartInputOutput">
+            <a:avLst/>
+          </a:prstGeom>
+          <a:ln>
+            <a:noFill/>
+          </a:ln>
+        </p:spPr>
+        <p:style>
+          <a:lnRef idx="2">
+            <a:schemeClr val="accent1">
+              <a:shade val="50000"/>
+            </a:schemeClr>
+          </a:lnRef>
+          <a:fillRef idx="1">
+            <a:schemeClr val="accent1"/>
+          </a:fillRef>
+          <a:effectRef idx="0">
+            <a:schemeClr val="accent1"/>
+          </a:effectRef>
+          <a:fontRef idx="minor">
+            <a:schemeClr val="lt1"/>
+          </a:fontRef>
+        </p:style>
+        <p:txBody>
+          <a:bodyPr rtlCol="0" anchor="ctr"/>
+          <a:lstStyle/>
+          <a:p>
+            <a:pPr algn="ctr"/>
+            <a:r>
+              <a:rPr lang="en-US" dirty="0" smtClean="0"/>
+              <a:t>Data Tables</a:t>
+            </a:r>
+            <a:endParaRPr lang="en-US" dirty="0"/>
+          </a:p>
+        </p:txBody>
+      </p:sp>
+      <p:sp>
+        <p:nvSpPr>
+          <p:cNvPr id="13" name="Flowchart: Data 12"/>
+          <p:cNvSpPr/>
+          <p:nvPr/>
+        </p:nvSpPr>
+        <p:spPr>
+          <a:xfrm>
+            <a:off x="4552950" y="2705100"/>
+            <a:ext cx="1920240" cy="838200"/>
+          </a:xfrm>
+          <a:prstGeom prst="flowChartInputOutput">
+            <a:avLst/>
+          </a:prstGeom>
+          <a:ln>
+            <a:noFill/>
+          </a:ln>
+        </p:spPr>
+        <p:style>
+          <a:lnRef idx="2">
+            <a:schemeClr val="accent3">
+              <a:shade val="50000"/>
+            </a:schemeClr>
+          </a:lnRef>
+          <a:fillRef idx="1">
+            <a:schemeClr val="accent3"/>
+          </a:fillRef>
+          <a:effectRef idx="0">
+            <a:schemeClr val="accent3"/>
+          </a:effectRef>
+          <a:fontRef idx="minor">
+            <a:schemeClr val="lt1"/>
+          </a:fontRef>
+        </p:style>
+        <p:txBody>
+          <a:bodyPr rtlCol="0" anchor="ctr"/>
+          <a:lstStyle/>
+          <a:p>
+            <a:pPr algn="ctr"/>
+            <a:r>
+              <a:rPr lang="en-US" dirty="0" smtClean="0"/>
+              <a:t>Visual Structures</a:t>
+            </a:r>
+            <a:endParaRPr lang="en-US" dirty="0"/>
+          </a:p>
+        </p:txBody>
+      </p:sp>
+      <p:sp>
+        <p:nvSpPr>
+          <p:cNvPr id="14" name="Flowchart: Data 13"/>
+          <p:cNvSpPr/>
+          <p:nvPr/>
+        </p:nvSpPr>
+        <p:spPr>
+          <a:xfrm>
+            <a:off x="6381750" y="2705100"/>
+            <a:ext cx="1920240" cy="838200"/>
+          </a:xfrm>
+          <a:prstGeom prst="flowChartInputOutput">
+            <a:avLst/>
+          </a:prstGeom>
+          <a:ln>
+            <a:noFill/>
+          </a:ln>
+        </p:spPr>
+        <p:style>
+          <a:lnRef idx="2">
+            <a:schemeClr val="accent3">
+              <a:shade val="50000"/>
+            </a:schemeClr>
+          </a:lnRef>
+          <a:fillRef idx="1">
+            <a:schemeClr val="accent3"/>
+          </a:fillRef>
+          <a:effectRef idx="0">
+            <a:schemeClr val="accent3"/>
+          </a:effectRef>
+          <a:fontRef idx="minor">
+            <a:schemeClr val="lt1"/>
+          </a:fontRef>
+        </p:style>
+        <p:txBody>
+          <a:bodyPr rtlCol="0" anchor="ctr"/>
+          <a:lstStyle/>
+          <a:p>
+            <a:pPr algn="ctr"/>
+            <a:r>
+              <a:rPr lang="en-US" dirty="0" smtClean="0"/>
+              <a:t>Views</a:t>
+            </a:r>
+            <a:endParaRPr lang="en-US" dirty="0"/>
+          </a:p>
+        </p:txBody>
+      </p:sp>
+      <p:sp>
+        <p:nvSpPr>
+          <p:cNvPr id="16" name="Flowchart: Process 15"/>
+          <p:cNvSpPr/>
+          <p:nvPr/>
+        </p:nvSpPr>
+        <p:spPr>
+          <a:xfrm>
+            <a:off x="3505200" y="4876800"/>
+            <a:ext cx="1295400" cy="914400"/>
+          </a:xfrm>
+          <a:prstGeom prst="flowChartProcess">
+            <a:avLst/>
+          </a:prstGeom>
+          <a:ln>
+            <a:noFill/>
+          </a:ln>
+        </p:spPr>
+        <p:style>
+          <a:lnRef idx="2">
+            <a:schemeClr val="accent4">
+              <a:shade val="50000"/>
+            </a:schemeClr>
+          </a:lnRef>
+          <a:fillRef idx="1">
+            <a:schemeClr val="accent4"/>
+          </a:fillRef>
+          <a:effectRef idx="0">
+            <a:schemeClr val="accent4"/>
+          </a:effectRef>
+          <a:fontRef idx="minor">
+            <a:schemeClr val="lt1"/>
+          </a:fontRef>
+        </p:style>
+        <p:txBody>
+          <a:bodyPr rtlCol="0" anchor="ctr"/>
+          <a:lstStyle/>
+          <a:p>
+            <a:pPr algn="ctr"/>
+            <a:r>
+              <a:rPr lang="en-US" dirty="0" smtClean="0">
+                <a:solidFill>
+                  <a:schemeClr val="accent6">
+                    <a:lumMod val="10000"/>
+                  </a:schemeClr>
+                </a:solidFill>
+              </a:rPr>
+              <a:t>Human Interaction</a:t>
+            </a:r>
+            <a:endParaRPr lang="en-US" dirty="0">
+              <a:solidFill>
+                <a:schemeClr val="accent6">
+                  <a:lumMod val="10000"/>
+                </a:schemeClr>
+              </a:solidFill>
+            </a:endParaRPr>
+          </a:p>
+        </p:txBody>
+      </p:sp>
+      <p:cxnSp>
+        <p:nvCxnSpPr>
+          <p:cNvPr id="17" name="Straight Arrow Connector 16"/>
+          <p:cNvCxnSpPr>
+            <a:stCxn id="11" idx="5"/>
+            <a:endCxn id="12" idx="2"/>
+          </p:cNvCxnSpPr>
+          <p:nvPr/>
+        </p:nvCxnSpPr>
+        <p:spPr>
+          <a:xfrm>
+            <a:off x="2166366" y="3124200"/>
+            <a:ext cx="292608" cy="0"/>
+          </a:xfrm>
+          <a:prstGeom prst="straightConnector1">
+            <a:avLst/>
+          </a:prstGeom>
+          <a:ln w="60325">
+            <a:tailEnd type="triangle"/>
+          </a:ln>
+        </p:spPr>
+        <p:style>
+          <a:lnRef idx="1">
+            <a:schemeClr val="dk1"/>
+          </a:lnRef>
+          <a:fillRef idx="0">
+            <a:schemeClr val="dk1"/>
+          </a:fillRef>
+          <a:effectRef idx="0">
+            <a:schemeClr val="dk1"/>
+          </a:effectRef>
+          <a:fontRef idx="minor">
+            <a:schemeClr val="tx1"/>
+          </a:fontRef>
+        </p:style>
+      </p:cxnSp>
+      <p:cxnSp>
+        <p:nvCxnSpPr>
+          <p:cNvPr id="18" name="Straight Arrow Connector 17"/>
+          <p:cNvCxnSpPr>
+            <a:stCxn id="12" idx="5"/>
+            <a:endCxn id="13" idx="2"/>
+          </p:cNvCxnSpPr>
+          <p:nvPr/>
+        </p:nvCxnSpPr>
+        <p:spPr>
+          <a:xfrm>
+            <a:off x="3995166" y="3124200"/>
+            <a:ext cx="749808" cy="0"/>
+          </a:xfrm>
+          <a:prstGeom prst="straightConnector1">
+            <a:avLst/>
+          </a:prstGeom>
+          <a:ln w="60325">
+            <a:tailEnd type="triangle"/>
+          </a:ln>
+        </p:spPr>
+        <p:style>
+          <a:lnRef idx="1">
+            <a:schemeClr val="dk1"/>
+          </a:lnRef>
+          <a:fillRef idx="0">
+            <a:schemeClr val="dk1"/>
+          </a:fillRef>
+          <a:effectRef idx="0">
+            <a:schemeClr val="dk1"/>
+          </a:effectRef>
+          <a:fontRef idx="minor">
+            <a:schemeClr val="tx1"/>
+          </a:fontRef>
+        </p:style>
+      </p:cxnSp>
+      <p:cxnSp>
+        <p:nvCxnSpPr>
+          <p:cNvPr id="19" name="Straight Arrow Connector 18"/>
+          <p:cNvCxnSpPr>
+            <a:stCxn id="13" idx="5"/>
+            <a:endCxn id="14" idx="2"/>
+          </p:cNvCxnSpPr>
+          <p:nvPr/>
+        </p:nvCxnSpPr>
+        <p:spPr>
+          <a:xfrm>
+            <a:off x="6281166" y="3124200"/>
+            <a:ext cx="292608" cy="0"/>
+          </a:xfrm>
+          <a:prstGeom prst="straightConnector1">
+            <a:avLst/>
+          </a:prstGeom>
+          <a:ln w="60325">
+            <a:tailEnd type="triangle"/>
+          </a:ln>
+        </p:spPr>
+        <p:style>
+          <a:lnRef idx="1">
+            <a:schemeClr val="dk1"/>
+          </a:lnRef>
+          <a:fillRef idx="0">
+            <a:schemeClr val="dk1"/>
+          </a:fillRef>
+          <a:effectRef idx="0">
+            <a:schemeClr val="dk1"/>
+          </a:effectRef>
+          <a:fontRef idx="minor">
+            <a:schemeClr val="tx1"/>
+          </a:fontRef>
+        </p:style>
+      </p:cxnSp>
+      <p:cxnSp>
+        <p:nvCxnSpPr>
+          <p:cNvPr id="20" name="Elbow Connector 19"/>
+          <p:cNvCxnSpPr/>
+          <p:nvPr/>
+        </p:nvCxnSpPr>
+        <p:spPr>
+          <a:xfrm rot="16200000" flipV="1">
+            <a:off x="2941320" y="3665220"/>
+            <a:ext cx="670560" cy="1752600"/>
+          </a:xfrm>
+          <a:prstGeom prst="bentConnector3">
+            <a:avLst/>
+          </a:prstGeom>
+          <a:ln w="60325">
+            <a:tailEnd type="triangle"/>
+          </a:ln>
+        </p:spPr>
+        <p:style>
+          <a:lnRef idx="1">
+            <a:schemeClr val="dk1"/>
+          </a:lnRef>
+          <a:fillRef idx="0">
+            <a:schemeClr val="dk1"/>
+          </a:fillRef>
+          <a:effectRef idx="0">
+            <a:schemeClr val="dk1"/>
+          </a:effectRef>
+          <a:fontRef idx="minor">
+            <a:schemeClr val="tx1"/>
+          </a:fontRef>
+        </p:style>
+      </p:cxnSp>
+      <p:cxnSp>
+        <p:nvCxnSpPr>
+          <p:cNvPr id="21" name="Elbow Connector 20"/>
+          <p:cNvCxnSpPr/>
+          <p:nvPr/>
+        </p:nvCxnSpPr>
+        <p:spPr>
+          <a:xfrm rot="5400000" flipH="1" flipV="1">
+            <a:off x="4775835" y="3583305"/>
+            <a:ext cx="670560" cy="1916430"/>
+          </a:xfrm>
+          <a:prstGeom prst="bentConnector3">
+            <a:avLst>
+              <a:gd name="adj1" fmla="val 50000"/>
+            </a:avLst>
+          </a:prstGeom>
+          <a:ln w="60325">
+            <a:tailEnd type="triangle"/>
+          </a:ln>
+        </p:spPr>
+        <p:style>
+          <a:lnRef idx="1">
+            <a:schemeClr val="dk1"/>
+          </a:lnRef>
+          <a:fillRef idx="0">
+            <a:schemeClr val="dk1"/>
+          </a:fillRef>
+          <a:effectRef idx="0">
+            <a:schemeClr val="dk1"/>
+          </a:effectRef>
+          <a:fontRef idx="minor">
+            <a:schemeClr val="tx1"/>
+          </a:fontRef>
+        </p:style>
+      </p:cxnSp>
+      <p:cxnSp>
+        <p:nvCxnSpPr>
+          <p:cNvPr id="22" name="Straight Arrow Connector 21"/>
+          <p:cNvCxnSpPr/>
+          <p:nvPr/>
+        </p:nvCxnSpPr>
+        <p:spPr>
+          <a:xfrm flipV="1">
+            <a:off x="4152900" y="4206240"/>
+            <a:ext cx="0" cy="670560"/>
+          </a:xfrm>
+          <a:prstGeom prst="straightConnector1">
+            <a:avLst/>
+          </a:prstGeom>
+          <a:ln w="60325">
+            <a:tailEnd type="triangle"/>
+          </a:ln>
+        </p:spPr>
+        <p:style>
+          <a:lnRef idx="1">
+            <a:schemeClr val="dk1"/>
+          </a:lnRef>
+          <a:fillRef idx="0">
+            <a:schemeClr val="dk1"/>
+          </a:fillRef>
+          <a:effectRef idx="0">
+            <a:schemeClr val="dk1"/>
+          </a:effectRef>
+          <a:fontRef idx="minor">
+            <a:schemeClr val="tx1"/>
+          </a:fontRef>
+        </p:style>
+      </p:cxnSp>
+      <p:sp>
+        <p:nvSpPr>
+          <p:cNvPr id="23" name="Rectangle 22"/>
+          <p:cNvSpPr/>
+          <p:nvPr/>
+        </p:nvSpPr>
+        <p:spPr>
+          <a:xfrm>
+            <a:off x="1835273" y="3848100"/>
+            <a:ext cx="1130053" cy="369332"/>
+          </a:xfrm>
+          <a:prstGeom prst="rect">
+            <a:avLst/>
+          </a:prstGeom>
+        </p:spPr>
+        <p:txBody>
+          <a:bodyPr wrap="none">
+            <a:spAutoFit/>
+          </a:bodyPr>
+          <a:lstStyle/>
+          <a:p>
+            <a:r>
+              <a:rPr lang="en-US" dirty="0" smtClean="0"/>
+              <a:t>Transform</a:t>
+            </a:r>
+            <a:endParaRPr lang="en-US" dirty="0"/>
+          </a:p>
+        </p:txBody>
+      </p:sp>
+      <p:sp>
+        <p:nvSpPr>
+          <p:cNvPr id="24" name="Rectangle 23"/>
+          <p:cNvSpPr/>
+          <p:nvPr/>
+        </p:nvSpPr>
+        <p:spPr>
+          <a:xfrm>
+            <a:off x="3810000" y="3848100"/>
+            <a:ext cx="614271" cy="369332"/>
+          </a:xfrm>
+          <a:prstGeom prst="rect">
+            <a:avLst/>
+          </a:prstGeom>
+        </p:spPr>
+        <p:txBody>
+          <a:bodyPr wrap="none">
+            <a:spAutoFit/>
+          </a:bodyPr>
+          <a:lstStyle/>
+          <a:p>
+            <a:r>
+              <a:rPr lang="en-US" dirty="0" smtClean="0"/>
+              <a:t>Map</a:t>
+            </a:r>
+            <a:endParaRPr lang="en-US" dirty="0"/>
+          </a:p>
+        </p:txBody>
+      </p:sp>
+      <p:sp>
+        <p:nvSpPr>
+          <p:cNvPr id="25" name="Rectangle 24"/>
+          <p:cNvSpPr/>
+          <p:nvPr/>
+        </p:nvSpPr>
+        <p:spPr>
+          <a:xfrm>
+            <a:off x="5541645" y="3848100"/>
+            <a:ext cx="1130053" cy="369332"/>
+          </a:xfrm>
+          <a:prstGeom prst="rect">
+            <a:avLst/>
+          </a:prstGeom>
+        </p:spPr>
+        <p:txBody>
+          <a:bodyPr wrap="none">
+            <a:spAutoFit/>
+          </a:bodyPr>
+          <a:lstStyle/>
+          <a:p>
+            <a:r>
+              <a:rPr lang="en-US" dirty="0" smtClean="0"/>
+              <a:t>Transform</a:t>
+            </a:r>
+            <a:endParaRPr lang="en-US" dirty="0"/>
+          </a:p>
+        </p:txBody>
+      </p:sp>
+      <p:sp>
+        <p:nvSpPr>
+          <p:cNvPr id="26" name="TextBox 25"/>
+          <p:cNvSpPr txBox="1"/>
+          <p:nvPr/>
+        </p:nvSpPr>
+        <p:spPr>
+          <a:xfrm>
+            <a:off x="-236762" y="2103838"/>
+            <a:ext cx="1491766" cy="338554"/>
+          </a:xfrm>
+          <a:prstGeom prst="rect">
+            <a:avLst/>
+          </a:prstGeom>
+          <a:noFill/>
+        </p:spPr>
+        <p:txBody>
+          <a:bodyPr wrap="square" rtlCol="0">
+            <a:spAutoFit/>
+          </a:bodyPr>
+          <a:lstStyle/>
+          <a:p>
+            <a:pPr algn="ctr"/>
+            <a:r>
+              <a:rPr lang="en-US" sz="1600" dirty="0" smtClean="0">
+                <a:solidFill>
+                  <a:srgbClr val="FF0000"/>
+                </a:solidFill>
+              </a:rPr>
+              <a:t>Acquisition</a:t>
+            </a:r>
+            <a:endParaRPr lang="en-US" sz="1600" dirty="0">
+              <a:solidFill>
+                <a:srgbClr val="FF0000"/>
+              </a:solidFill>
+            </a:endParaRPr>
+          </a:p>
+        </p:txBody>
+      </p:sp>
+      <p:cxnSp>
+        <p:nvCxnSpPr>
+          <p:cNvPr id="27" name="Straight Arrow Connector 26"/>
+          <p:cNvCxnSpPr/>
+          <p:nvPr/>
+        </p:nvCxnSpPr>
+        <p:spPr>
+          <a:xfrm>
+            <a:off x="655617" y="2462912"/>
+            <a:ext cx="182583" cy="214848"/>
+          </a:xfrm>
+          <a:prstGeom prst="straightConnector1">
+            <a:avLst/>
+          </a:prstGeom>
+          <a:ln w="38100">
+            <a:solidFill>
+              <a:srgbClr val="FF0000"/>
+            </a:solidFill>
+            <a:tailEnd type="triangle" w="lg" len="lg"/>
+          </a:ln>
+        </p:spPr>
+        <p:style>
+          <a:lnRef idx="1">
+            <a:schemeClr val="accent1"/>
+          </a:lnRef>
+          <a:fillRef idx="0">
+            <a:schemeClr val="accent1"/>
+          </a:fillRef>
+          <a:effectRef idx="0">
+            <a:schemeClr val="accent1"/>
+          </a:effectRef>
+          <a:fontRef idx="minor">
+            <a:schemeClr val="tx1"/>
+          </a:fontRef>
+        </p:style>
+      </p:cxnSp>
+      <p:sp>
+        <p:nvSpPr>
+          <p:cNvPr id="28" name="TextBox 27"/>
+          <p:cNvSpPr txBox="1"/>
+          <p:nvPr/>
+        </p:nvSpPr>
+        <p:spPr>
+          <a:xfrm>
+            <a:off x="6778088" y="6331241"/>
+            <a:ext cx="1308982" cy="338554"/>
+          </a:xfrm>
+          <a:prstGeom prst="rect">
+            <a:avLst/>
+          </a:prstGeom>
+          <a:noFill/>
+        </p:spPr>
+        <p:txBody>
+          <a:bodyPr wrap="square" rtlCol="0">
+            <a:spAutoFit/>
+          </a:bodyPr>
+          <a:lstStyle/>
+          <a:p>
+            <a:pPr algn="ctr"/>
+            <a:r>
+              <a:rPr lang="en-US" sz="1600" dirty="0" smtClean="0">
+                <a:solidFill>
+                  <a:srgbClr val="FF0000"/>
+                </a:solidFill>
+              </a:rPr>
+              <a:t>Hypotheses</a:t>
+            </a:r>
+            <a:endParaRPr lang="en-US" sz="1600" dirty="0">
+              <a:solidFill>
+                <a:srgbClr val="FF0000"/>
+              </a:solidFill>
+            </a:endParaRPr>
+          </a:p>
+        </p:txBody>
+      </p:sp>
+      <p:cxnSp>
+        <p:nvCxnSpPr>
+          <p:cNvPr id="29" name="Straight Arrow Connector 28"/>
+          <p:cNvCxnSpPr>
+            <a:endCxn id="28" idx="1"/>
+          </p:cNvCxnSpPr>
+          <p:nvPr/>
+        </p:nvCxnSpPr>
+        <p:spPr>
+          <a:xfrm>
+            <a:off x="6473190" y="6333434"/>
+            <a:ext cx="304898" cy="167084"/>
+          </a:xfrm>
+          <a:prstGeom prst="straightConnector1">
+            <a:avLst/>
+          </a:prstGeom>
+          <a:ln w="38100">
+            <a:solidFill>
+              <a:srgbClr val="FF0000"/>
+            </a:solidFill>
+            <a:tailEnd type="triangle" w="lg" len="lg"/>
+          </a:ln>
+        </p:spPr>
+        <p:style>
+          <a:lnRef idx="1">
+            <a:schemeClr val="accent1"/>
+          </a:lnRef>
+          <a:fillRef idx="0">
+            <a:schemeClr val="accent1"/>
+          </a:fillRef>
+          <a:effectRef idx="0">
+            <a:schemeClr val="accent1"/>
+          </a:effectRef>
+          <a:fontRef idx="minor">
+            <a:schemeClr val="tx1"/>
+          </a:fontRef>
+        </p:style>
+      </p:cxnSp>
+      <p:sp>
+        <p:nvSpPr>
+          <p:cNvPr id="31" name="Oval 30"/>
+          <p:cNvSpPr/>
+          <p:nvPr/>
+        </p:nvSpPr>
+        <p:spPr>
+          <a:xfrm>
+            <a:off x="1750830" y="873827"/>
+            <a:ext cx="7393170" cy="5529166"/>
+          </a:xfrm>
+          <a:prstGeom prst="ellipse">
+            <a:avLst/>
+          </a:prstGeom>
+          <a:noFill/>
+          <a:ln w="38100"/>
+        </p:spPr>
+        <p:style>
+          <a:lnRef idx="2">
+            <a:schemeClr val="accent6"/>
+          </a:lnRef>
+          <a:fillRef idx="1">
+            <a:schemeClr val="lt1"/>
+          </a:fillRef>
+          <a:effectRef idx="0">
+            <a:schemeClr val="accent6"/>
+          </a:effectRef>
+          <a:fontRef idx="minor">
+            <a:schemeClr val="dk1"/>
+          </a:fontRef>
+        </p:style>
+        <p:txBody>
+          <a:bodyPr rtlCol="0" anchor="ctr"/>
+          <a:lstStyle/>
+          <a:p>
+            <a:pPr algn="ctr"/>
+            <a:endParaRPr lang="en-US" sz="1100"/>
+          </a:p>
+        </p:txBody>
+      </p:sp>
+      <p:sp>
+        <p:nvSpPr>
+          <p:cNvPr id="32" name="TextBox 31"/>
+          <p:cNvSpPr txBox="1"/>
+          <p:nvPr/>
+        </p:nvSpPr>
+        <p:spPr>
+          <a:xfrm>
+            <a:off x="6554969" y="5039066"/>
+            <a:ext cx="1776039" cy="400110"/>
+          </a:xfrm>
+          <a:prstGeom prst="rect">
+            <a:avLst/>
+          </a:prstGeom>
+          <a:noFill/>
+          <a:ln>
+            <a:solidFill>
+              <a:srgbClr val="FF0000"/>
+            </a:solidFill>
+          </a:ln>
+        </p:spPr>
+        <p:txBody>
+          <a:bodyPr wrap="square" rtlCol="0" anchor="ctr">
+            <a:spAutoFit/>
+          </a:bodyPr>
+          <a:lstStyle/>
+          <a:p>
+            <a:pPr algn="ctr"/>
+            <a:r>
+              <a:rPr lang="en-US" sz="2000" dirty="0" smtClean="0">
+                <a:solidFill>
+                  <a:srgbClr val="FF0000"/>
+                </a:solidFill>
+              </a:rPr>
+              <a:t>Summarize</a:t>
+            </a:r>
+            <a:endParaRPr lang="en-US" sz="2000" dirty="0" smtClean="0">
+              <a:solidFill>
+                <a:srgbClr val="FF0000"/>
+              </a:solidFill>
+            </a:endParaRPr>
+          </a:p>
+        </p:txBody>
+      </p:sp>
+      <p:sp>
+        <p:nvSpPr>
+          <p:cNvPr id="33" name="TextBox 32"/>
+          <p:cNvSpPr txBox="1"/>
+          <p:nvPr/>
+        </p:nvSpPr>
+        <p:spPr>
+          <a:xfrm>
+            <a:off x="1750830" y="3559928"/>
+            <a:ext cx="1241925" cy="707886"/>
+          </a:xfrm>
+          <a:prstGeom prst="rect">
+            <a:avLst/>
+          </a:prstGeom>
+          <a:noFill/>
+          <a:ln>
+            <a:solidFill>
+              <a:srgbClr val="FF0000"/>
+            </a:solidFill>
+          </a:ln>
+        </p:spPr>
+        <p:txBody>
+          <a:bodyPr wrap="square" rtlCol="0" anchor="ctr">
+            <a:spAutoFit/>
+          </a:bodyPr>
+          <a:lstStyle/>
+          <a:p>
+            <a:pPr algn="ctr"/>
+            <a:r>
+              <a:rPr lang="en-US" sz="2000" dirty="0" smtClean="0">
+                <a:solidFill>
+                  <a:srgbClr val="FF0000"/>
+                </a:solidFill>
+              </a:rPr>
+              <a:t>Tabulate</a:t>
+            </a:r>
+          </a:p>
+          <a:p>
+            <a:pPr algn="ctr"/>
+            <a:endParaRPr lang="en-US" sz="2000" dirty="0" smtClean="0">
+              <a:solidFill>
+                <a:srgbClr val="FF0000"/>
+              </a:solidFill>
+            </a:endParaRPr>
+          </a:p>
+        </p:txBody>
+      </p:sp>
+      <p:sp>
+        <p:nvSpPr>
+          <p:cNvPr id="34" name="TextBox 33"/>
+          <p:cNvSpPr txBox="1"/>
+          <p:nvPr/>
+        </p:nvSpPr>
+        <p:spPr>
+          <a:xfrm>
+            <a:off x="6534150" y="4531895"/>
+            <a:ext cx="1796859" cy="400110"/>
+          </a:xfrm>
+          <a:prstGeom prst="rect">
+            <a:avLst/>
+          </a:prstGeom>
+          <a:noFill/>
+          <a:ln>
+            <a:solidFill>
+              <a:srgbClr val="FF0000"/>
+            </a:solidFill>
+          </a:ln>
+        </p:spPr>
+        <p:txBody>
+          <a:bodyPr wrap="square" rtlCol="0" anchor="ctr">
+            <a:spAutoFit/>
+          </a:bodyPr>
+          <a:lstStyle/>
+          <a:p>
+            <a:pPr algn="ctr"/>
+            <a:r>
+              <a:rPr lang="en-US" sz="2000" dirty="0" smtClean="0">
+                <a:solidFill>
+                  <a:srgbClr val="FF0000"/>
+                </a:solidFill>
+              </a:rPr>
+              <a:t>Model</a:t>
+            </a:r>
+            <a:endParaRPr lang="en-US" sz="2000" dirty="0" smtClean="0">
+              <a:solidFill>
+                <a:srgbClr val="FF0000"/>
+              </a:solidFill>
+            </a:endParaRPr>
+          </a:p>
+        </p:txBody>
+      </p:sp>
+      <p:sp>
+        <p:nvSpPr>
+          <p:cNvPr id="35" name="TextBox 34"/>
+          <p:cNvSpPr txBox="1"/>
+          <p:nvPr/>
+        </p:nvSpPr>
+        <p:spPr>
+          <a:xfrm>
+            <a:off x="5632417" y="1614965"/>
+            <a:ext cx="1803466" cy="707886"/>
+          </a:xfrm>
+          <a:prstGeom prst="rect">
+            <a:avLst/>
+          </a:prstGeom>
+          <a:noFill/>
+          <a:ln>
+            <a:solidFill>
+              <a:srgbClr val="FF0000"/>
+            </a:solidFill>
+          </a:ln>
+        </p:spPr>
+        <p:txBody>
+          <a:bodyPr wrap="square" rtlCol="0" anchor="ctr">
+            <a:spAutoFit/>
+          </a:bodyPr>
+          <a:lstStyle/>
+          <a:p>
+            <a:pPr algn="ctr"/>
+            <a:r>
+              <a:rPr lang="en-US" sz="2000" dirty="0" smtClean="0">
+                <a:solidFill>
+                  <a:srgbClr val="FF0000"/>
+                </a:solidFill>
+              </a:rPr>
+              <a:t>Graph</a:t>
+            </a:r>
+          </a:p>
+          <a:p>
+            <a:pPr algn="ctr"/>
+            <a:endParaRPr lang="en-US" sz="2000" dirty="0" smtClean="0">
+              <a:solidFill>
+                <a:srgbClr val="FF0000"/>
+              </a:solidFill>
+            </a:endParaRPr>
+          </a:p>
+        </p:txBody>
+      </p:sp>
+      <p:sp>
+        <p:nvSpPr>
+          <p:cNvPr id="36" name="TextBox 35"/>
+          <p:cNvSpPr txBox="1"/>
+          <p:nvPr/>
+        </p:nvSpPr>
+        <p:spPr>
+          <a:xfrm>
+            <a:off x="5265420" y="4903455"/>
+            <a:ext cx="989239" cy="461665"/>
+          </a:xfrm>
+          <a:prstGeom prst="rect">
+            <a:avLst/>
+          </a:prstGeom>
+          <a:noFill/>
+        </p:spPr>
+        <p:txBody>
+          <a:bodyPr wrap="square" rtlCol="0">
+            <a:spAutoFit/>
+          </a:bodyPr>
+          <a:lstStyle/>
+          <a:p>
+            <a:r>
+              <a:rPr lang="en-US" sz="2400" b="1" dirty="0" smtClean="0">
+                <a:solidFill>
+                  <a:srgbClr val="FF0000"/>
+                </a:solidFill>
+              </a:rPr>
+              <a:t>EDA</a:t>
+            </a:r>
+            <a:endParaRPr lang="en-US" sz="2400" b="1" dirty="0">
+              <a:solidFill>
+                <a:srgbClr val="FF0000"/>
+              </a:solidFill>
+            </a:endParaRPr>
+          </a:p>
+        </p:txBody>
+      </p:sp>
+      <p:cxnSp>
+        <p:nvCxnSpPr>
+          <p:cNvPr id="37" name="Straight Arrow Connector 36"/>
+          <p:cNvCxnSpPr/>
+          <p:nvPr/>
+        </p:nvCxnSpPr>
+        <p:spPr>
+          <a:xfrm flipH="1" flipV="1">
+            <a:off x="7924800" y="1593916"/>
+            <a:ext cx="223071" cy="158684"/>
+          </a:xfrm>
+          <a:prstGeom prst="straightConnector1">
+            <a:avLst/>
+          </a:prstGeom>
+          <a:ln w="38100">
+            <a:solidFill>
+              <a:schemeClr val="accent6"/>
+            </a:solidFill>
+            <a:tailEnd type="triangle" w="lg" len="lg"/>
+          </a:ln>
+        </p:spPr>
+        <p:style>
+          <a:lnRef idx="1">
+            <a:schemeClr val="accent1"/>
+          </a:lnRef>
+          <a:fillRef idx="0">
+            <a:schemeClr val="accent1"/>
+          </a:fillRef>
+          <a:effectRef idx="0">
+            <a:schemeClr val="accent1"/>
+          </a:effectRef>
+          <a:fontRef idx="minor">
+            <a:schemeClr val="tx1"/>
+          </a:fontRef>
+        </p:style>
+      </p:cxnSp>
+      <p:cxnSp>
+        <p:nvCxnSpPr>
+          <p:cNvPr id="38" name="Straight Arrow Connector 37"/>
+          <p:cNvCxnSpPr/>
+          <p:nvPr/>
+        </p:nvCxnSpPr>
+        <p:spPr>
+          <a:xfrm flipV="1">
+            <a:off x="7848600" y="5562600"/>
+            <a:ext cx="267913" cy="150322"/>
+          </a:xfrm>
+          <a:prstGeom prst="straightConnector1">
+            <a:avLst/>
+          </a:prstGeom>
+          <a:ln w="38100">
+            <a:solidFill>
+              <a:schemeClr val="accent6"/>
+            </a:solidFill>
+            <a:tailEnd type="triangle" w="lg" len="lg"/>
+          </a:ln>
+        </p:spPr>
+        <p:style>
+          <a:lnRef idx="1">
+            <a:schemeClr val="accent1"/>
+          </a:lnRef>
+          <a:fillRef idx="0">
+            <a:schemeClr val="accent1"/>
+          </a:fillRef>
+          <a:effectRef idx="0">
+            <a:schemeClr val="accent1"/>
+          </a:effectRef>
+          <a:fontRef idx="minor">
+            <a:schemeClr val="tx1"/>
+          </a:fontRef>
+        </p:style>
+      </p:cxnSp>
+      <p:cxnSp>
+        <p:nvCxnSpPr>
+          <p:cNvPr id="39" name="Straight Arrow Connector 38"/>
+          <p:cNvCxnSpPr/>
+          <p:nvPr/>
+        </p:nvCxnSpPr>
+        <p:spPr>
+          <a:xfrm>
+            <a:off x="2590800" y="5410200"/>
+            <a:ext cx="240722" cy="175645"/>
+          </a:xfrm>
+          <a:prstGeom prst="straightConnector1">
+            <a:avLst/>
+          </a:prstGeom>
+          <a:ln w="38100">
+            <a:solidFill>
+              <a:schemeClr val="accent6"/>
+            </a:solidFill>
+            <a:tailEnd type="triangle" w="lg" len="lg"/>
+          </a:ln>
+        </p:spPr>
+        <p:style>
+          <a:lnRef idx="1">
+            <a:schemeClr val="accent1"/>
+          </a:lnRef>
+          <a:fillRef idx="0">
+            <a:schemeClr val="accent1"/>
+          </a:fillRef>
+          <a:effectRef idx="0">
+            <a:schemeClr val="accent1"/>
+          </a:effectRef>
+          <a:fontRef idx="minor">
+            <a:schemeClr val="tx1"/>
+          </a:fontRef>
+        </p:style>
+      </p:cxnSp>
+      <p:cxnSp>
+        <p:nvCxnSpPr>
+          <p:cNvPr id="40" name="Straight Arrow Connector 39"/>
+          <p:cNvCxnSpPr>
+            <a:endCxn id="31" idx="1"/>
+          </p:cNvCxnSpPr>
+          <p:nvPr/>
+        </p:nvCxnSpPr>
+        <p:spPr>
+          <a:xfrm flipH="1">
+            <a:off x="2833535" y="1447800"/>
+            <a:ext cx="366865" cy="235755"/>
+          </a:xfrm>
+          <a:prstGeom prst="straightConnector1">
+            <a:avLst/>
+          </a:prstGeom>
+          <a:ln w="38100">
+            <a:solidFill>
+              <a:schemeClr val="accent6"/>
+            </a:solidFill>
+            <a:tailEnd type="triangle" w="lg" len="lg"/>
+          </a:ln>
+        </p:spPr>
+        <p:style>
+          <a:lnRef idx="1">
+            <a:schemeClr val="accent1"/>
+          </a:lnRef>
+          <a:fillRef idx="0">
+            <a:schemeClr val="accent1"/>
+          </a:fillRef>
+          <a:effectRef idx="0">
+            <a:schemeClr val="accent1"/>
+          </a:effectRef>
+          <a:fontRef idx="minor">
+            <a:schemeClr val="tx1"/>
+          </a:fontRef>
+        </p:style>
+      </p:cxnSp>
+    </p:spTree>
+    <p:extLst>
+      <p:ext uri="{BB962C8B-B14F-4D97-AF65-F5344CB8AC3E}">
+        <p14:creationId xmlns:p14="http://schemas.microsoft.com/office/powerpoint/2010/main" val="4145744090"/>
+      </p:ext>
+    </p:extLst>
+  </p:cSld>
+  <p:clrMapOvr>
+    <a:masterClrMapping/>
+  </p:clrMapOvr>
+</p:sld>
+</file>
+
+<file path=ppt/slides/slide29.xml><?xml version="1.0" encoding="utf-8"?>
 <p:sld xmlns:a="http://schemas.openxmlformats.org/drawingml/2006/main" xmlns:r="http://schemas.openxmlformats.org/officeDocument/2006/relationships" xmlns:p="http://schemas.openxmlformats.org/presentationml/2006/main">
   <p:cSld>
     <p:spTree>
@@ -17732,146 +21396,6 @@
   <p:transition spd="slow">
     <p:fade/>
   </p:transition>
-  <p:timing>
-    <p:tnLst>
-      <p:par>
-        <p:cTn id="1" dur="indefinite" restart="never" nodeType="tmRoot"/>
-      </p:par>
-    </p:tnLst>
-  </p:timing>
-</p:sld>
-</file>
-
-<file path=ppt/slides/slide27.xml><?xml version="1.0" encoding="utf-8"?>
-<p:sld xmlns:a="http://schemas.openxmlformats.org/drawingml/2006/main" xmlns:r="http://schemas.openxmlformats.org/officeDocument/2006/relationships" xmlns:p="http://schemas.openxmlformats.org/presentationml/2006/main">
-  <p:cSld>
-    <p:bg>
-      <p:bgPr>
-        <a:solidFill>
-          <a:srgbClr val="E03A3E"/>
-        </a:solidFill>
-        <a:effectLst/>
-      </p:bgPr>
-    </p:bg>
-    <p:spTree>
-      <p:nvGrpSpPr>
-        <p:cNvPr id="1" name="Shape 357"/>
-        <p:cNvGrpSpPr/>
-        <p:nvPr/>
-      </p:nvGrpSpPr>
-      <p:grpSpPr>
-        <a:xfrm>
-          <a:off x="0" y="0"/>
-          <a:ext cx="0" cy="0"/>
-          <a:chOff x="0" y="0"/>
-          <a:chExt cx="0" cy="0"/>
-        </a:xfrm>
-      </p:grpSpPr>
-      <p:sp>
-        <p:nvSpPr>
-          <p:cNvPr id="358" name="Shape 358"/>
-          <p:cNvSpPr txBox="1"/>
-          <p:nvPr/>
-        </p:nvSpPr>
-        <p:spPr>
-          <a:xfrm>
-            <a:off x="-119669" y="1074509"/>
-            <a:ext cx="9358792" cy="4708980"/>
-          </a:xfrm>
-          <a:prstGeom prst="rect">
-            <a:avLst/>
-          </a:prstGeom>
-          <a:noFill/>
-          <a:ln>
-            <a:noFill/>
-          </a:ln>
-        </p:spPr>
-        <p:txBody>
-          <a:bodyPr lIns="91425" tIns="45700" rIns="91425" bIns="45700" anchor="t" anchorCtr="0">
-            <a:noAutofit/>
-          </a:bodyPr>
-          <a:lstStyle/>
-          <a:p>
-            <a:pPr marL="0" marR="0" lvl="0" indent="0" algn="ctr" rtl="0">
-              <a:lnSpc>
-                <a:spcPct val="120000"/>
-              </a:lnSpc>
-              <a:spcBef>
-                <a:spcPts val="0"/>
-              </a:spcBef>
-              <a:buSzPct val="25000"/>
-              <a:buNone/>
-            </a:pPr>
-            <a:r>
-              <a:rPr lang="en-US" sz="15000" cap="none">
-                <a:solidFill>
-                  <a:schemeClr val="lt1"/>
-                </a:solidFill>
-                <a:latin typeface="Cabin"/>
-                <a:ea typeface="Cabin"/>
-                <a:cs typeface="Cabin"/>
-                <a:sym typeface="Cabin"/>
-              </a:rPr>
-              <a:t>QUEST</a:t>
-            </a:r>
-            <a:br>
-              <a:rPr lang="en-US" sz="15000" cap="none">
-                <a:solidFill>
-                  <a:schemeClr val="lt1"/>
-                </a:solidFill>
-                <a:latin typeface="Cabin"/>
-                <a:ea typeface="Cabin"/>
-                <a:cs typeface="Cabin"/>
-                <a:sym typeface="Cabin"/>
-              </a:rPr>
-            </a:br>
-            <a:r>
-              <a:rPr lang="en-US" sz="15000" cap="none">
-                <a:solidFill>
-                  <a:schemeClr val="lt1"/>
-                </a:solidFill>
-                <a:latin typeface="Cabin"/>
-                <a:ea typeface="Cabin"/>
-                <a:cs typeface="Cabin"/>
-                <a:sym typeface="Cabin"/>
-              </a:rPr>
-              <a:t>IONS .</a:t>
-            </a:r>
-          </a:p>
-        </p:txBody>
-      </p:sp>
-      <p:pic>
-        <p:nvPicPr>
-          <p:cNvPr id="359" name="Shape 359"/>
-          <p:cNvPicPr preferRelativeResize="0"/>
-          <p:nvPr/>
-        </p:nvPicPr>
-        <p:blipFill rotWithShape="1">
-          <a:blip r:embed="rId3">
-            <a:alphaModFix/>
-          </a:blip>
-          <a:srcRect/>
-          <a:stretch/>
-        </p:blipFill>
-        <p:spPr>
-          <a:xfrm>
-            <a:off x="6301896" y="3859932"/>
-            <a:ext cx="1274700" cy="1428000"/>
-          </a:xfrm>
-          <a:prstGeom prst="rect">
-            <a:avLst/>
-          </a:prstGeom>
-          <a:noFill/>
-          <a:ln>
-            <a:noFill/>
-          </a:ln>
-        </p:spPr>
-      </p:pic>
-    </p:spTree>
-  </p:cSld>
-  <p:clrMapOvr>
-    <a:masterClrMapping/>
-  </p:clrMapOvr>
   <p:timing>
     <p:tnLst>
       <p:par>
@@ -18006,9 +21530,10 @@
               <a:rPr lang="en-US" dirty="0"/>
               <a:t>Defining data science </a:t>
             </a:r>
-          </a:p>
-          <a:p>
-            <a:pPr marL="0" marR="0" lvl="0" indent="0" algn="l" rtl="0">
+            <a:endParaRPr lang="en-US" dirty="0" smtClean="0"/>
+          </a:p>
+          <a:p>
+            <a:pPr marL="228600" marR="0" lvl="0" indent="-228600" algn="l" rtl="0">
               <a:lnSpc>
                 <a:spcPct val="90000"/>
               </a:lnSpc>
@@ -18018,24 +21543,38 @@
               <a:spcAft>
                 <a:spcPts val="0"/>
               </a:spcAft>
-              <a:buNone/>
-            </a:pPr>
-            <a:endParaRPr dirty="0"/>
-          </a:p>
-          <a:p>
-            <a:pPr lvl="0" rtl="0">
-              <a:spcBef>
-                <a:spcPts val="0"/>
-              </a:spcBef>
               <a:buClr>
                 <a:schemeClr val="dk1"/>
               </a:buClr>
               <a:buSzPct val="100000"/>
               <a:buFont typeface="Noto Sans Symbols"/>
             </a:pPr>
+            <a:endParaRPr lang="en-US" dirty="0" smtClean="0"/>
+          </a:p>
+          <a:p>
+            <a:pPr marL="228600" marR="0" lvl="0" indent="-228600" algn="l" rtl="0">
+              <a:lnSpc>
+                <a:spcPct val="90000"/>
+              </a:lnSpc>
+              <a:spcBef>
+                <a:spcPts val="0"/>
+              </a:spcBef>
+              <a:spcAft>
+                <a:spcPts val="0"/>
+              </a:spcAft>
+              <a:buClr>
+                <a:schemeClr val="dk1"/>
+              </a:buClr>
+              <a:buSzPct val="100000"/>
+              <a:buFont typeface="Noto Sans Symbols"/>
+            </a:pPr>
+            <a:r>
+              <a:rPr lang="en-US" dirty="0" smtClean="0"/>
+              <a:t>Extract</a:t>
+            </a:r>
             <a:r>
               <a:rPr lang="en-US" dirty="0"/>
-              <a:t>Extract, transform, load (ETL)</a:t>
+              <a:t>, transform, load (ETL)</a:t>
             </a:r>
           </a:p>
           <a:p>
@@ -18197,6 +21736,146 @@
   <p:transition spd="slow">
     <p:fade/>
   </p:transition>
+  <p:timing>
+    <p:tnLst>
+      <p:par>
+        <p:cTn id="1" dur="indefinite" restart="never" nodeType="tmRoot"/>
+      </p:par>
+    </p:tnLst>
+  </p:timing>
+</p:sld>
+</file>
+
+<file path=ppt/slides/slide30.xml><?xml version="1.0" encoding="utf-8"?>
+<p:sld xmlns:a="http://schemas.openxmlformats.org/drawingml/2006/main" xmlns:r="http://schemas.openxmlformats.org/officeDocument/2006/relationships" xmlns:p="http://schemas.openxmlformats.org/presentationml/2006/main">
+  <p:cSld>
+    <p:bg>
+      <p:bgPr>
+        <a:solidFill>
+          <a:srgbClr val="E03A3E"/>
+        </a:solidFill>
+        <a:effectLst/>
+      </p:bgPr>
+    </p:bg>
+    <p:spTree>
+      <p:nvGrpSpPr>
+        <p:cNvPr id="1" name="Shape 357"/>
+        <p:cNvGrpSpPr/>
+        <p:nvPr/>
+      </p:nvGrpSpPr>
+      <p:grpSpPr>
+        <a:xfrm>
+          <a:off x="0" y="0"/>
+          <a:ext cx="0" cy="0"/>
+          <a:chOff x="0" y="0"/>
+          <a:chExt cx="0" cy="0"/>
+        </a:xfrm>
+      </p:grpSpPr>
+      <p:sp>
+        <p:nvSpPr>
+          <p:cNvPr id="358" name="Shape 358"/>
+          <p:cNvSpPr txBox="1"/>
+          <p:nvPr/>
+        </p:nvSpPr>
+        <p:spPr>
+          <a:xfrm>
+            <a:off x="-119669" y="1074509"/>
+            <a:ext cx="9358792" cy="4708980"/>
+          </a:xfrm>
+          <a:prstGeom prst="rect">
+            <a:avLst/>
+          </a:prstGeom>
+          <a:noFill/>
+          <a:ln>
+            <a:noFill/>
+          </a:ln>
+        </p:spPr>
+        <p:txBody>
+          <a:bodyPr lIns="91425" tIns="45700" rIns="91425" bIns="45700" anchor="t" anchorCtr="0">
+            <a:noAutofit/>
+          </a:bodyPr>
+          <a:lstStyle/>
+          <a:p>
+            <a:pPr marL="0" marR="0" lvl="0" indent="0" algn="ctr" rtl="0">
+              <a:lnSpc>
+                <a:spcPct val="120000"/>
+              </a:lnSpc>
+              <a:spcBef>
+                <a:spcPts val="0"/>
+              </a:spcBef>
+              <a:buSzPct val="25000"/>
+              <a:buNone/>
+            </a:pPr>
+            <a:r>
+              <a:rPr lang="en-US" sz="15000" cap="none">
+                <a:solidFill>
+                  <a:schemeClr val="lt1"/>
+                </a:solidFill>
+                <a:latin typeface="Cabin"/>
+                <a:ea typeface="Cabin"/>
+                <a:cs typeface="Cabin"/>
+                <a:sym typeface="Cabin"/>
+              </a:rPr>
+              <a:t>QUEST</a:t>
+            </a:r>
+            <a:br>
+              <a:rPr lang="en-US" sz="15000" cap="none">
+                <a:solidFill>
+                  <a:schemeClr val="lt1"/>
+                </a:solidFill>
+                <a:latin typeface="Cabin"/>
+                <a:ea typeface="Cabin"/>
+                <a:cs typeface="Cabin"/>
+                <a:sym typeface="Cabin"/>
+              </a:rPr>
+            </a:br>
+            <a:r>
+              <a:rPr lang="en-US" sz="15000" cap="none">
+                <a:solidFill>
+                  <a:schemeClr val="lt1"/>
+                </a:solidFill>
+                <a:latin typeface="Cabin"/>
+                <a:ea typeface="Cabin"/>
+                <a:cs typeface="Cabin"/>
+                <a:sym typeface="Cabin"/>
+              </a:rPr>
+              <a:t>IONS .</a:t>
+            </a:r>
+          </a:p>
+        </p:txBody>
+      </p:sp>
+      <p:pic>
+        <p:nvPicPr>
+          <p:cNvPr id="359" name="Shape 359"/>
+          <p:cNvPicPr preferRelativeResize="0"/>
+          <p:nvPr/>
+        </p:nvPicPr>
+        <p:blipFill rotWithShape="1">
+          <a:blip r:embed="rId3">
+            <a:alphaModFix/>
+          </a:blip>
+          <a:srcRect/>
+          <a:stretch/>
+        </p:blipFill>
+        <p:spPr>
+          <a:xfrm>
+            <a:off x="6301896" y="3859932"/>
+            <a:ext cx="1274700" cy="1428000"/>
+          </a:xfrm>
+          <a:prstGeom prst="rect">
+            <a:avLst/>
+          </a:prstGeom>
+          <a:noFill/>
+          <a:ln>
+            <a:noFill/>
+          </a:ln>
+        </p:spPr>
+      </p:pic>
+    </p:spTree>
+  </p:cSld>
+  <p:clrMapOvr>
+    <a:masterClrMapping/>
+  </p:clrMapOvr>
   <p:timing>
     <p:tnLst>
       <p:par>
@@ -18312,59 +21991,135 @@
               </a:spcBef>
               <a:buNone/>
             </a:pPr>
+            <a:endParaRPr lang="en-US" dirty="0" smtClean="0"/>
+          </a:p>
+          <a:p>
+            <a:pPr marL="0" marR="0" lvl="0" indent="0" algn="l" rtl="0">
+              <a:lnSpc>
+                <a:spcPct val="90000"/>
+              </a:lnSpc>
+              <a:spcBef>
+                <a:spcPts val="0"/>
+              </a:spcBef>
+              <a:buNone/>
+            </a:pPr>
+            <a:endParaRPr lang="en-US" dirty="0" smtClean="0"/>
+          </a:p>
+          <a:p>
+            <a:pPr marL="0" marR="0" lvl="0" indent="0" algn="l" rtl="0">
+              <a:lnSpc>
+                <a:spcPct val="90000"/>
+              </a:lnSpc>
+              <a:spcBef>
+                <a:spcPts val="0"/>
+              </a:spcBef>
+              <a:buNone/>
+            </a:pPr>
+            <a:endParaRPr lang="en-US" dirty="0"/>
+          </a:p>
+          <a:p>
+            <a:pPr marL="0" marR="0" lvl="0" indent="0" algn="l" rtl="0">
+              <a:lnSpc>
+                <a:spcPct val="90000"/>
+              </a:lnSpc>
+              <a:spcBef>
+                <a:spcPts val="0"/>
+              </a:spcBef>
+              <a:buNone/>
+            </a:pPr>
+            <a:endParaRPr lang="en-US" dirty="0" smtClean="0"/>
+          </a:p>
+          <a:p>
+            <a:pPr marL="0" marR="0" lvl="0" indent="0" algn="l" rtl="0">
+              <a:lnSpc>
+                <a:spcPct val="90000"/>
+              </a:lnSpc>
+              <a:spcBef>
+                <a:spcPts val="0"/>
+              </a:spcBef>
+              <a:buNone/>
+            </a:pPr>
+            <a:endParaRPr lang="en-US" dirty="0"/>
+          </a:p>
+          <a:p>
+            <a:pPr marL="0" marR="0" lvl="0" indent="0" algn="l" rtl="0">
+              <a:lnSpc>
+                <a:spcPct val="90000"/>
+              </a:lnSpc>
+              <a:spcBef>
+                <a:spcPts val="0"/>
+              </a:spcBef>
+              <a:buNone/>
+            </a:pPr>
+            <a:endParaRPr lang="en-US" dirty="0" smtClean="0"/>
+          </a:p>
+          <a:p>
+            <a:pPr marL="0" marR="0" lvl="0" indent="0" algn="l" rtl="0">
+              <a:lnSpc>
+                <a:spcPct val="90000"/>
+              </a:lnSpc>
+              <a:spcBef>
+                <a:spcPts val="0"/>
+              </a:spcBef>
+              <a:buNone/>
+            </a:pPr>
+            <a:endParaRPr lang="en-US" dirty="0"/>
+          </a:p>
+          <a:p>
+            <a:pPr marL="0" marR="0" lvl="0" indent="0" algn="l" rtl="0">
+              <a:lnSpc>
+                <a:spcPct val="90000"/>
+              </a:lnSpc>
+              <a:spcBef>
+                <a:spcPts val="0"/>
+              </a:spcBef>
+              <a:buNone/>
+            </a:pPr>
+            <a:endParaRPr dirty="0"/>
+          </a:p>
+          <a:p>
+            <a:pPr marL="457200" marR="0" lvl="0" indent="-228600" algn="l" rtl="0">
+              <a:lnSpc>
+                <a:spcPct val="90000"/>
+              </a:lnSpc>
+              <a:spcBef>
+                <a:spcPts val="0"/>
+              </a:spcBef>
+            </a:pPr>
+            <a:r>
+              <a:rPr lang="en-US" dirty="0" smtClean="0"/>
+              <a:t>Started as </a:t>
+            </a:r>
             <a:r>
               <a:rPr lang="en-US" dirty="0"/>
-              <a:t>"Data Scientist (n.): Person who is better at statistics than any software engineer and better at software engineering than any statistician." </a:t>
-            </a:r>
-            <a:r>
-              <a:rPr lang="en-US" sz="2000" dirty="0" smtClean="0"/>
-              <a:t>- </a:t>
-            </a:r>
-            <a:r>
-              <a:rPr lang="en-US" sz="2000" dirty="0"/>
-              <a:t>Josh Wills </a:t>
-            </a:r>
-          </a:p>
-          <a:p>
-            <a:pPr marL="0" marR="0" lvl="0" indent="0" algn="l" rtl="0">
-              <a:lnSpc>
-                <a:spcPct val="90000"/>
-              </a:lnSpc>
-              <a:spcBef>
-                <a:spcPts val="0"/>
-              </a:spcBef>
-              <a:buNone/>
-            </a:pPr>
-            <a:endParaRPr lang="en-US" dirty="0" smtClean="0"/>
-          </a:p>
-          <a:p>
-            <a:pPr marL="0" marR="0" lvl="0" indent="0" algn="l" rtl="0">
-              <a:lnSpc>
-                <a:spcPct val="90000"/>
-              </a:lnSpc>
-              <a:spcBef>
-                <a:spcPts val="0"/>
-              </a:spcBef>
-              <a:buNone/>
-            </a:pPr>
-            <a:endParaRPr dirty="0"/>
-          </a:p>
-          <a:p>
-            <a:pPr marL="457200" marR="0" lvl="0" indent="-228600" algn="l" rtl="0">
-              <a:lnSpc>
-                <a:spcPct val="90000"/>
-              </a:lnSpc>
-              <a:spcBef>
-                <a:spcPts val="0"/>
-              </a:spcBef>
-            </a:pPr>
-            <a:r>
-              <a:rPr lang="en-US" dirty="0"/>
-              <a:t>Something of a marketing term, but careers and formal data science programs have sprung up around the concept</a:t>
+              <a:t>a marketing term, but careers and formal data science programs have sprung up around the concept</a:t>
             </a:r>
           </a:p>
         </p:txBody>
       </p:sp>
+      <p:pic>
+        <p:nvPicPr>
+          <p:cNvPr id="2" name="Picture 1"/>
+          <p:cNvPicPr>
+            <a:picLocks noChangeAspect="1"/>
+          </p:cNvPicPr>
+          <p:nvPr/>
+        </p:nvPicPr>
+        <p:blipFill rotWithShape="1">
+          <a:blip r:embed="rId3"/>
+          <a:srcRect b="15084"/>
+          <a:stretch/>
+        </p:blipFill>
+        <p:spPr>
+          <a:xfrm>
+            <a:off x="1619250" y="1828800"/>
+            <a:ext cx="5905500" cy="2895600"/>
+          </a:xfrm>
+          <a:prstGeom prst="rect">
+            <a:avLst/>
+          </a:prstGeom>
+        </p:spPr>
+      </p:pic>
     </p:spTree>
   </p:cSld>
   <p:clrMapOvr>
@@ -18522,9 +22277,10 @@
               </a:spcBef>
             </a:pPr>
             <a:r>
-              <a:rPr lang="en-US" sz="3200" b="1" dirty="0"/>
-              <a:t>Databases</a:t>
-            </a:r>
+              <a:rPr lang="en-US" sz="3200" b="1" dirty="0" smtClean="0"/>
+              <a:t>Databases/structures</a:t>
+            </a:r>
+            <a:endParaRPr lang="en-US" sz="3200" b="1" dirty="0"/>
           </a:p>
           <a:p>
             <a:pPr marL="457200" marR="0" lvl="0" indent="-228600" algn="l" rtl="0">
@@ -19540,9 +23296,10 @@
               </a:spcBef>
             </a:pPr>
             <a:r>
-              <a:rPr lang="en-US" sz="2400" dirty="0"/>
-              <a:t>System-building [sometimes] </a:t>
-            </a:r>
+              <a:rPr lang="en-US" sz="2400" dirty="0" smtClean="0"/>
+              <a:t>System-building</a:t>
+            </a:r>
+            <a:endParaRPr lang="en-US" sz="2400" dirty="0"/>
           </a:p>
           <a:p>
             <a:pPr marL="457200" marR="0" lvl="0" indent="-228600" algn="l" rtl="0">

--- a/Visual Data Science.pptx
+++ b/Visual Data Science.pptx
@@ -5,7 +5,7 @@
     <p:sldMasterId id="2147483667" r:id="rId1"/>
   </p:sldMasterIdLst>
   <p:notesMasterIdLst>
-    <p:notesMasterId r:id="rId32"/>
+    <p:notesMasterId r:id="rId33"/>
   </p:notesMasterIdLst>
   <p:sldIdLst>
     <p:sldId id="256" r:id="rId2"/>
@@ -22,46 +22,47 @@
     <p:sldId id="274" r:id="rId13"/>
     <p:sldId id="275" r:id="rId14"/>
     <p:sldId id="276" r:id="rId15"/>
-    <p:sldId id="278" r:id="rId16"/>
-    <p:sldId id="291" r:id="rId17"/>
-    <p:sldId id="290" r:id="rId18"/>
-    <p:sldId id="279" r:id="rId19"/>
+    <p:sldId id="290" r:id="rId16"/>
+    <p:sldId id="279" r:id="rId17"/>
+    <p:sldId id="278" r:id="rId18"/>
+    <p:sldId id="291" r:id="rId19"/>
     <p:sldId id="280" r:id="rId20"/>
     <p:sldId id="288" r:id="rId21"/>
     <p:sldId id="281" r:id="rId22"/>
     <p:sldId id="282" r:id="rId23"/>
     <p:sldId id="287" r:id="rId24"/>
-    <p:sldId id="284" r:id="rId25"/>
-    <p:sldId id="289" r:id="rId26"/>
-    <p:sldId id="292" r:id="rId27"/>
-    <p:sldId id="294" r:id="rId28"/>
-    <p:sldId id="293" r:id="rId29"/>
+    <p:sldId id="292" r:id="rId25"/>
+    <p:sldId id="294" r:id="rId26"/>
+    <p:sldId id="293" r:id="rId27"/>
+    <p:sldId id="289" r:id="rId28"/>
+    <p:sldId id="284" r:id="rId29"/>
     <p:sldId id="285" r:id="rId30"/>
-    <p:sldId id="286" r:id="rId31"/>
+    <p:sldId id="295" r:id="rId31"/>
+    <p:sldId id="286" r:id="rId32"/>
   </p:sldIdLst>
   <p:sldSz cx="9144000" cy="6858000" type="screen4x3"/>
   <p:notesSz cx="6858000" cy="9144000"/>
   <p:embeddedFontLst>
     <p:embeddedFont>
       <p:font typeface="Calibri" panose="020F0502020204030204" pitchFamily="34" charset="0"/>
-      <p:regular r:id="rId33"/>
-      <p:bold r:id="rId34"/>
-      <p:italic r:id="rId35"/>
-      <p:boldItalic r:id="rId36"/>
+      <p:regular r:id="rId34"/>
+      <p:bold r:id="rId35"/>
+      <p:italic r:id="rId36"/>
+      <p:boldItalic r:id="rId37"/>
     </p:embeddedFont>
     <p:embeddedFont>
       <p:font typeface="Cabin" panose="020B0604020202020204" charset="0"/>
-      <p:regular r:id="rId37"/>
-      <p:bold r:id="rId38"/>
-      <p:italic r:id="rId39"/>
-      <p:boldItalic r:id="rId40"/>
+      <p:regular r:id="rId38"/>
+      <p:bold r:id="rId39"/>
+      <p:italic r:id="rId40"/>
+      <p:boldItalic r:id="rId41"/>
     </p:embeddedFont>
     <p:embeddedFont>
       <p:font typeface="Open Sans" panose="020B0604020202020204" charset="0"/>
-      <p:regular r:id="rId41"/>
-      <p:bold r:id="rId42"/>
-      <p:italic r:id="rId43"/>
-      <p:boldItalic r:id="rId44"/>
+      <p:regular r:id="rId42"/>
+      <p:bold r:id="rId43"/>
+      <p:italic r:id="rId44"/>
+      <p:boldItalic r:id="rId45"/>
     </p:embeddedFont>
   </p:embeddedFontLst>
   <p:defaultTextStyle>
@@ -1930,6 +1931,218 @@
   <p:cSld>
     <p:spTree>
       <p:nvGrpSpPr>
+        <p:cNvPr id="1" name="Shape 212"/>
+        <p:cNvGrpSpPr/>
+        <p:nvPr/>
+      </p:nvGrpSpPr>
+      <p:grpSpPr>
+        <a:xfrm>
+          <a:off x="0" y="0"/>
+          <a:ext cx="0" cy="0"/>
+          <a:chOff x="0" y="0"/>
+          <a:chExt cx="0" cy="0"/>
+        </a:xfrm>
+      </p:grpSpPr>
+      <p:sp>
+        <p:nvSpPr>
+          <p:cNvPr id="213" name="Shape 213"/>
+          <p:cNvSpPr txBox="1">
+            <a:spLocks noGrp="1"/>
+          </p:cNvSpPr>
+          <p:nvPr>
+            <p:ph type="body" idx="1"/>
+          </p:nvPr>
+        </p:nvSpPr>
+        <p:spPr>
+          <a:xfrm>
+            <a:off x="685800" y="4400550"/>
+            <a:ext cx="5486399" cy="3600450"/>
+          </a:xfrm>
+          <a:prstGeom prst="rect">
+            <a:avLst/>
+          </a:prstGeom>
+        </p:spPr>
+        <p:txBody>
+          <a:bodyPr lIns="91425" tIns="91425" rIns="91425" bIns="91425" anchor="t" anchorCtr="0">
+            <a:noAutofit/>
+          </a:bodyPr>
+          <a:lstStyle/>
+          <a:p>
+            <a:pPr lvl="0">
+              <a:spcBef>
+                <a:spcPts val="0"/>
+              </a:spcBef>
+              <a:buNone/>
+            </a:pPr>
+            <a:endParaRPr/>
+          </a:p>
+        </p:txBody>
+      </p:sp>
+      <p:sp>
+        <p:nvSpPr>
+          <p:cNvPr id="214" name="Shape 214"/>
+          <p:cNvSpPr>
+            <a:spLocks noGrp="1" noRot="1" noChangeAspect="1"/>
+          </p:cNvSpPr>
+          <p:nvPr>
+            <p:ph type="sldImg" idx="2"/>
+          </p:nvPr>
+        </p:nvSpPr>
+        <p:spPr>
+          <a:xfrm>
+            <a:off x="1371600" y="1143000"/>
+            <a:ext cx="4114800" cy="3086100"/>
+          </a:xfrm>
+          <a:custGeom>
+            <a:avLst/>
+            <a:gdLst/>
+            <a:ahLst/>
+            <a:cxnLst/>
+            <a:rect l="0" t="0" r="0" b="0"/>
+            <a:pathLst>
+              <a:path w="120000" h="120000" extrusionOk="0">
+                <a:moveTo>
+                  <a:pt x="0" y="0"/>
+                </a:moveTo>
+                <a:lnTo>
+                  <a:pt x="120000" y="0"/>
+                </a:lnTo>
+                <a:lnTo>
+                  <a:pt x="120000" y="120000"/>
+                </a:lnTo>
+                <a:lnTo>
+                  <a:pt x="0" y="120000"/>
+                </a:lnTo>
+                <a:close/>
+              </a:path>
+            </a:pathLst>
+          </a:custGeom>
+        </p:spPr>
+      </p:sp>
+    </p:spTree>
+    <p:extLst>
+      <p:ext uri="{BB962C8B-B14F-4D97-AF65-F5344CB8AC3E}">
+        <p14:creationId xmlns:p14="http://schemas.microsoft.com/office/powerpoint/2010/main" val="2267619642"/>
+      </p:ext>
+    </p:extLst>
+  </p:cSld>
+  <p:clrMapOvr>
+    <a:masterClrMapping/>
+  </p:clrMapOvr>
+</p:notes>
+</file>
+
+<file path=ppt/notesSlides/notesSlide16.xml><?xml version="1.0" encoding="utf-8"?>
+<p:notes xmlns:a="http://schemas.openxmlformats.org/drawingml/2006/main" xmlns:r="http://schemas.openxmlformats.org/officeDocument/2006/relationships" xmlns:p="http://schemas.openxmlformats.org/presentationml/2006/main" showMasterSp="0" showMasterPhAnim="0">
+  <p:cSld>
+    <p:spTree>
+      <p:nvGrpSpPr>
+        <p:cNvPr id="1" name="Shape 304"/>
+        <p:cNvGrpSpPr/>
+        <p:nvPr/>
+      </p:nvGrpSpPr>
+      <p:grpSpPr>
+        <a:xfrm>
+          <a:off x="0" y="0"/>
+          <a:ext cx="0" cy="0"/>
+          <a:chOff x="0" y="0"/>
+          <a:chExt cx="0" cy="0"/>
+        </a:xfrm>
+      </p:grpSpPr>
+      <p:sp>
+        <p:nvSpPr>
+          <p:cNvPr id="305" name="Shape 305"/>
+          <p:cNvSpPr txBox="1">
+            <a:spLocks noGrp="1"/>
+          </p:cNvSpPr>
+          <p:nvPr>
+            <p:ph type="body" idx="1"/>
+          </p:nvPr>
+        </p:nvSpPr>
+        <p:spPr>
+          <a:xfrm>
+            <a:off x="685800" y="4400550"/>
+            <a:ext cx="5486399" cy="3600450"/>
+          </a:xfrm>
+          <a:prstGeom prst="rect">
+            <a:avLst/>
+          </a:prstGeom>
+        </p:spPr>
+        <p:txBody>
+          <a:bodyPr lIns="91425" tIns="91425" rIns="91425" bIns="91425" anchor="t" anchorCtr="0">
+            <a:noAutofit/>
+          </a:bodyPr>
+          <a:lstStyle/>
+          <a:p>
+            <a:pPr lvl="0">
+              <a:spcBef>
+                <a:spcPts val="0"/>
+              </a:spcBef>
+              <a:buNone/>
+            </a:pPr>
+            <a:endParaRPr/>
+          </a:p>
+        </p:txBody>
+      </p:sp>
+      <p:sp>
+        <p:nvSpPr>
+          <p:cNvPr id="306" name="Shape 306"/>
+          <p:cNvSpPr>
+            <a:spLocks noGrp="1" noRot="1" noChangeAspect="1"/>
+          </p:cNvSpPr>
+          <p:nvPr>
+            <p:ph type="sldImg" idx="2"/>
+          </p:nvPr>
+        </p:nvSpPr>
+        <p:spPr>
+          <a:xfrm>
+            <a:off x="1371600" y="1143000"/>
+            <a:ext cx="4114800" cy="3086100"/>
+          </a:xfrm>
+          <a:custGeom>
+            <a:avLst/>
+            <a:gdLst/>
+            <a:ahLst/>
+            <a:cxnLst/>
+            <a:rect l="0" t="0" r="0" b="0"/>
+            <a:pathLst>
+              <a:path w="120000" h="120000" extrusionOk="0">
+                <a:moveTo>
+                  <a:pt x="0" y="0"/>
+                </a:moveTo>
+                <a:lnTo>
+                  <a:pt x="120000" y="0"/>
+                </a:lnTo>
+                <a:lnTo>
+                  <a:pt x="120000" y="120000"/>
+                </a:lnTo>
+                <a:lnTo>
+                  <a:pt x="0" y="120000"/>
+                </a:lnTo>
+                <a:close/>
+              </a:path>
+            </a:pathLst>
+          </a:custGeom>
+        </p:spPr>
+      </p:sp>
+    </p:spTree>
+    <p:extLst>
+      <p:ext uri="{BB962C8B-B14F-4D97-AF65-F5344CB8AC3E}">
+        <p14:creationId xmlns:p14="http://schemas.microsoft.com/office/powerpoint/2010/main" val="724805582"/>
+      </p:ext>
+    </p:extLst>
+  </p:cSld>
+  <p:clrMapOvr>
+    <a:masterClrMapping/>
+  </p:clrMapOvr>
+</p:notes>
+</file>
+
+<file path=ppt/notesSlides/notesSlide17.xml><?xml version="1.0" encoding="utf-8"?>
+<p:notes xmlns:a="http://schemas.openxmlformats.org/drawingml/2006/main" xmlns:r="http://schemas.openxmlformats.org/officeDocument/2006/relationships" xmlns:p="http://schemas.openxmlformats.org/presentationml/2006/main" showMasterSp="0" showMasterPhAnim="0">
+  <p:cSld>
+    <p:spTree>
+      <p:nvGrpSpPr>
         <p:cNvPr id="1" name="Shape 298"/>
         <p:cNvGrpSpPr/>
         <p:nvPr/>
@@ -2031,7 +2244,7 @@
 </p:notes>
 </file>
 
-<file path=ppt/notesSlides/notesSlide16.xml><?xml version="1.0" encoding="utf-8"?>
+<file path=ppt/notesSlides/notesSlide18.xml><?xml version="1.0" encoding="utf-8"?>
 <p:notes xmlns:a="http://schemas.openxmlformats.org/drawingml/2006/main" xmlns:r="http://schemas.openxmlformats.org/officeDocument/2006/relationships" xmlns:p="http://schemas.openxmlformats.org/presentationml/2006/main" showMasterSp="0" showMasterPhAnim="0">
   <p:cSld>
     <p:spTree>
@@ -2193,7 +2406,7 @@
                 <a:cs typeface="Calibri"/>
                 <a:sym typeface="Calibri"/>
               </a:rPr>
-              <a:t>16</a:t>
+              <a:t>18</a:t>
             </a:fld>
             <a:endParaRPr lang="en-US" sz="1200">
               <a:solidFill>
@@ -2211,218 +2424,6 @@
     <p:extLst>
       <p:ext uri="{BB962C8B-B14F-4D97-AF65-F5344CB8AC3E}">
         <p14:creationId xmlns:p14="http://schemas.microsoft.com/office/powerpoint/2010/main" val="687485396"/>
-      </p:ext>
-    </p:extLst>
-  </p:cSld>
-  <p:clrMapOvr>
-    <a:masterClrMapping/>
-  </p:clrMapOvr>
-</p:notes>
-</file>
-
-<file path=ppt/notesSlides/notesSlide17.xml><?xml version="1.0" encoding="utf-8"?>
-<p:notes xmlns:a="http://schemas.openxmlformats.org/drawingml/2006/main" xmlns:r="http://schemas.openxmlformats.org/officeDocument/2006/relationships" xmlns:p="http://schemas.openxmlformats.org/presentationml/2006/main" showMasterSp="0" showMasterPhAnim="0">
-  <p:cSld>
-    <p:spTree>
-      <p:nvGrpSpPr>
-        <p:cNvPr id="1" name="Shape 212"/>
-        <p:cNvGrpSpPr/>
-        <p:nvPr/>
-      </p:nvGrpSpPr>
-      <p:grpSpPr>
-        <a:xfrm>
-          <a:off x="0" y="0"/>
-          <a:ext cx="0" cy="0"/>
-          <a:chOff x="0" y="0"/>
-          <a:chExt cx="0" cy="0"/>
-        </a:xfrm>
-      </p:grpSpPr>
-      <p:sp>
-        <p:nvSpPr>
-          <p:cNvPr id="213" name="Shape 213"/>
-          <p:cNvSpPr txBox="1">
-            <a:spLocks noGrp="1"/>
-          </p:cNvSpPr>
-          <p:nvPr>
-            <p:ph type="body" idx="1"/>
-          </p:nvPr>
-        </p:nvSpPr>
-        <p:spPr>
-          <a:xfrm>
-            <a:off x="685800" y="4400550"/>
-            <a:ext cx="5486399" cy="3600450"/>
-          </a:xfrm>
-          <a:prstGeom prst="rect">
-            <a:avLst/>
-          </a:prstGeom>
-        </p:spPr>
-        <p:txBody>
-          <a:bodyPr lIns="91425" tIns="91425" rIns="91425" bIns="91425" anchor="t" anchorCtr="0">
-            <a:noAutofit/>
-          </a:bodyPr>
-          <a:lstStyle/>
-          <a:p>
-            <a:pPr lvl="0">
-              <a:spcBef>
-                <a:spcPts val="0"/>
-              </a:spcBef>
-              <a:buNone/>
-            </a:pPr>
-            <a:endParaRPr/>
-          </a:p>
-        </p:txBody>
-      </p:sp>
-      <p:sp>
-        <p:nvSpPr>
-          <p:cNvPr id="214" name="Shape 214"/>
-          <p:cNvSpPr>
-            <a:spLocks noGrp="1" noRot="1" noChangeAspect="1"/>
-          </p:cNvSpPr>
-          <p:nvPr>
-            <p:ph type="sldImg" idx="2"/>
-          </p:nvPr>
-        </p:nvSpPr>
-        <p:spPr>
-          <a:xfrm>
-            <a:off x="1371600" y="1143000"/>
-            <a:ext cx="4114800" cy="3086100"/>
-          </a:xfrm>
-          <a:custGeom>
-            <a:avLst/>
-            <a:gdLst/>
-            <a:ahLst/>
-            <a:cxnLst/>
-            <a:rect l="0" t="0" r="0" b="0"/>
-            <a:pathLst>
-              <a:path w="120000" h="120000" extrusionOk="0">
-                <a:moveTo>
-                  <a:pt x="0" y="0"/>
-                </a:moveTo>
-                <a:lnTo>
-                  <a:pt x="120000" y="0"/>
-                </a:lnTo>
-                <a:lnTo>
-                  <a:pt x="120000" y="120000"/>
-                </a:lnTo>
-                <a:lnTo>
-                  <a:pt x="0" y="120000"/>
-                </a:lnTo>
-                <a:close/>
-              </a:path>
-            </a:pathLst>
-          </a:custGeom>
-        </p:spPr>
-      </p:sp>
-    </p:spTree>
-    <p:extLst>
-      <p:ext uri="{BB962C8B-B14F-4D97-AF65-F5344CB8AC3E}">
-        <p14:creationId xmlns:p14="http://schemas.microsoft.com/office/powerpoint/2010/main" val="2267619642"/>
-      </p:ext>
-    </p:extLst>
-  </p:cSld>
-  <p:clrMapOvr>
-    <a:masterClrMapping/>
-  </p:clrMapOvr>
-</p:notes>
-</file>
-
-<file path=ppt/notesSlides/notesSlide18.xml><?xml version="1.0" encoding="utf-8"?>
-<p:notes xmlns:a="http://schemas.openxmlformats.org/drawingml/2006/main" xmlns:r="http://schemas.openxmlformats.org/officeDocument/2006/relationships" xmlns:p="http://schemas.openxmlformats.org/presentationml/2006/main" showMasterSp="0" showMasterPhAnim="0">
-  <p:cSld>
-    <p:spTree>
-      <p:nvGrpSpPr>
-        <p:cNvPr id="1" name="Shape 304"/>
-        <p:cNvGrpSpPr/>
-        <p:nvPr/>
-      </p:nvGrpSpPr>
-      <p:grpSpPr>
-        <a:xfrm>
-          <a:off x="0" y="0"/>
-          <a:ext cx="0" cy="0"/>
-          <a:chOff x="0" y="0"/>
-          <a:chExt cx="0" cy="0"/>
-        </a:xfrm>
-      </p:grpSpPr>
-      <p:sp>
-        <p:nvSpPr>
-          <p:cNvPr id="305" name="Shape 305"/>
-          <p:cNvSpPr txBox="1">
-            <a:spLocks noGrp="1"/>
-          </p:cNvSpPr>
-          <p:nvPr>
-            <p:ph type="body" idx="1"/>
-          </p:nvPr>
-        </p:nvSpPr>
-        <p:spPr>
-          <a:xfrm>
-            <a:off x="685800" y="4400550"/>
-            <a:ext cx="5486399" cy="3600450"/>
-          </a:xfrm>
-          <a:prstGeom prst="rect">
-            <a:avLst/>
-          </a:prstGeom>
-        </p:spPr>
-        <p:txBody>
-          <a:bodyPr lIns="91425" tIns="91425" rIns="91425" bIns="91425" anchor="t" anchorCtr="0">
-            <a:noAutofit/>
-          </a:bodyPr>
-          <a:lstStyle/>
-          <a:p>
-            <a:pPr lvl="0">
-              <a:spcBef>
-                <a:spcPts val="0"/>
-              </a:spcBef>
-              <a:buNone/>
-            </a:pPr>
-            <a:endParaRPr/>
-          </a:p>
-        </p:txBody>
-      </p:sp>
-      <p:sp>
-        <p:nvSpPr>
-          <p:cNvPr id="306" name="Shape 306"/>
-          <p:cNvSpPr>
-            <a:spLocks noGrp="1" noRot="1" noChangeAspect="1"/>
-          </p:cNvSpPr>
-          <p:nvPr>
-            <p:ph type="sldImg" idx="2"/>
-          </p:nvPr>
-        </p:nvSpPr>
-        <p:spPr>
-          <a:xfrm>
-            <a:off x="1371600" y="1143000"/>
-            <a:ext cx="4114800" cy="3086100"/>
-          </a:xfrm>
-          <a:custGeom>
-            <a:avLst/>
-            <a:gdLst/>
-            <a:ahLst/>
-            <a:cxnLst/>
-            <a:rect l="0" t="0" r="0" b="0"/>
-            <a:pathLst>
-              <a:path w="120000" h="120000" extrusionOk="0">
-                <a:moveTo>
-                  <a:pt x="0" y="0"/>
-                </a:moveTo>
-                <a:lnTo>
-                  <a:pt x="120000" y="0"/>
-                </a:lnTo>
-                <a:lnTo>
-                  <a:pt x="120000" y="120000"/>
-                </a:lnTo>
-                <a:lnTo>
-                  <a:pt x="0" y="120000"/>
-                </a:lnTo>
-                <a:close/>
-              </a:path>
-            </a:pathLst>
-          </a:custGeom>
-        </p:spPr>
-      </p:sp>
-    </p:spTree>
-    <p:extLst>
-      <p:ext uri="{BB962C8B-B14F-4D97-AF65-F5344CB8AC3E}">
-        <p14:creationId xmlns:p14="http://schemas.microsoft.com/office/powerpoint/2010/main" val="724805582"/>
       </p:ext>
     </p:extLst>
   </p:cSld>
@@ -3073,7 +3074,7 @@
   <p:cSld>
     <p:spTree>
       <p:nvGrpSpPr>
-        <p:cNvPr id="1" name="Shape 341"/>
+        <p:cNvPr id="1" name="Shape 218"/>
         <p:cNvGrpSpPr/>
         <p:nvPr/>
       </p:nvGrpSpPr>
@@ -3087,42 +3088,7 @@
       </p:grpSpPr>
       <p:sp>
         <p:nvSpPr>
-          <p:cNvPr id="342" name="Shape 342"/>
-          <p:cNvSpPr txBox="1">
-            <a:spLocks noGrp="1"/>
-          </p:cNvSpPr>
-          <p:nvPr>
-            <p:ph type="body" idx="1"/>
-          </p:nvPr>
-        </p:nvSpPr>
-        <p:spPr>
-          <a:xfrm>
-            <a:off x="685800" y="4400550"/>
-            <a:ext cx="5486400" cy="3600600"/>
-          </a:xfrm>
-          <a:prstGeom prst="rect">
-            <a:avLst/>
-          </a:prstGeom>
-        </p:spPr>
-        <p:txBody>
-          <a:bodyPr lIns="91425" tIns="91425" rIns="91425" bIns="91425" anchor="t" anchorCtr="0">
-            <a:noAutofit/>
-          </a:bodyPr>
-          <a:lstStyle/>
-          <a:p>
-            <a:pPr lvl="0" rtl="0">
-              <a:spcBef>
-                <a:spcPts val="0"/>
-              </a:spcBef>
-              <a:buNone/>
-            </a:pPr>
-            <a:endParaRPr/>
-          </a:p>
-        </p:txBody>
-      </p:sp>
-      <p:sp>
-        <p:nvSpPr>
-          <p:cNvPr id="343" name="Shape 343"/>
+          <p:cNvPr id="219" name="Shape 219"/>
           <p:cNvSpPr>
             <a:spLocks noGrp="1" noRot="1" noChangeAspect="1"/>
           </p:cNvSpPr>
@@ -3159,12 +3125,130 @@
               </a:path>
             </a:pathLst>
           </a:custGeom>
-        </p:spPr>
+          <a:noFill/>
+          <a:ln w="12700" cap="flat" cmpd="sng">
+            <a:solidFill>
+              <a:srgbClr val="000000"/>
+            </a:solidFill>
+            <a:prstDash val="solid"/>
+            <a:round/>
+            <a:headEnd type="none" w="med" len="med"/>
+            <a:tailEnd type="none" w="med" len="med"/>
+          </a:ln>
+        </p:spPr>
+      </p:sp>
+      <p:sp>
+        <p:nvSpPr>
+          <p:cNvPr id="220" name="Shape 220"/>
+          <p:cNvSpPr txBox="1">
+            <a:spLocks noGrp="1"/>
+          </p:cNvSpPr>
+          <p:nvPr>
+            <p:ph type="body" idx="1"/>
+          </p:nvPr>
+        </p:nvSpPr>
+        <p:spPr>
+          <a:xfrm>
+            <a:off x="685800" y="4400550"/>
+            <a:ext cx="5486399" cy="3600450"/>
+          </a:xfrm>
+          <a:prstGeom prst="rect">
+            <a:avLst/>
+          </a:prstGeom>
+          <a:noFill/>
+          <a:ln>
+            <a:noFill/>
+          </a:ln>
+        </p:spPr>
+        <p:txBody>
+          <a:bodyPr lIns="91425" tIns="45700" rIns="91425" bIns="45700" anchor="t" anchorCtr="0">
+            <a:noAutofit/>
+          </a:bodyPr>
+          <a:lstStyle/>
+          <a:p>
+            <a:pPr marL="0" marR="0" lvl="0" indent="0" algn="l" rtl="0">
+              <a:spcBef>
+                <a:spcPts val="0"/>
+              </a:spcBef>
+              <a:buSzPct val="25000"/>
+              <a:buNone/>
+            </a:pPr>
+            <a:endParaRPr sz="1200" b="0" i="0" u="none" strike="noStrike" cap="none">
+              <a:solidFill>
+                <a:schemeClr val="dk1"/>
+              </a:solidFill>
+              <a:latin typeface="Calibri"/>
+              <a:ea typeface="Calibri"/>
+              <a:cs typeface="Calibri"/>
+              <a:sym typeface="Calibri"/>
+            </a:endParaRPr>
+          </a:p>
+        </p:txBody>
+      </p:sp>
+      <p:sp>
+        <p:nvSpPr>
+          <p:cNvPr id="221" name="Shape 221"/>
+          <p:cNvSpPr txBox="1">
+            <a:spLocks noGrp="1"/>
+          </p:cNvSpPr>
+          <p:nvPr>
+            <p:ph type="sldNum" idx="12"/>
+          </p:nvPr>
+        </p:nvSpPr>
+        <p:spPr>
+          <a:xfrm>
+            <a:off x="3884612" y="8685213"/>
+            <a:ext cx="2971799" cy="458786"/>
+          </a:xfrm>
+          <a:prstGeom prst="rect">
+            <a:avLst/>
+          </a:prstGeom>
+          <a:noFill/>
+          <a:ln>
+            <a:noFill/>
+          </a:ln>
+        </p:spPr>
+        <p:txBody>
+          <a:bodyPr lIns="91425" tIns="45700" rIns="91425" bIns="45700" anchor="b" anchorCtr="0">
+            <a:noAutofit/>
+          </a:bodyPr>
+          <a:lstStyle/>
+          <a:p>
+            <a:pPr marL="0" marR="0" lvl="0" indent="0" algn="r" rtl="0">
+              <a:spcBef>
+                <a:spcPts val="0"/>
+              </a:spcBef>
+              <a:buSzPct val="25000"/>
+              <a:buNone/>
+            </a:pPr>
+            <a:fld id="{00000000-1234-1234-1234-123412341234}" type="slidenum">
+              <a:rPr lang="en-US" sz="1200">
+                <a:solidFill>
+                  <a:schemeClr val="dk1"/>
+                </a:solidFill>
+                <a:latin typeface="Calibri"/>
+                <a:ea typeface="Calibri"/>
+                <a:cs typeface="Calibri"/>
+                <a:sym typeface="Calibri"/>
+              </a:rPr>
+              <a:t>25</a:t>
+            </a:fld>
+            <a:endParaRPr lang="en-US" sz="1200">
+              <a:solidFill>
+                <a:schemeClr val="dk1"/>
+              </a:solidFill>
+              <a:latin typeface="Calibri"/>
+              <a:ea typeface="Calibri"/>
+              <a:cs typeface="Calibri"/>
+              <a:sym typeface="Calibri"/>
+            </a:endParaRPr>
+          </a:p>
+        </p:txBody>
       </p:sp>
     </p:spTree>
     <p:extLst>
       <p:ext uri="{BB962C8B-B14F-4D97-AF65-F5344CB8AC3E}">
-        <p14:creationId xmlns:p14="http://schemas.microsoft.com/office/powerpoint/2010/main" val="2134469983"/>
+        <p14:creationId xmlns:p14="http://schemas.microsoft.com/office/powerpoint/2010/main" val="377630465"/>
       </p:ext>
     </p:extLst>
   </p:cSld>
@@ -3285,7 +3369,7 @@
   <p:cSld>
     <p:spTree>
       <p:nvGrpSpPr>
-        <p:cNvPr id="1" name="Shape 218"/>
+        <p:cNvPr id="1" name="Shape 341"/>
         <p:cNvGrpSpPr/>
         <p:nvPr/>
       </p:nvGrpSpPr>
@@ -3299,7 +3383,42 @@
       </p:grpSpPr>
       <p:sp>
         <p:nvSpPr>
-          <p:cNvPr id="219" name="Shape 219"/>
+          <p:cNvPr id="342" name="Shape 342"/>
+          <p:cNvSpPr txBox="1">
+            <a:spLocks noGrp="1"/>
+          </p:cNvSpPr>
+          <p:nvPr>
+            <p:ph type="body" idx="1"/>
+          </p:nvPr>
+        </p:nvSpPr>
+        <p:spPr>
+          <a:xfrm>
+            <a:off x="685800" y="4400550"/>
+            <a:ext cx="5486400" cy="3600600"/>
+          </a:xfrm>
+          <a:prstGeom prst="rect">
+            <a:avLst/>
+          </a:prstGeom>
+        </p:spPr>
+        <p:txBody>
+          <a:bodyPr lIns="91425" tIns="91425" rIns="91425" bIns="91425" anchor="t" anchorCtr="0">
+            <a:noAutofit/>
+          </a:bodyPr>
+          <a:lstStyle/>
+          <a:p>
+            <a:pPr lvl="0" rtl="0">
+              <a:spcBef>
+                <a:spcPts val="0"/>
+              </a:spcBef>
+              <a:buNone/>
+            </a:pPr>
+            <a:endParaRPr/>
+          </a:p>
+        </p:txBody>
+      </p:sp>
+      <p:sp>
+        <p:nvSpPr>
+          <p:cNvPr id="343" name="Shape 343"/>
           <p:cNvSpPr>
             <a:spLocks noGrp="1" noRot="1" noChangeAspect="1"/>
           </p:cNvSpPr>
@@ -3336,130 +3455,12 @@
               </a:path>
             </a:pathLst>
           </a:custGeom>
-          <a:noFill/>
-          <a:ln w="12700" cap="flat" cmpd="sng">
-            <a:solidFill>
-              <a:srgbClr val="000000"/>
-            </a:solidFill>
-            <a:prstDash val="solid"/>
-            <a:round/>
-            <a:headEnd type="none" w="med" len="med"/>
-            <a:tailEnd type="none" w="med" len="med"/>
-          </a:ln>
-        </p:spPr>
-      </p:sp>
-      <p:sp>
-        <p:nvSpPr>
-          <p:cNvPr id="220" name="Shape 220"/>
-          <p:cNvSpPr txBox="1">
-            <a:spLocks noGrp="1"/>
-          </p:cNvSpPr>
-          <p:nvPr>
-            <p:ph type="body" idx="1"/>
-          </p:nvPr>
-        </p:nvSpPr>
-        <p:spPr>
-          <a:xfrm>
-            <a:off x="685800" y="4400550"/>
-            <a:ext cx="5486399" cy="3600450"/>
-          </a:xfrm>
-          <a:prstGeom prst="rect">
-            <a:avLst/>
-          </a:prstGeom>
-          <a:noFill/>
-          <a:ln>
-            <a:noFill/>
-          </a:ln>
-        </p:spPr>
-        <p:txBody>
-          <a:bodyPr lIns="91425" tIns="45700" rIns="91425" bIns="45700" anchor="t" anchorCtr="0">
-            <a:noAutofit/>
-          </a:bodyPr>
-          <a:lstStyle/>
-          <a:p>
-            <a:pPr marL="0" marR="0" lvl="0" indent="0" algn="l" rtl="0">
-              <a:spcBef>
-                <a:spcPts val="0"/>
-              </a:spcBef>
-              <a:buSzPct val="25000"/>
-              <a:buNone/>
-            </a:pPr>
-            <a:endParaRPr sz="1200" b="0" i="0" u="none" strike="noStrike" cap="none">
-              <a:solidFill>
-                <a:schemeClr val="dk1"/>
-              </a:solidFill>
-              <a:latin typeface="Calibri"/>
-              <a:ea typeface="Calibri"/>
-              <a:cs typeface="Calibri"/>
-              <a:sym typeface="Calibri"/>
-            </a:endParaRPr>
-          </a:p>
-        </p:txBody>
-      </p:sp>
-      <p:sp>
-        <p:nvSpPr>
-          <p:cNvPr id="221" name="Shape 221"/>
-          <p:cNvSpPr txBox="1">
-            <a:spLocks noGrp="1"/>
-          </p:cNvSpPr>
-          <p:nvPr>
-            <p:ph type="sldNum" idx="12"/>
-          </p:nvPr>
-        </p:nvSpPr>
-        <p:spPr>
-          <a:xfrm>
-            <a:off x="3884612" y="8685213"/>
-            <a:ext cx="2971799" cy="458786"/>
-          </a:xfrm>
-          <a:prstGeom prst="rect">
-            <a:avLst/>
-          </a:prstGeom>
-          <a:noFill/>
-          <a:ln>
-            <a:noFill/>
-          </a:ln>
-        </p:spPr>
-        <p:txBody>
-          <a:bodyPr lIns="91425" tIns="45700" rIns="91425" bIns="45700" anchor="b" anchorCtr="0">
-            <a:noAutofit/>
-          </a:bodyPr>
-          <a:lstStyle/>
-          <a:p>
-            <a:pPr marL="0" marR="0" lvl="0" indent="0" algn="r" rtl="0">
-              <a:spcBef>
-                <a:spcPts val="0"/>
-              </a:spcBef>
-              <a:buSzPct val="25000"/>
-              <a:buNone/>
-            </a:pPr>
-            <a:fld id="{00000000-1234-1234-1234-123412341234}" type="slidenum">
-              <a:rPr lang="en-US" sz="1200">
-                <a:solidFill>
-                  <a:schemeClr val="dk1"/>
-                </a:solidFill>
-                <a:latin typeface="Calibri"/>
-                <a:ea typeface="Calibri"/>
-                <a:cs typeface="Calibri"/>
-                <a:sym typeface="Calibri"/>
-              </a:rPr>
-              <a:t>27</a:t>
-            </a:fld>
-            <a:endParaRPr lang="en-US" sz="1200">
-              <a:solidFill>
-                <a:schemeClr val="dk1"/>
-              </a:solidFill>
-              <a:latin typeface="Calibri"/>
-              <a:ea typeface="Calibri"/>
-              <a:cs typeface="Calibri"/>
-              <a:sym typeface="Calibri"/>
-            </a:endParaRPr>
-          </a:p>
-        </p:txBody>
+        </p:spPr>
       </p:sp>
     </p:spTree>
     <p:extLst>
       <p:ext uri="{BB962C8B-B14F-4D97-AF65-F5344CB8AC3E}">
-        <p14:creationId xmlns:p14="http://schemas.microsoft.com/office/powerpoint/2010/main" val="377630465"/>
+        <p14:creationId xmlns:p14="http://schemas.microsoft.com/office/powerpoint/2010/main" val="2134469983"/>
       </p:ext>
     </p:extLst>
   </p:cSld>
@@ -3576,6 +3577,112 @@
 </file>
 
 <file path=ppt/notesSlides/notesSlide28.xml><?xml version="1.0" encoding="utf-8"?>
+<p:notes xmlns:a="http://schemas.openxmlformats.org/drawingml/2006/main" xmlns:r="http://schemas.openxmlformats.org/officeDocument/2006/relationships" xmlns:p="http://schemas.openxmlformats.org/presentationml/2006/main" showMasterSp="0" showMasterPhAnim="0">
+  <p:cSld>
+    <p:spTree>
+      <p:nvGrpSpPr>
+        <p:cNvPr id="1" name="Shape 212"/>
+        <p:cNvGrpSpPr/>
+        <p:nvPr/>
+      </p:nvGrpSpPr>
+      <p:grpSpPr>
+        <a:xfrm>
+          <a:off x="0" y="0"/>
+          <a:ext cx="0" cy="0"/>
+          <a:chOff x="0" y="0"/>
+          <a:chExt cx="0" cy="0"/>
+        </a:xfrm>
+      </p:grpSpPr>
+      <p:sp>
+        <p:nvSpPr>
+          <p:cNvPr id="213" name="Shape 213"/>
+          <p:cNvSpPr txBox="1">
+            <a:spLocks noGrp="1"/>
+          </p:cNvSpPr>
+          <p:nvPr>
+            <p:ph type="body" idx="1"/>
+          </p:nvPr>
+        </p:nvSpPr>
+        <p:spPr>
+          <a:xfrm>
+            <a:off x="685800" y="4400550"/>
+            <a:ext cx="5486399" cy="3600450"/>
+          </a:xfrm>
+          <a:prstGeom prst="rect">
+            <a:avLst/>
+          </a:prstGeom>
+        </p:spPr>
+        <p:txBody>
+          <a:bodyPr lIns="91425" tIns="91425" rIns="91425" bIns="91425" anchor="t" anchorCtr="0">
+            <a:noAutofit/>
+          </a:bodyPr>
+          <a:lstStyle/>
+          <a:p>
+            <a:pPr lvl="0">
+              <a:spcBef>
+                <a:spcPts val="0"/>
+              </a:spcBef>
+              <a:buNone/>
+            </a:pPr>
+            <a:endParaRPr/>
+          </a:p>
+        </p:txBody>
+      </p:sp>
+      <p:sp>
+        <p:nvSpPr>
+          <p:cNvPr id="214" name="Shape 214"/>
+          <p:cNvSpPr>
+            <a:spLocks noGrp="1" noRot="1" noChangeAspect="1"/>
+          </p:cNvSpPr>
+          <p:nvPr>
+            <p:ph type="sldImg" idx="2"/>
+          </p:nvPr>
+        </p:nvSpPr>
+        <p:spPr>
+          <a:xfrm>
+            <a:off x="1371600" y="1143000"/>
+            <a:ext cx="4114800" cy="3086100"/>
+          </a:xfrm>
+          <a:custGeom>
+            <a:avLst/>
+            <a:gdLst/>
+            <a:ahLst/>
+            <a:cxnLst/>
+            <a:rect l="0" t="0" r="0" b="0"/>
+            <a:pathLst>
+              <a:path w="120000" h="120000" extrusionOk="0">
+                <a:moveTo>
+                  <a:pt x="0" y="0"/>
+                </a:moveTo>
+                <a:lnTo>
+                  <a:pt x="120000" y="0"/>
+                </a:lnTo>
+                <a:lnTo>
+                  <a:pt x="120000" y="120000"/>
+                </a:lnTo>
+                <a:lnTo>
+                  <a:pt x="0" y="120000"/>
+                </a:lnTo>
+                <a:close/>
+              </a:path>
+            </a:pathLst>
+          </a:custGeom>
+        </p:spPr>
+      </p:sp>
+    </p:spTree>
+    <p:extLst>
+      <p:ext uri="{BB962C8B-B14F-4D97-AF65-F5344CB8AC3E}">
+        <p14:creationId xmlns:p14="http://schemas.microsoft.com/office/powerpoint/2010/main" val="2349893054"/>
+      </p:ext>
+    </p:extLst>
+  </p:cSld>
+  <p:clrMapOvr>
+    <a:masterClrMapping/>
+  </p:clrMapOvr>
+</p:notes>
+</file>
+
+<file path=ppt/notesSlides/notesSlide29.xml><?xml version="1.0" encoding="utf-8"?>
 <p:notes xmlns:a="http://schemas.openxmlformats.org/drawingml/2006/main" xmlns:r="http://schemas.openxmlformats.org/officeDocument/2006/relationships" xmlns:p="http://schemas.openxmlformats.org/presentationml/2006/main" showMasterSp="0" showMasterPhAnim="0">
   <p:cSld>
     <p:spTree>
@@ -12643,6 +12750,501 @@
   <p:cSld>
     <p:spTree>
       <p:nvGrpSpPr>
+        <p:cNvPr id="1" name="Shape 215"/>
+        <p:cNvGrpSpPr/>
+        <p:nvPr/>
+      </p:nvGrpSpPr>
+      <p:grpSpPr>
+        <a:xfrm>
+          <a:off x="0" y="0"/>
+          <a:ext cx="0" cy="0"/>
+          <a:chOff x="0" y="0"/>
+          <a:chExt cx="0" cy="0"/>
+        </a:xfrm>
+      </p:grpSpPr>
+      <p:sp>
+        <p:nvSpPr>
+          <p:cNvPr id="217" name="Shape 217"/>
+          <p:cNvSpPr txBox="1">
+            <a:spLocks noGrp="1"/>
+          </p:cNvSpPr>
+          <p:nvPr>
+            <p:ph type="title"/>
+          </p:nvPr>
+        </p:nvSpPr>
+        <p:spPr>
+          <a:xfrm>
+            <a:off x="628650" y="1772034"/>
+            <a:ext cx="7886700" cy="4259100"/>
+          </a:xfrm>
+          <a:prstGeom prst="rect">
+            <a:avLst/>
+          </a:prstGeom>
+          <a:noFill/>
+          <a:ln>
+            <a:noFill/>
+          </a:ln>
+        </p:spPr>
+        <p:txBody>
+          <a:bodyPr lIns="91425" tIns="45700" rIns="91425" bIns="45700" anchor="ctr" anchorCtr="0">
+            <a:noAutofit/>
+          </a:bodyPr>
+          <a:lstStyle/>
+          <a:p>
+            <a:pPr marL="0" marR="0" lvl="0" indent="0" algn="ctr" rtl="0">
+              <a:lnSpc>
+                <a:spcPct val="90000"/>
+              </a:lnSpc>
+              <a:spcBef>
+                <a:spcPts val="0"/>
+              </a:spcBef>
+              <a:buClr>
+                <a:schemeClr val="lt1"/>
+              </a:buClr>
+              <a:buSzPct val="25000"/>
+              <a:buFont typeface="Cabin"/>
+              <a:buNone/>
+            </a:pPr>
+            <a:r>
+              <a:rPr lang="en-US" sz="4400" b="0" i="0" u="none" cap="none" dirty="0" smtClean="0">
+                <a:solidFill>
+                  <a:schemeClr val="lt1"/>
+                </a:solidFill>
+                <a:sym typeface="Cabin"/>
+              </a:rPr>
+              <a:t>[demonstration]</a:t>
+            </a:r>
+          </a:p>
+        </p:txBody>
+      </p:sp>
+    </p:spTree>
+    <p:extLst>
+      <p:ext uri="{BB962C8B-B14F-4D97-AF65-F5344CB8AC3E}">
+        <p14:creationId xmlns:p14="http://schemas.microsoft.com/office/powerpoint/2010/main" val="2982517147"/>
+      </p:ext>
+    </p:extLst>
+  </p:cSld>
+  <p:clrMapOvr>
+    <a:masterClrMapping/>
+  </p:clrMapOvr>
+  <p:timing>
+    <p:tnLst>
+      <p:par>
+        <p:cTn id="1" dur="indefinite" restart="never" nodeType="tmRoot"/>
+      </p:par>
+    </p:tnLst>
+  </p:timing>
+</p:sld>
+</file>
+
+<file path=ppt/slides/slide16.xml><?xml version="1.0" encoding="utf-8"?>
+<p:sld xmlns:a="http://schemas.openxmlformats.org/drawingml/2006/main" xmlns:r="http://schemas.openxmlformats.org/officeDocument/2006/relationships" xmlns:p="http://schemas.openxmlformats.org/presentationml/2006/main">
+  <p:cSld>
+    <p:spTree>
+      <p:nvGrpSpPr>
+        <p:cNvPr id="1" name="Shape 307"/>
+        <p:cNvGrpSpPr/>
+        <p:nvPr/>
+      </p:nvGrpSpPr>
+      <p:grpSpPr>
+        <a:xfrm>
+          <a:off x="0" y="0"/>
+          <a:ext cx="0" cy="0"/>
+          <a:chOff x="0" y="0"/>
+          <a:chExt cx="0" cy="0"/>
+        </a:xfrm>
+      </p:grpSpPr>
+      <p:pic>
+        <p:nvPicPr>
+          <p:cNvPr id="308" name="Shape 308" descr="https://farm8.staticflickr.com/7223/7303661260_ca33f3688b_k.jpg"/>
+          <p:cNvPicPr preferRelativeResize="0"/>
+          <p:nvPr/>
+        </p:nvPicPr>
+        <p:blipFill rotWithShape="1">
+          <a:blip r:embed="rId3">
+            <a:alphaModFix/>
+          </a:blip>
+          <a:srcRect l="5705" r="61"/>
+          <a:stretch/>
+        </p:blipFill>
+        <p:spPr>
+          <a:xfrm>
+            <a:off x="0" y="0"/>
+            <a:ext cx="9156274" cy="6858000"/>
+          </a:xfrm>
+          <a:prstGeom prst="rect">
+            <a:avLst/>
+          </a:prstGeom>
+          <a:noFill/>
+          <a:ln>
+            <a:noFill/>
+          </a:ln>
+        </p:spPr>
+      </p:pic>
+      <p:sp>
+        <p:nvSpPr>
+          <p:cNvPr id="309" name="Shape 309"/>
+          <p:cNvSpPr txBox="1"/>
+          <p:nvPr/>
+        </p:nvSpPr>
+        <p:spPr>
+          <a:xfrm>
+            <a:off x="-119669" y="-220890"/>
+            <a:ext cx="9358800" cy="4709100"/>
+          </a:xfrm>
+          <a:prstGeom prst="rect">
+            <a:avLst/>
+          </a:prstGeom>
+          <a:noFill/>
+          <a:ln>
+            <a:noFill/>
+          </a:ln>
+        </p:spPr>
+        <p:txBody>
+          <a:bodyPr lIns="91425" tIns="45700" rIns="91425" bIns="45700" anchor="t" anchorCtr="0">
+            <a:noAutofit/>
+          </a:bodyPr>
+          <a:lstStyle/>
+          <a:p>
+            <a:pPr marL="0" marR="0" lvl="0" indent="0" algn="ctr" rtl="0">
+              <a:spcBef>
+                <a:spcPts val="0"/>
+              </a:spcBef>
+              <a:buSzPct val="25000"/>
+              <a:buNone/>
+            </a:pPr>
+            <a:r>
+              <a:rPr lang="en-US" sz="12500" smtClean="0">
+                <a:solidFill>
+                  <a:schemeClr val="lt1"/>
+                </a:solidFill>
+                <a:latin typeface="Cabin"/>
+                <a:ea typeface="Cabin"/>
+                <a:cs typeface="Cabin"/>
+                <a:sym typeface="Cabin"/>
+              </a:rPr>
+              <a:t>In-Class</a:t>
+            </a:r>
+            <a:r>
+              <a:rPr lang="en-US" sz="15000" smtClean="0">
+                <a:solidFill>
+                  <a:schemeClr val="lt1"/>
+                </a:solidFill>
+                <a:latin typeface="Cabin"/>
+                <a:ea typeface="Cabin"/>
+                <a:cs typeface="Cabin"/>
+                <a:sym typeface="Cabin"/>
+              </a:rPr>
+              <a:t> </a:t>
+            </a:r>
+            <a:r>
+              <a:rPr lang="en-US" sz="15000" dirty="0" smtClean="0">
+                <a:solidFill>
+                  <a:schemeClr val="lt1"/>
+                </a:solidFill>
+                <a:latin typeface="Cabin"/>
+                <a:ea typeface="Cabin"/>
+                <a:cs typeface="Cabin"/>
+                <a:sym typeface="Cabin"/>
+              </a:rPr>
+              <a:t>Exercise </a:t>
+            </a:r>
+            <a:r>
+              <a:rPr lang="en-US" sz="15000" dirty="0">
+                <a:solidFill>
+                  <a:schemeClr val="lt1"/>
+                </a:solidFill>
+                <a:latin typeface="Cabin"/>
+                <a:ea typeface="Cabin"/>
+                <a:cs typeface="Cabin"/>
+                <a:sym typeface="Cabin"/>
+              </a:rPr>
+              <a:t>1</a:t>
+            </a:r>
+          </a:p>
+        </p:txBody>
+      </p:sp>
+      <p:sp>
+        <p:nvSpPr>
+          <p:cNvPr id="310" name="Shape 310"/>
+          <p:cNvSpPr txBox="1"/>
+          <p:nvPr/>
+        </p:nvSpPr>
+        <p:spPr>
+          <a:xfrm>
+            <a:off x="3079750" y="4486275"/>
+            <a:ext cx="5969100" cy="2371800"/>
+          </a:xfrm>
+          <a:prstGeom prst="rect">
+            <a:avLst/>
+          </a:prstGeom>
+          <a:solidFill>
+            <a:srgbClr val="212121"/>
+          </a:solidFill>
+          <a:ln>
+            <a:noFill/>
+          </a:ln>
+        </p:spPr>
+        <p:txBody>
+          <a:bodyPr lIns="91425" tIns="91425" rIns="91425" bIns="91425" anchor="t" anchorCtr="0">
+            <a:noAutofit/>
+          </a:bodyPr>
+          <a:lstStyle/>
+          <a:p>
+            <a:pPr marL="457200" lvl="0" indent="-381000">
+              <a:buClr>
+                <a:srgbClr val="F3F3F3"/>
+              </a:buClr>
+              <a:buSzPct val="100000"/>
+              <a:buFont typeface="Open Sans"/>
+              <a:buAutoNum type="arabicPeriod"/>
+            </a:pPr>
+            <a:r>
+              <a:rPr lang="en-US" sz="2400" b="1" dirty="0" err="1" smtClean="0">
+                <a:solidFill>
+                  <a:srgbClr val="4A86E8"/>
+                </a:solidFill>
+                <a:latin typeface="Open Sans"/>
+                <a:ea typeface="Open Sans"/>
+                <a:cs typeface="Open Sans"/>
+                <a:sym typeface="Open Sans"/>
+              </a:rPr>
+              <a:t>git</a:t>
+            </a:r>
+            <a:r>
+              <a:rPr lang="en-US" sz="2400" b="1" dirty="0" smtClean="0">
+                <a:solidFill>
+                  <a:srgbClr val="4A86E8"/>
+                </a:solidFill>
+                <a:latin typeface="Open Sans"/>
+                <a:ea typeface="Open Sans"/>
+                <a:cs typeface="Open Sans"/>
+                <a:sym typeface="Open Sans"/>
+              </a:rPr>
+              <a:t> clone/DL </a:t>
+            </a:r>
+            <a:r>
+              <a:rPr lang="en-US" sz="2400" b="1" dirty="0" err="1" smtClean="0">
+                <a:solidFill>
+                  <a:srgbClr val="4A86E8"/>
+                </a:solidFill>
+                <a:latin typeface="Open Sans"/>
+                <a:ea typeface="Open Sans"/>
+                <a:cs typeface="Open Sans"/>
+                <a:sym typeface="Open Sans"/>
+              </a:rPr>
+              <a:t>github</a:t>
+            </a:r>
+            <a:r>
+              <a:rPr lang="en-US" sz="2400" b="1" dirty="0" smtClean="0">
+                <a:solidFill>
+                  <a:srgbClr val="4A86E8"/>
+                </a:solidFill>
+                <a:latin typeface="Open Sans"/>
+                <a:ea typeface="Open Sans"/>
+                <a:cs typeface="Open Sans"/>
+                <a:sym typeface="Open Sans"/>
+              </a:rPr>
+              <a:t> repo: </a:t>
+            </a:r>
+            <a:r>
+              <a:rPr lang="en-US" sz="2400" b="1" dirty="0" smtClean="0">
+                <a:solidFill>
+                  <a:srgbClr val="4A86E8"/>
+                </a:solidFill>
+                <a:latin typeface="Open Sans"/>
+                <a:ea typeface="Open Sans"/>
+                <a:cs typeface="Open Sans"/>
+                <a:sym typeface="Open Sans"/>
+                <a:hlinkClick r:id="rId4"/>
+              </a:rPr>
+              <a:t>…/</a:t>
+            </a:r>
+            <a:r>
+              <a:rPr lang="en-US" sz="2400" b="1" dirty="0" err="1" smtClean="0">
+                <a:solidFill>
+                  <a:srgbClr val="4A86E8"/>
+                </a:solidFill>
+                <a:latin typeface="Open Sans"/>
+                <a:ea typeface="Open Sans"/>
+                <a:cs typeface="Open Sans"/>
+                <a:sym typeface="Open Sans"/>
+                <a:hlinkClick r:id="rId4"/>
+              </a:rPr>
+              <a:t>DreaJulca</a:t>
+            </a:r>
+            <a:r>
+              <a:rPr lang="en-US" sz="2400" b="1" dirty="0" smtClean="0">
+                <a:solidFill>
+                  <a:srgbClr val="4A86E8"/>
+                </a:solidFill>
+                <a:latin typeface="Open Sans"/>
+                <a:ea typeface="Open Sans"/>
+                <a:cs typeface="Open Sans"/>
+                <a:sym typeface="Open Sans"/>
+                <a:hlinkClick r:id="rId4"/>
+              </a:rPr>
+              <a:t>/</a:t>
+            </a:r>
+            <a:r>
+              <a:rPr lang="en-US" sz="2400" b="1" dirty="0" err="1" smtClean="0">
+                <a:solidFill>
+                  <a:srgbClr val="4A86E8"/>
+                </a:solidFill>
+                <a:latin typeface="Open Sans"/>
+                <a:ea typeface="Open Sans"/>
+                <a:cs typeface="Open Sans"/>
+                <a:sym typeface="Open Sans"/>
+                <a:hlinkClick r:id="rId4"/>
+              </a:rPr>
+              <a:t>streamvis</a:t>
+            </a:r>
+            <a:r>
+              <a:rPr lang="en-US" sz="2400" b="1" dirty="0" smtClean="0">
+                <a:solidFill>
+                  <a:srgbClr val="4A86E8"/>
+                </a:solidFill>
+                <a:latin typeface="Open Sans"/>
+                <a:ea typeface="Open Sans"/>
+                <a:cs typeface="Open Sans"/>
+                <a:sym typeface="Open Sans"/>
+                <a:hlinkClick r:id="rId4"/>
+              </a:rPr>
+              <a:t>-lecture</a:t>
+            </a:r>
+            <a:r>
+              <a:rPr lang="en-US" sz="2400" b="1" dirty="0" smtClean="0">
+                <a:solidFill>
+                  <a:srgbClr val="4A86E8"/>
+                </a:solidFill>
+                <a:latin typeface="Open Sans"/>
+                <a:ea typeface="Open Sans"/>
+                <a:cs typeface="Open Sans"/>
+                <a:sym typeface="Open Sans"/>
+              </a:rPr>
+              <a:t> </a:t>
+            </a:r>
+          </a:p>
+          <a:p>
+            <a:pPr marL="457200" lvl="0" indent="-381000">
+              <a:buClr>
+                <a:srgbClr val="F3F3F3"/>
+              </a:buClr>
+              <a:buSzPct val="100000"/>
+              <a:buFont typeface="Open Sans"/>
+              <a:buAutoNum type="arabicPeriod"/>
+            </a:pPr>
+            <a:r>
+              <a:rPr lang="en-US" sz="2400" b="1" dirty="0" smtClean="0">
+                <a:solidFill>
+                  <a:srgbClr val="4A86E8"/>
+                </a:solidFill>
+                <a:latin typeface="Open Sans"/>
+                <a:ea typeface="Open Sans"/>
+                <a:cs typeface="Open Sans"/>
+                <a:sym typeface="Open Sans"/>
+              </a:rPr>
+              <a:t>Run </a:t>
+            </a:r>
+            <a:r>
+              <a:rPr lang="en-US" sz="2400" b="1" dirty="0" err="1" smtClean="0">
+                <a:solidFill>
+                  <a:srgbClr val="4A86E8"/>
+                </a:solidFill>
+                <a:latin typeface="Open Sans"/>
+                <a:ea typeface="Open Sans"/>
+                <a:cs typeface="Open Sans"/>
+                <a:sym typeface="Open Sans"/>
+              </a:rPr>
+              <a:t>Bind.R</a:t>
+            </a:r>
+            <a:r>
+              <a:rPr lang="en-US" sz="2400" b="1" dirty="0" smtClean="0">
+                <a:solidFill>
+                  <a:srgbClr val="4A86E8"/>
+                </a:solidFill>
+                <a:latin typeface="Open Sans"/>
+                <a:ea typeface="Open Sans"/>
+                <a:cs typeface="Open Sans"/>
+                <a:sym typeface="Open Sans"/>
+              </a:rPr>
+              <a:t> and </a:t>
+            </a:r>
+            <a:r>
+              <a:rPr lang="en-US" sz="2400" b="1" dirty="0" err="1" smtClean="0">
+                <a:solidFill>
+                  <a:srgbClr val="4A86E8"/>
+                </a:solidFill>
+                <a:latin typeface="Open Sans"/>
+                <a:ea typeface="Open Sans"/>
+                <a:cs typeface="Open Sans"/>
+                <a:sym typeface="Open Sans"/>
+              </a:rPr>
+              <a:t>serv.R</a:t>
+            </a:r>
+            <a:endParaRPr lang="en-US" sz="2400" b="1" dirty="0" smtClean="0">
+              <a:solidFill>
+                <a:srgbClr val="4A86E8"/>
+              </a:solidFill>
+              <a:latin typeface="Open Sans"/>
+              <a:ea typeface="Open Sans"/>
+              <a:cs typeface="Open Sans"/>
+              <a:sym typeface="Open Sans"/>
+            </a:endParaRPr>
+          </a:p>
+          <a:p>
+            <a:pPr marL="457200" lvl="0" indent="-381000">
+              <a:buClr>
+                <a:srgbClr val="F3F3F3"/>
+              </a:buClr>
+              <a:buSzPct val="100000"/>
+              <a:buFont typeface="Open Sans"/>
+              <a:buAutoNum type="arabicPeriod"/>
+            </a:pPr>
+            <a:r>
+              <a:rPr lang="en-US" sz="2400" b="1" dirty="0" smtClean="0">
+                <a:solidFill>
+                  <a:srgbClr val="4A86E8"/>
+                </a:solidFill>
+                <a:latin typeface="Open Sans"/>
+                <a:ea typeface="Open Sans"/>
+                <a:cs typeface="Open Sans"/>
+                <a:sym typeface="Open Sans"/>
+              </a:rPr>
+              <a:t>(On paper) design and sketch a better (but also transitioning) visualization</a:t>
+            </a:r>
+            <a:endParaRPr lang="en-US" sz="2400" b="1" dirty="0">
+              <a:solidFill>
+                <a:srgbClr val="4A86E8"/>
+              </a:solidFill>
+              <a:latin typeface="Open Sans"/>
+              <a:ea typeface="Open Sans"/>
+              <a:cs typeface="Open Sans"/>
+              <a:sym typeface="Open Sans"/>
+            </a:endParaRPr>
+          </a:p>
+        </p:txBody>
+      </p:sp>
+    </p:spTree>
+  </p:cSld>
+  <p:clrMapOvr>
+    <a:masterClrMapping/>
+  </p:clrMapOvr>
+  <p:timing>
+    <p:tnLst>
+      <p:par>
+        <p:cTn id="1" dur="indefinite" restart="never" nodeType="tmRoot"/>
+      </p:par>
+    </p:tnLst>
+  </p:timing>
+</p:sld>
+</file>
+
+<file path=ppt/slides/slide17.xml><?xml version="1.0" encoding="utf-8"?>
+<p:sld xmlns:a="http://schemas.openxmlformats.org/drawingml/2006/main" xmlns:r="http://schemas.openxmlformats.org/officeDocument/2006/relationships" xmlns:p="http://schemas.openxmlformats.org/presentationml/2006/main">
+  <p:cSld>
+    <p:spTree>
+      <p:nvGrpSpPr>
         <p:cNvPr id="1" name="Shape 301"/>
         <p:cNvGrpSpPr/>
         <p:nvPr/>
@@ -12877,7 +13479,7 @@
 </p:sld>
 </file>
 
-<file path=ppt/slides/slide16.xml><?xml version="1.0" encoding="utf-8"?>
+<file path=ppt/slides/slide18.xml><?xml version="1.0" encoding="utf-8"?>
 <p:sld xmlns:a="http://schemas.openxmlformats.org/drawingml/2006/main" xmlns:r="http://schemas.openxmlformats.org/officeDocument/2006/relationships" xmlns:p="http://schemas.openxmlformats.org/presentationml/2006/main">
   <p:cSld>
     <p:spTree>
@@ -12983,7 +13585,7 @@
                 <a:cs typeface="Cabin"/>
                 <a:sym typeface="Cabin"/>
               </a:rPr>
-              <a:t>16</a:t>
+              <a:t>18</a:t>
             </a:fld>
             <a:endParaRPr lang="en-US" sz="1200">
               <a:solidFill>
@@ -13919,501 +14521,6 @@
 </p:sld>
 </file>
 
-<file path=ppt/slides/slide17.xml><?xml version="1.0" encoding="utf-8"?>
-<p:sld xmlns:a="http://schemas.openxmlformats.org/drawingml/2006/main" xmlns:r="http://schemas.openxmlformats.org/officeDocument/2006/relationships" xmlns:p="http://schemas.openxmlformats.org/presentationml/2006/main">
-  <p:cSld>
-    <p:spTree>
-      <p:nvGrpSpPr>
-        <p:cNvPr id="1" name="Shape 215"/>
-        <p:cNvGrpSpPr/>
-        <p:nvPr/>
-      </p:nvGrpSpPr>
-      <p:grpSpPr>
-        <a:xfrm>
-          <a:off x="0" y="0"/>
-          <a:ext cx="0" cy="0"/>
-          <a:chOff x="0" y="0"/>
-          <a:chExt cx="0" cy="0"/>
-        </a:xfrm>
-      </p:grpSpPr>
-      <p:sp>
-        <p:nvSpPr>
-          <p:cNvPr id="217" name="Shape 217"/>
-          <p:cNvSpPr txBox="1">
-            <a:spLocks noGrp="1"/>
-          </p:cNvSpPr>
-          <p:nvPr>
-            <p:ph type="title"/>
-          </p:nvPr>
-        </p:nvSpPr>
-        <p:spPr>
-          <a:xfrm>
-            <a:off x="628650" y="1772034"/>
-            <a:ext cx="7886700" cy="4259100"/>
-          </a:xfrm>
-          <a:prstGeom prst="rect">
-            <a:avLst/>
-          </a:prstGeom>
-          <a:noFill/>
-          <a:ln>
-            <a:noFill/>
-          </a:ln>
-        </p:spPr>
-        <p:txBody>
-          <a:bodyPr lIns="91425" tIns="45700" rIns="91425" bIns="45700" anchor="ctr" anchorCtr="0">
-            <a:noAutofit/>
-          </a:bodyPr>
-          <a:lstStyle/>
-          <a:p>
-            <a:pPr marL="0" marR="0" lvl="0" indent="0" algn="ctr" rtl="0">
-              <a:lnSpc>
-                <a:spcPct val="90000"/>
-              </a:lnSpc>
-              <a:spcBef>
-                <a:spcPts val="0"/>
-              </a:spcBef>
-              <a:buClr>
-                <a:schemeClr val="lt1"/>
-              </a:buClr>
-              <a:buSzPct val="25000"/>
-              <a:buFont typeface="Cabin"/>
-              <a:buNone/>
-            </a:pPr>
-            <a:r>
-              <a:rPr lang="en-US" sz="4400" b="0" i="0" u="none" cap="none" dirty="0" smtClean="0">
-                <a:solidFill>
-                  <a:schemeClr val="lt1"/>
-                </a:solidFill>
-                <a:sym typeface="Cabin"/>
-              </a:rPr>
-              <a:t>[demonstration]</a:t>
-            </a:r>
-          </a:p>
-        </p:txBody>
-      </p:sp>
-    </p:spTree>
-    <p:extLst>
-      <p:ext uri="{BB962C8B-B14F-4D97-AF65-F5344CB8AC3E}">
-        <p14:creationId xmlns:p14="http://schemas.microsoft.com/office/powerpoint/2010/main" val="2982517147"/>
-      </p:ext>
-    </p:extLst>
-  </p:cSld>
-  <p:clrMapOvr>
-    <a:masterClrMapping/>
-  </p:clrMapOvr>
-  <p:timing>
-    <p:tnLst>
-      <p:par>
-        <p:cTn id="1" dur="indefinite" restart="never" nodeType="tmRoot"/>
-      </p:par>
-    </p:tnLst>
-  </p:timing>
-</p:sld>
-</file>
-
-<file path=ppt/slides/slide18.xml><?xml version="1.0" encoding="utf-8"?>
-<p:sld xmlns:a="http://schemas.openxmlformats.org/drawingml/2006/main" xmlns:r="http://schemas.openxmlformats.org/officeDocument/2006/relationships" xmlns:p="http://schemas.openxmlformats.org/presentationml/2006/main">
-  <p:cSld>
-    <p:spTree>
-      <p:nvGrpSpPr>
-        <p:cNvPr id="1" name="Shape 307"/>
-        <p:cNvGrpSpPr/>
-        <p:nvPr/>
-      </p:nvGrpSpPr>
-      <p:grpSpPr>
-        <a:xfrm>
-          <a:off x="0" y="0"/>
-          <a:ext cx="0" cy="0"/>
-          <a:chOff x="0" y="0"/>
-          <a:chExt cx="0" cy="0"/>
-        </a:xfrm>
-      </p:grpSpPr>
-      <p:pic>
-        <p:nvPicPr>
-          <p:cNvPr id="308" name="Shape 308" descr="https://farm8.staticflickr.com/7223/7303661260_ca33f3688b_k.jpg"/>
-          <p:cNvPicPr preferRelativeResize="0"/>
-          <p:nvPr/>
-        </p:nvPicPr>
-        <p:blipFill rotWithShape="1">
-          <a:blip r:embed="rId3">
-            <a:alphaModFix/>
-          </a:blip>
-          <a:srcRect l="5705" r="61"/>
-          <a:stretch/>
-        </p:blipFill>
-        <p:spPr>
-          <a:xfrm>
-            <a:off x="0" y="0"/>
-            <a:ext cx="9156274" cy="6858000"/>
-          </a:xfrm>
-          <a:prstGeom prst="rect">
-            <a:avLst/>
-          </a:prstGeom>
-          <a:noFill/>
-          <a:ln>
-            <a:noFill/>
-          </a:ln>
-        </p:spPr>
-      </p:pic>
-      <p:sp>
-        <p:nvSpPr>
-          <p:cNvPr id="309" name="Shape 309"/>
-          <p:cNvSpPr txBox="1"/>
-          <p:nvPr/>
-        </p:nvSpPr>
-        <p:spPr>
-          <a:xfrm>
-            <a:off x="-119669" y="-220890"/>
-            <a:ext cx="9358800" cy="4709100"/>
-          </a:xfrm>
-          <a:prstGeom prst="rect">
-            <a:avLst/>
-          </a:prstGeom>
-          <a:noFill/>
-          <a:ln>
-            <a:noFill/>
-          </a:ln>
-        </p:spPr>
-        <p:txBody>
-          <a:bodyPr lIns="91425" tIns="45700" rIns="91425" bIns="45700" anchor="t" anchorCtr="0">
-            <a:noAutofit/>
-          </a:bodyPr>
-          <a:lstStyle/>
-          <a:p>
-            <a:pPr marL="0" marR="0" lvl="0" indent="0" algn="ctr" rtl="0">
-              <a:spcBef>
-                <a:spcPts val="0"/>
-              </a:spcBef>
-              <a:buSzPct val="25000"/>
-              <a:buNone/>
-            </a:pPr>
-            <a:r>
-              <a:rPr lang="en-US" sz="12500" smtClean="0">
-                <a:solidFill>
-                  <a:schemeClr val="lt1"/>
-                </a:solidFill>
-                <a:latin typeface="Cabin"/>
-                <a:ea typeface="Cabin"/>
-                <a:cs typeface="Cabin"/>
-                <a:sym typeface="Cabin"/>
-              </a:rPr>
-              <a:t>In-Class</a:t>
-            </a:r>
-            <a:r>
-              <a:rPr lang="en-US" sz="15000" smtClean="0">
-                <a:solidFill>
-                  <a:schemeClr val="lt1"/>
-                </a:solidFill>
-                <a:latin typeface="Cabin"/>
-                <a:ea typeface="Cabin"/>
-                <a:cs typeface="Cabin"/>
-                <a:sym typeface="Cabin"/>
-              </a:rPr>
-              <a:t> </a:t>
-            </a:r>
-            <a:r>
-              <a:rPr lang="en-US" sz="15000" dirty="0" smtClean="0">
-                <a:solidFill>
-                  <a:schemeClr val="lt1"/>
-                </a:solidFill>
-                <a:latin typeface="Cabin"/>
-                <a:ea typeface="Cabin"/>
-                <a:cs typeface="Cabin"/>
-                <a:sym typeface="Cabin"/>
-              </a:rPr>
-              <a:t>Exercise </a:t>
-            </a:r>
-            <a:r>
-              <a:rPr lang="en-US" sz="15000" dirty="0">
-                <a:solidFill>
-                  <a:schemeClr val="lt1"/>
-                </a:solidFill>
-                <a:latin typeface="Cabin"/>
-                <a:ea typeface="Cabin"/>
-                <a:cs typeface="Cabin"/>
-                <a:sym typeface="Cabin"/>
-              </a:rPr>
-              <a:t>1</a:t>
-            </a:r>
-          </a:p>
-        </p:txBody>
-      </p:sp>
-      <p:sp>
-        <p:nvSpPr>
-          <p:cNvPr id="310" name="Shape 310"/>
-          <p:cNvSpPr txBox="1"/>
-          <p:nvPr/>
-        </p:nvSpPr>
-        <p:spPr>
-          <a:xfrm>
-            <a:off x="3079750" y="4486275"/>
-            <a:ext cx="5969100" cy="2371800"/>
-          </a:xfrm>
-          <a:prstGeom prst="rect">
-            <a:avLst/>
-          </a:prstGeom>
-          <a:solidFill>
-            <a:srgbClr val="212121"/>
-          </a:solidFill>
-          <a:ln>
-            <a:noFill/>
-          </a:ln>
-        </p:spPr>
-        <p:txBody>
-          <a:bodyPr lIns="91425" tIns="91425" rIns="91425" bIns="91425" anchor="t" anchorCtr="0">
-            <a:noAutofit/>
-          </a:bodyPr>
-          <a:lstStyle/>
-          <a:p>
-            <a:pPr marL="457200" lvl="0" indent="-381000">
-              <a:buClr>
-                <a:srgbClr val="F3F3F3"/>
-              </a:buClr>
-              <a:buSzPct val="100000"/>
-              <a:buFont typeface="Open Sans"/>
-              <a:buAutoNum type="arabicPeriod"/>
-            </a:pPr>
-            <a:r>
-              <a:rPr lang="en-US" sz="2400" b="1" dirty="0" err="1" smtClean="0">
-                <a:solidFill>
-                  <a:srgbClr val="4A86E8"/>
-                </a:solidFill>
-                <a:latin typeface="Open Sans"/>
-                <a:ea typeface="Open Sans"/>
-                <a:cs typeface="Open Sans"/>
-                <a:sym typeface="Open Sans"/>
-              </a:rPr>
-              <a:t>git</a:t>
-            </a:r>
-            <a:r>
-              <a:rPr lang="en-US" sz="2400" b="1" dirty="0" smtClean="0">
-                <a:solidFill>
-                  <a:srgbClr val="4A86E8"/>
-                </a:solidFill>
-                <a:latin typeface="Open Sans"/>
-                <a:ea typeface="Open Sans"/>
-                <a:cs typeface="Open Sans"/>
-                <a:sym typeface="Open Sans"/>
-              </a:rPr>
-              <a:t> clone/DL </a:t>
-            </a:r>
-            <a:r>
-              <a:rPr lang="en-US" sz="2400" b="1" dirty="0" err="1" smtClean="0">
-                <a:solidFill>
-                  <a:srgbClr val="4A86E8"/>
-                </a:solidFill>
-                <a:latin typeface="Open Sans"/>
-                <a:ea typeface="Open Sans"/>
-                <a:cs typeface="Open Sans"/>
-                <a:sym typeface="Open Sans"/>
-              </a:rPr>
-              <a:t>github</a:t>
-            </a:r>
-            <a:r>
-              <a:rPr lang="en-US" sz="2400" b="1" dirty="0" smtClean="0">
-                <a:solidFill>
-                  <a:srgbClr val="4A86E8"/>
-                </a:solidFill>
-                <a:latin typeface="Open Sans"/>
-                <a:ea typeface="Open Sans"/>
-                <a:cs typeface="Open Sans"/>
-                <a:sym typeface="Open Sans"/>
-              </a:rPr>
-              <a:t> repo: </a:t>
-            </a:r>
-            <a:r>
-              <a:rPr lang="en-US" sz="2400" b="1" dirty="0" smtClean="0">
-                <a:solidFill>
-                  <a:srgbClr val="4A86E8"/>
-                </a:solidFill>
-                <a:latin typeface="Open Sans"/>
-                <a:ea typeface="Open Sans"/>
-                <a:cs typeface="Open Sans"/>
-                <a:sym typeface="Open Sans"/>
-                <a:hlinkClick r:id="rId4"/>
-              </a:rPr>
-              <a:t>…/</a:t>
-            </a:r>
-            <a:r>
-              <a:rPr lang="en-US" sz="2400" b="1" dirty="0" err="1" smtClean="0">
-                <a:solidFill>
-                  <a:srgbClr val="4A86E8"/>
-                </a:solidFill>
-                <a:latin typeface="Open Sans"/>
-                <a:ea typeface="Open Sans"/>
-                <a:cs typeface="Open Sans"/>
-                <a:sym typeface="Open Sans"/>
-                <a:hlinkClick r:id="rId4"/>
-              </a:rPr>
-              <a:t>DreaJulca</a:t>
-            </a:r>
-            <a:r>
-              <a:rPr lang="en-US" sz="2400" b="1" dirty="0" smtClean="0">
-                <a:solidFill>
-                  <a:srgbClr val="4A86E8"/>
-                </a:solidFill>
-                <a:latin typeface="Open Sans"/>
-                <a:ea typeface="Open Sans"/>
-                <a:cs typeface="Open Sans"/>
-                <a:sym typeface="Open Sans"/>
-                <a:hlinkClick r:id="rId4"/>
-              </a:rPr>
-              <a:t>/</a:t>
-            </a:r>
-            <a:r>
-              <a:rPr lang="en-US" sz="2400" b="1" dirty="0" err="1" smtClean="0">
-                <a:solidFill>
-                  <a:srgbClr val="4A86E8"/>
-                </a:solidFill>
-                <a:latin typeface="Open Sans"/>
-                <a:ea typeface="Open Sans"/>
-                <a:cs typeface="Open Sans"/>
-                <a:sym typeface="Open Sans"/>
-                <a:hlinkClick r:id="rId4"/>
-              </a:rPr>
-              <a:t>streamvis</a:t>
-            </a:r>
-            <a:r>
-              <a:rPr lang="en-US" sz="2400" b="1" dirty="0" smtClean="0">
-                <a:solidFill>
-                  <a:srgbClr val="4A86E8"/>
-                </a:solidFill>
-                <a:latin typeface="Open Sans"/>
-                <a:ea typeface="Open Sans"/>
-                <a:cs typeface="Open Sans"/>
-                <a:sym typeface="Open Sans"/>
-                <a:hlinkClick r:id="rId4"/>
-              </a:rPr>
-              <a:t>-lecture</a:t>
-            </a:r>
-            <a:r>
-              <a:rPr lang="en-US" sz="2400" b="1" dirty="0" smtClean="0">
-                <a:solidFill>
-                  <a:srgbClr val="4A86E8"/>
-                </a:solidFill>
-                <a:latin typeface="Open Sans"/>
-                <a:ea typeface="Open Sans"/>
-                <a:cs typeface="Open Sans"/>
-                <a:sym typeface="Open Sans"/>
-              </a:rPr>
-              <a:t> </a:t>
-            </a:r>
-          </a:p>
-          <a:p>
-            <a:pPr marL="457200" lvl="0" indent="-381000">
-              <a:buClr>
-                <a:srgbClr val="F3F3F3"/>
-              </a:buClr>
-              <a:buSzPct val="100000"/>
-              <a:buFont typeface="Open Sans"/>
-              <a:buAutoNum type="arabicPeriod"/>
-            </a:pPr>
-            <a:r>
-              <a:rPr lang="en-US" sz="2400" b="1" dirty="0" smtClean="0">
-                <a:solidFill>
-                  <a:srgbClr val="4A86E8"/>
-                </a:solidFill>
-                <a:latin typeface="Open Sans"/>
-                <a:ea typeface="Open Sans"/>
-                <a:cs typeface="Open Sans"/>
-                <a:sym typeface="Open Sans"/>
-              </a:rPr>
-              <a:t>Run </a:t>
-            </a:r>
-            <a:r>
-              <a:rPr lang="en-US" sz="2400" b="1" dirty="0" err="1" smtClean="0">
-                <a:solidFill>
-                  <a:srgbClr val="4A86E8"/>
-                </a:solidFill>
-                <a:latin typeface="Open Sans"/>
-                <a:ea typeface="Open Sans"/>
-                <a:cs typeface="Open Sans"/>
-                <a:sym typeface="Open Sans"/>
-              </a:rPr>
-              <a:t>Bind.R</a:t>
-            </a:r>
-            <a:r>
-              <a:rPr lang="en-US" sz="2400" b="1" dirty="0" smtClean="0">
-                <a:solidFill>
-                  <a:srgbClr val="4A86E8"/>
-                </a:solidFill>
-                <a:latin typeface="Open Sans"/>
-                <a:ea typeface="Open Sans"/>
-                <a:cs typeface="Open Sans"/>
-                <a:sym typeface="Open Sans"/>
-              </a:rPr>
-              <a:t> and </a:t>
-            </a:r>
-            <a:r>
-              <a:rPr lang="en-US" sz="2400" b="1" dirty="0" err="1" smtClean="0">
-                <a:solidFill>
-                  <a:srgbClr val="4A86E8"/>
-                </a:solidFill>
-                <a:latin typeface="Open Sans"/>
-                <a:ea typeface="Open Sans"/>
-                <a:cs typeface="Open Sans"/>
-                <a:sym typeface="Open Sans"/>
-              </a:rPr>
-              <a:t>serv.R</a:t>
-            </a:r>
-            <a:endParaRPr lang="en-US" sz="2400" b="1" dirty="0" smtClean="0">
-              <a:solidFill>
-                <a:srgbClr val="4A86E8"/>
-              </a:solidFill>
-              <a:latin typeface="Open Sans"/>
-              <a:ea typeface="Open Sans"/>
-              <a:cs typeface="Open Sans"/>
-              <a:sym typeface="Open Sans"/>
-            </a:endParaRPr>
-          </a:p>
-          <a:p>
-            <a:pPr marL="457200" lvl="0" indent="-381000">
-              <a:buClr>
-                <a:srgbClr val="F3F3F3"/>
-              </a:buClr>
-              <a:buSzPct val="100000"/>
-              <a:buFont typeface="Open Sans"/>
-              <a:buAutoNum type="arabicPeriod"/>
-            </a:pPr>
-            <a:r>
-              <a:rPr lang="en-US" sz="2400" b="1" dirty="0" smtClean="0">
-                <a:solidFill>
-                  <a:srgbClr val="4A86E8"/>
-                </a:solidFill>
-                <a:latin typeface="Open Sans"/>
-                <a:ea typeface="Open Sans"/>
-                <a:cs typeface="Open Sans"/>
-                <a:sym typeface="Open Sans"/>
-              </a:rPr>
-              <a:t>(On paper) design and sketch a better (but also transitioning) visualization</a:t>
-            </a:r>
-            <a:endParaRPr lang="en-US" sz="2400" b="1" dirty="0">
-              <a:solidFill>
-                <a:srgbClr val="4A86E8"/>
-              </a:solidFill>
-              <a:latin typeface="Open Sans"/>
-              <a:ea typeface="Open Sans"/>
-              <a:cs typeface="Open Sans"/>
-              <a:sym typeface="Open Sans"/>
-            </a:endParaRPr>
-          </a:p>
-        </p:txBody>
-      </p:sp>
-    </p:spTree>
-  </p:cSld>
-  <p:clrMapOvr>
-    <a:masterClrMapping/>
-  </p:clrMapOvr>
-  <p:timing>
-    <p:tnLst>
-      <p:par>
-        <p:cTn id="1" dur="indefinite" restart="never" nodeType="tmRoot"/>
-      </p:par>
-    </p:tnLst>
-  </p:timing>
-</p:sld>
-</file>
-
 <file path=ppt/slides/slide19.xml><?xml version="1.0" encoding="utf-8"?>
 <p:sld xmlns:a="http://schemas.openxmlformats.org/drawingml/2006/main" xmlns:r="http://schemas.openxmlformats.org/officeDocument/2006/relationships" xmlns:p="http://schemas.openxmlformats.org/presentationml/2006/main">
   <p:cSld>
@@ -14783,10 +14890,6 @@
             <a:r>
               <a:rPr lang="en-US" dirty="0" smtClean="0"/>
               <a:t>How do I go from nothing to my hypothesis? </a:t>
-            </a:r>
-            <a:r>
-              <a:rPr lang="en-US" dirty="0" smtClean="0"/>
-              <a:t/>
             </a:r>
             <a:br>
               <a:rPr lang="en-US" dirty="0" smtClean="0"/>
@@ -17331,468 +17434,6 @@
   <p:cSld>
     <p:spTree>
       <p:nvGrpSpPr>
-        <p:cNvPr id="1" name="Shape 344"/>
-        <p:cNvGrpSpPr/>
-        <p:nvPr/>
-      </p:nvGrpSpPr>
-      <p:grpSpPr>
-        <a:xfrm>
-          <a:off x="0" y="0"/>
-          <a:ext cx="0" cy="0"/>
-          <a:chOff x="0" y="0"/>
-          <a:chExt cx="0" cy="0"/>
-        </a:xfrm>
-      </p:grpSpPr>
-      <p:pic>
-        <p:nvPicPr>
-          <p:cNvPr id="345" name="Shape 345"/>
-          <p:cNvPicPr preferRelativeResize="0"/>
-          <p:nvPr/>
-        </p:nvPicPr>
-        <p:blipFill>
-          <a:blip r:embed="rId3">
-            <a:alphaModFix/>
-            <a:extLst>
-              <a:ext uri="{BEBA8EAE-BF5A-486C-A8C5-ECC9F3942E4B}">
-                <a14:imgProps xmlns:a14="http://schemas.microsoft.com/office/drawing/2010/main">
-                  <a14:imgLayer r:embed="rId4">
-                    <a14:imgEffect>
-                      <a14:artisticGlass/>
-                    </a14:imgEffect>
-                  </a14:imgLayer>
-                </a14:imgProps>
-              </a:ext>
-            </a:extLst>
-          </a:blip>
-          <a:stretch>
-            <a:fillRect/>
-          </a:stretch>
-        </p:blipFill>
-        <p:spPr>
-          <a:xfrm>
-            <a:off x="-914400" y="0"/>
-            <a:ext cx="12191998" cy="6857999"/>
-          </a:xfrm>
-          <a:prstGeom prst="rect">
-            <a:avLst/>
-          </a:prstGeom>
-          <a:noFill/>
-          <a:ln>
-            <a:noFill/>
-          </a:ln>
-        </p:spPr>
-      </p:pic>
-      <p:sp>
-        <p:nvSpPr>
-          <p:cNvPr id="346" name="Shape 346"/>
-          <p:cNvSpPr txBox="1"/>
-          <p:nvPr/>
-        </p:nvSpPr>
-        <p:spPr>
-          <a:xfrm>
-            <a:off x="-119669" y="-220890"/>
-            <a:ext cx="9358800" cy="4709100"/>
-          </a:xfrm>
-          <a:prstGeom prst="rect">
-            <a:avLst/>
-          </a:prstGeom>
-          <a:noFill/>
-          <a:ln>
-            <a:noFill/>
-          </a:ln>
-        </p:spPr>
-        <p:txBody>
-          <a:bodyPr lIns="91425" tIns="45700" rIns="91425" bIns="45700" anchor="t" anchorCtr="0">
-            <a:noAutofit/>
-          </a:bodyPr>
-          <a:lstStyle/>
-          <a:p>
-            <a:pPr marL="0" marR="0" lvl="0" indent="0" algn="ctr" rtl="0">
-              <a:spcBef>
-                <a:spcPts val="0"/>
-              </a:spcBef>
-              <a:buSzPct val="25000"/>
-              <a:buNone/>
-            </a:pPr>
-            <a:r>
-              <a:rPr lang="en-US" sz="12500" smtClean="0">
-                <a:solidFill>
-                  <a:srgbClr val="666666"/>
-                </a:solidFill>
-                <a:latin typeface="Cabin"/>
-                <a:ea typeface="Cabin"/>
-                <a:cs typeface="Cabin"/>
-                <a:sym typeface="Cabin"/>
-              </a:rPr>
-              <a:t>In-Class</a:t>
-            </a:r>
-            <a:r>
-              <a:rPr lang="en-US" sz="15000" smtClean="0">
-                <a:solidFill>
-                  <a:srgbClr val="666666"/>
-                </a:solidFill>
-                <a:latin typeface="Cabin"/>
-                <a:ea typeface="Cabin"/>
-                <a:cs typeface="Cabin"/>
-                <a:sym typeface="Cabin"/>
-              </a:rPr>
-              <a:t> </a:t>
-            </a:r>
-            <a:r>
-              <a:rPr lang="en-US" sz="15000" dirty="0">
-                <a:solidFill>
-                  <a:srgbClr val="666666"/>
-                </a:solidFill>
-                <a:latin typeface="Cabin"/>
-                <a:ea typeface="Cabin"/>
-                <a:cs typeface="Cabin"/>
-                <a:sym typeface="Cabin"/>
-              </a:rPr>
-              <a:t>Exercise 2</a:t>
-            </a:r>
-          </a:p>
-        </p:txBody>
-      </p:sp>
-      <p:sp>
-        <p:nvSpPr>
-          <p:cNvPr id="347" name="Shape 347"/>
-          <p:cNvSpPr txBox="1"/>
-          <p:nvPr/>
-        </p:nvSpPr>
-        <p:spPr>
-          <a:xfrm>
-            <a:off x="887225" y="5791200"/>
-            <a:ext cx="8161500" cy="1066700"/>
-          </a:xfrm>
-          <a:prstGeom prst="rect">
-            <a:avLst/>
-          </a:prstGeom>
-          <a:solidFill>
-            <a:srgbClr val="212121"/>
-          </a:solidFill>
-          <a:ln>
-            <a:noFill/>
-          </a:ln>
-        </p:spPr>
-        <p:txBody>
-          <a:bodyPr lIns="91425" tIns="91425" rIns="91425" bIns="91425" anchor="t" anchorCtr="0">
-            <a:noAutofit/>
-          </a:bodyPr>
-          <a:lstStyle/>
-          <a:p>
-            <a:pPr marL="76200" lvl="0" rtl="0">
-              <a:spcBef>
-                <a:spcPts val="0"/>
-              </a:spcBef>
-              <a:buClr>
-                <a:srgbClr val="F3F3F3"/>
-              </a:buClr>
-              <a:buSzPct val="100000"/>
-            </a:pPr>
-            <a:r>
-              <a:rPr lang="en-US" sz="2400" b="1" dirty="0" smtClean="0">
-                <a:solidFill>
-                  <a:srgbClr val="F3F3F3"/>
-                </a:solidFill>
-                <a:latin typeface="Open Sans"/>
-                <a:ea typeface="Open Sans"/>
-                <a:cs typeface="Open Sans"/>
-                <a:sym typeface="Open Sans"/>
-              </a:rPr>
-              <a:t>Modify index.html to reflect your changes (Note: I don’t necessarily expect you to finish this now)</a:t>
-            </a:r>
-          </a:p>
-          <a:p>
-            <a:pPr marL="76200" lvl="0" rtl="0">
-              <a:spcBef>
-                <a:spcPts val="0"/>
-              </a:spcBef>
-              <a:buClr>
-                <a:srgbClr val="F3F3F3"/>
-              </a:buClr>
-              <a:buSzPct val="100000"/>
-            </a:pPr>
-            <a:endParaRPr lang="en-US" sz="2400" b="1" dirty="0">
-              <a:solidFill>
-                <a:srgbClr val="F3F3F3"/>
-              </a:solidFill>
-              <a:latin typeface="Open Sans"/>
-              <a:ea typeface="Open Sans"/>
-              <a:cs typeface="Open Sans"/>
-              <a:sym typeface="Open Sans"/>
-            </a:endParaRPr>
-          </a:p>
-        </p:txBody>
-      </p:sp>
-    </p:spTree>
-  </p:cSld>
-  <p:clrMapOvr>
-    <a:masterClrMapping/>
-  </p:clrMapOvr>
-  <p:timing>
-    <p:tnLst>
-      <p:par>
-        <p:cTn id="1" dur="indefinite" restart="never" nodeType="tmRoot"/>
-      </p:par>
-    </p:tnLst>
-  </p:timing>
-</p:sld>
-</file>
-
-<file path=ppt/slides/slide25.xml><?xml version="1.0" encoding="utf-8"?>
-<p:sld xmlns:a="http://schemas.openxmlformats.org/drawingml/2006/main" xmlns:r="http://schemas.openxmlformats.org/officeDocument/2006/relationships" xmlns:p="http://schemas.openxmlformats.org/presentationml/2006/main">
-  <p:cSld>
-    <p:spTree>
-      <p:nvGrpSpPr>
-        <p:cNvPr id="1" name="Shape 301"/>
-        <p:cNvGrpSpPr/>
-        <p:nvPr/>
-      </p:nvGrpSpPr>
-      <p:grpSpPr>
-        <a:xfrm>
-          <a:off x="0" y="0"/>
-          <a:ext cx="0" cy="0"/>
-          <a:chOff x="0" y="0"/>
-          <a:chExt cx="0" cy="0"/>
-        </a:xfrm>
-      </p:grpSpPr>
-      <p:sp>
-        <p:nvSpPr>
-          <p:cNvPr id="302" name="Shape 302"/>
-          <p:cNvSpPr txBox="1">
-            <a:spLocks noGrp="1"/>
-          </p:cNvSpPr>
-          <p:nvPr>
-            <p:ph type="title"/>
-          </p:nvPr>
-        </p:nvSpPr>
-        <p:spPr>
-          <a:xfrm>
-            <a:off x="628650" y="365125"/>
-            <a:ext cx="7886700" cy="1325700"/>
-          </a:xfrm>
-          <a:prstGeom prst="rect">
-            <a:avLst/>
-          </a:prstGeom>
-          <a:noFill/>
-          <a:ln>
-            <a:noFill/>
-          </a:ln>
-        </p:spPr>
-        <p:txBody>
-          <a:bodyPr lIns="91425" tIns="45700" rIns="91425" bIns="45700" anchor="ctr" anchorCtr="0">
-            <a:noAutofit/>
-          </a:bodyPr>
-          <a:lstStyle/>
-          <a:p>
-            <a:pPr marL="0" marR="0" lvl="0" indent="0" algn="l" rtl="0">
-              <a:lnSpc>
-                <a:spcPct val="90000"/>
-              </a:lnSpc>
-              <a:spcBef>
-                <a:spcPts val="0"/>
-              </a:spcBef>
-              <a:buClr>
-                <a:schemeClr val="lt1"/>
-              </a:buClr>
-              <a:buSzPct val="25000"/>
-              <a:buFont typeface="Cabin"/>
-              <a:buNone/>
-            </a:pPr>
-            <a:r>
-              <a:rPr lang="en-US" dirty="0"/>
-              <a:t>Data science </a:t>
-            </a:r>
-            <a:r>
-              <a:rPr lang="en-US" dirty="0" smtClean="0"/>
-              <a:t>workflow</a:t>
-            </a:r>
-            <a:endParaRPr lang="en-US" dirty="0"/>
-          </a:p>
-        </p:txBody>
-      </p:sp>
-      <p:sp>
-        <p:nvSpPr>
-          <p:cNvPr id="303" name="Shape 303"/>
-          <p:cNvSpPr txBox="1">
-            <a:spLocks noGrp="1"/>
-          </p:cNvSpPr>
-          <p:nvPr>
-            <p:ph type="body" idx="1"/>
-          </p:nvPr>
-        </p:nvSpPr>
-        <p:spPr>
-          <a:xfrm>
-            <a:off x="628650" y="1825625"/>
-            <a:ext cx="7886700" cy="4351200"/>
-          </a:xfrm>
-          <a:prstGeom prst="rect">
-            <a:avLst/>
-          </a:prstGeom>
-          <a:noFill/>
-          <a:ln>
-            <a:noFill/>
-          </a:ln>
-        </p:spPr>
-        <p:txBody>
-          <a:bodyPr lIns="91425" tIns="45700" rIns="91425" bIns="45700" anchor="t" anchorCtr="0">
-            <a:noAutofit/>
-          </a:bodyPr>
-          <a:lstStyle/>
-          <a:p>
-            <a:pPr marL="457200" marR="0" lvl="0" indent="-228600" algn="l" rtl="0">
-              <a:lnSpc>
-                <a:spcPct val="90000"/>
-              </a:lnSpc>
-              <a:spcBef>
-                <a:spcPts val="0"/>
-              </a:spcBef>
-              <a:buAutoNum type="arabicPeriod"/>
-            </a:pPr>
-            <a:r>
-              <a:rPr lang="en-US" sz="2400" dirty="0"/>
-              <a:t>Scope out the problem or question</a:t>
-            </a:r>
-          </a:p>
-          <a:p>
-            <a:pPr marL="457200" marR="0" lvl="0" indent="-228600" algn="l" rtl="0">
-              <a:lnSpc>
-                <a:spcPct val="90000"/>
-              </a:lnSpc>
-              <a:spcBef>
-                <a:spcPts val="0"/>
-              </a:spcBef>
-              <a:buAutoNum type="arabicPeriod"/>
-            </a:pPr>
-            <a:r>
-              <a:rPr lang="en-US" sz="2400" dirty="0"/>
-              <a:t>Knowledge search: Research and </a:t>
-            </a:r>
-            <a:r>
-              <a:rPr lang="en-US" sz="2400" dirty="0" err="1"/>
-              <a:t>sensemaking</a:t>
-            </a:r>
-            <a:r>
-              <a:rPr lang="en-US" sz="2400" dirty="0"/>
-              <a:t> </a:t>
-            </a:r>
-          </a:p>
-          <a:p>
-            <a:pPr marL="457200" marR="0" lvl="0" indent="-228600" algn="l" rtl="0">
-              <a:lnSpc>
-                <a:spcPct val="90000"/>
-              </a:lnSpc>
-              <a:spcBef>
-                <a:spcPts val="0"/>
-              </a:spcBef>
-              <a:buAutoNum type="arabicPeriod"/>
-            </a:pPr>
-            <a:r>
-              <a:rPr lang="en-US" sz="2400" dirty="0"/>
-              <a:t>Data retrieval; extract, transform, load (ETL)</a:t>
-            </a:r>
-          </a:p>
-          <a:p>
-            <a:pPr marL="457200" marR="0" lvl="0" indent="-228600" algn="l" rtl="0">
-              <a:lnSpc>
-                <a:spcPct val="90000"/>
-              </a:lnSpc>
-              <a:spcBef>
-                <a:spcPts val="0"/>
-              </a:spcBef>
-              <a:buAutoNum type="arabicPeriod"/>
-            </a:pPr>
-            <a:r>
-              <a:rPr lang="en-US" sz="2400" dirty="0"/>
-              <a:t>Exploratory analysis</a:t>
-            </a:r>
-          </a:p>
-          <a:p>
-            <a:pPr marL="457200" marR="0" lvl="0" indent="-228600" algn="l" rtl="0">
-              <a:lnSpc>
-                <a:spcPct val="90000"/>
-              </a:lnSpc>
-              <a:spcBef>
-                <a:spcPts val="0"/>
-              </a:spcBef>
-              <a:buAutoNum type="arabicPeriod"/>
-            </a:pPr>
-            <a:r>
-              <a:rPr lang="en-US" sz="2400" dirty="0"/>
-              <a:t>Modeling </a:t>
-            </a:r>
-          </a:p>
-          <a:p>
-            <a:pPr marL="457200" marR="0" lvl="0" indent="-228600" algn="l" rtl="0">
-              <a:lnSpc>
-                <a:spcPct val="90000"/>
-              </a:lnSpc>
-              <a:spcBef>
-                <a:spcPts val="0"/>
-              </a:spcBef>
-            </a:pPr>
-            <a:r>
-              <a:rPr lang="en-US" sz="3200" b="1" dirty="0" smtClean="0"/>
-              <a:t>System-building</a:t>
-            </a:r>
-            <a:endParaRPr lang="en-US" sz="3200" b="1" dirty="0"/>
-          </a:p>
-          <a:p>
-            <a:pPr marL="457200" marR="0" lvl="0" indent="-228600" algn="l" rtl="0">
-              <a:lnSpc>
-                <a:spcPct val="90000"/>
-              </a:lnSpc>
-              <a:spcBef>
-                <a:spcPts val="0"/>
-              </a:spcBef>
-            </a:pPr>
-            <a:r>
-              <a:rPr lang="en-US" sz="3200" b="1" dirty="0"/>
-              <a:t>Versioning/archival</a:t>
-            </a:r>
-          </a:p>
-          <a:p>
-            <a:pPr marL="457200" marR="0" lvl="0" indent="-228600" algn="l" rtl="0">
-              <a:lnSpc>
-                <a:spcPct val="90000"/>
-              </a:lnSpc>
-              <a:spcBef>
-                <a:spcPts val="0"/>
-              </a:spcBef>
-            </a:pPr>
-            <a:r>
-              <a:rPr lang="en-US" sz="3200" b="1" dirty="0"/>
-              <a:t>Communication</a:t>
-            </a:r>
-            <a:endParaRPr lang="en-US" sz="3600" b="1" dirty="0"/>
-          </a:p>
-        </p:txBody>
-      </p:sp>
-    </p:spTree>
-    <p:extLst>
-      <p:ext uri="{BB962C8B-B14F-4D97-AF65-F5344CB8AC3E}">
-        <p14:creationId xmlns:p14="http://schemas.microsoft.com/office/powerpoint/2010/main" val="2185848171"/>
-      </p:ext>
-    </p:extLst>
-  </p:cSld>
-  <p:clrMapOvr>
-    <a:masterClrMapping/>
-  </p:clrMapOvr>
-  <p:timing>
-    <p:tnLst>
-      <p:par>
-        <p:cTn id="1" dur="indefinite" restart="never" nodeType="tmRoot"/>
-      </p:par>
-    </p:tnLst>
-  </p:timing>
-</p:sld>
-</file>
-
-<file path=ppt/slides/slide26.xml><?xml version="1.0" encoding="utf-8"?>
-<p:sld xmlns:a="http://schemas.openxmlformats.org/drawingml/2006/main" xmlns:r="http://schemas.openxmlformats.org/officeDocument/2006/relationships" xmlns:p="http://schemas.openxmlformats.org/presentationml/2006/main">
-  <p:cSld>
-    <p:spTree>
-      <p:nvGrpSpPr>
         <p:cNvPr id="1" name=""/>
         <p:cNvGrpSpPr/>
         <p:nvPr/>
@@ -18783,7 +18424,7 @@
 </p:sld>
 </file>
 
-<file path=ppt/slides/slide27.xml><?xml version="1.0" encoding="utf-8"?>
+<file path=ppt/slides/slide25.xml><?xml version="1.0" encoding="utf-8"?>
 <p:sld xmlns:a="http://schemas.openxmlformats.org/drawingml/2006/main" xmlns:r="http://schemas.openxmlformats.org/officeDocument/2006/relationships" xmlns:p="http://schemas.openxmlformats.org/presentationml/2006/main">
   <p:cSld>
     <p:spTree>
@@ -18889,7 +18530,7 @@
                 <a:cs typeface="Cabin"/>
                 <a:sym typeface="Cabin"/>
               </a:rPr>
-              <a:t>27</a:t>
+              <a:t>25</a:t>
             </a:fld>
             <a:endParaRPr lang="en-US" sz="1200">
               <a:solidFill>
@@ -19825,7 +19466,7 @@
 </p:sld>
 </file>
 
-<file path=ppt/slides/slide28.xml><?xml version="1.0" encoding="utf-8"?>
+<file path=ppt/slides/slide26.xml><?xml version="1.0" encoding="utf-8"?>
 <p:sld xmlns:a="http://schemas.openxmlformats.org/drawingml/2006/main" xmlns:r="http://schemas.openxmlformats.org/officeDocument/2006/relationships" xmlns:p="http://schemas.openxmlformats.org/presentationml/2006/main">
   <p:cSld>
     <p:spTree>
@@ -20927,11 +20568,6 @@
               </a:rPr>
               <a:t>Summarize</a:t>
             </a:r>
-            <a:endParaRPr lang="en-US" sz="2000" dirty="0" smtClean="0">
-              <a:solidFill>
-                <a:srgbClr val="FF0000"/>
-              </a:solidFill>
-            </a:endParaRPr>
           </a:p>
         </p:txBody>
       </p:sp>
@@ -21018,11 +20654,6 @@
               </a:rPr>
               <a:t>Model</a:t>
             </a:r>
-            <a:endParaRPr lang="en-US" sz="2000" dirty="0" smtClean="0">
-              <a:solidFill>
-                <a:srgbClr val="FF0000"/>
-              </a:solidFill>
-            </a:endParaRPr>
           </a:p>
         </p:txBody>
       </p:sp>
@@ -21267,6 +20898,468 @@
   <p:clrMapOvr>
     <a:masterClrMapping/>
   </p:clrMapOvr>
+</p:sld>
+</file>
+
+<file path=ppt/slides/slide27.xml><?xml version="1.0" encoding="utf-8"?>
+<p:sld xmlns:a="http://schemas.openxmlformats.org/drawingml/2006/main" xmlns:r="http://schemas.openxmlformats.org/officeDocument/2006/relationships" xmlns:p="http://schemas.openxmlformats.org/presentationml/2006/main">
+  <p:cSld>
+    <p:spTree>
+      <p:nvGrpSpPr>
+        <p:cNvPr id="1" name="Shape 301"/>
+        <p:cNvGrpSpPr/>
+        <p:nvPr/>
+      </p:nvGrpSpPr>
+      <p:grpSpPr>
+        <a:xfrm>
+          <a:off x="0" y="0"/>
+          <a:ext cx="0" cy="0"/>
+          <a:chOff x="0" y="0"/>
+          <a:chExt cx="0" cy="0"/>
+        </a:xfrm>
+      </p:grpSpPr>
+      <p:sp>
+        <p:nvSpPr>
+          <p:cNvPr id="302" name="Shape 302"/>
+          <p:cNvSpPr txBox="1">
+            <a:spLocks noGrp="1"/>
+          </p:cNvSpPr>
+          <p:nvPr>
+            <p:ph type="title"/>
+          </p:nvPr>
+        </p:nvSpPr>
+        <p:spPr>
+          <a:xfrm>
+            <a:off x="628650" y="365125"/>
+            <a:ext cx="7886700" cy="1325700"/>
+          </a:xfrm>
+          <a:prstGeom prst="rect">
+            <a:avLst/>
+          </a:prstGeom>
+          <a:noFill/>
+          <a:ln>
+            <a:noFill/>
+          </a:ln>
+        </p:spPr>
+        <p:txBody>
+          <a:bodyPr lIns="91425" tIns="45700" rIns="91425" bIns="45700" anchor="ctr" anchorCtr="0">
+            <a:noAutofit/>
+          </a:bodyPr>
+          <a:lstStyle/>
+          <a:p>
+            <a:pPr marL="0" marR="0" lvl="0" indent="0" algn="l" rtl="0">
+              <a:lnSpc>
+                <a:spcPct val="90000"/>
+              </a:lnSpc>
+              <a:spcBef>
+                <a:spcPts val="0"/>
+              </a:spcBef>
+              <a:buClr>
+                <a:schemeClr val="lt1"/>
+              </a:buClr>
+              <a:buSzPct val="25000"/>
+              <a:buFont typeface="Cabin"/>
+              <a:buNone/>
+            </a:pPr>
+            <a:r>
+              <a:rPr lang="en-US" dirty="0"/>
+              <a:t>Data science </a:t>
+            </a:r>
+            <a:r>
+              <a:rPr lang="en-US" dirty="0" smtClean="0"/>
+              <a:t>workflow</a:t>
+            </a:r>
+            <a:endParaRPr lang="en-US" dirty="0"/>
+          </a:p>
+        </p:txBody>
+      </p:sp>
+      <p:sp>
+        <p:nvSpPr>
+          <p:cNvPr id="303" name="Shape 303"/>
+          <p:cNvSpPr txBox="1">
+            <a:spLocks noGrp="1"/>
+          </p:cNvSpPr>
+          <p:nvPr>
+            <p:ph type="body" idx="1"/>
+          </p:nvPr>
+        </p:nvSpPr>
+        <p:spPr>
+          <a:xfrm>
+            <a:off x="628650" y="1825625"/>
+            <a:ext cx="7886700" cy="4351200"/>
+          </a:xfrm>
+          <a:prstGeom prst="rect">
+            <a:avLst/>
+          </a:prstGeom>
+          <a:noFill/>
+          <a:ln>
+            <a:noFill/>
+          </a:ln>
+        </p:spPr>
+        <p:txBody>
+          <a:bodyPr lIns="91425" tIns="45700" rIns="91425" bIns="45700" anchor="t" anchorCtr="0">
+            <a:noAutofit/>
+          </a:bodyPr>
+          <a:lstStyle/>
+          <a:p>
+            <a:pPr marL="457200" marR="0" lvl="0" indent="-228600" algn="l" rtl="0">
+              <a:lnSpc>
+                <a:spcPct val="90000"/>
+              </a:lnSpc>
+              <a:spcBef>
+                <a:spcPts val="0"/>
+              </a:spcBef>
+              <a:buAutoNum type="arabicPeriod"/>
+            </a:pPr>
+            <a:r>
+              <a:rPr lang="en-US" sz="2400" dirty="0"/>
+              <a:t>Scope out the problem or question</a:t>
+            </a:r>
+          </a:p>
+          <a:p>
+            <a:pPr marL="457200" marR="0" lvl="0" indent="-228600" algn="l" rtl="0">
+              <a:lnSpc>
+                <a:spcPct val="90000"/>
+              </a:lnSpc>
+              <a:spcBef>
+                <a:spcPts val="0"/>
+              </a:spcBef>
+              <a:buAutoNum type="arabicPeriod"/>
+            </a:pPr>
+            <a:r>
+              <a:rPr lang="en-US" sz="2400" dirty="0"/>
+              <a:t>Knowledge search: Research and </a:t>
+            </a:r>
+            <a:r>
+              <a:rPr lang="en-US" sz="2400" dirty="0" err="1"/>
+              <a:t>sensemaking</a:t>
+            </a:r>
+            <a:r>
+              <a:rPr lang="en-US" sz="2400" dirty="0"/>
+              <a:t> </a:t>
+            </a:r>
+          </a:p>
+          <a:p>
+            <a:pPr marL="457200" marR="0" lvl="0" indent="-228600" algn="l" rtl="0">
+              <a:lnSpc>
+                <a:spcPct val="90000"/>
+              </a:lnSpc>
+              <a:spcBef>
+                <a:spcPts val="0"/>
+              </a:spcBef>
+              <a:buAutoNum type="arabicPeriod"/>
+            </a:pPr>
+            <a:r>
+              <a:rPr lang="en-US" sz="2400" dirty="0"/>
+              <a:t>Data retrieval; extract, transform, load (ETL)</a:t>
+            </a:r>
+          </a:p>
+          <a:p>
+            <a:pPr marL="457200" marR="0" lvl="0" indent="-228600" algn="l" rtl="0">
+              <a:lnSpc>
+                <a:spcPct val="90000"/>
+              </a:lnSpc>
+              <a:spcBef>
+                <a:spcPts val="0"/>
+              </a:spcBef>
+              <a:buAutoNum type="arabicPeriod"/>
+            </a:pPr>
+            <a:r>
+              <a:rPr lang="en-US" sz="2400" dirty="0"/>
+              <a:t>Exploratory analysis</a:t>
+            </a:r>
+          </a:p>
+          <a:p>
+            <a:pPr marL="457200" marR="0" lvl="0" indent="-228600" algn="l" rtl="0">
+              <a:lnSpc>
+                <a:spcPct val="90000"/>
+              </a:lnSpc>
+              <a:spcBef>
+                <a:spcPts val="0"/>
+              </a:spcBef>
+              <a:buAutoNum type="arabicPeriod"/>
+            </a:pPr>
+            <a:r>
+              <a:rPr lang="en-US" sz="2400" dirty="0"/>
+              <a:t>Modeling </a:t>
+            </a:r>
+          </a:p>
+          <a:p>
+            <a:pPr marL="457200" marR="0" lvl="0" indent="-228600" algn="l" rtl="0">
+              <a:lnSpc>
+                <a:spcPct val="90000"/>
+              </a:lnSpc>
+              <a:spcBef>
+                <a:spcPts val="0"/>
+              </a:spcBef>
+            </a:pPr>
+            <a:r>
+              <a:rPr lang="en-US" sz="3200" b="1" dirty="0" smtClean="0"/>
+              <a:t>System-building</a:t>
+            </a:r>
+            <a:endParaRPr lang="en-US" sz="3200" b="1" dirty="0"/>
+          </a:p>
+          <a:p>
+            <a:pPr marL="457200" marR="0" lvl="0" indent="-228600" algn="l" rtl="0">
+              <a:lnSpc>
+                <a:spcPct val="90000"/>
+              </a:lnSpc>
+              <a:spcBef>
+                <a:spcPts val="0"/>
+              </a:spcBef>
+            </a:pPr>
+            <a:r>
+              <a:rPr lang="en-US" sz="3200" b="1" dirty="0"/>
+              <a:t>Versioning/archival</a:t>
+            </a:r>
+          </a:p>
+          <a:p>
+            <a:pPr marL="457200" marR="0" lvl="0" indent="-228600" algn="l" rtl="0">
+              <a:lnSpc>
+                <a:spcPct val="90000"/>
+              </a:lnSpc>
+              <a:spcBef>
+                <a:spcPts val="0"/>
+              </a:spcBef>
+            </a:pPr>
+            <a:r>
+              <a:rPr lang="en-US" sz="3200" b="1" dirty="0"/>
+              <a:t>Communication</a:t>
+            </a:r>
+            <a:endParaRPr lang="en-US" sz="3600" b="1" dirty="0"/>
+          </a:p>
+        </p:txBody>
+      </p:sp>
+    </p:spTree>
+    <p:extLst>
+      <p:ext uri="{BB962C8B-B14F-4D97-AF65-F5344CB8AC3E}">
+        <p14:creationId xmlns:p14="http://schemas.microsoft.com/office/powerpoint/2010/main" val="2185848171"/>
+      </p:ext>
+    </p:extLst>
+  </p:cSld>
+  <p:clrMapOvr>
+    <a:masterClrMapping/>
+  </p:clrMapOvr>
+  <p:timing>
+    <p:tnLst>
+      <p:par>
+        <p:cTn id="1" dur="indefinite" restart="never" nodeType="tmRoot"/>
+      </p:par>
+    </p:tnLst>
+  </p:timing>
+</p:sld>
+</file>
+
+<file path=ppt/slides/slide28.xml><?xml version="1.0" encoding="utf-8"?>
+<p:sld xmlns:a="http://schemas.openxmlformats.org/drawingml/2006/main" xmlns:r="http://schemas.openxmlformats.org/officeDocument/2006/relationships" xmlns:p="http://schemas.openxmlformats.org/presentationml/2006/main">
+  <p:cSld>
+    <p:spTree>
+      <p:nvGrpSpPr>
+        <p:cNvPr id="1" name="Shape 344"/>
+        <p:cNvGrpSpPr/>
+        <p:nvPr/>
+      </p:nvGrpSpPr>
+      <p:grpSpPr>
+        <a:xfrm>
+          <a:off x="0" y="0"/>
+          <a:ext cx="0" cy="0"/>
+          <a:chOff x="0" y="0"/>
+          <a:chExt cx="0" cy="0"/>
+        </a:xfrm>
+      </p:grpSpPr>
+      <p:pic>
+        <p:nvPicPr>
+          <p:cNvPr id="345" name="Shape 345"/>
+          <p:cNvPicPr preferRelativeResize="0"/>
+          <p:nvPr/>
+        </p:nvPicPr>
+        <p:blipFill>
+          <a:blip r:embed="rId3">
+            <a:alphaModFix/>
+            <a:extLst>
+              <a:ext uri="{BEBA8EAE-BF5A-486C-A8C5-ECC9F3942E4B}">
+                <a14:imgProps xmlns:a14="http://schemas.microsoft.com/office/drawing/2010/main">
+                  <a14:imgLayer r:embed="rId4">
+                    <a14:imgEffect>
+                      <a14:artisticGlass/>
+                    </a14:imgEffect>
+                  </a14:imgLayer>
+                </a14:imgProps>
+              </a:ext>
+            </a:extLst>
+          </a:blip>
+          <a:stretch>
+            <a:fillRect/>
+          </a:stretch>
+        </p:blipFill>
+        <p:spPr>
+          <a:xfrm>
+            <a:off x="-914400" y="0"/>
+            <a:ext cx="12191998" cy="6857999"/>
+          </a:xfrm>
+          <a:prstGeom prst="rect">
+            <a:avLst/>
+          </a:prstGeom>
+          <a:noFill/>
+          <a:ln>
+            <a:noFill/>
+          </a:ln>
+        </p:spPr>
+      </p:pic>
+      <p:sp>
+        <p:nvSpPr>
+          <p:cNvPr id="346" name="Shape 346"/>
+          <p:cNvSpPr txBox="1"/>
+          <p:nvPr/>
+        </p:nvSpPr>
+        <p:spPr>
+          <a:xfrm>
+            <a:off x="-119669" y="-220890"/>
+            <a:ext cx="9358800" cy="4709100"/>
+          </a:xfrm>
+          <a:prstGeom prst="rect">
+            <a:avLst/>
+          </a:prstGeom>
+          <a:noFill/>
+          <a:ln>
+            <a:noFill/>
+          </a:ln>
+        </p:spPr>
+        <p:txBody>
+          <a:bodyPr lIns="91425" tIns="45700" rIns="91425" bIns="45700" anchor="t" anchorCtr="0">
+            <a:noAutofit/>
+          </a:bodyPr>
+          <a:lstStyle/>
+          <a:p>
+            <a:pPr marL="0" marR="0" lvl="0" indent="0" algn="ctr" rtl="0">
+              <a:spcBef>
+                <a:spcPts val="0"/>
+              </a:spcBef>
+              <a:buSzPct val="25000"/>
+              <a:buNone/>
+            </a:pPr>
+            <a:r>
+              <a:rPr lang="en-US" sz="12500" smtClean="0">
+                <a:solidFill>
+                  <a:srgbClr val="666666"/>
+                </a:solidFill>
+                <a:latin typeface="Cabin"/>
+                <a:ea typeface="Cabin"/>
+                <a:cs typeface="Cabin"/>
+                <a:sym typeface="Cabin"/>
+              </a:rPr>
+              <a:t>In-Class</a:t>
+            </a:r>
+            <a:r>
+              <a:rPr lang="en-US" sz="15000" smtClean="0">
+                <a:solidFill>
+                  <a:srgbClr val="666666"/>
+                </a:solidFill>
+                <a:latin typeface="Cabin"/>
+                <a:ea typeface="Cabin"/>
+                <a:cs typeface="Cabin"/>
+                <a:sym typeface="Cabin"/>
+              </a:rPr>
+              <a:t> </a:t>
+            </a:r>
+            <a:r>
+              <a:rPr lang="en-US" sz="15000" dirty="0">
+                <a:solidFill>
+                  <a:srgbClr val="666666"/>
+                </a:solidFill>
+                <a:latin typeface="Cabin"/>
+                <a:ea typeface="Cabin"/>
+                <a:cs typeface="Cabin"/>
+                <a:sym typeface="Cabin"/>
+              </a:rPr>
+              <a:t>Exercise 2</a:t>
+            </a:r>
+          </a:p>
+        </p:txBody>
+      </p:sp>
+      <p:sp>
+        <p:nvSpPr>
+          <p:cNvPr id="347" name="Shape 347"/>
+          <p:cNvSpPr txBox="1"/>
+          <p:nvPr/>
+        </p:nvSpPr>
+        <p:spPr>
+          <a:xfrm>
+            <a:off x="887225" y="5791200"/>
+            <a:ext cx="8161500" cy="1066700"/>
+          </a:xfrm>
+          <a:prstGeom prst="rect">
+            <a:avLst/>
+          </a:prstGeom>
+          <a:solidFill>
+            <a:srgbClr val="212121"/>
+          </a:solidFill>
+          <a:ln>
+            <a:noFill/>
+          </a:ln>
+        </p:spPr>
+        <p:txBody>
+          <a:bodyPr lIns="91425" tIns="91425" rIns="91425" bIns="91425" anchor="t" anchorCtr="0">
+            <a:noAutofit/>
+          </a:bodyPr>
+          <a:lstStyle/>
+          <a:p>
+            <a:pPr marL="76200" lvl="0" rtl="0">
+              <a:spcBef>
+                <a:spcPts val="0"/>
+              </a:spcBef>
+              <a:buClr>
+                <a:srgbClr val="F3F3F3"/>
+              </a:buClr>
+              <a:buSzPct val="100000"/>
+            </a:pPr>
+            <a:r>
+              <a:rPr lang="en-US" sz="2400" b="1" dirty="0" smtClean="0">
+                <a:solidFill>
+                  <a:srgbClr val="F3F3F3"/>
+                </a:solidFill>
+                <a:latin typeface="Open Sans"/>
+                <a:ea typeface="Open Sans"/>
+                <a:cs typeface="Open Sans"/>
+                <a:sym typeface="Open Sans"/>
+              </a:rPr>
+              <a:t>Modify index.html to reflect your changes (Note: I don’t necessarily expect you to finish this now)</a:t>
+            </a:r>
+          </a:p>
+          <a:p>
+            <a:pPr marL="76200" lvl="0" rtl="0">
+              <a:spcBef>
+                <a:spcPts val="0"/>
+              </a:spcBef>
+              <a:buClr>
+                <a:srgbClr val="F3F3F3"/>
+              </a:buClr>
+              <a:buSzPct val="100000"/>
+            </a:pPr>
+            <a:endParaRPr lang="en-US" sz="2400" b="1" dirty="0">
+              <a:solidFill>
+                <a:srgbClr val="F3F3F3"/>
+              </a:solidFill>
+              <a:latin typeface="Open Sans"/>
+              <a:ea typeface="Open Sans"/>
+              <a:cs typeface="Open Sans"/>
+              <a:sym typeface="Open Sans"/>
+            </a:endParaRPr>
+          </a:p>
+        </p:txBody>
+      </p:sp>
+    </p:spTree>
+  </p:cSld>
+  <p:clrMapOvr>
+    <a:masterClrMapping/>
+  </p:clrMapOvr>
+  <p:timing>
+    <p:tnLst>
+      <p:par>
+        <p:cTn id="1" dur="indefinite" restart="never" nodeType="tmRoot"/>
+      </p:par>
+    </p:tnLst>
+  </p:timing>
 </p:sld>
 </file>
 
@@ -21570,7 +21663,7 @@
             </a:pPr>
             <a:r>
               <a:rPr lang="en-US" dirty="0" smtClean="0"/>
-              <a:t>Extract</a:t>
+              <a:t>Activity: Extract</a:t>
             </a:r>
             <a:r>
               <a:rPr lang="en-US" dirty="0"/>
@@ -21657,8 +21750,8 @@
               <a:buFont typeface="Noto Sans Symbols"/>
             </a:pPr>
             <a:r>
-              <a:rPr lang="en-US" dirty="0"/>
-              <a:t>Streaming </a:t>
+              <a:rPr lang="en-US" dirty="0" smtClean="0"/>
+              <a:t>Activity: Streaming </a:t>
             </a:r>
             <a:r>
               <a:rPr lang="en-US" dirty="0" smtClean="0"/>
@@ -21747,6 +21840,104 @@
 </file>
 
 <file path=ppt/slides/slide30.xml><?xml version="1.0" encoding="utf-8"?>
+<p:sld xmlns:a="http://schemas.openxmlformats.org/drawingml/2006/main" xmlns:r="http://schemas.openxmlformats.org/officeDocument/2006/relationships" xmlns:p="http://schemas.openxmlformats.org/presentationml/2006/main">
+  <p:cSld>
+    <p:spTree>
+      <p:nvGrpSpPr>
+        <p:cNvPr id="1" name="Shape 215"/>
+        <p:cNvGrpSpPr/>
+        <p:nvPr/>
+      </p:nvGrpSpPr>
+      <p:grpSpPr>
+        <a:xfrm>
+          <a:off x="0" y="0"/>
+          <a:ext cx="0" cy="0"/>
+          <a:chOff x="0" y="0"/>
+          <a:chExt cx="0" cy="0"/>
+        </a:xfrm>
+      </p:grpSpPr>
+      <p:sp>
+        <p:nvSpPr>
+          <p:cNvPr id="217" name="Shape 217"/>
+          <p:cNvSpPr txBox="1">
+            <a:spLocks noGrp="1"/>
+          </p:cNvSpPr>
+          <p:nvPr>
+            <p:ph type="title"/>
+          </p:nvPr>
+        </p:nvSpPr>
+        <p:spPr>
+          <a:xfrm>
+            <a:off x="628650" y="1772034"/>
+            <a:ext cx="7886700" cy="4259100"/>
+          </a:xfrm>
+          <a:prstGeom prst="rect">
+            <a:avLst/>
+          </a:prstGeom>
+          <a:noFill/>
+          <a:ln>
+            <a:noFill/>
+          </a:ln>
+        </p:spPr>
+        <p:txBody>
+          <a:bodyPr lIns="91425" tIns="45700" rIns="91425" bIns="45700" anchor="ctr" anchorCtr="0">
+            <a:noAutofit/>
+          </a:bodyPr>
+          <a:lstStyle/>
+          <a:p>
+            <a:pPr marL="0" marR="0" lvl="0" indent="0" algn="ctr" rtl="0">
+              <a:lnSpc>
+                <a:spcPct val="90000"/>
+              </a:lnSpc>
+              <a:spcBef>
+                <a:spcPts val="0"/>
+              </a:spcBef>
+              <a:buClr>
+                <a:schemeClr val="lt1"/>
+              </a:buClr>
+              <a:buSzPct val="25000"/>
+              <a:buFont typeface="Cabin"/>
+              <a:buNone/>
+            </a:pPr>
+            <a:r>
+              <a:rPr lang="en-US" sz="4400" b="0" i="0" u="none" cap="none" dirty="0" smtClean="0">
+                <a:solidFill>
+                  <a:schemeClr val="lt1"/>
+                </a:solidFill>
+                <a:sym typeface="Cabin"/>
+              </a:rPr>
+              <a:t>[Roberto]</a:t>
+            </a:r>
+            <a:endParaRPr lang="en-US" sz="4400" b="0" i="0" u="none" cap="none" dirty="0" smtClean="0">
+              <a:solidFill>
+                <a:schemeClr val="lt1"/>
+              </a:solidFill>
+              <a:sym typeface="Cabin"/>
+            </a:endParaRPr>
+          </a:p>
+        </p:txBody>
+      </p:sp>
+    </p:spTree>
+    <p:extLst>
+      <p:ext uri="{BB962C8B-B14F-4D97-AF65-F5344CB8AC3E}">
+        <p14:creationId xmlns:p14="http://schemas.microsoft.com/office/powerpoint/2010/main" val="2456439335"/>
+      </p:ext>
+    </p:extLst>
+  </p:cSld>
+  <p:clrMapOvr>
+    <a:masterClrMapping/>
+  </p:clrMapOvr>
+  <p:timing>
+    <p:tnLst>
+      <p:par>
+        <p:cTn id="1" dur="indefinite" restart="never" nodeType="tmRoot"/>
+      </p:par>
+    </p:tnLst>
+  </p:timing>
+</p:sld>
+</file>
+
+<file path=ppt/slides/slide31.xml><?xml version="1.0" encoding="utf-8"?>
 <p:sld xmlns:a="http://schemas.openxmlformats.org/drawingml/2006/main" xmlns:r="http://schemas.openxmlformats.org/officeDocument/2006/relationships" xmlns:p="http://schemas.openxmlformats.org/presentationml/2006/main">
   <p:cSld>
     <p:bg>
